--- a/docs/logical-dim-schema.pptx
+++ b/docs/logical-dim-schema.pptx
@@ -3012,7 +3012,7 @@
             <a:p>
               <a:r>
                 <a:rPr lang="en-SG" sz="1200" dirty="0" err="1" smtClean="0"/>
-                <a:t>factDisease</a:t>
+                <a:t>factDengueCase</a:t>
               </a:r>
               <a:endParaRPr lang="en-SG" sz="1200" dirty="0" smtClean="0"/>
             </a:p>
@@ -3030,14 +3030,12 @@
                 <a:rPr lang="en-SG" sz="1200" dirty="0" smtClean="0"/>
                 <a:t>Latitude (PK)</a:t>
               </a:r>
-              <a:endParaRPr lang="en-SG" sz="1200" dirty="0" smtClean="0"/>
             </a:p>
             <a:p>
               <a:r>
                 <a:rPr lang="en-SG" sz="1200" dirty="0" smtClean="0"/>
                 <a:t>Longitude (PK)</a:t>
               </a:r>
-              <a:endParaRPr lang="en-SG" sz="1200" dirty="0" smtClean="0"/>
             </a:p>
             <a:p>
               <a:r>
@@ -3059,11 +3057,7 @@
               </a:r>
               <a:r>
                 <a:rPr lang="en-SG" sz="1200" dirty="0" smtClean="0"/>
-                <a:t> </a:t>
-              </a:r>
-              <a:r>
-                <a:rPr lang="en-SG" sz="1200" dirty="0" smtClean="0"/>
-                <a:t>(FK)</a:t>
+                <a:t> (FK)</a:t>
               </a:r>
             </a:p>
           </p:txBody>
@@ -3147,11 +3141,7 @@
             <a:p>
               <a:r>
                 <a:rPr lang="en-SG" sz="1200" dirty="0" err="1" smtClean="0"/>
-                <a:t>fact</a:t>
-              </a:r>
-              <a:r>
-                <a:rPr lang="en-SG" sz="1200" dirty="0" err="1" smtClean="0"/>
-                <a:t>Weather</a:t>
+                <a:t>factWeather</a:t>
               </a:r>
               <a:endParaRPr lang="en-SG" sz="1200" dirty="0" smtClean="0"/>
             </a:p>
@@ -3163,7 +3153,6 @@
                 <a:rPr lang="en-SG" sz="1200" dirty="0" smtClean="0"/>
                 <a:t>Date (PK) (FK)</a:t>
               </a:r>
-              <a:endParaRPr lang="en-SG" sz="1200" dirty="0" smtClean="0"/>
             </a:p>
             <a:p>
               <a:r>
@@ -3174,7 +3163,6 @@
                 <a:rPr lang="en-SG" sz="1200" dirty="0" smtClean="0"/>
                 <a:t> (PK) (FK)</a:t>
               </a:r>
-              <a:endParaRPr lang="en-SG" sz="1200" dirty="0" smtClean="0"/>
             </a:p>
             <a:p>
               <a:r>
@@ -3242,11 +3230,7 @@
             <a:p>
               <a:r>
                 <a:rPr lang="en-SG" sz="1200" dirty="0" err="1" smtClean="0"/>
-                <a:t>Mean</a:t>
-              </a:r>
-              <a:r>
-                <a:rPr lang="en-SG" sz="1200" dirty="0" err="1" smtClean="0"/>
-                <a:t>Humidity</a:t>
+                <a:t>MeanHumidity</a:t>
               </a:r>
               <a:endParaRPr lang="en-SG" sz="1200" dirty="0" smtClean="0"/>
             </a:p>
@@ -3388,7 +3372,6 @@
                 <a:rPr lang="en-SG" sz="1200" dirty="0" smtClean="0"/>
                 <a:t> (PK)</a:t>
               </a:r>
-              <a:endParaRPr lang="en-SG" sz="1200" dirty="0" smtClean="0"/>
             </a:p>
             <a:p>
               <a:r>
@@ -3402,7 +3385,6 @@
                 <a:rPr lang="en-SG" sz="1200" dirty="0" smtClean="0"/>
                 <a:t>Description</a:t>
               </a:r>
-              <a:endParaRPr lang="en-SG" sz="1200" dirty="0" smtClean="0"/>
             </a:p>
           </p:txBody>
         </p:sp>
@@ -3507,7 +3489,6 @@
                 <a:rPr lang="en-SG" sz="1200" dirty="0" smtClean="0"/>
                 <a:t>Address</a:t>
               </a:r>
-              <a:endParaRPr lang="en-SG" sz="1200" dirty="0" smtClean="0"/>
             </a:p>
             <a:p>
               <a:r>
@@ -3530,7 +3511,6 @@
                 <a:rPr lang="en-SG" sz="1200" dirty="0" smtClean="0"/>
                 <a:t> (FK)</a:t>
               </a:r>
-              <a:endParaRPr lang="en-SG" sz="1200" dirty="0" smtClean="0"/>
             </a:p>
           </p:txBody>
         </p:sp>
@@ -3946,11 +3926,7 @@
             <a:p>
               <a:r>
                 <a:rPr lang="en-SG" sz="1200" dirty="0" err="1" smtClean="0"/>
-                <a:t>WeekNum</a:t>
-              </a:r>
-              <a:r>
-                <a:rPr lang="en-SG" sz="1200" dirty="0" err="1" smtClean="0"/>
-                <a:t>ber</a:t>
+                <a:t>WeekNumber</a:t>
               </a:r>
               <a:endParaRPr lang="en-SG" sz="1200" dirty="0" smtClean="0"/>
             </a:p>
@@ -3959,14 +3935,12 @@
                 <a:rPr lang="en-SG" sz="1200" dirty="0" smtClean="0"/>
                 <a:t>Month</a:t>
               </a:r>
-              <a:endParaRPr lang="en-SG" sz="1200" dirty="0" smtClean="0"/>
             </a:p>
             <a:p>
               <a:r>
                 <a:rPr lang="en-SG" sz="1200" dirty="0" smtClean="0"/>
                 <a:t>Year</a:t>
               </a:r>
-              <a:endParaRPr lang="en-SG" sz="1200" dirty="0" smtClean="0"/>
             </a:p>
           </p:txBody>
         </p:sp>

--- a/docs/logical-dim-schema.pptx
+++ b/docs/logical-dim-schema.pptx
@@ -243,7 +243,7 @@
           <a:p>
             <a:fld id="{396868D5-0678-458C-B9C5-99CC38360805}" type="datetimeFigureOut">
               <a:rPr lang="en-SG" smtClean="0"/>
-              <a:t>26/9/2016</a:t>
+              <a:t>27/9/2016</a:t>
             </a:fld>
             <a:endParaRPr lang="en-SG"/>
           </a:p>
@@ -413,7 +413,7 @@
           <a:p>
             <a:fld id="{396868D5-0678-458C-B9C5-99CC38360805}" type="datetimeFigureOut">
               <a:rPr lang="en-SG" smtClean="0"/>
-              <a:t>26/9/2016</a:t>
+              <a:t>27/9/2016</a:t>
             </a:fld>
             <a:endParaRPr lang="en-SG"/>
           </a:p>
@@ -593,7 +593,7 @@
           <a:p>
             <a:fld id="{396868D5-0678-458C-B9C5-99CC38360805}" type="datetimeFigureOut">
               <a:rPr lang="en-SG" smtClean="0"/>
-              <a:t>26/9/2016</a:t>
+              <a:t>27/9/2016</a:t>
             </a:fld>
             <a:endParaRPr lang="en-SG"/>
           </a:p>
@@ -763,7 +763,7 @@
           <a:p>
             <a:fld id="{396868D5-0678-458C-B9C5-99CC38360805}" type="datetimeFigureOut">
               <a:rPr lang="en-SG" smtClean="0"/>
-              <a:t>26/9/2016</a:t>
+              <a:t>27/9/2016</a:t>
             </a:fld>
             <a:endParaRPr lang="en-SG"/>
           </a:p>
@@ -1009,7 +1009,7 @@
           <a:p>
             <a:fld id="{396868D5-0678-458C-B9C5-99CC38360805}" type="datetimeFigureOut">
               <a:rPr lang="en-SG" smtClean="0"/>
-              <a:t>26/9/2016</a:t>
+              <a:t>27/9/2016</a:t>
             </a:fld>
             <a:endParaRPr lang="en-SG"/>
           </a:p>
@@ -1241,7 +1241,7 @@
           <a:p>
             <a:fld id="{396868D5-0678-458C-B9C5-99CC38360805}" type="datetimeFigureOut">
               <a:rPr lang="en-SG" smtClean="0"/>
-              <a:t>26/9/2016</a:t>
+              <a:t>27/9/2016</a:t>
             </a:fld>
             <a:endParaRPr lang="en-SG"/>
           </a:p>
@@ -1608,7 +1608,7 @@
           <a:p>
             <a:fld id="{396868D5-0678-458C-B9C5-99CC38360805}" type="datetimeFigureOut">
               <a:rPr lang="en-SG" smtClean="0"/>
-              <a:t>26/9/2016</a:t>
+              <a:t>27/9/2016</a:t>
             </a:fld>
             <a:endParaRPr lang="en-SG"/>
           </a:p>
@@ -1726,7 +1726,7 @@
           <a:p>
             <a:fld id="{396868D5-0678-458C-B9C5-99CC38360805}" type="datetimeFigureOut">
               <a:rPr lang="en-SG" smtClean="0"/>
-              <a:t>26/9/2016</a:t>
+              <a:t>27/9/2016</a:t>
             </a:fld>
             <a:endParaRPr lang="en-SG"/>
           </a:p>
@@ -1821,7 +1821,7 @@
           <a:p>
             <a:fld id="{396868D5-0678-458C-B9C5-99CC38360805}" type="datetimeFigureOut">
               <a:rPr lang="en-SG" smtClean="0"/>
-              <a:t>26/9/2016</a:t>
+              <a:t>27/9/2016</a:t>
             </a:fld>
             <a:endParaRPr lang="en-SG"/>
           </a:p>
@@ -2098,7 +2098,7 @@
           <a:p>
             <a:fld id="{396868D5-0678-458C-B9C5-99CC38360805}" type="datetimeFigureOut">
               <a:rPr lang="en-SG" smtClean="0"/>
-              <a:t>26/9/2016</a:t>
+              <a:t>27/9/2016</a:t>
             </a:fld>
             <a:endParaRPr lang="en-SG"/>
           </a:p>
@@ -2351,7 +2351,7 @@
           <a:p>
             <a:fld id="{396868D5-0678-458C-B9C5-99CC38360805}" type="datetimeFigureOut">
               <a:rPr lang="en-SG" smtClean="0"/>
-              <a:t>26/9/2016</a:t>
+              <a:t>27/9/2016</a:t>
             </a:fld>
             <a:endParaRPr lang="en-SG"/>
           </a:p>
@@ -2564,7 +2564,7 @@
           <a:p>
             <a:fld id="{396868D5-0678-458C-B9C5-99CC38360805}" type="datetimeFigureOut">
               <a:rPr lang="en-SG" smtClean="0"/>
-              <a:t>26/9/2016</a:t>
+              <a:t>27/9/2016</a:t>
             </a:fld>
             <a:endParaRPr lang="en-SG"/>
           </a:p>
@@ -2977,7 +2977,7 @@
         </p:nvGrpSpPr>
         <p:grpSpPr>
           <a:xfrm>
-            <a:off x="3485093" y="1787345"/>
+            <a:off x="2557630" y="2074728"/>
             <a:ext cx="1200970" cy="1569660"/>
             <a:chOff x="4296229" y="798286"/>
             <a:chExt cx="1200970" cy="1569660"/>
@@ -3039,10 +3039,9 @@
             </a:p>
             <a:p>
               <a:r>
-                <a:rPr lang="en-SG" sz="1200" dirty="0" err="1" smtClean="0"/>
+                <a:rPr lang="en-SG" sz="1200" dirty="0" smtClean="0"/>
                 <a:t>NumberOfCases</a:t>
               </a:r>
-              <a:endParaRPr lang="en-SG" sz="1200" dirty="0" smtClean="0"/>
             </a:p>
             <a:p>
               <a:r>
@@ -3106,10 +3105,10 @@
         </p:nvGrpSpPr>
         <p:grpSpPr>
           <a:xfrm>
-            <a:off x="5610637" y="174223"/>
-            <a:ext cx="1844545" cy="3785652"/>
+            <a:off x="6776040" y="514373"/>
+            <a:ext cx="1844545" cy="3046988"/>
             <a:chOff x="4296229" y="798286"/>
-            <a:chExt cx="1172394" cy="3785652"/>
+            <a:chExt cx="1172394" cy="3046988"/>
           </a:xfrm>
         </p:grpSpPr>
         <p:sp>
@@ -3121,7 +3120,7 @@
           <p:spPr>
             <a:xfrm>
               <a:off x="4296229" y="798286"/>
-              <a:ext cx="1172394" cy="3785652"/>
+              <a:ext cx="1172393" cy="3046988"/>
             </a:xfrm>
             <a:prstGeom prst="rect">
               <a:avLst/>
@@ -3248,33 +3247,6 @@
               </a:r>
               <a:endParaRPr lang="en-SG" sz="1200" dirty="0" smtClean="0"/>
             </a:p>
-            <a:p>
-              <a:r>
-                <a:rPr lang="en-SG" sz="1200" dirty="0" smtClean="0"/>
-                <a:t>PSI</a:t>
-              </a:r>
-            </a:p>
-            <a:p>
-              <a:r>
-                <a:rPr lang="en-SG" sz="1200" dirty="0" err="1" smtClean="0"/>
-                <a:t>MeanUVIndex</a:t>
-              </a:r>
-              <a:endParaRPr lang="en-SG" sz="1200" dirty="0" smtClean="0"/>
-            </a:p>
-            <a:p>
-              <a:r>
-                <a:rPr lang="en-SG" sz="1200" dirty="0" err="1" smtClean="0"/>
-                <a:t>MaxUVIndex</a:t>
-              </a:r>
-              <a:endParaRPr lang="en-SG" sz="1200" dirty="0" smtClean="0"/>
-            </a:p>
-            <a:p>
-              <a:r>
-                <a:rPr lang="en-SG" sz="1200" dirty="0" err="1" smtClean="0"/>
-                <a:t>MinUVIndex</a:t>
-              </a:r>
-              <a:endParaRPr lang="en-SG" sz="1200" dirty="0" smtClean="0"/>
-            </a:p>
           </p:txBody>
         </p:sp>
         <p:cxnSp>
@@ -3321,7 +3293,7 @@
         </p:nvGrpSpPr>
         <p:grpSpPr>
           <a:xfrm>
-            <a:off x="3611521" y="4291332"/>
+            <a:off x="4557357" y="4557947"/>
             <a:ext cx="1514132" cy="1015663"/>
             <a:chOff x="4346799" y="4077063"/>
             <a:chExt cx="1514132" cy="1015663"/>
@@ -3432,7 +3404,7 @@
         </p:nvGrpSpPr>
         <p:grpSpPr>
           <a:xfrm>
-            <a:off x="6159981" y="4218435"/>
+            <a:off x="7105817" y="4240127"/>
             <a:ext cx="1514132" cy="1384995"/>
             <a:chOff x="4296229" y="798286"/>
             <a:chExt cx="1514132" cy="1384995"/>
@@ -3552,48 +3524,13 @@
       </p:grpSp>
       <p:cxnSp>
         <p:nvCxnSpPr>
-          <p:cNvPr id="29" name="Straight Connector 28"/>
-          <p:cNvCxnSpPr/>
-          <p:nvPr/>
-        </p:nvCxnSpPr>
-        <p:spPr>
-          <a:xfrm flipH="1" flipV="1">
-            <a:off x="5193237" y="4681628"/>
-            <a:ext cx="5715" cy="262105"/>
-          </a:xfrm>
-          <a:prstGeom prst="line">
-            <a:avLst/>
-          </a:prstGeom>
-          <a:ln>
-            <a:solidFill>
-              <a:schemeClr val="tx1"/>
-            </a:solidFill>
-          </a:ln>
-        </p:spPr>
-        <p:style>
-          <a:lnRef idx="1">
-            <a:schemeClr val="accent1"/>
-          </a:lnRef>
-          <a:fillRef idx="0">
-            <a:schemeClr val="accent1"/>
-          </a:fillRef>
-          <a:effectRef idx="0">
-            <a:schemeClr val="accent1"/>
-          </a:effectRef>
-          <a:fontRef idx="minor">
-            <a:schemeClr val="tx1"/>
-          </a:fontRef>
-        </p:style>
-      </p:cxnSp>
-      <p:cxnSp>
-        <p:nvCxnSpPr>
           <p:cNvPr id="34" name="Straight Connector 33"/>
           <p:cNvCxnSpPr/>
           <p:nvPr/>
         </p:nvCxnSpPr>
         <p:spPr>
           <a:xfrm>
-            <a:off x="3546280" y="4707684"/>
+            <a:off x="4492116" y="4974299"/>
             <a:ext cx="0" cy="182957"/>
           </a:xfrm>
           <a:prstGeom prst="line">
@@ -3628,7 +3565,7 @@
         </p:nvGrpSpPr>
         <p:grpSpPr>
           <a:xfrm>
-            <a:off x="3360772" y="2469497"/>
+            <a:off x="2431219" y="3269475"/>
             <a:ext cx="126411" cy="229510"/>
             <a:chOff x="3360772" y="2469497"/>
             <a:chExt cx="126411" cy="229510"/>
@@ -3709,19 +3646,18 @@
         <p:nvCxnSpPr>
           <p:cNvPr id="43" name="Elbow Connector 42"/>
           <p:cNvCxnSpPr>
-            <a:stCxn id="4" idx="1"/>
             <a:endCxn id="18" idx="1"/>
           </p:cNvCxnSpPr>
           <p:nvPr/>
         </p:nvCxnSpPr>
         <p:spPr>
-          <a:xfrm rot="10800000" flipH="1" flipV="1">
-            <a:off x="3485093" y="2572174"/>
-            <a:ext cx="126428" cy="2226989"/>
+          <a:xfrm>
+            <a:off x="2565207" y="3362547"/>
+            <a:ext cx="1992150" cy="1703232"/>
           </a:xfrm>
           <a:prstGeom prst="bentConnector3">
             <a:avLst>
-              <a:gd name="adj1" fmla="val -180814"/>
+              <a:gd name="adj1" fmla="val -13554"/>
             </a:avLst>
           </a:prstGeom>
           <a:ln>
@@ -3753,8 +3689,8 @@
         </p:nvCxnSpPr>
         <p:spPr>
           <a:xfrm>
-            <a:off x="5125653" y="4799163"/>
-            <a:ext cx="1034328" cy="614616"/>
+            <a:off x="6071489" y="5065778"/>
+            <a:ext cx="1034328" cy="352569"/>
           </a:xfrm>
           <a:prstGeom prst="bentConnector3">
             <a:avLst>
@@ -3790,7 +3726,7 @@
         </p:nvGrpSpPr>
         <p:grpSpPr>
           <a:xfrm>
-            <a:off x="6033570" y="5299024"/>
+            <a:off x="6979406" y="5320716"/>
             <a:ext cx="126411" cy="229510"/>
             <a:chOff x="3360772" y="2469497"/>
             <a:chExt cx="126411" cy="229510"/>
@@ -3875,7 +3811,7 @@
         </p:nvGrpSpPr>
         <p:grpSpPr>
           <a:xfrm>
-            <a:off x="3715585" y="226990"/>
+            <a:off x="2788122" y="514373"/>
             <a:ext cx="1200970" cy="1200329"/>
             <a:chOff x="4296229" y="741033"/>
             <a:chExt cx="1200970" cy="1200329"/>
@@ -3988,7 +3924,7 @@
         </p:nvGrpSpPr>
         <p:grpSpPr>
           <a:xfrm>
-            <a:off x="5484226" y="597645"/>
+            <a:off x="6648559" y="879832"/>
             <a:ext cx="126411" cy="229510"/>
             <a:chOff x="3360772" y="2469497"/>
             <a:chExt cx="126411" cy="229510"/>
@@ -4067,14 +4003,14 @@
       </p:grpSp>
       <p:cxnSp>
         <p:nvCxnSpPr>
-          <p:cNvPr id="50" name="Straight Connector 49"/>
+          <p:cNvPr id="54" name="Straight Connector 53"/>
           <p:cNvCxnSpPr/>
           <p:nvPr/>
         </p:nvCxnSpPr>
         <p:spPr>
           <a:xfrm>
-            <a:off x="4916555" y="700322"/>
-            <a:ext cx="694082" cy="1"/>
+            <a:off x="4052965" y="1114537"/>
+            <a:ext cx="0" cy="182957"/>
           </a:xfrm>
           <a:prstGeom prst="line">
             <a:avLst/>
@@ -4102,141 +4038,21 @@
       </p:cxnSp>
       <p:cxnSp>
         <p:nvCxnSpPr>
-          <p:cNvPr id="54" name="Straight Connector 53"/>
-          <p:cNvCxnSpPr/>
-          <p:nvPr/>
-        </p:nvCxnSpPr>
-        <p:spPr>
-          <a:xfrm>
-            <a:off x="4984625" y="735675"/>
-            <a:ext cx="0" cy="182957"/>
-          </a:xfrm>
-          <a:prstGeom prst="line">
-            <a:avLst/>
-          </a:prstGeom>
-          <a:ln>
-            <a:solidFill>
-              <a:schemeClr val="tx1"/>
-            </a:solidFill>
-          </a:ln>
-        </p:spPr>
-        <p:style>
-          <a:lnRef idx="1">
-            <a:schemeClr val="accent1"/>
-          </a:lnRef>
-          <a:fillRef idx="0">
-            <a:schemeClr val="accent1"/>
-          </a:fillRef>
-          <a:effectRef idx="0">
-            <a:schemeClr val="accent1"/>
-          </a:effectRef>
-          <a:fontRef idx="minor">
-            <a:schemeClr val="tx1"/>
-          </a:fontRef>
-        </p:style>
-      </p:cxnSp>
-      <p:grpSp>
-        <p:nvGrpSpPr>
-          <p:cNvPr id="55" name="Group 54"/>
-          <p:cNvGrpSpPr/>
-          <p:nvPr/>
-        </p:nvGrpSpPr>
-        <p:grpSpPr>
-          <a:xfrm flipH="1">
-            <a:off x="4686061" y="2463711"/>
-            <a:ext cx="124322" cy="235296"/>
-            <a:chOff x="3360772" y="2469497"/>
-            <a:chExt cx="126411" cy="229510"/>
-          </a:xfrm>
-        </p:grpSpPr>
-        <p:cxnSp>
-          <p:nvCxnSpPr>
-            <p:cNvPr id="56" name="Straight Connector 55"/>
-            <p:cNvCxnSpPr/>
-            <p:nvPr/>
-          </p:nvCxnSpPr>
-          <p:spPr>
-            <a:xfrm flipV="1">
-              <a:off x="3360772" y="2469497"/>
-              <a:ext cx="126411" cy="102677"/>
-            </a:xfrm>
-            <a:prstGeom prst="line">
-              <a:avLst/>
-            </a:prstGeom>
-            <a:ln>
-              <a:solidFill>
-                <a:schemeClr val="tx1"/>
-              </a:solidFill>
-            </a:ln>
-          </p:spPr>
-          <p:style>
-            <a:lnRef idx="1">
-              <a:schemeClr val="accent1"/>
-            </a:lnRef>
-            <a:fillRef idx="0">
-              <a:schemeClr val="accent1"/>
-            </a:fillRef>
-            <a:effectRef idx="0">
-              <a:schemeClr val="accent1"/>
-            </a:effectRef>
-            <a:fontRef idx="minor">
-              <a:schemeClr val="tx1"/>
-            </a:fontRef>
-          </p:style>
-        </p:cxnSp>
-        <p:cxnSp>
-          <p:nvCxnSpPr>
-            <p:cNvPr id="57" name="Straight Connector 56"/>
-            <p:cNvCxnSpPr/>
-            <p:nvPr/>
-          </p:nvCxnSpPr>
-          <p:spPr>
-            <a:xfrm>
-              <a:off x="3360772" y="2572174"/>
-              <a:ext cx="126411" cy="126833"/>
-            </a:xfrm>
-            <a:prstGeom prst="line">
-              <a:avLst/>
-            </a:prstGeom>
-            <a:ln>
-              <a:solidFill>
-                <a:schemeClr val="tx1"/>
-              </a:solidFill>
-            </a:ln>
-          </p:spPr>
-          <p:style>
-            <a:lnRef idx="1">
-              <a:schemeClr val="accent1"/>
-            </a:lnRef>
-            <a:fillRef idx="0">
-              <a:schemeClr val="accent1"/>
-            </a:fillRef>
-            <a:effectRef idx="0">
-              <a:schemeClr val="accent1"/>
-            </a:effectRef>
-            <a:fontRef idx="minor">
-              <a:schemeClr val="tx1"/>
-            </a:fontRef>
-          </p:style>
-        </p:cxnSp>
-      </p:grpSp>
-      <p:cxnSp>
-        <p:nvCxnSpPr>
           <p:cNvPr id="58" name="Elbow Connector 57"/>
           <p:cNvCxnSpPr>
-            <a:stCxn id="45" idx="3"/>
-            <a:endCxn id="4" idx="3"/>
+            <a:endCxn id="4" idx="1"/>
           </p:cNvCxnSpPr>
           <p:nvPr/>
         </p:nvCxnSpPr>
         <p:spPr>
-          <a:xfrm flipH="1">
-            <a:off x="4686063" y="827155"/>
-            <a:ext cx="230492" cy="1745020"/>
-          </a:xfrm>
-          <a:prstGeom prst="bentConnector3">
+          <a:xfrm rot="5400000">
+            <a:off x="1775216" y="1846651"/>
+            <a:ext cx="1795321" cy="230492"/>
+          </a:xfrm>
+          <a:prstGeom prst="bentConnector4">
             <a:avLst>
-              <a:gd name="adj1" fmla="val -99179"/>
+              <a:gd name="adj1" fmla="val 157"/>
+              <a:gd name="adj2" fmla="val 199179"/>
             </a:avLst>
           </a:prstGeom>
           <a:ln>
@@ -4268,7 +4084,7 @@
         </p:nvCxnSpPr>
         <p:spPr>
           <a:xfrm>
-            <a:off x="5044035" y="596809"/>
+            <a:off x="4052965" y="881279"/>
             <a:ext cx="0" cy="182957"/>
           </a:xfrm>
           <a:prstGeom prst="line">
@@ -4299,19 +4115,19 @@
         <p:nvCxnSpPr>
           <p:cNvPr id="70" name="Elbow Connector 69"/>
           <p:cNvCxnSpPr>
+            <a:stCxn id="13" idx="3"/>
             <a:endCxn id="21" idx="3"/>
           </p:cNvCxnSpPr>
           <p:nvPr/>
         </p:nvCxnSpPr>
         <p:spPr>
-          <a:xfrm rot="16200000" flipH="1">
-            <a:off x="5517430" y="2754250"/>
-            <a:ext cx="4094434" cy="218931"/>
-          </a:xfrm>
-          <a:prstGeom prst="bentConnector4">
+          <a:xfrm flipH="1">
+            <a:off x="8619949" y="2037867"/>
+            <a:ext cx="634" cy="2894758"/>
+          </a:xfrm>
+          <a:prstGeom prst="bentConnector3">
             <a:avLst>
-              <a:gd name="adj1" fmla="val 780"/>
-              <a:gd name="adj2" fmla="val 204416"/>
+              <a:gd name="adj1" fmla="val -36056782"/>
             </a:avLst>
           </a:prstGeom>
           <a:ln>
@@ -4343,7 +4159,7 @@
         </p:nvGrpSpPr>
         <p:grpSpPr>
           <a:xfrm flipH="1">
-            <a:off x="7457271" y="735675"/>
+            <a:off x="8622672" y="1926963"/>
             <a:ext cx="124322" cy="235296"/>
             <a:chOff x="3360772" y="2469497"/>
             <a:chExt cx="126411" cy="229510"/>
@@ -4428,11 +4244,1036 @@
         </p:nvCxnSpPr>
         <p:spPr>
           <a:xfrm>
-            <a:off x="7742693" y="4819453"/>
+            <a:off x="8688529" y="4841145"/>
             <a:ext cx="0" cy="182957"/>
           </a:xfrm>
           <a:prstGeom prst="line">
             <a:avLst/>
+          </a:prstGeom>
+          <a:ln>
+            <a:solidFill>
+              <a:schemeClr val="tx1"/>
+            </a:solidFill>
+          </a:ln>
+        </p:spPr>
+        <p:style>
+          <a:lnRef idx="1">
+            <a:schemeClr val="accent1"/>
+          </a:lnRef>
+          <a:fillRef idx="0">
+            <a:schemeClr val="accent1"/>
+          </a:fillRef>
+          <a:effectRef idx="0">
+            <a:schemeClr val="accent1"/>
+          </a:effectRef>
+          <a:fontRef idx="minor">
+            <a:schemeClr val="tx1"/>
+          </a:fontRef>
+        </p:style>
+      </p:cxnSp>
+      <p:grpSp>
+        <p:nvGrpSpPr>
+          <p:cNvPr id="51" name="Group 50"/>
+          <p:cNvGrpSpPr/>
+          <p:nvPr/>
+        </p:nvGrpSpPr>
+        <p:grpSpPr>
+          <a:xfrm>
+            <a:off x="4870521" y="1311121"/>
+            <a:ext cx="1200970" cy="1384995"/>
+            <a:chOff x="4296229" y="798286"/>
+            <a:chExt cx="1200970" cy="1384995"/>
+          </a:xfrm>
+        </p:grpSpPr>
+        <p:sp>
+          <p:nvSpPr>
+            <p:cNvPr id="53" name="TextBox 52"/>
+            <p:cNvSpPr txBox="1"/>
+            <p:nvPr/>
+          </p:nvSpPr>
+          <p:spPr>
+            <a:xfrm>
+              <a:off x="4296229" y="798286"/>
+              <a:ext cx="1200968" cy="1384995"/>
+            </a:xfrm>
+            <a:prstGeom prst="rect">
+              <a:avLst/>
+            </a:prstGeom>
+            <a:noFill/>
+            <a:ln w="6350">
+              <a:solidFill>
+                <a:schemeClr val="tx1"/>
+              </a:solidFill>
+            </a:ln>
+          </p:spPr>
+          <p:txBody>
+            <a:bodyPr wrap="square" rtlCol="0">
+              <a:spAutoFit/>
+            </a:bodyPr>
+            <a:lstStyle/>
+            <a:p>
+              <a:r>
+                <a:rPr lang="en-SG" sz="1200" dirty="0" err="1" smtClean="0"/>
+                <a:t>factUVIndex</a:t>
+              </a:r>
+              <a:endParaRPr lang="en-SG" sz="1200" dirty="0" smtClean="0"/>
+            </a:p>
+            <a:p>
+              <a:endParaRPr lang="en-SG" sz="1200" dirty="0" smtClean="0"/>
+            </a:p>
+            <a:p>
+              <a:r>
+                <a:rPr lang="en-SG" sz="1200" dirty="0" smtClean="0"/>
+                <a:t>Date (PK) (FK)</a:t>
+              </a:r>
+            </a:p>
+            <a:p>
+              <a:r>
+                <a:rPr lang="en-SG" sz="1200" dirty="0" smtClean="0"/>
+                <a:t>MeanUVIndex</a:t>
+              </a:r>
+              <a:endParaRPr lang="en-SG" sz="1200" dirty="0" smtClean="0"/>
+            </a:p>
+            <a:p>
+              <a:r>
+                <a:rPr lang="en-SG" sz="1200" dirty="0" err="1" smtClean="0"/>
+                <a:t>MaxUVIndex</a:t>
+              </a:r>
+              <a:endParaRPr lang="en-SG" sz="1200" dirty="0"/>
+            </a:p>
+            <a:p>
+              <a:r>
+                <a:rPr lang="en-SG" sz="1200" dirty="0" err="1" smtClean="0"/>
+                <a:t>MinUVIndex</a:t>
+              </a:r>
+              <a:endParaRPr lang="en-SG" sz="1200" dirty="0"/>
+            </a:p>
+            <a:p>
+              <a:r>
+                <a:rPr lang="en-SG" sz="1200" dirty="0" err="1" smtClean="0"/>
+                <a:t>RegionId</a:t>
+              </a:r>
+              <a:r>
+                <a:rPr lang="en-SG" sz="1200" dirty="0" smtClean="0"/>
+                <a:t> (FK)</a:t>
+              </a:r>
+            </a:p>
+          </p:txBody>
+        </p:sp>
+        <p:cxnSp>
+          <p:nvCxnSpPr>
+            <p:cNvPr id="59" name="Straight Connector 58"/>
+            <p:cNvCxnSpPr/>
+            <p:nvPr/>
+          </p:nvCxnSpPr>
+          <p:spPr>
+            <a:xfrm flipH="1">
+              <a:off x="4296229" y="1175657"/>
+              <a:ext cx="1200970" cy="1"/>
+            </a:xfrm>
+            <a:prstGeom prst="line">
+              <a:avLst/>
+            </a:prstGeom>
+            <a:ln>
+              <a:solidFill>
+                <a:schemeClr val="tx1"/>
+              </a:solidFill>
+            </a:ln>
+          </p:spPr>
+          <p:style>
+            <a:lnRef idx="1">
+              <a:schemeClr val="accent1"/>
+            </a:lnRef>
+            <a:fillRef idx="0">
+              <a:schemeClr val="accent1"/>
+            </a:fillRef>
+            <a:effectRef idx="0">
+              <a:schemeClr val="accent1"/>
+            </a:effectRef>
+            <a:fontRef idx="minor">
+              <a:schemeClr val="tx1"/>
+            </a:fontRef>
+          </p:style>
+        </p:cxnSp>
+      </p:grpSp>
+      <p:grpSp>
+        <p:nvGrpSpPr>
+          <p:cNvPr id="60" name="Group 59"/>
+          <p:cNvGrpSpPr/>
+          <p:nvPr/>
+        </p:nvGrpSpPr>
+        <p:grpSpPr>
+          <a:xfrm>
+            <a:off x="4746200" y="1993273"/>
+            <a:ext cx="126411" cy="229510"/>
+            <a:chOff x="3360772" y="2469497"/>
+            <a:chExt cx="126411" cy="229510"/>
+          </a:xfrm>
+        </p:grpSpPr>
+        <p:cxnSp>
+          <p:nvCxnSpPr>
+            <p:cNvPr id="61" name="Straight Connector 60"/>
+            <p:cNvCxnSpPr/>
+            <p:nvPr/>
+          </p:nvCxnSpPr>
+          <p:spPr>
+            <a:xfrm flipV="1">
+              <a:off x="3360772" y="2469497"/>
+              <a:ext cx="126411" cy="102677"/>
+            </a:xfrm>
+            <a:prstGeom prst="line">
+              <a:avLst/>
+            </a:prstGeom>
+            <a:ln>
+              <a:solidFill>
+                <a:schemeClr val="tx1"/>
+              </a:solidFill>
+            </a:ln>
+          </p:spPr>
+          <p:style>
+            <a:lnRef idx="1">
+              <a:schemeClr val="accent1"/>
+            </a:lnRef>
+            <a:fillRef idx="0">
+              <a:schemeClr val="accent1"/>
+            </a:fillRef>
+            <a:effectRef idx="0">
+              <a:schemeClr val="accent1"/>
+            </a:effectRef>
+            <a:fontRef idx="minor">
+              <a:schemeClr val="tx1"/>
+            </a:fontRef>
+          </p:style>
+        </p:cxnSp>
+        <p:cxnSp>
+          <p:nvCxnSpPr>
+            <p:cNvPr id="62" name="Straight Connector 61"/>
+            <p:cNvCxnSpPr/>
+            <p:nvPr/>
+          </p:nvCxnSpPr>
+          <p:spPr>
+            <a:xfrm>
+              <a:off x="3360772" y="2572174"/>
+              <a:ext cx="126411" cy="126833"/>
+            </a:xfrm>
+            <a:prstGeom prst="line">
+              <a:avLst/>
+            </a:prstGeom>
+            <a:ln>
+              <a:solidFill>
+                <a:schemeClr val="tx1"/>
+              </a:solidFill>
+            </a:ln>
+          </p:spPr>
+          <p:style>
+            <a:lnRef idx="1">
+              <a:schemeClr val="accent1"/>
+            </a:lnRef>
+            <a:fillRef idx="0">
+              <a:schemeClr val="accent1"/>
+            </a:fillRef>
+            <a:effectRef idx="0">
+              <a:schemeClr val="accent1"/>
+            </a:effectRef>
+            <a:fontRef idx="minor">
+              <a:schemeClr val="tx1"/>
+            </a:fontRef>
+          </p:style>
+        </p:cxnSp>
+      </p:grpSp>
+      <p:grpSp>
+        <p:nvGrpSpPr>
+          <p:cNvPr id="63" name="Group 62"/>
+          <p:cNvGrpSpPr/>
+          <p:nvPr/>
+        </p:nvGrpSpPr>
+        <p:grpSpPr>
+          <a:xfrm flipH="1">
+            <a:off x="6070840" y="1886002"/>
+            <a:ext cx="124322" cy="235296"/>
+            <a:chOff x="3360772" y="2469497"/>
+            <a:chExt cx="126411" cy="229510"/>
+          </a:xfrm>
+        </p:grpSpPr>
+        <p:cxnSp>
+          <p:nvCxnSpPr>
+            <p:cNvPr id="64" name="Straight Connector 63"/>
+            <p:cNvCxnSpPr/>
+            <p:nvPr/>
+          </p:nvCxnSpPr>
+          <p:spPr>
+            <a:xfrm flipV="1">
+              <a:off x="3360772" y="2469497"/>
+              <a:ext cx="126411" cy="102677"/>
+            </a:xfrm>
+            <a:prstGeom prst="line">
+              <a:avLst/>
+            </a:prstGeom>
+            <a:ln>
+              <a:solidFill>
+                <a:schemeClr val="tx1"/>
+              </a:solidFill>
+            </a:ln>
+          </p:spPr>
+          <p:style>
+            <a:lnRef idx="1">
+              <a:schemeClr val="accent1"/>
+            </a:lnRef>
+            <a:fillRef idx="0">
+              <a:schemeClr val="accent1"/>
+            </a:fillRef>
+            <a:effectRef idx="0">
+              <a:schemeClr val="accent1"/>
+            </a:effectRef>
+            <a:fontRef idx="minor">
+              <a:schemeClr val="tx1"/>
+            </a:fontRef>
+          </p:style>
+        </p:cxnSp>
+        <p:cxnSp>
+          <p:nvCxnSpPr>
+            <p:cNvPr id="65" name="Straight Connector 64"/>
+            <p:cNvCxnSpPr/>
+            <p:nvPr/>
+          </p:nvCxnSpPr>
+          <p:spPr>
+            <a:xfrm>
+              <a:off x="3360772" y="2572174"/>
+              <a:ext cx="126411" cy="126833"/>
+            </a:xfrm>
+            <a:prstGeom prst="line">
+              <a:avLst/>
+            </a:prstGeom>
+            <a:ln>
+              <a:solidFill>
+                <a:schemeClr val="tx1"/>
+              </a:solidFill>
+            </a:ln>
+          </p:spPr>
+          <p:style>
+            <a:lnRef idx="1">
+              <a:schemeClr val="accent1"/>
+            </a:lnRef>
+            <a:fillRef idx="0">
+              <a:schemeClr val="accent1"/>
+            </a:fillRef>
+            <a:effectRef idx="0">
+              <a:schemeClr val="accent1"/>
+            </a:effectRef>
+            <a:fontRef idx="minor">
+              <a:schemeClr val="tx1"/>
+            </a:fontRef>
+          </p:style>
+        </p:cxnSp>
+      </p:grpSp>
+      <p:grpSp>
+        <p:nvGrpSpPr>
+          <p:cNvPr id="66" name="Group 65"/>
+          <p:cNvGrpSpPr/>
+          <p:nvPr/>
+        </p:nvGrpSpPr>
+        <p:grpSpPr>
+          <a:xfrm>
+            <a:off x="4876197" y="2991154"/>
+            <a:ext cx="1200970" cy="1015663"/>
+            <a:chOff x="4296229" y="798286"/>
+            <a:chExt cx="1200970" cy="1015663"/>
+          </a:xfrm>
+        </p:grpSpPr>
+        <p:sp>
+          <p:nvSpPr>
+            <p:cNvPr id="67" name="TextBox 66"/>
+            <p:cNvSpPr txBox="1"/>
+            <p:nvPr/>
+          </p:nvSpPr>
+          <p:spPr>
+            <a:xfrm>
+              <a:off x="4296229" y="798286"/>
+              <a:ext cx="1200968" cy="1015663"/>
+            </a:xfrm>
+            <a:prstGeom prst="rect">
+              <a:avLst/>
+            </a:prstGeom>
+            <a:noFill/>
+            <a:ln w="6350">
+              <a:solidFill>
+                <a:schemeClr val="tx1"/>
+              </a:solidFill>
+            </a:ln>
+          </p:spPr>
+          <p:txBody>
+            <a:bodyPr wrap="square" rtlCol="0">
+              <a:spAutoFit/>
+            </a:bodyPr>
+            <a:lstStyle/>
+            <a:p>
+              <a:r>
+                <a:rPr lang="en-SG" sz="1200" dirty="0" err="1" smtClean="0"/>
+                <a:t>factPSI</a:t>
+              </a:r>
+              <a:endParaRPr lang="en-SG" sz="1200" dirty="0" smtClean="0"/>
+            </a:p>
+            <a:p>
+              <a:endParaRPr lang="en-SG" sz="1200" dirty="0" smtClean="0"/>
+            </a:p>
+            <a:p>
+              <a:r>
+                <a:rPr lang="en-SG" sz="1200" dirty="0" smtClean="0"/>
+                <a:t>Date (PK) (FK)</a:t>
+              </a:r>
+            </a:p>
+            <a:p>
+              <a:r>
+                <a:rPr lang="en-SG" sz="1200" dirty="0" smtClean="0"/>
+                <a:t>PSI</a:t>
+              </a:r>
+              <a:endParaRPr lang="en-SG" sz="1200" dirty="0"/>
+            </a:p>
+            <a:p>
+              <a:r>
+                <a:rPr lang="en-SG" sz="1200" dirty="0" err="1" smtClean="0"/>
+                <a:t>RegionId</a:t>
+              </a:r>
+              <a:r>
+                <a:rPr lang="en-SG" sz="1200" dirty="0" smtClean="0"/>
+                <a:t> (FK)</a:t>
+              </a:r>
+            </a:p>
+          </p:txBody>
+        </p:sp>
+        <p:cxnSp>
+          <p:nvCxnSpPr>
+            <p:cNvPr id="68" name="Straight Connector 67"/>
+            <p:cNvCxnSpPr/>
+            <p:nvPr/>
+          </p:nvCxnSpPr>
+          <p:spPr>
+            <a:xfrm flipH="1">
+              <a:off x="4296229" y="1175657"/>
+              <a:ext cx="1200970" cy="1"/>
+            </a:xfrm>
+            <a:prstGeom prst="line">
+              <a:avLst/>
+            </a:prstGeom>
+            <a:ln>
+              <a:solidFill>
+                <a:schemeClr val="tx1"/>
+              </a:solidFill>
+            </a:ln>
+          </p:spPr>
+          <p:style>
+            <a:lnRef idx="1">
+              <a:schemeClr val="accent1"/>
+            </a:lnRef>
+            <a:fillRef idx="0">
+              <a:schemeClr val="accent1"/>
+            </a:fillRef>
+            <a:effectRef idx="0">
+              <a:schemeClr val="accent1"/>
+            </a:effectRef>
+            <a:fontRef idx="minor">
+              <a:schemeClr val="tx1"/>
+            </a:fontRef>
+          </p:style>
+        </p:cxnSp>
+      </p:grpSp>
+      <p:grpSp>
+        <p:nvGrpSpPr>
+          <p:cNvPr id="71" name="Group 70"/>
+          <p:cNvGrpSpPr/>
+          <p:nvPr/>
+        </p:nvGrpSpPr>
+        <p:grpSpPr>
+          <a:xfrm>
+            <a:off x="4740689" y="3408636"/>
+            <a:ext cx="126411" cy="229510"/>
+            <a:chOff x="3360772" y="2469497"/>
+            <a:chExt cx="126411" cy="229510"/>
+          </a:xfrm>
+        </p:grpSpPr>
+        <p:cxnSp>
+          <p:nvCxnSpPr>
+            <p:cNvPr id="72" name="Straight Connector 71"/>
+            <p:cNvCxnSpPr/>
+            <p:nvPr/>
+          </p:nvCxnSpPr>
+          <p:spPr>
+            <a:xfrm flipV="1">
+              <a:off x="3360772" y="2469497"/>
+              <a:ext cx="126411" cy="102677"/>
+            </a:xfrm>
+            <a:prstGeom prst="line">
+              <a:avLst/>
+            </a:prstGeom>
+            <a:ln>
+              <a:solidFill>
+                <a:schemeClr val="tx1"/>
+              </a:solidFill>
+            </a:ln>
+          </p:spPr>
+          <p:style>
+            <a:lnRef idx="1">
+              <a:schemeClr val="accent1"/>
+            </a:lnRef>
+            <a:fillRef idx="0">
+              <a:schemeClr val="accent1"/>
+            </a:fillRef>
+            <a:effectRef idx="0">
+              <a:schemeClr val="accent1"/>
+            </a:effectRef>
+            <a:fontRef idx="minor">
+              <a:schemeClr val="tx1"/>
+            </a:fontRef>
+          </p:style>
+        </p:cxnSp>
+        <p:cxnSp>
+          <p:nvCxnSpPr>
+            <p:cNvPr id="77" name="Straight Connector 76"/>
+            <p:cNvCxnSpPr/>
+            <p:nvPr/>
+          </p:nvCxnSpPr>
+          <p:spPr>
+            <a:xfrm>
+              <a:off x="3360772" y="2572174"/>
+              <a:ext cx="126411" cy="126833"/>
+            </a:xfrm>
+            <a:prstGeom prst="line">
+              <a:avLst/>
+            </a:prstGeom>
+            <a:ln>
+              <a:solidFill>
+                <a:schemeClr val="tx1"/>
+              </a:solidFill>
+            </a:ln>
+          </p:spPr>
+          <p:style>
+            <a:lnRef idx="1">
+              <a:schemeClr val="accent1"/>
+            </a:lnRef>
+            <a:fillRef idx="0">
+              <a:schemeClr val="accent1"/>
+            </a:fillRef>
+            <a:effectRef idx="0">
+              <a:schemeClr val="accent1"/>
+            </a:effectRef>
+            <a:fontRef idx="minor">
+              <a:schemeClr val="tx1"/>
+            </a:fontRef>
+          </p:style>
+        </p:cxnSp>
+      </p:grpSp>
+      <p:grpSp>
+        <p:nvGrpSpPr>
+          <p:cNvPr id="78" name="Group 77"/>
+          <p:cNvGrpSpPr/>
+          <p:nvPr/>
+        </p:nvGrpSpPr>
+        <p:grpSpPr>
+          <a:xfrm flipH="1">
+            <a:off x="6079254" y="3391390"/>
+            <a:ext cx="124322" cy="235296"/>
+            <a:chOff x="3360772" y="2469497"/>
+            <a:chExt cx="126411" cy="229510"/>
+          </a:xfrm>
+        </p:grpSpPr>
+        <p:cxnSp>
+          <p:nvCxnSpPr>
+            <p:cNvPr id="79" name="Straight Connector 78"/>
+            <p:cNvCxnSpPr/>
+            <p:nvPr/>
+          </p:nvCxnSpPr>
+          <p:spPr>
+            <a:xfrm flipV="1">
+              <a:off x="3360772" y="2469497"/>
+              <a:ext cx="126411" cy="102677"/>
+            </a:xfrm>
+            <a:prstGeom prst="line">
+              <a:avLst/>
+            </a:prstGeom>
+            <a:ln>
+              <a:solidFill>
+                <a:schemeClr val="tx1"/>
+              </a:solidFill>
+            </a:ln>
+          </p:spPr>
+          <p:style>
+            <a:lnRef idx="1">
+              <a:schemeClr val="accent1"/>
+            </a:lnRef>
+            <a:fillRef idx="0">
+              <a:schemeClr val="accent1"/>
+            </a:fillRef>
+            <a:effectRef idx="0">
+              <a:schemeClr val="accent1"/>
+            </a:effectRef>
+            <a:fontRef idx="minor">
+              <a:schemeClr val="tx1"/>
+            </a:fontRef>
+          </p:style>
+        </p:cxnSp>
+        <p:cxnSp>
+          <p:nvCxnSpPr>
+            <p:cNvPr id="80" name="Straight Connector 79"/>
+            <p:cNvCxnSpPr/>
+            <p:nvPr/>
+          </p:nvCxnSpPr>
+          <p:spPr>
+            <a:xfrm>
+              <a:off x="3360772" y="2572174"/>
+              <a:ext cx="126411" cy="126833"/>
+            </a:xfrm>
+            <a:prstGeom prst="line">
+              <a:avLst/>
+            </a:prstGeom>
+            <a:ln>
+              <a:solidFill>
+                <a:schemeClr val="tx1"/>
+              </a:solidFill>
+            </a:ln>
+          </p:spPr>
+          <p:style>
+            <a:lnRef idx="1">
+              <a:schemeClr val="accent1"/>
+            </a:lnRef>
+            <a:fillRef idx="0">
+              <a:schemeClr val="accent1"/>
+            </a:fillRef>
+            <a:effectRef idx="0">
+              <a:schemeClr val="accent1"/>
+            </a:effectRef>
+            <a:fontRef idx="minor">
+              <a:schemeClr val="tx1"/>
+            </a:fontRef>
+          </p:style>
+        </p:cxnSp>
+      </p:grpSp>
+      <p:cxnSp>
+        <p:nvCxnSpPr>
+          <p:cNvPr id="27" name="Straight Connector 26"/>
+          <p:cNvCxnSpPr/>
+          <p:nvPr/>
+        </p:nvCxnSpPr>
+        <p:spPr>
+          <a:xfrm flipH="1">
+            <a:off x="3994770" y="982094"/>
+            <a:ext cx="2779181" cy="119"/>
+          </a:xfrm>
+          <a:prstGeom prst="line">
+            <a:avLst/>
+          </a:prstGeom>
+          <a:ln>
+            <a:solidFill>
+              <a:schemeClr val="tx1"/>
+            </a:solidFill>
+          </a:ln>
+        </p:spPr>
+        <p:style>
+          <a:lnRef idx="1">
+            <a:schemeClr val="accent1"/>
+          </a:lnRef>
+          <a:fillRef idx="0">
+            <a:schemeClr val="accent1"/>
+          </a:fillRef>
+          <a:effectRef idx="0">
+            <a:schemeClr val="accent1"/>
+          </a:effectRef>
+          <a:fontRef idx="minor">
+            <a:schemeClr val="tx1"/>
+          </a:fontRef>
+        </p:style>
+      </p:cxnSp>
+      <p:cxnSp>
+        <p:nvCxnSpPr>
+          <p:cNvPr id="31" name="Straight Connector 30"/>
+          <p:cNvCxnSpPr/>
+          <p:nvPr/>
+        </p:nvCxnSpPr>
+        <p:spPr>
+          <a:xfrm flipH="1">
+            <a:off x="3988869" y="1485634"/>
+            <a:ext cx="412670" cy="2"/>
+          </a:xfrm>
+          <a:prstGeom prst="line">
+            <a:avLst/>
+          </a:prstGeom>
+          <a:ln>
+            <a:solidFill>
+              <a:schemeClr val="tx1"/>
+            </a:solidFill>
+          </a:ln>
+        </p:spPr>
+        <p:style>
+          <a:lnRef idx="1">
+            <a:schemeClr val="accent1"/>
+          </a:lnRef>
+          <a:fillRef idx="0">
+            <a:schemeClr val="accent1"/>
+          </a:fillRef>
+          <a:effectRef idx="0">
+            <a:schemeClr val="accent1"/>
+          </a:effectRef>
+          <a:fontRef idx="minor">
+            <a:schemeClr val="tx1"/>
+          </a:fontRef>
+        </p:style>
+      </p:cxnSp>
+      <p:cxnSp>
+        <p:nvCxnSpPr>
+          <p:cNvPr id="81" name="Straight Connector 80"/>
+          <p:cNvCxnSpPr/>
+          <p:nvPr/>
+        </p:nvCxnSpPr>
+        <p:spPr>
+          <a:xfrm>
+            <a:off x="4052965" y="1394157"/>
+            <a:ext cx="0" cy="182957"/>
+          </a:xfrm>
+          <a:prstGeom prst="line">
+            <a:avLst/>
+          </a:prstGeom>
+          <a:ln>
+            <a:solidFill>
+              <a:schemeClr val="tx1"/>
+            </a:solidFill>
+          </a:ln>
+        </p:spPr>
+        <p:style>
+          <a:lnRef idx="1">
+            <a:schemeClr val="accent1"/>
+          </a:lnRef>
+          <a:fillRef idx="0">
+            <a:schemeClr val="accent1"/>
+          </a:fillRef>
+          <a:effectRef idx="0">
+            <a:schemeClr val="accent1"/>
+          </a:effectRef>
+          <a:fontRef idx="minor">
+            <a:schemeClr val="tx1"/>
+          </a:fontRef>
+        </p:style>
+      </p:cxnSp>
+      <p:grpSp>
+        <p:nvGrpSpPr>
+          <p:cNvPr id="87" name="Group 86"/>
+          <p:cNvGrpSpPr/>
+          <p:nvPr/>
+        </p:nvGrpSpPr>
+        <p:grpSpPr>
+          <a:xfrm>
+            <a:off x="2431219" y="2737084"/>
+            <a:ext cx="126411" cy="229510"/>
+            <a:chOff x="3360772" y="2469497"/>
+            <a:chExt cx="126411" cy="229510"/>
+          </a:xfrm>
+        </p:grpSpPr>
+        <p:cxnSp>
+          <p:nvCxnSpPr>
+            <p:cNvPr id="88" name="Straight Connector 87"/>
+            <p:cNvCxnSpPr/>
+            <p:nvPr/>
+          </p:nvCxnSpPr>
+          <p:spPr>
+            <a:xfrm flipV="1">
+              <a:off x="3360772" y="2469497"/>
+              <a:ext cx="126411" cy="102677"/>
+            </a:xfrm>
+            <a:prstGeom prst="line">
+              <a:avLst/>
+            </a:prstGeom>
+            <a:ln>
+              <a:solidFill>
+                <a:schemeClr val="tx1"/>
+              </a:solidFill>
+            </a:ln>
+          </p:spPr>
+          <p:style>
+            <a:lnRef idx="1">
+              <a:schemeClr val="accent1"/>
+            </a:lnRef>
+            <a:fillRef idx="0">
+              <a:schemeClr val="accent1"/>
+            </a:fillRef>
+            <a:effectRef idx="0">
+              <a:schemeClr val="accent1"/>
+            </a:effectRef>
+            <a:fontRef idx="minor">
+              <a:schemeClr val="tx1"/>
+            </a:fontRef>
+          </p:style>
+        </p:cxnSp>
+        <p:cxnSp>
+          <p:nvCxnSpPr>
+            <p:cNvPr id="89" name="Straight Connector 88"/>
+            <p:cNvCxnSpPr/>
+            <p:nvPr/>
+          </p:nvCxnSpPr>
+          <p:spPr>
+            <a:xfrm>
+              <a:off x="3360772" y="2572174"/>
+              <a:ext cx="126411" cy="126833"/>
+            </a:xfrm>
+            <a:prstGeom prst="line">
+              <a:avLst/>
+            </a:prstGeom>
+            <a:ln>
+              <a:solidFill>
+                <a:schemeClr val="tx1"/>
+              </a:solidFill>
+            </a:ln>
+          </p:spPr>
+          <p:style>
+            <a:lnRef idx="1">
+              <a:schemeClr val="accent1"/>
+            </a:lnRef>
+            <a:fillRef idx="0">
+              <a:schemeClr val="accent1"/>
+            </a:fillRef>
+            <a:effectRef idx="0">
+              <a:schemeClr val="accent1"/>
+            </a:effectRef>
+            <a:fontRef idx="minor">
+              <a:schemeClr val="tx1"/>
+            </a:fontRef>
+          </p:style>
+        </p:cxnSp>
+      </p:grpSp>
+      <p:cxnSp>
+        <p:nvCxnSpPr>
+          <p:cNvPr id="95" name="Elbow Connector 94"/>
+          <p:cNvCxnSpPr>
+            <a:endCxn id="67" idx="1"/>
+          </p:cNvCxnSpPr>
+          <p:nvPr/>
+        </p:nvCxnSpPr>
+        <p:spPr>
+          <a:xfrm rot="16200000" flipH="1">
+            <a:off x="3632193" y="2254981"/>
+            <a:ext cx="2013351" cy="474658"/>
+          </a:xfrm>
+          <a:prstGeom prst="bentConnector2">
+            <a:avLst/>
+          </a:prstGeom>
+          <a:ln>
+            <a:solidFill>
+              <a:schemeClr val="tx1"/>
+            </a:solidFill>
+          </a:ln>
+        </p:spPr>
+        <p:style>
+          <a:lnRef idx="1">
+            <a:schemeClr val="accent1"/>
+          </a:lnRef>
+          <a:fillRef idx="0">
+            <a:schemeClr val="accent1"/>
+          </a:fillRef>
+          <a:effectRef idx="0">
+            <a:schemeClr val="accent1"/>
+          </a:effectRef>
+          <a:fontRef idx="minor">
+            <a:schemeClr val="tx1"/>
+          </a:fontRef>
+        </p:style>
+      </p:cxnSp>
+      <p:cxnSp>
+        <p:nvCxnSpPr>
+          <p:cNvPr id="107" name="Elbow Connector 106"/>
+          <p:cNvCxnSpPr>
+            <a:stCxn id="53" idx="3"/>
+          </p:cNvCxnSpPr>
+          <p:nvPr/>
+        </p:nvCxnSpPr>
+        <p:spPr>
+          <a:xfrm flipH="1">
+            <a:off x="6069526" y="2003619"/>
+            <a:ext cx="1963" cy="2929006"/>
+          </a:xfrm>
+          <a:prstGeom prst="bentConnector4">
+            <a:avLst>
+              <a:gd name="adj1" fmla="val -27002038"/>
+              <a:gd name="adj2" fmla="val 98186"/>
+            </a:avLst>
+          </a:prstGeom>
+          <a:ln>
+            <a:solidFill>
+              <a:schemeClr val="tx1"/>
+            </a:solidFill>
+          </a:ln>
+        </p:spPr>
+        <p:style>
+          <a:lnRef idx="1">
+            <a:schemeClr val="accent1"/>
+          </a:lnRef>
+          <a:fillRef idx="0">
+            <a:schemeClr val="accent1"/>
+          </a:fillRef>
+          <a:effectRef idx="0">
+            <a:schemeClr val="accent1"/>
+          </a:effectRef>
+          <a:fontRef idx="minor">
+            <a:schemeClr val="tx1"/>
+          </a:fontRef>
+        </p:style>
+      </p:cxnSp>
+      <p:cxnSp>
+        <p:nvCxnSpPr>
+          <p:cNvPr id="112" name="Straight Connector 111"/>
+          <p:cNvCxnSpPr/>
+          <p:nvPr/>
+        </p:nvCxnSpPr>
+        <p:spPr>
+          <a:xfrm>
+            <a:off x="6135838" y="4974298"/>
+            <a:ext cx="0" cy="182957"/>
+          </a:xfrm>
+          <a:prstGeom prst="line">
+            <a:avLst/>
+          </a:prstGeom>
+          <a:ln>
+            <a:solidFill>
+              <a:schemeClr val="tx1"/>
+            </a:solidFill>
+          </a:ln>
+        </p:spPr>
+        <p:style>
+          <a:lnRef idx="1">
+            <a:schemeClr val="accent1"/>
+          </a:lnRef>
+          <a:fillRef idx="0">
+            <a:schemeClr val="accent1"/>
+          </a:fillRef>
+          <a:effectRef idx="0">
+            <a:schemeClr val="accent1"/>
+          </a:effectRef>
+          <a:fontRef idx="minor">
+            <a:schemeClr val="tx1"/>
+          </a:fontRef>
+        </p:style>
+      </p:cxnSp>
+      <p:cxnSp>
+        <p:nvCxnSpPr>
+          <p:cNvPr id="113" name="Straight Connector 112"/>
+          <p:cNvCxnSpPr/>
+          <p:nvPr/>
+        </p:nvCxnSpPr>
+        <p:spPr>
+          <a:xfrm>
+            <a:off x="6179703" y="4773232"/>
+            <a:ext cx="0" cy="182957"/>
+          </a:xfrm>
+          <a:prstGeom prst="line">
+            <a:avLst/>
+          </a:prstGeom>
+          <a:ln>
+            <a:solidFill>
+              <a:schemeClr val="tx1"/>
+            </a:solidFill>
+          </a:ln>
+        </p:spPr>
+        <p:style>
+          <a:lnRef idx="1">
+            <a:schemeClr val="accent1"/>
+          </a:lnRef>
+          <a:fillRef idx="0">
+            <a:schemeClr val="accent1"/>
+          </a:fillRef>
+          <a:effectRef idx="0">
+            <a:schemeClr val="accent1"/>
+          </a:effectRef>
+          <a:fontRef idx="minor">
+            <a:schemeClr val="tx1"/>
+          </a:fontRef>
+        </p:style>
+      </p:cxnSp>
+      <p:cxnSp>
+        <p:nvCxnSpPr>
+          <p:cNvPr id="114" name="Straight Connector 113"/>
+          <p:cNvCxnSpPr/>
+          <p:nvPr/>
+        </p:nvCxnSpPr>
+        <p:spPr>
+          <a:xfrm>
+            <a:off x="6133001" y="4590275"/>
+            <a:ext cx="0" cy="182957"/>
+          </a:xfrm>
+          <a:prstGeom prst="line">
+            <a:avLst/>
+          </a:prstGeom>
+          <a:ln>
+            <a:solidFill>
+              <a:schemeClr val="tx1"/>
+            </a:solidFill>
+          </a:ln>
+        </p:spPr>
+        <p:style>
+          <a:lnRef idx="1">
+            <a:schemeClr val="accent1"/>
+          </a:lnRef>
+          <a:fillRef idx="0">
+            <a:schemeClr val="accent1"/>
+          </a:fillRef>
+          <a:effectRef idx="0">
+            <a:schemeClr val="accent1"/>
+          </a:effectRef>
+          <a:fontRef idx="minor">
+            <a:schemeClr val="tx1"/>
+          </a:fontRef>
+        </p:style>
+      </p:cxnSp>
+      <p:cxnSp>
+        <p:nvCxnSpPr>
+          <p:cNvPr id="115" name="Elbow Connector 114"/>
+          <p:cNvCxnSpPr>
+            <a:stCxn id="67" idx="3"/>
+          </p:cNvCxnSpPr>
+          <p:nvPr/>
+        </p:nvCxnSpPr>
+        <p:spPr>
+          <a:xfrm flipH="1">
+            <a:off x="6063850" y="3498986"/>
+            <a:ext cx="13315" cy="1196344"/>
+          </a:xfrm>
+          <a:prstGeom prst="bentConnector4">
+            <a:avLst>
+              <a:gd name="adj1" fmla="val -2861434"/>
+              <a:gd name="adj2" fmla="val 99249"/>
+            </a:avLst>
+          </a:prstGeom>
+          <a:ln>
+            <a:solidFill>
+              <a:schemeClr val="tx1"/>
+            </a:solidFill>
+          </a:ln>
+        </p:spPr>
+        <p:style>
+          <a:lnRef idx="1">
+            <a:schemeClr val="accent1"/>
+          </a:lnRef>
+          <a:fillRef idx="0">
+            <a:schemeClr val="accent1"/>
+          </a:fillRef>
+          <a:effectRef idx="0">
+            <a:schemeClr val="accent1"/>
+          </a:effectRef>
+          <a:fontRef idx="minor">
+            <a:schemeClr val="tx1"/>
+          </a:fontRef>
+        </p:style>
+      </p:cxnSp>
+      <p:cxnSp>
+        <p:nvCxnSpPr>
+          <p:cNvPr id="121" name="Elbow Connector 120"/>
+          <p:cNvCxnSpPr/>
+          <p:nvPr/>
+        </p:nvCxnSpPr>
+        <p:spPr>
+          <a:xfrm>
+            <a:off x="3994770" y="1214906"/>
+            <a:ext cx="881429" cy="889081"/>
+          </a:xfrm>
+          <a:prstGeom prst="bentConnector3">
+            <a:avLst>
+              <a:gd name="adj1" fmla="val 55187"/>
+            </a:avLst>
           </a:prstGeom>
           <a:ln>
             <a:solidFill>

--- a/docs/logical-dim-schema.pptx
+++ b/docs/logical-dim-schema.pptx
@@ -3069,7 +3069,7 @@
           </p:nvCxnSpPr>
           <p:spPr>
             <a:xfrm flipH="1">
-              <a:off x="4296229" y="1175657"/>
+              <a:off x="4296229" y="1126013"/>
               <a:ext cx="1200970" cy="1"/>
             </a:xfrm>
             <a:prstGeom prst="line">
@@ -3105,10 +3105,10 @@
         </p:nvGrpSpPr>
         <p:grpSpPr>
           <a:xfrm>
-            <a:off x="6776040" y="514373"/>
-            <a:ext cx="1844545" cy="3046988"/>
-            <a:chOff x="4296229" y="798286"/>
-            <a:chExt cx="1172394" cy="3046988"/>
+            <a:off x="6773951" y="514373"/>
+            <a:ext cx="1846633" cy="3046988"/>
+            <a:chOff x="4294901" y="798286"/>
+            <a:chExt cx="1173721" cy="3046988"/>
           </a:xfrm>
         </p:grpSpPr>
         <p:sp>
@@ -3257,7 +3257,7 @@
           </p:nvCxnSpPr>
           <p:spPr>
             <a:xfrm flipH="1" flipV="1">
-              <a:off x="4296231" y="1175659"/>
+              <a:off x="4294901" y="1127340"/>
               <a:ext cx="1172392" cy="6343"/>
             </a:xfrm>
             <a:prstGeom prst="line">
@@ -3494,7 +3494,7 @@
           </p:nvCxnSpPr>
           <p:spPr>
             <a:xfrm flipH="1" flipV="1">
-              <a:off x="4296229" y="1175657"/>
+              <a:off x="4296229" y="1112477"/>
               <a:ext cx="1514132" cy="3629"/>
             </a:xfrm>
             <a:prstGeom prst="line">
@@ -3888,7 +3888,7 @@
           </p:nvCxnSpPr>
           <p:spPr>
             <a:xfrm flipH="1">
-              <a:off x="4296229" y="1110852"/>
+              <a:off x="4296229" y="1052281"/>
               <a:ext cx="1200970" cy="1"/>
             </a:xfrm>
             <a:prstGeom prst="line">
@@ -4279,9 +4279,9 @@
         </p:nvGrpSpPr>
         <p:grpSpPr>
           <a:xfrm>
-            <a:off x="4870521" y="1311121"/>
+            <a:off x="4870520" y="1311121"/>
             <a:ext cx="1200970" cy="1384995"/>
-            <a:chOff x="4296229" y="798286"/>
+            <a:chOff x="4296228" y="798286"/>
             <a:chExt cx="1200970" cy="1384995"/>
           </a:xfrm>
         </p:grpSpPr>
@@ -4332,7 +4332,6 @@
                 <a:rPr lang="en-SG" sz="1200" dirty="0" smtClean="0"/>
                 <a:t>MeanUVIndex</a:t>
               </a:r>
-              <a:endParaRPr lang="en-SG" sz="1200" dirty="0" smtClean="0"/>
             </a:p>
             <a:p>
               <a:r>
@@ -4368,7 +4367,7 @@
           </p:nvCxnSpPr>
           <p:spPr>
             <a:xfrm flipH="1">
-              <a:off x="4296229" y="1175657"/>
+              <a:off x="4296228" y="1129034"/>
               <a:ext cx="1200970" cy="1"/>
             </a:xfrm>
             <a:prstGeom prst="line">
@@ -4575,9 +4574,9 @@
         <p:grpSpPr>
           <a:xfrm>
             <a:off x="4876197" y="2991154"/>
-            <a:ext cx="1200970" cy="1015663"/>
+            <a:ext cx="1200970" cy="1384995"/>
             <a:chOff x="4296229" y="798286"/>
-            <a:chExt cx="1200970" cy="1015663"/>
+            <a:chExt cx="1200970" cy="1384995"/>
           </a:xfrm>
         </p:grpSpPr>
         <p:sp>
@@ -4589,7 +4588,7 @@
           <p:spPr>
             <a:xfrm>
               <a:off x="4296229" y="798286"/>
-              <a:ext cx="1200968" cy="1015663"/>
+              <a:ext cx="1200968" cy="1384995"/>
             </a:xfrm>
             <a:prstGeom prst="rect">
               <a:avLst/>
@@ -4624,8 +4623,22 @@
             </a:p>
             <a:p>
               <a:r>
-                <a:rPr lang="en-SG" sz="1200" dirty="0" smtClean="0"/>
-                <a:t>PSI</a:t>
+                <a:rPr lang="en-SG" sz="1200" dirty="0" err="1" smtClean="0"/>
+                <a:t>MeanPSI</a:t>
+              </a:r>
+              <a:endParaRPr lang="en-SG" sz="1200" dirty="0"/>
+            </a:p>
+            <a:p>
+              <a:r>
+                <a:rPr lang="en-SG" sz="1200" dirty="0" err="1" smtClean="0"/>
+                <a:t>MaxPSI</a:t>
+              </a:r>
+              <a:endParaRPr lang="en-SG" sz="1200" dirty="0"/>
+            </a:p>
+            <a:p>
+              <a:r>
+                <a:rPr lang="en-SG" sz="1200" dirty="0" err="1" smtClean="0"/>
+                <a:t>MinPSI</a:t>
               </a:r>
               <a:endParaRPr lang="en-SG" sz="1200" dirty="0"/>
             </a:p>
@@ -4649,7 +4662,7 @@
           </p:nvCxnSpPr>
           <p:spPr>
             <a:xfrm flipH="1">
-              <a:off x="4296229" y="1175657"/>
+              <a:off x="4296229" y="1126467"/>
               <a:ext cx="1200970" cy="1"/>
             </a:xfrm>
             <a:prstGeom prst="line">
@@ -4770,7 +4783,7 @@
         </p:nvGrpSpPr>
         <p:grpSpPr>
           <a:xfrm flipH="1">
-            <a:off x="6079254" y="3391390"/>
+            <a:off x="6070840" y="3568644"/>
             <a:ext cx="124322" cy="235296"/>
             <a:chOff x="3360772" y="2469497"/>
             <a:chExt cx="126411" cy="229510"/>
@@ -4890,8 +4903,8 @@
         </p:nvCxnSpPr>
         <p:spPr>
           <a:xfrm flipH="1">
-            <a:off x="3988869" y="1485634"/>
-            <a:ext cx="412670" cy="2"/>
+            <a:off x="3988915" y="1500762"/>
+            <a:ext cx="313341" cy="2"/>
           </a:xfrm>
           <a:prstGeom prst="line">
             <a:avLst/>
@@ -4925,7 +4938,7 @@
         </p:nvCxnSpPr>
         <p:spPr>
           <a:xfrm>
-            <a:off x="4052965" y="1394157"/>
+            <a:off x="4052965" y="1409283"/>
             <a:ext cx="0" cy="182957"/>
           </a:xfrm>
           <a:prstGeom prst="line">
@@ -5040,18 +5053,18 @@
       <p:cxnSp>
         <p:nvCxnSpPr>
           <p:cNvPr id="95" name="Elbow Connector 94"/>
-          <p:cNvCxnSpPr>
-            <a:endCxn id="67" idx="1"/>
-          </p:cNvCxnSpPr>
+          <p:cNvCxnSpPr/>
           <p:nvPr/>
         </p:nvCxnSpPr>
         <p:spPr>
           <a:xfrm rot="16200000" flipH="1">
-            <a:off x="3632193" y="2254981"/>
-            <a:ext cx="2013351" cy="474658"/>
-          </a:xfrm>
-          <a:prstGeom prst="bentConnector2">
-            <a:avLst/>
+            <a:off x="3561768" y="2246929"/>
+            <a:ext cx="2060597" cy="568264"/>
+          </a:xfrm>
+          <a:prstGeom prst="bentConnector3">
+            <a:avLst>
+              <a:gd name="adj1" fmla="val 97704"/>
+            </a:avLst>
           </a:prstGeom>
           <a:ln>
             <a:solidFill>
@@ -5221,21 +5234,18 @@
       </p:cxnSp>
       <p:cxnSp>
         <p:nvCxnSpPr>
-          <p:cNvPr id="115" name="Elbow Connector 114"/>
-          <p:cNvCxnSpPr>
-            <a:stCxn id="67" idx="3"/>
-          </p:cNvCxnSpPr>
+          <p:cNvPr id="121" name="Elbow Connector 120"/>
+          <p:cNvCxnSpPr/>
           <p:nvPr/>
         </p:nvCxnSpPr>
         <p:spPr>
-          <a:xfrm flipH="1">
-            <a:off x="6063850" y="3498986"/>
-            <a:ext cx="13315" cy="1196344"/>
-          </a:xfrm>
-          <a:prstGeom prst="bentConnector4">
+          <a:xfrm>
+            <a:off x="3994770" y="1214906"/>
+            <a:ext cx="881429" cy="889081"/>
+          </a:xfrm>
+          <a:prstGeom prst="bentConnector3">
             <a:avLst>
-              <a:gd name="adj1" fmla="val -2861434"/>
-              <a:gd name="adj2" fmla="val 99249"/>
+              <a:gd name="adj1" fmla="val 55187"/>
             </a:avLst>
           </a:prstGeom>
           <a:ln>
@@ -5261,18 +5271,21 @@
       </p:cxnSp>
       <p:cxnSp>
         <p:nvCxnSpPr>
-          <p:cNvPr id="121" name="Elbow Connector 120"/>
-          <p:cNvCxnSpPr/>
+          <p:cNvPr id="96" name="Elbow Connector 95"/>
+          <p:cNvCxnSpPr>
+            <a:stCxn id="67" idx="3"/>
+          </p:cNvCxnSpPr>
           <p:nvPr/>
         </p:nvCxnSpPr>
         <p:spPr>
-          <a:xfrm>
-            <a:off x="3994770" y="1214906"/>
-            <a:ext cx="881429" cy="889081"/>
-          </a:xfrm>
-          <a:prstGeom prst="bentConnector3">
+          <a:xfrm flipH="1">
+            <a:off x="6075057" y="3683652"/>
+            <a:ext cx="2108" cy="1004088"/>
+          </a:xfrm>
+          <a:prstGeom prst="bentConnector4">
             <a:avLst>
-              <a:gd name="adj1" fmla="val 55187"/>
+              <a:gd name="adj1" fmla="val -15724383"/>
+              <a:gd name="adj2" fmla="val 99928"/>
             </a:avLst>
           </a:prstGeom>
           <a:ln>

--- a/docs/logical-dim-schema.pptx
+++ b/docs/logical-dim-schema.pptx
@@ -243,7 +243,7 @@
           <a:p>
             <a:fld id="{396868D5-0678-458C-B9C5-99CC38360805}" type="datetimeFigureOut">
               <a:rPr lang="en-SG" smtClean="0"/>
-              <a:t>27/9/2016</a:t>
+              <a:t>28/9/2016</a:t>
             </a:fld>
             <a:endParaRPr lang="en-SG"/>
           </a:p>
@@ -413,7 +413,7 @@
           <a:p>
             <a:fld id="{396868D5-0678-458C-B9C5-99CC38360805}" type="datetimeFigureOut">
               <a:rPr lang="en-SG" smtClean="0"/>
-              <a:t>27/9/2016</a:t>
+              <a:t>28/9/2016</a:t>
             </a:fld>
             <a:endParaRPr lang="en-SG"/>
           </a:p>
@@ -593,7 +593,7 @@
           <a:p>
             <a:fld id="{396868D5-0678-458C-B9C5-99CC38360805}" type="datetimeFigureOut">
               <a:rPr lang="en-SG" smtClean="0"/>
-              <a:t>27/9/2016</a:t>
+              <a:t>28/9/2016</a:t>
             </a:fld>
             <a:endParaRPr lang="en-SG"/>
           </a:p>
@@ -763,7 +763,7 @@
           <a:p>
             <a:fld id="{396868D5-0678-458C-B9C5-99CC38360805}" type="datetimeFigureOut">
               <a:rPr lang="en-SG" smtClean="0"/>
-              <a:t>27/9/2016</a:t>
+              <a:t>28/9/2016</a:t>
             </a:fld>
             <a:endParaRPr lang="en-SG"/>
           </a:p>
@@ -1009,7 +1009,7 @@
           <a:p>
             <a:fld id="{396868D5-0678-458C-B9C5-99CC38360805}" type="datetimeFigureOut">
               <a:rPr lang="en-SG" smtClean="0"/>
-              <a:t>27/9/2016</a:t>
+              <a:t>28/9/2016</a:t>
             </a:fld>
             <a:endParaRPr lang="en-SG"/>
           </a:p>
@@ -1241,7 +1241,7 @@
           <a:p>
             <a:fld id="{396868D5-0678-458C-B9C5-99CC38360805}" type="datetimeFigureOut">
               <a:rPr lang="en-SG" smtClean="0"/>
-              <a:t>27/9/2016</a:t>
+              <a:t>28/9/2016</a:t>
             </a:fld>
             <a:endParaRPr lang="en-SG"/>
           </a:p>
@@ -1608,7 +1608,7 @@
           <a:p>
             <a:fld id="{396868D5-0678-458C-B9C5-99CC38360805}" type="datetimeFigureOut">
               <a:rPr lang="en-SG" smtClean="0"/>
-              <a:t>27/9/2016</a:t>
+              <a:t>28/9/2016</a:t>
             </a:fld>
             <a:endParaRPr lang="en-SG"/>
           </a:p>
@@ -1726,7 +1726,7 @@
           <a:p>
             <a:fld id="{396868D5-0678-458C-B9C5-99CC38360805}" type="datetimeFigureOut">
               <a:rPr lang="en-SG" smtClean="0"/>
-              <a:t>27/9/2016</a:t>
+              <a:t>28/9/2016</a:t>
             </a:fld>
             <a:endParaRPr lang="en-SG"/>
           </a:p>
@@ -1821,7 +1821,7 @@
           <a:p>
             <a:fld id="{396868D5-0678-458C-B9C5-99CC38360805}" type="datetimeFigureOut">
               <a:rPr lang="en-SG" smtClean="0"/>
-              <a:t>27/9/2016</a:t>
+              <a:t>28/9/2016</a:t>
             </a:fld>
             <a:endParaRPr lang="en-SG"/>
           </a:p>
@@ -2098,7 +2098,7 @@
           <a:p>
             <a:fld id="{396868D5-0678-458C-B9C5-99CC38360805}" type="datetimeFigureOut">
               <a:rPr lang="en-SG" smtClean="0"/>
-              <a:t>27/9/2016</a:t>
+              <a:t>28/9/2016</a:t>
             </a:fld>
             <a:endParaRPr lang="en-SG"/>
           </a:p>
@@ -2351,7 +2351,7 @@
           <a:p>
             <a:fld id="{396868D5-0678-458C-B9C5-99CC38360805}" type="datetimeFigureOut">
               <a:rPr lang="en-SG" smtClean="0"/>
-              <a:t>27/9/2016</a:t>
+              <a:t>28/9/2016</a:t>
             </a:fld>
             <a:endParaRPr lang="en-SG"/>
           </a:p>
@@ -2564,7 +2564,7 @@
           <a:p>
             <a:fld id="{396868D5-0678-458C-B9C5-99CC38360805}" type="datetimeFigureOut">
               <a:rPr lang="en-SG" smtClean="0"/>
-              <a:t>27/9/2016</a:t>
+              <a:t>28/9/2016</a:t>
             </a:fld>
             <a:endParaRPr lang="en-SG"/>
           </a:p>
@@ -2977,10 +2977,10 @@
         </p:nvGrpSpPr>
         <p:grpSpPr>
           <a:xfrm>
-            <a:off x="2557630" y="2074728"/>
-            <a:ext cx="1200970" cy="1569660"/>
-            <a:chOff x="4296229" y="798286"/>
-            <a:chExt cx="1200970" cy="1569660"/>
+            <a:off x="2775422" y="1856103"/>
+            <a:ext cx="1209276" cy="1754326"/>
+            <a:chOff x="4486196" y="694474"/>
+            <a:chExt cx="1209276" cy="1754326"/>
           </a:xfrm>
         </p:grpSpPr>
         <p:sp>
@@ -2991,8 +2991,8 @@
           </p:nvSpPr>
           <p:spPr>
             <a:xfrm>
-              <a:off x="4296229" y="798286"/>
-              <a:ext cx="1200970" cy="1569660"/>
+              <a:off x="4494502" y="694474"/>
+              <a:ext cx="1200970" cy="1754326"/>
             </a:xfrm>
             <a:prstGeom prst="rect">
               <a:avLst/>
@@ -3022,19 +3022,25 @@
             <a:p>
               <a:r>
                 <a:rPr lang="en-SG" sz="1200" dirty="0" smtClean="0"/>
-                <a:t>Date (PK) (FK)</a:t>
+                <a:t>ID (PK)</a:t>
               </a:r>
             </a:p>
             <a:p>
               <a:r>
                 <a:rPr lang="en-SG" sz="1200" dirty="0" smtClean="0"/>
-                <a:t>Latitude (PK)</a:t>
+                <a:t>Date (FK)</a:t>
               </a:r>
             </a:p>
             <a:p>
               <a:r>
                 <a:rPr lang="en-SG" sz="1200" dirty="0" smtClean="0"/>
-                <a:t>Longitude (PK)</a:t>
+                <a:t>Latitude</a:t>
+              </a:r>
+            </a:p>
+            <a:p>
+              <a:r>
+                <a:rPr lang="en-SG" sz="1200" dirty="0" smtClean="0"/>
+                <a:t>Longitude</a:t>
               </a:r>
             </a:p>
             <a:p>
@@ -3069,7 +3075,7 @@
           </p:nvCxnSpPr>
           <p:spPr>
             <a:xfrm flipH="1">
-              <a:off x="4296229" y="1126013"/>
+              <a:off x="4486196" y="1003881"/>
               <a:ext cx="1200970" cy="1"/>
             </a:xfrm>
             <a:prstGeom prst="line">
@@ -3106,9 +3112,9 @@
         <p:grpSpPr>
           <a:xfrm>
             <a:off x="6773951" y="514373"/>
-            <a:ext cx="1846633" cy="3046988"/>
+            <a:ext cx="1846633" cy="3231654"/>
             <a:chOff x="4294901" y="798286"/>
-            <a:chExt cx="1173721" cy="3046988"/>
+            <a:chExt cx="1173721" cy="3231654"/>
           </a:xfrm>
         </p:grpSpPr>
         <p:sp>
@@ -3120,7 +3126,7 @@
           <p:spPr>
             <a:xfrm>
               <a:off x="4296229" y="798286"/>
-              <a:ext cx="1172393" cy="3046988"/>
+              <a:ext cx="1172393" cy="3231654"/>
             </a:xfrm>
             <a:prstGeom prst="rect">
               <a:avLst/>
@@ -3150,7 +3156,13 @@
             <a:p>
               <a:r>
                 <a:rPr lang="en-SG" sz="1200" dirty="0" smtClean="0"/>
-                <a:t>Date (PK) (FK)</a:t>
+                <a:t>ID (PK)</a:t>
+              </a:r>
+            </a:p>
+            <a:p>
+              <a:r>
+                <a:rPr lang="en-SG" sz="1200" dirty="0" smtClean="0"/>
+                <a:t>Date (FK)</a:t>
               </a:r>
             </a:p>
             <a:p>
@@ -3160,7 +3172,7 @@
               </a:r>
               <a:r>
                 <a:rPr lang="en-SG" sz="1200" dirty="0" smtClean="0"/>
-                <a:t> (PK) (FK)</a:t>
+                <a:t> (FK)</a:t>
               </a:r>
             </a:p>
             <a:p>
@@ -3293,8 +3305,8 @@
         </p:nvGrpSpPr>
         <p:grpSpPr>
           <a:xfrm>
-            <a:off x="4557357" y="4557947"/>
-            <a:ext cx="1514132" cy="1015663"/>
+            <a:off x="4876197" y="4557947"/>
+            <a:ext cx="1195292" cy="1015663"/>
             <a:chOff x="4346799" y="4077063"/>
             <a:chExt cx="1514132" cy="1015663"/>
           </a:xfrm>
@@ -3530,172 +3542,11 @@
         </p:nvCxnSpPr>
         <p:spPr>
           <a:xfrm>
-            <a:off x="4492116" y="4974299"/>
+            <a:off x="4793679" y="4854083"/>
             <a:ext cx="0" cy="182957"/>
           </a:xfrm>
           <a:prstGeom prst="line">
             <a:avLst/>
-          </a:prstGeom>
-          <a:ln>
-            <a:solidFill>
-              <a:schemeClr val="tx1"/>
-            </a:solidFill>
-          </a:ln>
-        </p:spPr>
-        <p:style>
-          <a:lnRef idx="1">
-            <a:schemeClr val="accent1"/>
-          </a:lnRef>
-          <a:fillRef idx="0">
-            <a:schemeClr val="accent1"/>
-          </a:fillRef>
-          <a:effectRef idx="0">
-            <a:schemeClr val="accent1"/>
-          </a:effectRef>
-          <a:fontRef idx="minor">
-            <a:schemeClr val="tx1"/>
-          </a:fontRef>
-        </p:style>
-      </p:cxnSp>
-      <p:grpSp>
-        <p:nvGrpSpPr>
-          <p:cNvPr id="32" name="Group 31"/>
-          <p:cNvGrpSpPr/>
-          <p:nvPr/>
-        </p:nvGrpSpPr>
-        <p:grpSpPr>
-          <a:xfrm>
-            <a:off x="2431219" y="3269475"/>
-            <a:ext cx="126411" cy="229510"/>
-            <a:chOff x="3360772" y="2469497"/>
-            <a:chExt cx="126411" cy="229510"/>
-          </a:xfrm>
-        </p:grpSpPr>
-        <p:cxnSp>
-          <p:nvCxnSpPr>
-            <p:cNvPr id="36" name="Straight Connector 35"/>
-            <p:cNvCxnSpPr/>
-            <p:nvPr/>
-          </p:nvCxnSpPr>
-          <p:spPr>
-            <a:xfrm flipV="1">
-              <a:off x="3360772" y="2469497"/>
-              <a:ext cx="126411" cy="102677"/>
-            </a:xfrm>
-            <a:prstGeom prst="line">
-              <a:avLst/>
-            </a:prstGeom>
-            <a:ln>
-              <a:solidFill>
-                <a:schemeClr val="tx1"/>
-              </a:solidFill>
-            </a:ln>
-          </p:spPr>
-          <p:style>
-            <a:lnRef idx="1">
-              <a:schemeClr val="accent1"/>
-            </a:lnRef>
-            <a:fillRef idx="0">
-              <a:schemeClr val="accent1"/>
-            </a:fillRef>
-            <a:effectRef idx="0">
-              <a:schemeClr val="accent1"/>
-            </a:effectRef>
-            <a:fontRef idx="minor">
-              <a:schemeClr val="tx1"/>
-            </a:fontRef>
-          </p:style>
-        </p:cxnSp>
-        <p:cxnSp>
-          <p:nvCxnSpPr>
-            <p:cNvPr id="38" name="Straight Connector 37"/>
-            <p:cNvCxnSpPr/>
-            <p:nvPr/>
-          </p:nvCxnSpPr>
-          <p:spPr>
-            <a:xfrm>
-              <a:off x="3360772" y="2572174"/>
-              <a:ext cx="126411" cy="126833"/>
-            </a:xfrm>
-            <a:prstGeom prst="line">
-              <a:avLst/>
-            </a:prstGeom>
-            <a:ln>
-              <a:solidFill>
-                <a:schemeClr val="tx1"/>
-              </a:solidFill>
-            </a:ln>
-          </p:spPr>
-          <p:style>
-            <a:lnRef idx="1">
-              <a:schemeClr val="accent1"/>
-            </a:lnRef>
-            <a:fillRef idx="0">
-              <a:schemeClr val="accent1"/>
-            </a:fillRef>
-            <a:effectRef idx="0">
-              <a:schemeClr val="accent1"/>
-            </a:effectRef>
-            <a:fontRef idx="minor">
-              <a:schemeClr val="tx1"/>
-            </a:fontRef>
-          </p:style>
-        </p:cxnSp>
-      </p:grpSp>
-      <p:cxnSp>
-        <p:nvCxnSpPr>
-          <p:cNvPr id="43" name="Elbow Connector 42"/>
-          <p:cNvCxnSpPr>
-            <a:endCxn id="18" idx="1"/>
-          </p:cNvCxnSpPr>
-          <p:nvPr/>
-        </p:nvCxnSpPr>
-        <p:spPr>
-          <a:xfrm>
-            <a:off x="2565207" y="3362547"/>
-            <a:ext cx="1992150" cy="1703232"/>
-          </a:xfrm>
-          <a:prstGeom prst="bentConnector3">
-            <a:avLst>
-              <a:gd name="adj1" fmla="val -13554"/>
-            </a:avLst>
-          </a:prstGeom>
-          <a:ln>
-            <a:solidFill>
-              <a:schemeClr val="tx1"/>
-            </a:solidFill>
-          </a:ln>
-        </p:spPr>
-        <p:style>
-          <a:lnRef idx="1">
-            <a:schemeClr val="accent1"/>
-          </a:lnRef>
-          <a:fillRef idx="0">
-            <a:schemeClr val="accent1"/>
-          </a:fillRef>
-          <a:effectRef idx="0">
-            <a:schemeClr val="accent1"/>
-          </a:effectRef>
-          <a:fontRef idx="minor">
-            <a:schemeClr val="tx1"/>
-          </a:fontRef>
-        </p:style>
-      </p:cxnSp>
-      <p:cxnSp>
-        <p:nvCxnSpPr>
-          <p:cNvPr id="52" name="Elbow Connector 51"/>
-          <p:cNvCxnSpPr/>
-          <p:nvPr/>
-        </p:nvCxnSpPr>
-        <p:spPr>
-          <a:xfrm>
-            <a:off x="6071489" y="5065778"/>
-            <a:ext cx="1034328" cy="352569"/>
-          </a:xfrm>
-          <a:prstGeom prst="bentConnector3">
-            <a:avLst>
-              <a:gd name="adj1" fmla="val 50000"/>
-            </a:avLst>
           </a:prstGeom>
           <a:ln>
             <a:solidFill>
@@ -3726,7 +3577,7 @@
         </p:nvGrpSpPr>
         <p:grpSpPr>
           <a:xfrm>
-            <a:off x="6979406" y="5320716"/>
+            <a:off x="6985743" y="4964645"/>
             <a:ext cx="126411" cy="229510"/>
             <a:chOff x="3360772" y="2469497"/>
             <a:chExt cx="126411" cy="229510"/>
@@ -4045,15 +3896,12 @@
           <p:nvPr/>
         </p:nvCxnSpPr>
         <p:spPr>
-          <a:xfrm rot="5400000">
-            <a:off x="1775216" y="1846651"/>
-            <a:ext cx="1795321" cy="230492"/>
-          </a:xfrm>
-          <a:prstGeom prst="bentConnector4">
-            <a:avLst>
-              <a:gd name="adj1" fmla="val 157"/>
-              <a:gd name="adj2" fmla="val 199179"/>
-            </a:avLst>
+          <a:xfrm rot="16200000" flipH="1">
+            <a:off x="1789255" y="1738792"/>
+            <a:ext cx="1483815" cy="505131"/>
+          </a:xfrm>
+          <a:prstGeom prst="bentConnector2">
+            <a:avLst/>
           </a:prstGeom>
           <a:ln>
             <a:solidFill>
@@ -4122,12 +3970,12 @@
         </p:nvCxnSpPr>
         <p:spPr>
           <a:xfrm flipH="1">
-            <a:off x="8619949" y="2037867"/>
-            <a:ext cx="634" cy="2894758"/>
+            <a:off x="8619949" y="2130200"/>
+            <a:ext cx="635" cy="2802425"/>
           </a:xfrm>
           <a:prstGeom prst="bentConnector3">
             <a:avLst>
-              <a:gd name="adj1" fmla="val -36056782"/>
+              <a:gd name="adj1" fmla="val -36000000"/>
             </a:avLst>
           </a:prstGeom>
           <a:ln>
@@ -4159,7 +4007,7 @@
         </p:nvGrpSpPr>
         <p:grpSpPr>
           <a:xfrm flipH="1">
-            <a:off x="8622672" y="1926963"/>
+            <a:off x="8626368" y="2025646"/>
             <a:ext cx="124322" cy="235296"/>
             <a:chOff x="3360772" y="2469497"/>
             <a:chExt cx="126411" cy="229510"/>
@@ -4280,9 +4128,9 @@
         <p:grpSpPr>
           <a:xfrm>
             <a:off x="4870520" y="1311121"/>
-            <a:ext cx="1200970" cy="1384995"/>
+            <a:ext cx="1200970" cy="1569660"/>
             <a:chOff x="4296228" y="798286"/>
-            <a:chExt cx="1200970" cy="1384995"/>
+            <a:chExt cx="1200970" cy="1569660"/>
           </a:xfrm>
         </p:grpSpPr>
         <p:sp>
@@ -4294,7 +4142,7 @@
           <p:spPr>
             <a:xfrm>
               <a:off x="4296229" y="798286"/>
-              <a:ext cx="1200968" cy="1384995"/>
+              <a:ext cx="1200968" cy="1569660"/>
             </a:xfrm>
             <a:prstGeom prst="rect">
               <a:avLst/>
@@ -4324,7 +4172,13 @@
             <a:p>
               <a:r>
                 <a:rPr lang="en-SG" sz="1200" dirty="0" smtClean="0"/>
-                <a:t>Date (PK) (FK)</a:t>
+                <a:t>ID (PK)</a:t>
+              </a:r>
+            </a:p>
+            <a:p>
+              <a:r>
+                <a:rPr lang="en-SG" sz="1200" dirty="0" smtClean="0"/>
+                <a:t>Date (FK)</a:t>
               </a:r>
             </a:p>
             <a:p>
@@ -4488,7 +4342,7 @@
         </p:nvGrpSpPr>
         <p:grpSpPr>
           <a:xfrm flipH="1">
-            <a:off x="6070840" y="1886002"/>
+            <a:off x="6070840" y="1970916"/>
             <a:ext cx="124322" cy="235296"/>
             <a:chOff x="3360772" y="2469497"/>
             <a:chExt cx="126411" cy="229510"/>
@@ -4574,9 +4428,9 @@
         <p:grpSpPr>
           <a:xfrm>
             <a:off x="4876197" y="2991154"/>
-            <a:ext cx="1200970" cy="1384995"/>
+            <a:ext cx="1200970" cy="1200329"/>
             <a:chOff x="4296229" y="798286"/>
-            <a:chExt cx="1200970" cy="1384995"/>
+            <a:chExt cx="1200970" cy="1200329"/>
           </a:xfrm>
         </p:grpSpPr>
         <p:sp>
@@ -4588,7 +4442,7 @@
           <p:spPr>
             <a:xfrm>
               <a:off x="4296229" y="798286"/>
-              <a:ext cx="1200968" cy="1384995"/>
+              <a:ext cx="1200968" cy="1200329"/>
             </a:xfrm>
             <a:prstGeom prst="rect">
               <a:avLst/>
@@ -4618,7 +4472,13 @@
             <a:p>
               <a:r>
                 <a:rPr lang="en-SG" sz="1200" dirty="0" smtClean="0"/>
-                <a:t>Date (PK) (FK)</a:t>
+                <a:t>ID (PK)</a:t>
+              </a:r>
+            </a:p>
+            <a:p>
+              <a:r>
+                <a:rPr lang="en-SG" sz="1200" dirty="0" smtClean="0"/>
+                <a:t>Date (FK)</a:t>
               </a:r>
             </a:p>
             <a:p>
@@ -4626,21 +4486,7 @@
                 <a:rPr lang="en-SG" sz="1200" dirty="0" err="1" smtClean="0"/>
                 <a:t>MeanPSI</a:t>
               </a:r>
-              <a:endParaRPr lang="en-SG" sz="1200" dirty="0"/>
-            </a:p>
-            <a:p>
-              <a:r>
-                <a:rPr lang="en-SG" sz="1200" dirty="0" err="1" smtClean="0"/>
-                <a:t>MaxPSI</a:t>
-              </a:r>
-              <a:endParaRPr lang="en-SG" sz="1200" dirty="0"/>
-            </a:p>
-            <a:p>
-              <a:r>
-                <a:rPr lang="en-SG" sz="1200" dirty="0" err="1" smtClean="0"/>
-                <a:t>MinPSI</a:t>
-              </a:r>
-              <a:endParaRPr lang="en-SG" sz="1200" dirty="0"/>
+              <a:endParaRPr lang="en-SG" sz="1200" dirty="0" smtClean="0"/>
             </a:p>
             <a:p>
               <a:r>
@@ -4783,7 +4629,7 @@
         </p:nvGrpSpPr>
         <p:grpSpPr>
           <a:xfrm flipH="1">
-            <a:off x="6070840" y="3568644"/>
+            <a:off x="6070840" y="3472723"/>
             <a:ext cx="124322" cy="235296"/>
             <a:chOff x="3360772" y="2469497"/>
             <a:chExt cx="126411" cy="229510"/>
@@ -4973,7 +4819,7 @@
         </p:nvGrpSpPr>
         <p:grpSpPr>
           <a:xfrm>
-            <a:off x="2431219" y="2737084"/>
+            <a:off x="2654325" y="2618511"/>
             <a:ext cx="126411" cy="229510"/>
             <a:chOff x="3360772" y="2469497"/>
             <a:chExt cx="126411" cy="229510"/>
@@ -5097,13 +4943,13 @@
         </p:nvCxnSpPr>
         <p:spPr>
           <a:xfrm flipH="1">
-            <a:off x="6069526" y="2003619"/>
-            <a:ext cx="1963" cy="2929006"/>
+            <a:off x="6069527" y="2095951"/>
+            <a:ext cx="1962" cy="2836674"/>
           </a:xfrm>
           <a:prstGeom prst="bentConnector4">
             <a:avLst>
-              <a:gd name="adj1" fmla="val -27002038"/>
-              <a:gd name="adj2" fmla="val 98186"/>
+              <a:gd name="adj1" fmla="val -26964628"/>
+              <a:gd name="adj2" fmla="val 97911"/>
             </a:avLst>
           </a:prstGeom>
           <a:ln>
@@ -5170,7 +5016,7 @@
         </p:nvCxnSpPr>
         <p:spPr>
           <a:xfrm>
-            <a:off x="6179703" y="4773232"/>
+            <a:off x="6164526" y="4769437"/>
             <a:ext cx="0" cy="182957"/>
           </a:xfrm>
           <a:prstGeom prst="line">
@@ -5279,14 +5125,561 @@
         </p:nvCxnSpPr>
         <p:spPr>
           <a:xfrm flipH="1">
-            <a:off x="6075057" y="3683652"/>
-            <a:ext cx="2108" cy="1004088"/>
+            <a:off x="6075057" y="3591319"/>
+            <a:ext cx="2108" cy="1096421"/>
           </a:xfrm>
           <a:prstGeom prst="bentConnector4">
             <a:avLst>
-              <a:gd name="adj1" fmla="val -15724383"/>
-              <a:gd name="adj2" fmla="val 99928"/>
+              <a:gd name="adj1" fmla="val -10844402"/>
+              <a:gd name="adj2" fmla="val 99609"/>
             </a:avLst>
+          </a:prstGeom>
+          <a:ln>
+            <a:solidFill>
+              <a:schemeClr val="tx1"/>
+            </a:solidFill>
+          </a:ln>
+        </p:spPr>
+        <p:style>
+          <a:lnRef idx="1">
+            <a:schemeClr val="accent1"/>
+          </a:lnRef>
+          <a:fillRef idx="0">
+            <a:schemeClr val="accent1"/>
+          </a:fillRef>
+          <a:effectRef idx="0">
+            <a:schemeClr val="accent1"/>
+          </a:effectRef>
+          <a:fontRef idx="minor">
+            <a:schemeClr val="tx1"/>
+          </a:fontRef>
+        </p:style>
+      </p:cxnSp>
+      <p:grpSp>
+        <p:nvGrpSpPr>
+          <p:cNvPr id="82" name="Group 81"/>
+          <p:cNvGrpSpPr/>
+          <p:nvPr/>
+        </p:nvGrpSpPr>
+        <p:grpSpPr>
+          <a:xfrm>
+            <a:off x="2735309" y="3783470"/>
+            <a:ext cx="1317655" cy="1384995"/>
+            <a:chOff x="4296229" y="798286"/>
+            <a:chExt cx="1200970" cy="1384995"/>
+          </a:xfrm>
+        </p:grpSpPr>
+        <p:sp>
+          <p:nvSpPr>
+            <p:cNvPr id="83" name="TextBox 82"/>
+            <p:cNvSpPr txBox="1"/>
+            <p:nvPr/>
+          </p:nvSpPr>
+          <p:spPr>
+            <a:xfrm>
+              <a:off x="4296229" y="798286"/>
+              <a:ext cx="1200968" cy="1384995"/>
+            </a:xfrm>
+            <a:prstGeom prst="rect">
+              <a:avLst/>
+            </a:prstGeom>
+            <a:noFill/>
+            <a:ln w="6350">
+              <a:solidFill>
+                <a:schemeClr val="tx1"/>
+              </a:solidFill>
+            </a:ln>
+          </p:spPr>
+          <p:txBody>
+            <a:bodyPr wrap="square" rtlCol="0">
+              <a:spAutoFit/>
+            </a:bodyPr>
+            <a:lstStyle/>
+            <a:p>
+              <a:r>
+                <a:rPr lang="en-SG" sz="1200" dirty="0" err="1"/>
+                <a:t>d</a:t>
+              </a:r>
+              <a:r>
+                <a:rPr lang="en-SG" sz="1200" dirty="0" err="1" smtClean="0"/>
+                <a:t>imHDBLocation</a:t>
+              </a:r>
+              <a:endParaRPr lang="en-SG" sz="1200" dirty="0" smtClean="0"/>
+            </a:p>
+            <a:p>
+              <a:endParaRPr lang="en-SG" sz="1200" dirty="0" smtClean="0"/>
+            </a:p>
+            <a:p>
+              <a:r>
+                <a:rPr lang="en-SG" sz="1200" dirty="0" smtClean="0"/>
+                <a:t>ID (PK)</a:t>
+              </a:r>
+            </a:p>
+            <a:p>
+              <a:r>
+                <a:rPr lang="en-SG" sz="1200" dirty="0" smtClean="0"/>
+                <a:t>Address</a:t>
+              </a:r>
+            </a:p>
+            <a:p>
+              <a:r>
+                <a:rPr lang="en-SG" sz="1200" dirty="0" smtClean="0"/>
+                <a:t>Latitude</a:t>
+              </a:r>
+            </a:p>
+            <a:p>
+              <a:r>
+                <a:rPr lang="en-SG" sz="1200" dirty="0" smtClean="0"/>
+                <a:t>Longitude</a:t>
+              </a:r>
+            </a:p>
+            <a:p>
+              <a:r>
+                <a:rPr lang="en-SG" sz="1200" dirty="0" err="1" smtClean="0"/>
+                <a:t>RegionId</a:t>
+              </a:r>
+              <a:r>
+                <a:rPr lang="en-SG" sz="1200" dirty="0" smtClean="0"/>
+                <a:t> (FK)</a:t>
+              </a:r>
+            </a:p>
+          </p:txBody>
+        </p:sp>
+        <p:cxnSp>
+          <p:nvCxnSpPr>
+            <p:cNvPr id="84" name="Straight Connector 83"/>
+            <p:cNvCxnSpPr/>
+            <p:nvPr/>
+          </p:nvCxnSpPr>
+          <p:spPr>
+            <a:xfrm flipH="1">
+              <a:off x="4296229" y="1126467"/>
+              <a:ext cx="1200970" cy="1"/>
+            </a:xfrm>
+            <a:prstGeom prst="line">
+              <a:avLst/>
+            </a:prstGeom>
+            <a:ln>
+              <a:solidFill>
+                <a:schemeClr val="tx1"/>
+              </a:solidFill>
+            </a:ln>
+          </p:spPr>
+          <p:style>
+            <a:lnRef idx="1">
+              <a:schemeClr val="accent1"/>
+            </a:lnRef>
+            <a:fillRef idx="0">
+              <a:schemeClr val="accent1"/>
+            </a:fillRef>
+            <a:effectRef idx="0">
+              <a:schemeClr val="accent1"/>
+            </a:effectRef>
+            <a:fontRef idx="minor">
+              <a:schemeClr val="tx1"/>
+            </a:fontRef>
+          </p:style>
+        </p:cxnSp>
+      </p:grpSp>
+      <p:grpSp>
+        <p:nvGrpSpPr>
+          <p:cNvPr id="85" name="Group 84"/>
+          <p:cNvGrpSpPr/>
+          <p:nvPr/>
+        </p:nvGrpSpPr>
+        <p:grpSpPr>
+          <a:xfrm>
+            <a:off x="2609372" y="4781385"/>
+            <a:ext cx="126411" cy="229510"/>
+            <a:chOff x="3360772" y="2469497"/>
+            <a:chExt cx="126411" cy="229510"/>
+          </a:xfrm>
+        </p:grpSpPr>
+        <p:cxnSp>
+          <p:nvCxnSpPr>
+            <p:cNvPr id="86" name="Straight Connector 85"/>
+            <p:cNvCxnSpPr/>
+            <p:nvPr/>
+          </p:nvCxnSpPr>
+          <p:spPr>
+            <a:xfrm flipV="1">
+              <a:off x="3360772" y="2469497"/>
+              <a:ext cx="126411" cy="102677"/>
+            </a:xfrm>
+            <a:prstGeom prst="line">
+              <a:avLst/>
+            </a:prstGeom>
+            <a:ln>
+              <a:solidFill>
+                <a:schemeClr val="tx1"/>
+              </a:solidFill>
+            </a:ln>
+          </p:spPr>
+          <p:style>
+            <a:lnRef idx="1">
+              <a:schemeClr val="accent1"/>
+            </a:lnRef>
+            <a:fillRef idx="0">
+              <a:schemeClr val="accent1"/>
+            </a:fillRef>
+            <a:effectRef idx="0">
+              <a:schemeClr val="accent1"/>
+            </a:effectRef>
+            <a:fontRef idx="minor">
+              <a:schemeClr val="tx1"/>
+            </a:fontRef>
+          </p:style>
+        </p:cxnSp>
+        <p:cxnSp>
+          <p:nvCxnSpPr>
+            <p:cNvPr id="90" name="Straight Connector 89"/>
+            <p:cNvCxnSpPr/>
+            <p:nvPr/>
+          </p:nvCxnSpPr>
+          <p:spPr>
+            <a:xfrm>
+              <a:off x="3360772" y="2572174"/>
+              <a:ext cx="126411" cy="126833"/>
+            </a:xfrm>
+            <a:prstGeom prst="line">
+              <a:avLst/>
+            </a:prstGeom>
+            <a:ln>
+              <a:solidFill>
+                <a:schemeClr val="tx1"/>
+              </a:solidFill>
+            </a:ln>
+          </p:spPr>
+          <p:style>
+            <a:lnRef idx="1">
+              <a:schemeClr val="accent1"/>
+            </a:lnRef>
+            <a:fillRef idx="0">
+              <a:schemeClr val="accent1"/>
+            </a:fillRef>
+            <a:effectRef idx="0">
+              <a:schemeClr val="accent1"/>
+            </a:effectRef>
+            <a:fontRef idx="minor">
+              <a:schemeClr val="tx1"/>
+            </a:fontRef>
+          </p:style>
+        </p:cxnSp>
+      </p:grpSp>
+      <p:cxnSp>
+        <p:nvCxnSpPr>
+          <p:cNvPr id="104" name="Straight Connector 103"/>
+          <p:cNvCxnSpPr/>
+          <p:nvPr/>
+        </p:nvCxnSpPr>
+        <p:spPr>
+          <a:xfrm flipH="1">
+            <a:off x="3975795" y="2942709"/>
+            <a:ext cx="230389" cy="1018"/>
+          </a:xfrm>
+          <a:prstGeom prst="line">
+            <a:avLst/>
+          </a:prstGeom>
+          <a:ln>
+            <a:solidFill>
+              <a:schemeClr val="tx1"/>
+            </a:solidFill>
+          </a:ln>
+        </p:spPr>
+        <p:style>
+          <a:lnRef idx="1">
+            <a:schemeClr val="accent1"/>
+          </a:lnRef>
+          <a:fillRef idx="0">
+            <a:schemeClr val="accent1"/>
+          </a:fillRef>
+          <a:effectRef idx="0">
+            <a:schemeClr val="accent1"/>
+          </a:effectRef>
+          <a:fontRef idx="minor">
+            <a:schemeClr val="tx1"/>
+          </a:fontRef>
+        </p:style>
+      </p:cxnSp>
+      <p:cxnSp>
+        <p:nvCxnSpPr>
+          <p:cNvPr id="105" name="Straight Connector 104"/>
+          <p:cNvCxnSpPr/>
+          <p:nvPr/>
+        </p:nvCxnSpPr>
+        <p:spPr>
+          <a:xfrm>
+            <a:off x="2717530" y="1174101"/>
+            <a:ext cx="0" cy="182957"/>
+          </a:xfrm>
+          <a:prstGeom prst="line">
+            <a:avLst/>
+          </a:prstGeom>
+          <a:ln>
+            <a:solidFill>
+              <a:schemeClr val="tx1"/>
+            </a:solidFill>
+          </a:ln>
+        </p:spPr>
+        <p:style>
+          <a:lnRef idx="1">
+            <a:schemeClr val="accent1"/>
+          </a:lnRef>
+          <a:fillRef idx="0">
+            <a:schemeClr val="accent1"/>
+          </a:fillRef>
+          <a:effectRef idx="0">
+            <a:schemeClr val="accent1"/>
+          </a:effectRef>
+          <a:fontRef idx="minor">
+            <a:schemeClr val="tx1"/>
+          </a:fontRef>
+        </p:style>
+      </p:cxnSp>
+      <p:cxnSp>
+        <p:nvCxnSpPr>
+          <p:cNvPr id="106" name="Elbow Connector 105"/>
+          <p:cNvCxnSpPr/>
+          <p:nvPr/>
+        </p:nvCxnSpPr>
+        <p:spPr>
+          <a:xfrm rot="16200000" flipH="1">
+            <a:off x="3538490" y="3595550"/>
+            <a:ext cx="2010553" cy="663596"/>
+          </a:xfrm>
+          <a:prstGeom prst="bentConnector3">
+            <a:avLst>
+              <a:gd name="adj1" fmla="val 99811"/>
+            </a:avLst>
+          </a:prstGeom>
+          <a:ln>
+            <a:solidFill>
+              <a:schemeClr val="tx1"/>
+            </a:solidFill>
+          </a:ln>
+        </p:spPr>
+        <p:style>
+          <a:lnRef idx="1">
+            <a:schemeClr val="accent1"/>
+          </a:lnRef>
+          <a:fillRef idx="0">
+            <a:schemeClr val="accent1"/>
+          </a:fillRef>
+          <a:effectRef idx="0">
+            <a:schemeClr val="accent1"/>
+          </a:effectRef>
+          <a:fontRef idx="minor">
+            <a:schemeClr val="tx1"/>
+          </a:fontRef>
+        </p:style>
+      </p:cxnSp>
+      <p:grpSp>
+        <p:nvGrpSpPr>
+          <p:cNvPr id="115" name="Group 114"/>
+          <p:cNvGrpSpPr/>
+          <p:nvPr/>
+        </p:nvGrpSpPr>
+        <p:grpSpPr>
+          <a:xfrm flipH="1">
+            <a:off x="3984374" y="2825061"/>
+            <a:ext cx="124322" cy="235296"/>
+            <a:chOff x="3360772" y="2469497"/>
+            <a:chExt cx="126411" cy="229510"/>
+          </a:xfrm>
+        </p:grpSpPr>
+        <p:cxnSp>
+          <p:nvCxnSpPr>
+            <p:cNvPr id="116" name="Straight Connector 115"/>
+            <p:cNvCxnSpPr/>
+            <p:nvPr/>
+          </p:nvCxnSpPr>
+          <p:spPr>
+            <a:xfrm flipV="1">
+              <a:off x="3360772" y="2469497"/>
+              <a:ext cx="126411" cy="102677"/>
+            </a:xfrm>
+            <a:prstGeom prst="line">
+              <a:avLst/>
+            </a:prstGeom>
+            <a:ln>
+              <a:solidFill>
+                <a:schemeClr val="tx1"/>
+              </a:solidFill>
+            </a:ln>
+          </p:spPr>
+          <p:style>
+            <a:lnRef idx="1">
+              <a:schemeClr val="accent1"/>
+            </a:lnRef>
+            <a:fillRef idx="0">
+              <a:schemeClr val="accent1"/>
+            </a:fillRef>
+            <a:effectRef idx="0">
+              <a:schemeClr val="accent1"/>
+            </a:effectRef>
+            <a:fontRef idx="minor">
+              <a:schemeClr val="tx1"/>
+            </a:fontRef>
+          </p:style>
+        </p:cxnSp>
+        <p:cxnSp>
+          <p:nvCxnSpPr>
+            <p:cNvPr id="117" name="Straight Connector 116"/>
+            <p:cNvCxnSpPr/>
+            <p:nvPr/>
+          </p:nvCxnSpPr>
+          <p:spPr>
+            <a:xfrm>
+              <a:off x="3360772" y="2572174"/>
+              <a:ext cx="126411" cy="126833"/>
+            </a:xfrm>
+            <a:prstGeom prst="line">
+              <a:avLst/>
+            </a:prstGeom>
+            <a:ln>
+              <a:solidFill>
+                <a:schemeClr val="tx1"/>
+              </a:solidFill>
+            </a:ln>
+          </p:spPr>
+          <p:style>
+            <a:lnRef idx="1">
+              <a:schemeClr val="accent1"/>
+            </a:lnRef>
+            <a:fillRef idx="0">
+              <a:schemeClr val="accent1"/>
+            </a:fillRef>
+            <a:effectRef idx="0">
+              <a:schemeClr val="accent1"/>
+            </a:effectRef>
+            <a:fontRef idx="minor">
+              <a:schemeClr val="tx1"/>
+            </a:fontRef>
+          </p:style>
+        </p:cxnSp>
+      </p:grpSp>
+      <p:cxnSp>
+        <p:nvCxnSpPr>
+          <p:cNvPr id="118" name="Straight Connector 117"/>
+          <p:cNvCxnSpPr/>
+          <p:nvPr/>
+        </p:nvCxnSpPr>
+        <p:spPr>
+          <a:xfrm flipH="1">
+            <a:off x="2272814" y="1265580"/>
+            <a:ext cx="509524" cy="0"/>
+          </a:xfrm>
+          <a:prstGeom prst="line">
+            <a:avLst/>
+          </a:prstGeom>
+          <a:ln>
+            <a:solidFill>
+              <a:schemeClr val="tx1"/>
+            </a:solidFill>
+          </a:ln>
+        </p:spPr>
+        <p:style>
+          <a:lnRef idx="1">
+            <a:schemeClr val="accent1"/>
+          </a:lnRef>
+          <a:fillRef idx="0">
+            <a:schemeClr val="accent1"/>
+          </a:fillRef>
+          <a:effectRef idx="0">
+            <a:schemeClr val="accent1"/>
+          </a:effectRef>
+          <a:fontRef idx="minor">
+            <a:schemeClr val="tx1"/>
+          </a:fontRef>
+        </p:style>
+      </p:cxnSp>
+      <p:cxnSp>
+        <p:nvCxnSpPr>
+          <p:cNvPr id="119" name="Elbow Connector 118"/>
+          <p:cNvCxnSpPr/>
+          <p:nvPr/>
+        </p:nvCxnSpPr>
+        <p:spPr>
+          <a:xfrm>
+            <a:off x="2738877" y="4883221"/>
+            <a:ext cx="2136684" cy="503393"/>
+          </a:xfrm>
+          <a:prstGeom prst="bentConnector3">
+            <a:avLst>
+              <a:gd name="adj1" fmla="val -21682"/>
+            </a:avLst>
+          </a:prstGeom>
+          <a:ln>
+            <a:solidFill>
+              <a:schemeClr val="tx1"/>
+            </a:solidFill>
+          </a:ln>
+        </p:spPr>
+        <p:style>
+          <a:lnRef idx="1">
+            <a:schemeClr val="accent1"/>
+          </a:lnRef>
+          <a:fillRef idx="0">
+            <a:schemeClr val="accent1"/>
+          </a:fillRef>
+          <a:effectRef idx="0">
+            <a:schemeClr val="accent1"/>
+          </a:effectRef>
+          <a:fontRef idx="minor">
+            <a:schemeClr val="tx1"/>
+          </a:fontRef>
+        </p:style>
+      </p:cxnSp>
+      <p:cxnSp>
+        <p:nvCxnSpPr>
+          <p:cNvPr id="123" name="Straight Connector 122"/>
+          <p:cNvCxnSpPr/>
+          <p:nvPr/>
+        </p:nvCxnSpPr>
+        <p:spPr>
+          <a:xfrm>
+            <a:off x="4803894" y="5295136"/>
+            <a:ext cx="0" cy="182957"/>
+          </a:xfrm>
+          <a:prstGeom prst="line">
+            <a:avLst/>
+          </a:prstGeom>
+          <a:ln>
+            <a:solidFill>
+              <a:schemeClr val="tx1"/>
+            </a:solidFill>
+          </a:ln>
+        </p:spPr>
+        <p:style>
+          <a:lnRef idx="1">
+            <a:schemeClr val="accent1"/>
+          </a:lnRef>
+          <a:fillRef idx="0">
+            <a:schemeClr val="accent1"/>
+          </a:fillRef>
+          <a:effectRef idx="0">
+            <a:schemeClr val="accent1"/>
+          </a:effectRef>
+          <a:fontRef idx="minor">
+            <a:schemeClr val="tx1"/>
+          </a:fontRef>
+        </p:style>
+      </p:cxnSp>
+      <p:cxnSp>
+        <p:nvCxnSpPr>
+          <p:cNvPr id="3" name="Straight Connector 2"/>
+          <p:cNvCxnSpPr>
+            <a:stCxn id="18" idx="3"/>
+          </p:cNvCxnSpPr>
+          <p:nvPr/>
+        </p:nvCxnSpPr>
+        <p:spPr>
+          <a:xfrm flipV="1">
+            <a:off x="6071489" y="5065776"/>
+            <a:ext cx="1040665" cy="3"/>
+          </a:xfrm>
+          <a:prstGeom prst="line">
+            <a:avLst/>
           </a:prstGeom>
           <a:ln>
             <a:solidFill>

--- a/docs/logical-dim-schema.pptx
+++ b/docs/logical-dim-schema.pptx
@@ -4,8 +4,13 @@
   <p:sldMasterIdLst>
     <p:sldMasterId id="2147483648" r:id="rId1"/>
   </p:sldMasterIdLst>
+  <p:notesMasterIdLst>
+    <p:notesMasterId r:id="rId5"/>
+  </p:notesMasterIdLst>
   <p:sldIdLst>
-    <p:sldId id="256" r:id="rId2"/>
+    <p:sldId id="259" r:id="rId2"/>
+    <p:sldId id="257" r:id="rId3"/>
+    <p:sldId id="258" r:id="rId4"/>
   </p:sldIdLst>
   <p:sldSz cx="12192000" cy="6858000"/>
   <p:notesSz cx="6858000" cy="9144000"/>
@@ -112,6 +117,440 @@
 </p:presentation>
 </file>
 
+<file path=ppt/notesMasters/notesMaster1.xml><?xml version="1.0" encoding="utf-8"?>
+<p:notesMaster xmlns:a="http://schemas.openxmlformats.org/drawingml/2006/main" xmlns:r="http://schemas.openxmlformats.org/officeDocument/2006/relationships" xmlns:p="http://schemas.openxmlformats.org/presentationml/2006/main">
+  <p:cSld>
+    <p:bg>
+      <p:bgRef idx="1001">
+        <a:schemeClr val="bg1"/>
+      </p:bgRef>
+    </p:bg>
+    <p:spTree>
+      <p:nvGrpSpPr>
+        <p:cNvPr id="1" name=""/>
+        <p:cNvGrpSpPr/>
+        <p:nvPr/>
+      </p:nvGrpSpPr>
+      <p:grpSpPr>
+        <a:xfrm>
+          <a:off x="0" y="0"/>
+          <a:ext cx="0" cy="0"/>
+          <a:chOff x="0" y="0"/>
+          <a:chExt cx="0" cy="0"/>
+        </a:xfrm>
+      </p:grpSpPr>
+      <p:sp>
+        <p:nvSpPr>
+          <p:cNvPr id="2" name="Header Placeholder 1"/>
+          <p:cNvSpPr>
+            <a:spLocks noGrp="1"/>
+          </p:cNvSpPr>
+          <p:nvPr>
+            <p:ph type="hdr" sz="quarter"/>
+          </p:nvPr>
+        </p:nvSpPr>
+        <p:spPr>
+          <a:xfrm>
+            <a:off x="0" y="0"/>
+            <a:ext cx="2971800" cy="458788"/>
+          </a:xfrm>
+          <a:prstGeom prst="rect">
+            <a:avLst/>
+          </a:prstGeom>
+        </p:spPr>
+        <p:txBody>
+          <a:bodyPr vert="horz" lIns="91440" tIns="45720" rIns="91440" bIns="45720" rtlCol="0"/>
+          <a:lstStyle>
+            <a:lvl1pPr algn="l">
+              <a:defRPr sz="1200"/>
+            </a:lvl1pPr>
+          </a:lstStyle>
+          <a:p>
+            <a:endParaRPr lang="en-SG"/>
+          </a:p>
+        </p:txBody>
+      </p:sp>
+      <p:sp>
+        <p:nvSpPr>
+          <p:cNvPr id="3" name="Date Placeholder 2"/>
+          <p:cNvSpPr>
+            <a:spLocks noGrp="1"/>
+          </p:cNvSpPr>
+          <p:nvPr>
+            <p:ph type="dt" idx="1"/>
+          </p:nvPr>
+        </p:nvSpPr>
+        <p:spPr>
+          <a:xfrm>
+            <a:off x="3884613" y="0"/>
+            <a:ext cx="2971800" cy="458788"/>
+          </a:xfrm>
+          <a:prstGeom prst="rect">
+            <a:avLst/>
+          </a:prstGeom>
+        </p:spPr>
+        <p:txBody>
+          <a:bodyPr vert="horz" lIns="91440" tIns="45720" rIns="91440" bIns="45720" rtlCol="0"/>
+          <a:lstStyle>
+            <a:lvl1pPr algn="r">
+              <a:defRPr sz="1200"/>
+            </a:lvl1pPr>
+          </a:lstStyle>
+          <a:p>
+            <a:fld id="{A2315843-A54D-4458-94F9-E9CEE95FD1F3}" type="datetimeFigureOut">
+              <a:rPr lang="en-SG" smtClean="0"/>
+              <a:t>2/10/2016</a:t>
+            </a:fld>
+            <a:endParaRPr lang="en-SG"/>
+          </a:p>
+        </p:txBody>
+      </p:sp>
+      <p:sp>
+        <p:nvSpPr>
+          <p:cNvPr id="4" name="Slide Image Placeholder 3"/>
+          <p:cNvSpPr>
+            <a:spLocks noGrp="1" noRot="1" noChangeAspect="1"/>
+          </p:cNvSpPr>
+          <p:nvPr>
+            <p:ph type="sldImg" idx="2"/>
+          </p:nvPr>
+        </p:nvSpPr>
+        <p:spPr>
+          <a:xfrm>
+            <a:off x="685800" y="1143000"/>
+            <a:ext cx="5486400" cy="3086100"/>
+          </a:xfrm>
+          <a:prstGeom prst="rect">
+            <a:avLst/>
+          </a:prstGeom>
+          <a:noFill/>
+          <a:ln w="12700">
+            <a:solidFill>
+              <a:prstClr val="black"/>
+            </a:solidFill>
+          </a:ln>
+        </p:spPr>
+        <p:txBody>
+          <a:bodyPr vert="horz" lIns="91440" tIns="45720" rIns="91440" bIns="45720" rtlCol="0" anchor="ctr"/>
+          <a:lstStyle/>
+          <a:p>
+            <a:endParaRPr lang="en-SG"/>
+          </a:p>
+        </p:txBody>
+      </p:sp>
+      <p:sp>
+        <p:nvSpPr>
+          <p:cNvPr id="5" name="Notes Placeholder 4"/>
+          <p:cNvSpPr>
+            <a:spLocks noGrp="1"/>
+          </p:cNvSpPr>
+          <p:nvPr>
+            <p:ph type="body" sz="quarter" idx="3"/>
+          </p:nvPr>
+        </p:nvSpPr>
+        <p:spPr>
+          <a:xfrm>
+            <a:off x="685800" y="4400550"/>
+            <a:ext cx="5486400" cy="3600450"/>
+          </a:xfrm>
+          <a:prstGeom prst="rect">
+            <a:avLst/>
+          </a:prstGeom>
+        </p:spPr>
+        <p:txBody>
+          <a:bodyPr vert="horz" lIns="91440" tIns="45720" rIns="91440" bIns="45720" rtlCol="0"/>
+          <a:lstStyle/>
+          <a:p>
+            <a:pPr lvl="0"/>
+            <a:r>
+              <a:rPr lang="en-US"/>
+              <a:t>Edit Master text styles</a:t>
+            </a:r>
+          </a:p>
+          <a:p>
+            <a:pPr lvl="1"/>
+            <a:r>
+              <a:rPr lang="en-US"/>
+              <a:t>Second level</a:t>
+            </a:r>
+          </a:p>
+          <a:p>
+            <a:pPr lvl="2"/>
+            <a:r>
+              <a:rPr lang="en-US"/>
+              <a:t>Third level</a:t>
+            </a:r>
+          </a:p>
+          <a:p>
+            <a:pPr lvl="3"/>
+            <a:r>
+              <a:rPr lang="en-US"/>
+              <a:t>Fourth level</a:t>
+            </a:r>
+          </a:p>
+          <a:p>
+            <a:pPr lvl="4"/>
+            <a:r>
+              <a:rPr lang="en-US"/>
+              <a:t>Fifth level</a:t>
+            </a:r>
+            <a:endParaRPr lang="en-SG"/>
+          </a:p>
+        </p:txBody>
+      </p:sp>
+      <p:sp>
+        <p:nvSpPr>
+          <p:cNvPr id="6" name="Footer Placeholder 5"/>
+          <p:cNvSpPr>
+            <a:spLocks noGrp="1"/>
+          </p:cNvSpPr>
+          <p:nvPr>
+            <p:ph type="ftr" sz="quarter" idx="4"/>
+          </p:nvPr>
+        </p:nvSpPr>
+        <p:spPr>
+          <a:xfrm>
+            <a:off x="0" y="8685213"/>
+            <a:ext cx="2971800" cy="458787"/>
+          </a:xfrm>
+          <a:prstGeom prst="rect">
+            <a:avLst/>
+          </a:prstGeom>
+        </p:spPr>
+        <p:txBody>
+          <a:bodyPr vert="horz" lIns="91440" tIns="45720" rIns="91440" bIns="45720" rtlCol="0" anchor="b"/>
+          <a:lstStyle>
+            <a:lvl1pPr algn="l">
+              <a:defRPr sz="1200"/>
+            </a:lvl1pPr>
+          </a:lstStyle>
+          <a:p>
+            <a:endParaRPr lang="en-SG"/>
+          </a:p>
+        </p:txBody>
+      </p:sp>
+      <p:sp>
+        <p:nvSpPr>
+          <p:cNvPr id="7" name="Slide Number Placeholder 6"/>
+          <p:cNvSpPr>
+            <a:spLocks noGrp="1"/>
+          </p:cNvSpPr>
+          <p:nvPr>
+            <p:ph type="sldNum" sz="quarter" idx="5"/>
+          </p:nvPr>
+        </p:nvSpPr>
+        <p:spPr>
+          <a:xfrm>
+            <a:off x="3884613" y="8685213"/>
+            <a:ext cx="2971800" cy="458787"/>
+          </a:xfrm>
+          <a:prstGeom prst="rect">
+            <a:avLst/>
+          </a:prstGeom>
+        </p:spPr>
+        <p:txBody>
+          <a:bodyPr vert="horz" lIns="91440" tIns="45720" rIns="91440" bIns="45720" rtlCol="0" anchor="b"/>
+          <a:lstStyle>
+            <a:lvl1pPr algn="r">
+              <a:defRPr sz="1200"/>
+            </a:lvl1pPr>
+          </a:lstStyle>
+          <a:p>
+            <a:fld id="{522EBC1C-E8EB-4BA7-A83D-48E10241C2AF}" type="slidenum">
+              <a:rPr lang="en-SG" smtClean="0"/>
+              <a:t>‹#›</a:t>
+            </a:fld>
+            <a:endParaRPr lang="en-SG"/>
+          </a:p>
+        </p:txBody>
+      </p:sp>
+    </p:spTree>
+    <p:extLst>
+      <p:ext uri="{BB962C8B-B14F-4D97-AF65-F5344CB8AC3E}">
+        <p14:creationId xmlns:p14="http://schemas.microsoft.com/office/powerpoint/2010/main" val="3695371560"/>
+      </p:ext>
+    </p:extLst>
+  </p:cSld>
+  <p:clrMap bg1="lt1" tx1="dk1" bg2="lt2" tx2="dk2" accent1="accent1" accent2="accent2" accent3="accent3" accent4="accent4" accent5="accent5" accent6="accent6" hlink="hlink" folHlink="folHlink"/>
+  <p:notesStyle>
+    <a:lvl1pPr marL="0" algn="l" defTabSz="914400" rtl="0" eaLnBrk="1" latinLnBrk="0" hangingPunct="1">
+      <a:defRPr sz="1200" kern="1200">
+        <a:solidFill>
+          <a:schemeClr val="tx1"/>
+        </a:solidFill>
+        <a:latin typeface="+mn-lt"/>
+        <a:ea typeface="+mn-ea"/>
+        <a:cs typeface="+mn-cs"/>
+      </a:defRPr>
+    </a:lvl1pPr>
+    <a:lvl2pPr marL="457200" algn="l" defTabSz="914400" rtl="0" eaLnBrk="1" latinLnBrk="0" hangingPunct="1">
+      <a:defRPr sz="1200" kern="1200">
+        <a:solidFill>
+          <a:schemeClr val="tx1"/>
+        </a:solidFill>
+        <a:latin typeface="+mn-lt"/>
+        <a:ea typeface="+mn-ea"/>
+        <a:cs typeface="+mn-cs"/>
+      </a:defRPr>
+    </a:lvl2pPr>
+    <a:lvl3pPr marL="914400" algn="l" defTabSz="914400" rtl="0" eaLnBrk="1" latinLnBrk="0" hangingPunct="1">
+      <a:defRPr sz="1200" kern="1200">
+        <a:solidFill>
+          <a:schemeClr val="tx1"/>
+        </a:solidFill>
+        <a:latin typeface="+mn-lt"/>
+        <a:ea typeface="+mn-ea"/>
+        <a:cs typeface="+mn-cs"/>
+      </a:defRPr>
+    </a:lvl3pPr>
+    <a:lvl4pPr marL="1371600" algn="l" defTabSz="914400" rtl="0" eaLnBrk="1" latinLnBrk="0" hangingPunct="1">
+      <a:defRPr sz="1200" kern="1200">
+        <a:solidFill>
+          <a:schemeClr val="tx1"/>
+        </a:solidFill>
+        <a:latin typeface="+mn-lt"/>
+        <a:ea typeface="+mn-ea"/>
+        <a:cs typeface="+mn-cs"/>
+      </a:defRPr>
+    </a:lvl4pPr>
+    <a:lvl5pPr marL="1828800" algn="l" defTabSz="914400" rtl="0" eaLnBrk="1" latinLnBrk="0" hangingPunct="1">
+      <a:defRPr sz="1200" kern="1200">
+        <a:solidFill>
+          <a:schemeClr val="tx1"/>
+        </a:solidFill>
+        <a:latin typeface="+mn-lt"/>
+        <a:ea typeface="+mn-ea"/>
+        <a:cs typeface="+mn-cs"/>
+      </a:defRPr>
+    </a:lvl5pPr>
+    <a:lvl6pPr marL="2286000" algn="l" defTabSz="914400" rtl="0" eaLnBrk="1" latinLnBrk="0" hangingPunct="1">
+      <a:defRPr sz="1200" kern="1200">
+        <a:solidFill>
+          <a:schemeClr val="tx1"/>
+        </a:solidFill>
+        <a:latin typeface="+mn-lt"/>
+        <a:ea typeface="+mn-ea"/>
+        <a:cs typeface="+mn-cs"/>
+      </a:defRPr>
+    </a:lvl6pPr>
+    <a:lvl7pPr marL="2743200" algn="l" defTabSz="914400" rtl="0" eaLnBrk="1" latinLnBrk="0" hangingPunct="1">
+      <a:defRPr sz="1200" kern="1200">
+        <a:solidFill>
+          <a:schemeClr val="tx1"/>
+        </a:solidFill>
+        <a:latin typeface="+mn-lt"/>
+        <a:ea typeface="+mn-ea"/>
+        <a:cs typeface="+mn-cs"/>
+      </a:defRPr>
+    </a:lvl7pPr>
+    <a:lvl8pPr marL="3200400" algn="l" defTabSz="914400" rtl="0" eaLnBrk="1" latinLnBrk="0" hangingPunct="1">
+      <a:defRPr sz="1200" kern="1200">
+        <a:solidFill>
+          <a:schemeClr val="tx1"/>
+        </a:solidFill>
+        <a:latin typeface="+mn-lt"/>
+        <a:ea typeface="+mn-ea"/>
+        <a:cs typeface="+mn-cs"/>
+      </a:defRPr>
+    </a:lvl8pPr>
+    <a:lvl9pPr marL="3657600" algn="l" defTabSz="914400" rtl="0" eaLnBrk="1" latinLnBrk="0" hangingPunct="1">
+      <a:defRPr sz="1200" kern="1200">
+        <a:solidFill>
+          <a:schemeClr val="tx1"/>
+        </a:solidFill>
+        <a:latin typeface="+mn-lt"/>
+        <a:ea typeface="+mn-ea"/>
+        <a:cs typeface="+mn-cs"/>
+      </a:defRPr>
+    </a:lvl9pPr>
+  </p:notesStyle>
+</p:notesMaster>
+</file>
+
+<file path=ppt/notesSlides/notesSlide1.xml><?xml version="1.0" encoding="utf-8"?>
+<p:notes xmlns:a="http://schemas.openxmlformats.org/drawingml/2006/main" xmlns:r="http://schemas.openxmlformats.org/officeDocument/2006/relationships" xmlns:p="http://schemas.openxmlformats.org/presentationml/2006/main">
+  <p:cSld>
+    <p:spTree>
+      <p:nvGrpSpPr>
+        <p:cNvPr id="1" name=""/>
+        <p:cNvGrpSpPr/>
+        <p:nvPr/>
+      </p:nvGrpSpPr>
+      <p:grpSpPr>
+        <a:xfrm>
+          <a:off x="0" y="0"/>
+          <a:ext cx="0" cy="0"/>
+          <a:chOff x="0" y="0"/>
+          <a:chExt cx="0" cy="0"/>
+        </a:xfrm>
+      </p:grpSpPr>
+      <p:sp>
+        <p:nvSpPr>
+          <p:cNvPr id="2" name="Slide Image Placeholder 1"/>
+          <p:cNvSpPr>
+            <a:spLocks noGrp="1" noRot="1" noChangeAspect="1"/>
+          </p:cNvSpPr>
+          <p:nvPr>
+            <p:ph type="sldImg"/>
+          </p:nvPr>
+        </p:nvSpPr>
+        <p:spPr/>
+      </p:sp>
+      <p:sp>
+        <p:nvSpPr>
+          <p:cNvPr id="3" name="Notes Placeholder 2"/>
+          <p:cNvSpPr>
+            <a:spLocks noGrp="1"/>
+          </p:cNvSpPr>
+          <p:nvPr>
+            <p:ph type="body" idx="1"/>
+          </p:nvPr>
+        </p:nvSpPr>
+        <p:spPr/>
+        <p:txBody>
+          <a:bodyPr/>
+          <a:lstStyle/>
+          <a:p>
+            <a:endParaRPr lang="en-SG" dirty="0"/>
+          </a:p>
+        </p:txBody>
+      </p:sp>
+      <p:sp>
+        <p:nvSpPr>
+          <p:cNvPr id="4" name="Slide Number Placeholder 3"/>
+          <p:cNvSpPr>
+            <a:spLocks noGrp="1"/>
+          </p:cNvSpPr>
+          <p:nvPr>
+            <p:ph type="sldNum" sz="quarter" idx="10"/>
+          </p:nvPr>
+        </p:nvSpPr>
+        <p:spPr/>
+        <p:txBody>
+          <a:bodyPr/>
+          <a:lstStyle/>
+          <a:p>
+            <a:fld id="{522EBC1C-E8EB-4BA7-A83D-48E10241C2AF}" type="slidenum">
+              <a:rPr lang="en-SG" smtClean="0"/>
+              <a:t>3</a:t>
+            </a:fld>
+            <a:endParaRPr lang="en-SG"/>
+          </a:p>
+        </p:txBody>
+      </p:sp>
+    </p:spTree>
+    <p:extLst>
+      <p:ext uri="{BB962C8B-B14F-4D97-AF65-F5344CB8AC3E}">
+        <p14:creationId xmlns:p14="http://schemas.microsoft.com/office/powerpoint/2010/main" val="3449133779"/>
+      </p:ext>
+    </p:extLst>
+  </p:cSld>
+  <p:clrMapOvr>
+    <a:masterClrMapping/>
+  </p:clrMapOvr>
+</p:notes>
+</file>
+
 <file path=ppt/slideLayouts/slideLayout1.xml><?xml version="1.0" encoding="utf-8"?>
 <p:sldLayout xmlns:a="http://schemas.openxmlformats.org/drawingml/2006/main" xmlns:r="http://schemas.openxmlformats.org/officeDocument/2006/relationships" xmlns:p="http://schemas.openxmlformats.org/presentationml/2006/main" type="title" preserve="1">
   <p:cSld name="Title Slide">
@@ -154,7 +593,7 @@
           </a:lstStyle>
           <a:p>
             <a:r>
-              <a:rPr lang="en-US" smtClean="0"/>
+              <a:rPr lang="en-US"/>
               <a:t>Click to edit Master title style</a:t>
             </a:r>
             <a:endParaRPr lang="en-SG"/>
@@ -219,7 +658,7 @@
           </a:lstStyle>
           <a:p>
             <a:r>
-              <a:rPr lang="en-US" smtClean="0"/>
+              <a:rPr lang="en-US"/>
               <a:t>Click to edit Master subtitle style</a:t>
             </a:r>
             <a:endParaRPr lang="en-SG"/>
@@ -243,7 +682,7 @@
           <a:p>
             <a:fld id="{396868D5-0678-458C-B9C5-99CC38360805}" type="datetimeFigureOut">
               <a:rPr lang="en-SG" smtClean="0"/>
-              <a:t>28/9/2016</a:t>
+              <a:t>2/10/2016</a:t>
             </a:fld>
             <a:endParaRPr lang="en-SG"/>
           </a:p>
@@ -337,7 +776,7 @@
           <a:lstStyle/>
           <a:p>
             <a:r>
-              <a:rPr lang="en-US" smtClean="0"/>
+              <a:rPr lang="en-US"/>
               <a:t>Click to edit Master title style</a:t>
             </a:r>
             <a:endParaRPr lang="en-SG"/>
@@ -361,35 +800,35 @@
           <a:p>
             <a:pPr lvl="0"/>
             <a:r>
-              <a:rPr lang="en-US" smtClean="0"/>
+              <a:rPr lang="en-US"/>
               <a:t>Click to edit Master text styles</a:t>
             </a:r>
           </a:p>
           <a:p>
             <a:pPr lvl="1"/>
             <a:r>
-              <a:rPr lang="en-US" smtClean="0"/>
+              <a:rPr lang="en-US"/>
               <a:t>Second level</a:t>
             </a:r>
           </a:p>
           <a:p>
             <a:pPr lvl="2"/>
             <a:r>
-              <a:rPr lang="en-US" smtClean="0"/>
+              <a:rPr lang="en-US"/>
               <a:t>Third level</a:t>
             </a:r>
           </a:p>
           <a:p>
             <a:pPr lvl="3"/>
             <a:r>
-              <a:rPr lang="en-US" smtClean="0"/>
+              <a:rPr lang="en-US"/>
               <a:t>Fourth level</a:t>
             </a:r>
           </a:p>
           <a:p>
             <a:pPr lvl="4"/>
             <a:r>
-              <a:rPr lang="en-US" smtClean="0"/>
+              <a:rPr lang="en-US"/>
               <a:t>Fifth level</a:t>
             </a:r>
             <a:endParaRPr lang="en-SG"/>
@@ -413,7 +852,7 @@
           <a:p>
             <a:fld id="{396868D5-0678-458C-B9C5-99CC38360805}" type="datetimeFigureOut">
               <a:rPr lang="en-SG" smtClean="0"/>
-              <a:t>28/9/2016</a:t>
+              <a:t>2/10/2016</a:t>
             </a:fld>
             <a:endParaRPr lang="en-SG"/>
           </a:p>
@@ -512,7 +951,7 @@
           <a:lstStyle/>
           <a:p>
             <a:r>
-              <a:rPr lang="en-US" smtClean="0"/>
+              <a:rPr lang="en-US"/>
               <a:t>Click to edit Master title style</a:t>
             </a:r>
             <a:endParaRPr lang="en-SG"/>
@@ -541,35 +980,35 @@
           <a:p>
             <a:pPr lvl="0"/>
             <a:r>
-              <a:rPr lang="en-US" smtClean="0"/>
+              <a:rPr lang="en-US"/>
               <a:t>Click to edit Master text styles</a:t>
             </a:r>
           </a:p>
           <a:p>
             <a:pPr lvl="1"/>
             <a:r>
-              <a:rPr lang="en-US" smtClean="0"/>
+              <a:rPr lang="en-US"/>
               <a:t>Second level</a:t>
             </a:r>
           </a:p>
           <a:p>
             <a:pPr lvl="2"/>
             <a:r>
-              <a:rPr lang="en-US" smtClean="0"/>
+              <a:rPr lang="en-US"/>
               <a:t>Third level</a:t>
             </a:r>
           </a:p>
           <a:p>
             <a:pPr lvl="3"/>
             <a:r>
-              <a:rPr lang="en-US" smtClean="0"/>
+              <a:rPr lang="en-US"/>
               <a:t>Fourth level</a:t>
             </a:r>
           </a:p>
           <a:p>
             <a:pPr lvl="4"/>
             <a:r>
-              <a:rPr lang="en-US" smtClean="0"/>
+              <a:rPr lang="en-US"/>
               <a:t>Fifth level</a:t>
             </a:r>
             <a:endParaRPr lang="en-SG"/>
@@ -593,7 +1032,7 @@
           <a:p>
             <a:fld id="{396868D5-0678-458C-B9C5-99CC38360805}" type="datetimeFigureOut">
               <a:rPr lang="en-SG" smtClean="0"/>
-              <a:t>28/9/2016</a:t>
+              <a:t>2/10/2016</a:t>
             </a:fld>
             <a:endParaRPr lang="en-SG"/>
           </a:p>
@@ -687,7 +1126,7 @@
           <a:lstStyle/>
           <a:p>
             <a:r>
-              <a:rPr lang="en-US" smtClean="0"/>
+              <a:rPr lang="en-US"/>
               <a:t>Click to edit Master title style</a:t>
             </a:r>
             <a:endParaRPr lang="en-SG"/>
@@ -711,35 +1150,35 @@
           <a:p>
             <a:pPr lvl="0"/>
             <a:r>
-              <a:rPr lang="en-US" smtClean="0"/>
+              <a:rPr lang="en-US"/>
               <a:t>Click to edit Master text styles</a:t>
             </a:r>
           </a:p>
           <a:p>
             <a:pPr lvl="1"/>
             <a:r>
-              <a:rPr lang="en-US" smtClean="0"/>
+              <a:rPr lang="en-US"/>
               <a:t>Second level</a:t>
             </a:r>
           </a:p>
           <a:p>
             <a:pPr lvl="2"/>
             <a:r>
-              <a:rPr lang="en-US" smtClean="0"/>
+              <a:rPr lang="en-US"/>
               <a:t>Third level</a:t>
             </a:r>
           </a:p>
           <a:p>
             <a:pPr lvl="3"/>
             <a:r>
-              <a:rPr lang="en-US" smtClean="0"/>
+              <a:rPr lang="en-US"/>
               <a:t>Fourth level</a:t>
             </a:r>
           </a:p>
           <a:p>
             <a:pPr lvl="4"/>
             <a:r>
-              <a:rPr lang="en-US" smtClean="0"/>
+              <a:rPr lang="en-US"/>
               <a:t>Fifth level</a:t>
             </a:r>
             <a:endParaRPr lang="en-SG"/>
@@ -763,7 +1202,7 @@
           <a:p>
             <a:fld id="{396868D5-0678-458C-B9C5-99CC38360805}" type="datetimeFigureOut">
               <a:rPr lang="en-SG" smtClean="0"/>
-              <a:t>28/9/2016</a:t>
+              <a:t>2/10/2016</a:t>
             </a:fld>
             <a:endParaRPr lang="en-SG"/>
           </a:p>
@@ -866,7 +1305,7 @@
           </a:lstStyle>
           <a:p>
             <a:r>
-              <a:rPr lang="en-US" smtClean="0"/>
+              <a:rPr lang="en-US"/>
               <a:t>Click to edit Master title style</a:t>
             </a:r>
             <a:endParaRPr lang="en-SG"/>
@@ -986,7 +1425,7 @@
           <a:p>
             <a:pPr lvl="0"/>
             <a:r>
-              <a:rPr lang="en-US" smtClean="0"/>
+              <a:rPr lang="en-US"/>
               <a:t>Click to edit Master text styles</a:t>
             </a:r>
           </a:p>
@@ -1009,7 +1448,7 @@
           <a:p>
             <a:fld id="{396868D5-0678-458C-B9C5-99CC38360805}" type="datetimeFigureOut">
               <a:rPr lang="en-SG" smtClean="0"/>
-              <a:t>28/9/2016</a:t>
+              <a:t>2/10/2016</a:t>
             </a:fld>
             <a:endParaRPr lang="en-SG"/>
           </a:p>
@@ -1103,7 +1542,7 @@
           <a:lstStyle/>
           <a:p>
             <a:r>
-              <a:rPr lang="en-US" smtClean="0"/>
+              <a:rPr lang="en-US"/>
               <a:t>Click to edit Master title style</a:t>
             </a:r>
             <a:endParaRPr lang="en-SG"/>
@@ -1132,35 +1571,35 @@
           <a:p>
             <a:pPr lvl="0"/>
             <a:r>
-              <a:rPr lang="en-US" smtClean="0"/>
+              <a:rPr lang="en-US"/>
               <a:t>Click to edit Master text styles</a:t>
             </a:r>
           </a:p>
           <a:p>
             <a:pPr lvl="1"/>
             <a:r>
-              <a:rPr lang="en-US" smtClean="0"/>
+              <a:rPr lang="en-US"/>
               <a:t>Second level</a:t>
             </a:r>
           </a:p>
           <a:p>
             <a:pPr lvl="2"/>
             <a:r>
-              <a:rPr lang="en-US" smtClean="0"/>
+              <a:rPr lang="en-US"/>
               <a:t>Third level</a:t>
             </a:r>
           </a:p>
           <a:p>
             <a:pPr lvl="3"/>
             <a:r>
-              <a:rPr lang="en-US" smtClean="0"/>
+              <a:rPr lang="en-US"/>
               <a:t>Fourth level</a:t>
             </a:r>
           </a:p>
           <a:p>
             <a:pPr lvl="4"/>
             <a:r>
-              <a:rPr lang="en-US" smtClean="0"/>
+              <a:rPr lang="en-US"/>
               <a:t>Fifth level</a:t>
             </a:r>
             <a:endParaRPr lang="en-SG"/>
@@ -1189,35 +1628,35 @@
           <a:p>
             <a:pPr lvl="0"/>
             <a:r>
-              <a:rPr lang="en-US" smtClean="0"/>
+              <a:rPr lang="en-US"/>
               <a:t>Click to edit Master text styles</a:t>
             </a:r>
           </a:p>
           <a:p>
             <a:pPr lvl="1"/>
             <a:r>
-              <a:rPr lang="en-US" smtClean="0"/>
+              <a:rPr lang="en-US"/>
               <a:t>Second level</a:t>
             </a:r>
           </a:p>
           <a:p>
             <a:pPr lvl="2"/>
             <a:r>
-              <a:rPr lang="en-US" smtClean="0"/>
+              <a:rPr lang="en-US"/>
               <a:t>Third level</a:t>
             </a:r>
           </a:p>
           <a:p>
             <a:pPr lvl="3"/>
             <a:r>
-              <a:rPr lang="en-US" smtClean="0"/>
+              <a:rPr lang="en-US"/>
               <a:t>Fourth level</a:t>
             </a:r>
           </a:p>
           <a:p>
             <a:pPr lvl="4"/>
             <a:r>
-              <a:rPr lang="en-US" smtClean="0"/>
+              <a:rPr lang="en-US"/>
               <a:t>Fifth level</a:t>
             </a:r>
             <a:endParaRPr lang="en-SG"/>
@@ -1241,7 +1680,7 @@
           <a:p>
             <a:fld id="{396868D5-0678-458C-B9C5-99CC38360805}" type="datetimeFigureOut">
               <a:rPr lang="en-SG" smtClean="0"/>
-              <a:t>28/9/2016</a:t>
+              <a:t>2/10/2016</a:t>
             </a:fld>
             <a:endParaRPr lang="en-SG"/>
           </a:p>
@@ -1340,7 +1779,7 @@
           <a:lstStyle/>
           <a:p>
             <a:r>
-              <a:rPr lang="en-US" smtClean="0"/>
+              <a:rPr lang="en-US"/>
               <a:t>Click to edit Master title style</a:t>
             </a:r>
             <a:endParaRPr lang="en-SG"/>
@@ -1406,7 +1845,7 @@
           <a:p>
             <a:pPr lvl="0"/>
             <a:r>
-              <a:rPr lang="en-US" smtClean="0"/>
+              <a:rPr lang="en-US"/>
               <a:t>Click to edit Master text styles</a:t>
             </a:r>
           </a:p>
@@ -1434,35 +1873,35 @@
           <a:p>
             <a:pPr lvl="0"/>
             <a:r>
-              <a:rPr lang="en-US" smtClean="0"/>
+              <a:rPr lang="en-US"/>
               <a:t>Click to edit Master text styles</a:t>
             </a:r>
           </a:p>
           <a:p>
             <a:pPr lvl="1"/>
             <a:r>
-              <a:rPr lang="en-US" smtClean="0"/>
+              <a:rPr lang="en-US"/>
               <a:t>Second level</a:t>
             </a:r>
           </a:p>
           <a:p>
             <a:pPr lvl="2"/>
             <a:r>
-              <a:rPr lang="en-US" smtClean="0"/>
+              <a:rPr lang="en-US"/>
               <a:t>Third level</a:t>
             </a:r>
           </a:p>
           <a:p>
             <a:pPr lvl="3"/>
             <a:r>
-              <a:rPr lang="en-US" smtClean="0"/>
+              <a:rPr lang="en-US"/>
               <a:t>Fourth level</a:t>
             </a:r>
           </a:p>
           <a:p>
             <a:pPr lvl="4"/>
             <a:r>
-              <a:rPr lang="en-US" smtClean="0"/>
+              <a:rPr lang="en-US"/>
               <a:t>Fifth level</a:t>
             </a:r>
             <a:endParaRPr lang="en-SG"/>
@@ -1528,7 +1967,7 @@
           <a:p>
             <a:pPr lvl="0"/>
             <a:r>
-              <a:rPr lang="en-US" smtClean="0"/>
+              <a:rPr lang="en-US"/>
               <a:t>Click to edit Master text styles</a:t>
             </a:r>
           </a:p>
@@ -1556,35 +1995,35 @@
           <a:p>
             <a:pPr lvl="0"/>
             <a:r>
-              <a:rPr lang="en-US" smtClean="0"/>
+              <a:rPr lang="en-US"/>
               <a:t>Click to edit Master text styles</a:t>
             </a:r>
           </a:p>
           <a:p>
             <a:pPr lvl="1"/>
             <a:r>
-              <a:rPr lang="en-US" smtClean="0"/>
+              <a:rPr lang="en-US"/>
               <a:t>Second level</a:t>
             </a:r>
           </a:p>
           <a:p>
             <a:pPr lvl="2"/>
             <a:r>
-              <a:rPr lang="en-US" smtClean="0"/>
+              <a:rPr lang="en-US"/>
               <a:t>Third level</a:t>
             </a:r>
           </a:p>
           <a:p>
             <a:pPr lvl="3"/>
             <a:r>
-              <a:rPr lang="en-US" smtClean="0"/>
+              <a:rPr lang="en-US"/>
               <a:t>Fourth level</a:t>
             </a:r>
           </a:p>
           <a:p>
             <a:pPr lvl="4"/>
             <a:r>
-              <a:rPr lang="en-US" smtClean="0"/>
+              <a:rPr lang="en-US"/>
               <a:t>Fifth level</a:t>
             </a:r>
             <a:endParaRPr lang="en-SG"/>
@@ -1608,7 +2047,7 @@
           <a:p>
             <a:fld id="{396868D5-0678-458C-B9C5-99CC38360805}" type="datetimeFigureOut">
               <a:rPr lang="en-SG" smtClean="0"/>
-              <a:t>28/9/2016</a:t>
+              <a:t>2/10/2016</a:t>
             </a:fld>
             <a:endParaRPr lang="en-SG"/>
           </a:p>
@@ -1702,7 +2141,7 @@
           <a:lstStyle/>
           <a:p>
             <a:r>
-              <a:rPr lang="en-US" smtClean="0"/>
+              <a:rPr lang="en-US"/>
               <a:t>Click to edit Master title style</a:t>
             </a:r>
             <a:endParaRPr lang="en-SG"/>
@@ -1726,7 +2165,7 @@
           <a:p>
             <a:fld id="{396868D5-0678-458C-B9C5-99CC38360805}" type="datetimeFigureOut">
               <a:rPr lang="en-SG" smtClean="0"/>
-              <a:t>28/9/2016</a:t>
+              <a:t>2/10/2016</a:t>
             </a:fld>
             <a:endParaRPr lang="en-SG"/>
           </a:p>
@@ -1821,7 +2260,7 @@
           <a:p>
             <a:fld id="{396868D5-0678-458C-B9C5-99CC38360805}" type="datetimeFigureOut">
               <a:rPr lang="en-SG" smtClean="0"/>
-              <a:t>28/9/2016</a:t>
+              <a:t>2/10/2016</a:t>
             </a:fld>
             <a:endParaRPr lang="en-SG"/>
           </a:p>
@@ -1924,7 +2363,7 @@
           </a:lstStyle>
           <a:p>
             <a:r>
-              <a:rPr lang="en-US" smtClean="0"/>
+              <a:rPr lang="en-US"/>
               <a:t>Click to edit Master title style</a:t>
             </a:r>
             <a:endParaRPr lang="en-SG"/>
@@ -1981,35 +2420,35 @@
           <a:p>
             <a:pPr lvl="0"/>
             <a:r>
-              <a:rPr lang="en-US" smtClean="0"/>
+              <a:rPr lang="en-US"/>
               <a:t>Click to edit Master text styles</a:t>
             </a:r>
           </a:p>
           <a:p>
             <a:pPr lvl="1"/>
             <a:r>
-              <a:rPr lang="en-US" smtClean="0"/>
+              <a:rPr lang="en-US"/>
               <a:t>Second level</a:t>
             </a:r>
           </a:p>
           <a:p>
             <a:pPr lvl="2"/>
             <a:r>
-              <a:rPr lang="en-US" smtClean="0"/>
+              <a:rPr lang="en-US"/>
               <a:t>Third level</a:t>
             </a:r>
           </a:p>
           <a:p>
             <a:pPr lvl="3"/>
             <a:r>
-              <a:rPr lang="en-US" smtClean="0"/>
+              <a:rPr lang="en-US"/>
               <a:t>Fourth level</a:t>
             </a:r>
           </a:p>
           <a:p>
             <a:pPr lvl="4"/>
             <a:r>
-              <a:rPr lang="en-US" smtClean="0"/>
+              <a:rPr lang="en-US"/>
               <a:t>Fifth level</a:t>
             </a:r>
             <a:endParaRPr lang="en-SG"/>
@@ -2075,7 +2514,7 @@
           <a:p>
             <a:pPr lvl="0"/>
             <a:r>
-              <a:rPr lang="en-US" smtClean="0"/>
+              <a:rPr lang="en-US"/>
               <a:t>Click to edit Master text styles</a:t>
             </a:r>
           </a:p>
@@ -2098,7 +2537,7 @@
           <a:p>
             <a:fld id="{396868D5-0678-458C-B9C5-99CC38360805}" type="datetimeFigureOut">
               <a:rPr lang="en-SG" smtClean="0"/>
-              <a:t>28/9/2016</a:t>
+              <a:t>2/10/2016</a:t>
             </a:fld>
             <a:endParaRPr lang="en-SG"/>
           </a:p>
@@ -2201,7 +2640,7 @@
           </a:lstStyle>
           <a:p>
             <a:r>
-              <a:rPr lang="en-US" smtClean="0"/>
+              <a:rPr lang="en-US"/>
               <a:t>Click to edit Master title style</a:t>
             </a:r>
             <a:endParaRPr lang="en-SG"/>
@@ -2328,7 +2767,7 @@
           <a:p>
             <a:pPr lvl="0"/>
             <a:r>
-              <a:rPr lang="en-US" smtClean="0"/>
+              <a:rPr lang="en-US"/>
               <a:t>Click to edit Master text styles</a:t>
             </a:r>
           </a:p>
@@ -2351,7 +2790,7 @@
           <a:p>
             <a:fld id="{396868D5-0678-458C-B9C5-99CC38360805}" type="datetimeFigureOut">
               <a:rPr lang="en-SG" smtClean="0"/>
-              <a:t>28/9/2016</a:t>
+              <a:t>2/10/2016</a:t>
             </a:fld>
             <a:endParaRPr lang="en-SG"/>
           </a:p>
@@ -2460,7 +2899,7 @@
           <a:lstStyle/>
           <a:p>
             <a:r>
-              <a:rPr lang="en-US" smtClean="0"/>
+              <a:rPr lang="en-US"/>
               <a:t>Click to edit Master title style</a:t>
             </a:r>
             <a:endParaRPr lang="en-SG"/>
@@ -2494,35 +2933,35 @@
           <a:p>
             <a:pPr lvl="0"/>
             <a:r>
-              <a:rPr lang="en-US" smtClean="0"/>
+              <a:rPr lang="en-US"/>
               <a:t>Click to edit Master text styles</a:t>
             </a:r>
           </a:p>
           <a:p>
             <a:pPr lvl="1"/>
             <a:r>
-              <a:rPr lang="en-US" smtClean="0"/>
+              <a:rPr lang="en-US"/>
               <a:t>Second level</a:t>
             </a:r>
           </a:p>
           <a:p>
             <a:pPr lvl="2"/>
             <a:r>
-              <a:rPr lang="en-US" smtClean="0"/>
+              <a:rPr lang="en-US"/>
               <a:t>Third level</a:t>
             </a:r>
           </a:p>
           <a:p>
             <a:pPr lvl="3"/>
             <a:r>
-              <a:rPr lang="en-US" smtClean="0"/>
+              <a:rPr lang="en-US"/>
               <a:t>Fourth level</a:t>
             </a:r>
           </a:p>
           <a:p>
             <a:pPr lvl="4"/>
             <a:r>
-              <a:rPr lang="en-US" smtClean="0"/>
+              <a:rPr lang="en-US"/>
               <a:t>Fifth level</a:t>
             </a:r>
             <a:endParaRPr lang="en-SG"/>
@@ -2564,7 +3003,7 @@
           <a:p>
             <a:fld id="{396868D5-0678-458C-B9C5-99CC38360805}" type="datetimeFigureOut">
               <a:rPr lang="en-SG" smtClean="0"/>
-              <a:t>28/9/2016</a:t>
+              <a:t>2/10/2016</a:t>
             </a:fld>
             <a:endParaRPr lang="en-SG"/>
           </a:p>
@@ -2969,114 +3408,234 @@
           <a:chExt cx="0" cy="0"/>
         </a:xfrm>
       </p:grpSpPr>
+      <p:sp>
+        <p:nvSpPr>
+          <p:cNvPr id="4" name="TextBox 3"/>
+          <p:cNvSpPr txBox="1"/>
+          <p:nvPr/>
+        </p:nvSpPr>
+        <p:spPr>
+          <a:xfrm>
+            <a:off x="2700628" y="935831"/>
+            <a:ext cx="1367677" cy="646331"/>
+          </a:xfrm>
+          <a:prstGeom prst="rect">
+            <a:avLst/>
+          </a:prstGeom>
+          <a:noFill/>
+          <a:ln w="6350">
+            <a:solidFill>
+              <a:schemeClr val="tx1"/>
+            </a:solidFill>
+          </a:ln>
+        </p:spPr>
+        <p:txBody>
+          <a:bodyPr wrap="square" rtlCol="0">
+            <a:spAutoFit/>
+          </a:bodyPr>
+          <a:lstStyle/>
+          <a:p>
+            <a:endParaRPr lang="en-SG" sz="1200" dirty="0"/>
+          </a:p>
+          <a:p>
+            <a:pPr algn="ctr"/>
+            <a:r>
+              <a:rPr lang="en-SG" sz="1200" dirty="0"/>
+              <a:t>Dengue Case</a:t>
+            </a:r>
+          </a:p>
+          <a:p>
+            <a:endParaRPr lang="en-SG" sz="1200" dirty="0"/>
+          </a:p>
+        </p:txBody>
+      </p:sp>
+      <p:sp>
+        <p:nvSpPr>
+          <p:cNvPr id="13" name="TextBox 12"/>
+          <p:cNvSpPr txBox="1"/>
+          <p:nvPr/>
+        </p:nvSpPr>
+        <p:spPr>
+          <a:xfrm>
+            <a:off x="5354285" y="2135472"/>
+            <a:ext cx="1042688" cy="646331"/>
+          </a:xfrm>
+          <a:prstGeom prst="rect">
+            <a:avLst/>
+          </a:prstGeom>
+          <a:noFill/>
+          <a:ln w="6350">
+            <a:solidFill>
+              <a:schemeClr val="tx1"/>
+            </a:solidFill>
+          </a:ln>
+        </p:spPr>
+        <p:txBody>
+          <a:bodyPr wrap="square" rtlCol="0">
+            <a:spAutoFit/>
+          </a:bodyPr>
+          <a:lstStyle/>
+          <a:p>
+            <a:endParaRPr lang="en-SG" sz="1200" dirty="0"/>
+          </a:p>
+          <a:p>
+            <a:pPr algn="ctr"/>
+            <a:r>
+              <a:rPr lang="en-SG" sz="1200" dirty="0"/>
+              <a:t>PSI</a:t>
+            </a:r>
+          </a:p>
+          <a:p>
+            <a:endParaRPr lang="en-SG" sz="1200" dirty="0"/>
+          </a:p>
+        </p:txBody>
+      </p:sp>
+      <p:sp>
+        <p:nvSpPr>
+          <p:cNvPr id="18" name="TextBox 17"/>
+          <p:cNvSpPr txBox="1"/>
+          <p:nvPr/>
+        </p:nvSpPr>
+        <p:spPr>
+          <a:xfrm>
+            <a:off x="2700627" y="2144440"/>
+            <a:ext cx="1367677" cy="646331"/>
+          </a:xfrm>
+          <a:prstGeom prst="rect">
+            <a:avLst/>
+          </a:prstGeom>
+          <a:noFill/>
+          <a:ln w="6350">
+            <a:solidFill>
+              <a:schemeClr val="tx1"/>
+            </a:solidFill>
+          </a:ln>
+        </p:spPr>
+        <p:txBody>
+          <a:bodyPr wrap="square" rtlCol="0">
+            <a:spAutoFit/>
+          </a:bodyPr>
+          <a:lstStyle/>
+          <a:p>
+            <a:endParaRPr lang="en-SG" sz="1200" dirty="0"/>
+          </a:p>
+          <a:p>
+            <a:pPr algn="ctr"/>
+            <a:r>
+              <a:rPr lang="en-SG" sz="1200" dirty="0"/>
+              <a:t>Region</a:t>
+            </a:r>
+          </a:p>
+          <a:p>
+            <a:pPr algn="ctr"/>
+            <a:endParaRPr lang="en-SG" sz="1200" dirty="0"/>
+          </a:p>
+        </p:txBody>
+      </p:sp>
+      <p:cxnSp>
+        <p:nvCxnSpPr>
+          <p:cNvPr id="70" name="Elbow Connector 69"/>
+          <p:cNvCxnSpPr>
+            <a:stCxn id="31" idx="1"/>
+          </p:cNvCxnSpPr>
+          <p:nvPr/>
+        </p:nvCxnSpPr>
+        <p:spPr>
+          <a:xfrm rot="10800000" flipV="1">
+            <a:off x="4066554" y="1257337"/>
+            <a:ext cx="1287731" cy="1076909"/>
+          </a:xfrm>
+          <a:prstGeom prst="bentConnector3">
+            <a:avLst>
+              <a:gd name="adj1" fmla="val 50000"/>
+            </a:avLst>
+          </a:prstGeom>
+          <a:ln>
+            <a:solidFill>
+              <a:schemeClr val="tx1"/>
+            </a:solidFill>
+          </a:ln>
+        </p:spPr>
+        <p:style>
+          <a:lnRef idx="1">
+            <a:schemeClr val="accent1"/>
+          </a:lnRef>
+          <a:fillRef idx="0">
+            <a:schemeClr val="accent1"/>
+          </a:fillRef>
+          <a:effectRef idx="0">
+            <a:schemeClr val="accent1"/>
+          </a:effectRef>
+          <a:fontRef idx="minor">
+            <a:schemeClr val="tx1"/>
+          </a:fontRef>
+        </p:style>
+      </p:cxnSp>
+      <p:sp>
+        <p:nvSpPr>
+          <p:cNvPr id="83" name="TextBox 82"/>
+          <p:cNvSpPr txBox="1"/>
+          <p:nvPr/>
+        </p:nvSpPr>
+        <p:spPr>
+          <a:xfrm>
+            <a:off x="3719093" y="3618910"/>
+            <a:ext cx="1317653" cy="646331"/>
+          </a:xfrm>
+          <a:prstGeom prst="rect">
+            <a:avLst/>
+          </a:prstGeom>
+          <a:noFill/>
+          <a:ln w="6350">
+            <a:solidFill>
+              <a:schemeClr val="tx1"/>
+            </a:solidFill>
+          </a:ln>
+        </p:spPr>
+        <p:txBody>
+          <a:bodyPr wrap="square" rtlCol="0">
+            <a:spAutoFit/>
+          </a:bodyPr>
+          <a:lstStyle/>
+          <a:p>
+            <a:endParaRPr lang="en-SG" sz="1200" dirty="0"/>
+          </a:p>
+          <a:p>
+            <a:pPr algn="ctr"/>
+            <a:r>
+              <a:rPr lang="en-SG" sz="1200" dirty="0"/>
+              <a:t>HDB Location</a:t>
+            </a:r>
+          </a:p>
+          <a:p>
+            <a:endParaRPr lang="en-SG" sz="1200" dirty="0"/>
+          </a:p>
+        </p:txBody>
+      </p:sp>
       <p:grpSp>
         <p:nvGrpSpPr>
-          <p:cNvPr id="8" name="Group 7"/>
+          <p:cNvPr id="85" name="Group 84"/>
           <p:cNvGrpSpPr/>
           <p:nvPr/>
         </p:nvGrpSpPr>
         <p:grpSpPr>
           <a:xfrm>
-            <a:off x="2775422" y="1856103"/>
-            <a:ext cx="1209276" cy="1754326"/>
-            <a:chOff x="4486196" y="694474"/>
-            <a:chExt cx="1209276" cy="1754326"/>
+            <a:off x="3592682" y="3832650"/>
+            <a:ext cx="126411" cy="229510"/>
+            <a:chOff x="3360772" y="2469497"/>
+            <a:chExt cx="126411" cy="229510"/>
           </a:xfrm>
         </p:grpSpPr>
-        <p:sp>
-          <p:nvSpPr>
-            <p:cNvPr id="4" name="TextBox 3"/>
-            <p:cNvSpPr txBox="1"/>
-            <p:nvPr/>
-          </p:nvSpPr>
-          <p:spPr>
-            <a:xfrm>
-              <a:off x="4494502" y="694474"/>
-              <a:ext cx="1200970" cy="1754326"/>
-            </a:xfrm>
-            <a:prstGeom prst="rect">
-              <a:avLst/>
-            </a:prstGeom>
-            <a:noFill/>
-            <a:ln w="6350">
-              <a:solidFill>
-                <a:schemeClr val="tx1"/>
-              </a:solidFill>
-            </a:ln>
-          </p:spPr>
-          <p:txBody>
-            <a:bodyPr wrap="none" rtlCol="0">
-              <a:spAutoFit/>
-            </a:bodyPr>
-            <a:lstStyle/>
-            <a:p>
-              <a:r>
-                <a:rPr lang="en-SG" sz="1200" dirty="0" err="1" smtClean="0"/>
-                <a:t>factDengueCase</a:t>
-              </a:r>
-              <a:endParaRPr lang="en-SG" sz="1200" dirty="0" smtClean="0"/>
-            </a:p>
-            <a:p>
-              <a:endParaRPr lang="en-SG" sz="1200" dirty="0" smtClean="0"/>
-            </a:p>
-            <a:p>
-              <a:r>
-                <a:rPr lang="en-SG" sz="1200" dirty="0" smtClean="0"/>
-                <a:t>ID (PK)</a:t>
-              </a:r>
-            </a:p>
-            <a:p>
-              <a:r>
-                <a:rPr lang="en-SG" sz="1200" dirty="0" smtClean="0"/>
-                <a:t>Date (FK)</a:t>
-              </a:r>
-            </a:p>
-            <a:p>
-              <a:r>
-                <a:rPr lang="en-SG" sz="1200" dirty="0" smtClean="0"/>
-                <a:t>Latitude</a:t>
-              </a:r>
-            </a:p>
-            <a:p>
-              <a:r>
-                <a:rPr lang="en-SG" sz="1200" dirty="0" smtClean="0"/>
-                <a:t>Longitude</a:t>
-              </a:r>
-            </a:p>
-            <a:p>
-              <a:r>
-                <a:rPr lang="en-SG" sz="1200" dirty="0" smtClean="0"/>
-                <a:t>NumberOfCases</a:t>
-              </a:r>
-            </a:p>
-            <a:p>
-              <a:r>
-                <a:rPr lang="en-SG" sz="1200" dirty="0"/>
-                <a:t>Address</a:t>
-              </a:r>
-            </a:p>
-            <a:p>
-              <a:r>
-                <a:rPr lang="en-SG" sz="1200" dirty="0" err="1" smtClean="0"/>
-                <a:t>RegionId</a:t>
-              </a:r>
-              <a:r>
-                <a:rPr lang="en-SG" sz="1200" dirty="0" smtClean="0"/>
-                <a:t> (FK)</a:t>
-              </a:r>
-            </a:p>
-          </p:txBody>
-        </p:sp>
         <p:cxnSp>
           <p:nvCxnSpPr>
-            <p:cNvPr id="6" name="Straight Connector 5"/>
+            <p:cNvPr id="86" name="Straight Connector 85"/>
             <p:cNvCxnSpPr/>
             <p:nvPr/>
           </p:nvCxnSpPr>
           <p:spPr>
-            <a:xfrm flipH="1">
-              <a:off x="4486196" y="1003881"/>
-              <a:ext cx="1200970" cy="1"/>
+            <a:xfrm flipV="1">
+              <a:off x="3360772" y="2469497"/>
+              <a:ext cx="126411" cy="102677"/>
             </a:xfrm>
             <a:prstGeom prst="line">
               <a:avLst/>
@@ -3102,412 +3661,16 @@
             </a:fontRef>
           </p:style>
         </p:cxnSp>
-      </p:grpSp>
-      <p:grpSp>
-        <p:nvGrpSpPr>
-          <p:cNvPr id="12" name="Group 11"/>
-          <p:cNvGrpSpPr/>
-          <p:nvPr/>
-        </p:nvGrpSpPr>
-        <p:grpSpPr>
-          <a:xfrm>
-            <a:off x="6773951" y="514373"/>
-            <a:ext cx="1846633" cy="3231654"/>
-            <a:chOff x="4294901" y="798286"/>
-            <a:chExt cx="1173721" cy="3231654"/>
-          </a:xfrm>
-        </p:grpSpPr>
-        <p:sp>
-          <p:nvSpPr>
-            <p:cNvPr id="13" name="TextBox 12"/>
-            <p:cNvSpPr txBox="1"/>
-            <p:nvPr/>
-          </p:nvSpPr>
-          <p:spPr>
-            <a:xfrm>
-              <a:off x="4296229" y="798286"/>
-              <a:ext cx="1172393" cy="3231654"/>
-            </a:xfrm>
-            <a:prstGeom prst="rect">
-              <a:avLst/>
-            </a:prstGeom>
-            <a:noFill/>
-            <a:ln w="6350">
-              <a:solidFill>
-                <a:schemeClr val="tx1"/>
-              </a:solidFill>
-            </a:ln>
-          </p:spPr>
-          <p:txBody>
-            <a:bodyPr wrap="none" rtlCol="0">
-              <a:spAutoFit/>
-            </a:bodyPr>
-            <a:lstStyle/>
-            <a:p>
-              <a:r>
-                <a:rPr lang="en-SG" sz="1200" dirty="0" err="1" smtClean="0"/>
-                <a:t>factWeather</a:t>
-              </a:r>
-              <a:endParaRPr lang="en-SG" sz="1200" dirty="0" smtClean="0"/>
-            </a:p>
-            <a:p>
-              <a:endParaRPr lang="en-SG" sz="1200" dirty="0" smtClean="0"/>
-            </a:p>
-            <a:p>
-              <a:r>
-                <a:rPr lang="en-SG" sz="1200" dirty="0" smtClean="0"/>
-                <a:t>ID (PK)</a:t>
-              </a:r>
-            </a:p>
-            <a:p>
-              <a:r>
-                <a:rPr lang="en-SG" sz="1200" dirty="0" smtClean="0"/>
-                <a:t>Date (FK)</a:t>
-              </a:r>
-            </a:p>
-            <a:p>
-              <a:r>
-                <a:rPr lang="en-SG" sz="1200" dirty="0" err="1" smtClean="0"/>
-                <a:t>LocationId</a:t>
-              </a:r>
-              <a:r>
-                <a:rPr lang="en-SG" sz="1200" dirty="0" smtClean="0"/>
-                <a:t> (FK)</a:t>
-              </a:r>
-            </a:p>
-            <a:p>
-              <a:r>
-                <a:rPr lang="en-SG" sz="1200" dirty="0" err="1" smtClean="0"/>
-                <a:t>DailyRainfallTotalmm</a:t>
-              </a:r>
-              <a:endParaRPr lang="en-SG" sz="1200" dirty="0"/>
-            </a:p>
-            <a:p>
-              <a:r>
-                <a:rPr lang="en-SG" sz="1200" dirty="0" smtClean="0"/>
-                <a:t>Highest30MinRainfallmm</a:t>
-              </a:r>
-              <a:endParaRPr lang="en-SG" sz="1200" dirty="0"/>
-            </a:p>
-            <a:p>
-              <a:r>
-                <a:rPr lang="en-SG" sz="1200" dirty="0" smtClean="0"/>
-                <a:t>Highest60MinRainfallmm</a:t>
-              </a:r>
-              <a:endParaRPr lang="en-SG" sz="1200" dirty="0"/>
-            </a:p>
-            <a:p>
-              <a:r>
-                <a:rPr lang="en-SG" sz="1200" dirty="0" smtClean="0"/>
-                <a:t>Highest120MinRainfallmm</a:t>
-              </a:r>
-              <a:endParaRPr lang="en-SG" sz="1200" dirty="0"/>
-            </a:p>
-            <a:p>
-              <a:r>
-                <a:rPr lang="en-SG" sz="1200" dirty="0" err="1" smtClean="0"/>
-                <a:t>MeanTemperature</a:t>
-              </a:r>
-              <a:endParaRPr lang="en-SG" sz="1200" dirty="0" smtClean="0"/>
-            </a:p>
-            <a:p>
-              <a:r>
-                <a:rPr lang="en-SG" sz="1200" dirty="0" err="1" smtClean="0"/>
-                <a:t>MaxTemperature</a:t>
-              </a:r>
-              <a:endParaRPr lang="en-SG" sz="1200" dirty="0" smtClean="0"/>
-            </a:p>
-            <a:p>
-              <a:r>
-                <a:rPr lang="en-SG" sz="1200" dirty="0" err="1" smtClean="0"/>
-                <a:t>MinTemperature</a:t>
-              </a:r>
-              <a:endParaRPr lang="en-SG" sz="1200" dirty="0" smtClean="0"/>
-            </a:p>
-            <a:p>
-              <a:r>
-                <a:rPr lang="en-SG" sz="1200" dirty="0" err="1" smtClean="0"/>
-                <a:t>MeanWindSpeedkmh</a:t>
-              </a:r>
-              <a:endParaRPr lang="en-SG" sz="1200" dirty="0" smtClean="0"/>
-            </a:p>
-            <a:p>
-              <a:r>
-                <a:rPr lang="en-SG" sz="1200" dirty="0" err="1" smtClean="0"/>
-                <a:t>MaxWindSpeedkmh</a:t>
-              </a:r>
-              <a:endParaRPr lang="en-SG" sz="1200" dirty="0" smtClean="0"/>
-            </a:p>
-            <a:p>
-              <a:r>
-                <a:rPr lang="en-SG" sz="1200" dirty="0" err="1" smtClean="0"/>
-                <a:t>MeanHumidity</a:t>
-              </a:r>
-              <a:endParaRPr lang="en-SG" sz="1200" dirty="0" smtClean="0"/>
-            </a:p>
-            <a:p>
-              <a:r>
-                <a:rPr lang="en-SG" sz="1200" dirty="0" err="1" smtClean="0"/>
-                <a:t>MaxHumidity</a:t>
-              </a:r>
-              <a:endParaRPr lang="en-SG" sz="1200" dirty="0" smtClean="0"/>
-            </a:p>
-            <a:p>
-              <a:r>
-                <a:rPr lang="en-SG" sz="1200" dirty="0" err="1" smtClean="0"/>
-                <a:t>MinHumidity</a:t>
-              </a:r>
-              <a:endParaRPr lang="en-SG" sz="1200" dirty="0" smtClean="0"/>
-            </a:p>
-          </p:txBody>
-        </p:sp>
         <p:cxnSp>
           <p:nvCxnSpPr>
-            <p:cNvPr id="14" name="Straight Connector 13"/>
+            <p:cNvPr id="90" name="Straight Connector 89"/>
             <p:cNvCxnSpPr/>
             <p:nvPr/>
           </p:nvCxnSpPr>
           <p:spPr>
-            <a:xfrm flipH="1" flipV="1">
-              <a:off x="4294901" y="1127340"/>
-              <a:ext cx="1172392" cy="6343"/>
-            </a:xfrm>
-            <a:prstGeom prst="line">
-              <a:avLst/>
-            </a:prstGeom>
-            <a:ln>
-              <a:solidFill>
-                <a:schemeClr val="tx1"/>
-              </a:solidFill>
-            </a:ln>
-          </p:spPr>
-          <p:style>
-            <a:lnRef idx="1">
-              <a:schemeClr val="accent1"/>
-            </a:lnRef>
-            <a:fillRef idx="0">
-              <a:schemeClr val="accent1"/>
-            </a:fillRef>
-            <a:effectRef idx="0">
-              <a:schemeClr val="accent1"/>
-            </a:effectRef>
-            <a:fontRef idx="minor">
-              <a:schemeClr val="tx1"/>
-            </a:fontRef>
-          </p:style>
-        </p:cxnSp>
-      </p:grpSp>
-      <p:grpSp>
-        <p:nvGrpSpPr>
-          <p:cNvPr id="17" name="Group 16"/>
-          <p:cNvGrpSpPr/>
-          <p:nvPr/>
-        </p:nvGrpSpPr>
-        <p:grpSpPr>
-          <a:xfrm>
-            <a:off x="4876197" y="4557947"/>
-            <a:ext cx="1195292" cy="1015663"/>
-            <a:chOff x="4346799" y="4077063"/>
-            <a:chExt cx="1514132" cy="1015663"/>
-          </a:xfrm>
-        </p:grpSpPr>
-        <p:sp>
-          <p:nvSpPr>
-            <p:cNvPr id="18" name="TextBox 17"/>
-            <p:cNvSpPr txBox="1"/>
-            <p:nvPr/>
-          </p:nvSpPr>
-          <p:spPr>
             <a:xfrm>
-              <a:off x="4346799" y="4077063"/>
-              <a:ext cx="1514132" cy="1015663"/>
-            </a:xfrm>
-            <a:prstGeom prst="rect">
-              <a:avLst/>
-            </a:prstGeom>
-            <a:noFill/>
-            <a:ln w="6350">
-              <a:solidFill>
-                <a:schemeClr val="tx1"/>
-              </a:solidFill>
-            </a:ln>
-          </p:spPr>
-          <p:txBody>
-            <a:bodyPr wrap="square" rtlCol="0">
-              <a:spAutoFit/>
-            </a:bodyPr>
-            <a:lstStyle/>
-            <a:p>
-              <a:r>
-                <a:rPr lang="en-SG" sz="1200" dirty="0" err="1" smtClean="0"/>
-                <a:t>dimRegion</a:t>
-              </a:r>
-              <a:endParaRPr lang="en-SG" sz="1200" dirty="0" smtClean="0"/>
-            </a:p>
-            <a:p>
-              <a:endParaRPr lang="en-SG" sz="1200" dirty="0" smtClean="0"/>
-            </a:p>
-            <a:p>
-              <a:r>
-                <a:rPr lang="en-SG" sz="1200" dirty="0" err="1" smtClean="0"/>
-                <a:t>RegionId</a:t>
-              </a:r>
-              <a:r>
-                <a:rPr lang="en-SG" sz="1200" dirty="0" smtClean="0"/>
-                <a:t> (PK)</a:t>
-              </a:r>
-            </a:p>
-            <a:p>
-              <a:r>
-                <a:rPr lang="en-SG" sz="1200" dirty="0" err="1" smtClean="0"/>
-                <a:t>RegionName</a:t>
-              </a:r>
-              <a:endParaRPr lang="en-SG" sz="1200" dirty="0" smtClean="0"/>
-            </a:p>
-            <a:p>
-              <a:r>
-                <a:rPr lang="en-SG" sz="1200" dirty="0" smtClean="0"/>
-                <a:t>Description</a:t>
-              </a:r>
-            </a:p>
-          </p:txBody>
-        </p:sp>
-        <p:cxnSp>
-          <p:nvCxnSpPr>
-            <p:cNvPr id="19" name="Straight Connector 18"/>
-            <p:cNvCxnSpPr/>
-            <p:nvPr/>
-          </p:nvCxnSpPr>
-          <p:spPr>
-            <a:xfrm flipH="1" flipV="1">
-              <a:off x="4346799" y="4376057"/>
-              <a:ext cx="1514132" cy="3629"/>
-            </a:xfrm>
-            <a:prstGeom prst="line">
-              <a:avLst/>
-            </a:prstGeom>
-            <a:ln>
-              <a:solidFill>
-                <a:schemeClr val="tx1"/>
-              </a:solidFill>
-            </a:ln>
-          </p:spPr>
-          <p:style>
-            <a:lnRef idx="1">
-              <a:schemeClr val="accent1"/>
-            </a:lnRef>
-            <a:fillRef idx="0">
-              <a:schemeClr val="accent1"/>
-            </a:fillRef>
-            <a:effectRef idx="0">
-              <a:schemeClr val="accent1"/>
-            </a:effectRef>
-            <a:fontRef idx="minor">
-              <a:schemeClr val="tx1"/>
-            </a:fontRef>
-          </p:style>
-        </p:cxnSp>
-      </p:grpSp>
-      <p:grpSp>
-        <p:nvGrpSpPr>
-          <p:cNvPr id="20" name="Group 19"/>
-          <p:cNvGrpSpPr/>
-          <p:nvPr/>
-        </p:nvGrpSpPr>
-        <p:grpSpPr>
-          <a:xfrm>
-            <a:off x="7105817" y="4240127"/>
-            <a:ext cx="1514132" cy="1384995"/>
-            <a:chOff x="4296229" y="798286"/>
-            <a:chExt cx="1514132" cy="1384995"/>
-          </a:xfrm>
-        </p:grpSpPr>
-        <p:sp>
-          <p:nvSpPr>
-            <p:cNvPr id="21" name="TextBox 20"/>
-            <p:cNvSpPr txBox="1"/>
-            <p:nvPr/>
-          </p:nvSpPr>
-          <p:spPr>
-            <a:xfrm>
-              <a:off x="4296229" y="798286"/>
-              <a:ext cx="1514132" cy="1384995"/>
-            </a:xfrm>
-            <a:prstGeom prst="rect">
-              <a:avLst/>
-            </a:prstGeom>
-            <a:noFill/>
-            <a:ln w="6350">
-              <a:solidFill>
-                <a:schemeClr val="tx1"/>
-              </a:solidFill>
-            </a:ln>
-          </p:spPr>
-          <p:txBody>
-            <a:bodyPr wrap="square" rtlCol="0">
-              <a:spAutoFit/>
-            </a:bodyPr>
-            <a:lstStyle/>
-            <a:p>
-              <a:r>
-                <a:rPr lang="en-SG" sz="1200" dirty="0" err="1" smtClean="0"/>
-                <a:t>dimWeatherStation</a:t>
-              </a:r>
-              <a:endParaRPr lang="en-SG" sz="1200" dirty="0" smtClean="0"/>
-            </a:p>
-            <a:p>
-              <a:endParaRPr lang="en-SG" sz="1200" dirty="0" smtClean="0"/>
-            </a:p>
-            <a:p>
-              <a:r>
-                <a:rPr lang="en-SG" sz="1200" dirty="0" err="1" smtClean="0"/>
-                <a:t>LocationId</a:t>
-              </a:r>
-              <a:r>
-                <a:rPr lang="en-SG" sz="1200" dirty="0" smtClean="0"/>
-                <a:t> (PK)</a:t>
-              </a:r>
-            </a:p>
-            <a:p>
-              <a:r>
-                <a:rPr lang="en-SG" sz="1200" dirty="0" smtClean="0"/>
-                <a:t>Address</a:t>
-              </a:r>
-            </a:p>
-            <a:p>
-              <a:r>
-                <a:rPr lang="en-SG" sz="1200" dirty="0" smtClean="0"/>
-                <a:t>Latitude</a:t>
-              </a:r>
-            </a:p>
-            <a:p>
-              <a:r>
-                <a:rPr lang="en-SG" sz="1200" dirty="0" smtClean="0"/>
-                <a:t>Longitude</a:t>
-              </a:r>
-            </a:p>
-            <a:p>
-              <a:r>
-                <a:rPr lang="en-SG" sz="1200" dirty="0" err="1" smtClean="0"/>
-                <a:t>RegionId</a:t>
-              </a:r>
-              <a:r>
-                <a:rPr lang="en-SG" sz="1200" dirty="0" smtClean="0"/>
-                <a:t> (FK)</a:t>
-              </a:r>
-            </a:p>
-          </p:txBody>
-        </p:sp>
-        <p:cxnSp>
-          <p:nvCxnSpPr>
-            <p:cNvPr id="22" name="Straight Connector 21"/>
-            <p:cNvCxnSpPr/>
-            <p:nvPr/>
-          </p:nvCxnSpPr>
-          <p:spPr>
-            <a:xfrm flipH="1" flipV="1">
-              <a:off x="4296229" y="1112477"/>
-              <a:ext cx="1514132" cy="3629"/>
+              <a:off x="3360772" y="2572174"/>
+              <a:ext cx="126411" cy="126833"/>
             </a:xfrm>
             <a:prstGeom prst="line">
               <a:avLst/>
@@ -3536,13 +3699,438 @@
       </p:grpSp>
       <p:cxnSp>
         <p:nvCxnSpPr>
-          <p:cNvPr id="34" name="Straight Connector 33"/>
+          <p:cNvPr id="119" name="Elbow Connector 118"/>
+          <p:cNvCxnSpPr>
+            <a:stCxn id="18" idx="2"/>
+            <a:endCxn id="83" idx="1"/>
+          </p:cNvCxnSpPr>
+          <p:nvPr/>
+        </p:nvCxnSpPr>
+        <p:spPr>
+          <a:xfrm rot="16200000" flipH="1">
+            <a:off x="2976127" y="3199109"/>
+            <a:ext cx="1151305" cy="334627"/>
+          </a:xfrm>
+          <a:prstGeom prst="bentConnector2">
+            <a:avLst/>
+          </a:prstGeom>
+          <a:ln>
+            <a:solidFill>
+              <a:schemeClr val="tx1"/>
+            </a:solidFill>
+          </a:ln>
+        </p:spPr>
+        <p:style>
+          <a:lnRef idx="1">
+            <a:schemeClr val="accent1"/>
+          </a:lnRef>
+          <a:fillRef idx="0">
+            <a:schemeClr val="accent1"/>
+          </a:fillRef>
+          <a:effectRef idx="0">
+            <a:schemeClr val="accent1"/>
+          </a:effectRef>
+          <a:fontRef idx="minor">
+            <a:schemeClr val="tx1"/>
+          </a:fontRef>
+        </p:style>
+      </p:cxnSp>
+      <p:cxnSp>
+        <p:nvCxnSpPr>
+          <p:cNvPr id="3" name="Straight Connector 2"/>
+          <p:cNvCxnSpPr>
+            <a:stCxn id="18" idx="3"/>
+            <a:endCxn id="13" idx="1"/>
+          </p:cNvCxnSpPr>
+          <p:nvPr/>
+        </p:nvCxnSpPr>
+        <p:spPr>
+          <a:xfrm flipV="1">
+            <a:off x="4068304" y="2458638"/>
+            <a:ext cx="1285981" cy="8968"/>
+          </a:xfrm>
+          <a:prstGeom prst="line">
+            <a:avLst/>
+          </a:prstGeom>
+          <a:ln>
+            <a:solidFill>
+              <a:schemeClr val="tx1"/>
+            </a:solidFill>
+          </a:ln>
+        </p:spPr>
+        <p:style>
+          <a:lnRef idx="1">
+            <a:schemeClr val="accent1"/>
+          </a:lnRef>
+          <a:fillRef idx="0">
+            <a:schemeClr val="accent1"/>
+          </a:fillRef>
+          <a:effectRef idx="0">
+            <a:schemeClr val="accent1"/>
+          </a:effectRef>
+          <a:fontRef idx="minor">
+            <a:schemeClr val="tx1"/>
+          </a:fontRef>
+        </p:style>
+      </p:cxnSp>
+      <p:cxnSp>
+        <p:nvCxnSpPr>
+          <p:cNvPr id="69" name="Straight Connector 68"/>
+          <p:cNvCxnSpPr>
+            <a:stCxn id="4" idx="2"/>
+            <a:endCxn id="18" idx="0"/>
+          </p:cNvCxnSpPr>
+          <p:nvPr/>
+        </p:nvCxnSpPr>
+        <p:spPr>
+          <a:xfrm flipH="1">
+            <a:off x="3384466" y="1582162"/>
+            <a:ext cx="1" cy="562278"/>
+          </a:xfrm>
+          <a:prstGeom prst="line">
+            <a:avLst/>
+          </a:prstGeom>
+          <a:ln>
+            <a:solidFill>
+              <a:schemeClr val="tx1"/>
+            </a:solidFill>
+          </a:ln>
+        </p:spPr>
+        <p:style>
+          <a:lnRef idx="1">
+            <a:schemeClr val="accent1"/>
+          </a:lnRef>
+          <a:fillRef idx="0">
+            <a:schemeClr val="accent1"/>
+          </a:fillRef>
+          <a:effectRef idx="0">
+            <a:schemeClr val="accent1"/>
+          </a:effectRef>
+          <a:fontRef idx="minor">
+            <a:schemeClr val="tx1"/>
+          </a:fontRef>
+        </p:style>
+      </p:cxnSp>
+      <p:cxnSp>
+        <p:nvCxnSpPr>
+          <p:cNvPr id="33" name="Straight Connector 32"/>
           <p:cNvCxnSpPr/>
           <p:nvPr/>
         </p:nvCxnSpPr>
         <p:spPr>
           <a:xfrm>
-            <a:off x="4793679" y="4854083"/>
+            <a:off x="3304141" y="1582161"/>
+            <a:ext cx="80324" cy="89842"/>
+          </a:xfrm>
+          <a:prstGeom prst="line">
+            <a:avLst/>
+          </a:prstGeom>
+          <a:ln>
+            <a:solidFill>
+              <a:schemeClr val="tx1"/>
+            </a:solidFill>
+          </a:ln>
+        </p:spPr>
+        <p:style>
+          <a:lnRef idx="1">
+            <a:schemeClr val="accent1"/>
+          </a:lnRef>
+          <a:fillRef idx="0">
+            <a:schemeClr val="accent1"/>
+          </a:fillRef>
+          <a:effectRef idx="0">
+            <a:schemeClr val="accent1"/>
+          </a:effectRef>
+          <a:fontRef idx="minor">
+            <a:schemeClr val="tx1"/>
+          </a:fontRef>
+        </p:style>
+      </p:cxnSp>
+      <p:cxnSp>
+        <p:nvCxnSpPr>
+          <p:cNvPr id="77" name="Straight Connector 76"/>
+          <p:cNvCxnSpPr/>
+          <p:nvPr/>
+        </p:nvCxnSpPr>
+        <p:spPr>
+          <a:xfrm flipH="1">
+            <a:off x="3386820" y="1588185"/>
+            <a:ext cx="72076" cy="83818"/>
+          </a:xfrm>
+          <a:prstGeom prst="line">
+            <a:avLst/>
+          </a:prstGeom>
+          <a:ln>
+            <a:solidFill>
+              <a:schemeClr val="tx1"/>
+            </a:solidFill>
+          </a:ln>
+        </p:spPr>
+        <p:style>
+          <a:lnRef idx="1">
+            <a:schemeClr val="accent1"/>
+          </a:lnRef>
+          <a:fillRef idx="0">
+            <a:schemeClr val="accent1"/>
+          </a:fillRef>
+          <a:effectRef idx="0">
+            <a:schemeClr val="accent1"/>
+          </a:effectRef>
+          <a:fontRef idx="minor">
+            <a:schemeClr val="tx1"/>
+          </a:fontRef>
+        </p:style>
+      </p:cxnSp>
+      <p:sp>
+        <p:nvSpPr>
+          <p:cNvPr id="31" name="TextBox 30"/>
+          <p:cNvSpPr txBox="1"/>
+          <p:nvPr/>
+        </p:nvSpPr>
+        <p:spPr>
+          <a:xfrm>
+            <a:off x="5354284" y="934172"/>
+            <a:ext cx="1042689" cy="646331"/>
+          </a:xfrm>
+          <a:prstGeom prst="rect">
+            <a:avLst/>
+          </a:prstGeom>
+          <a:noFill/>
+          <a:ln w="6350">
+            <a:solidFill>
+              <a:schemeClr val="tx1"/>
+            </a:solidFill>
+          </a:ln>
+        </p:spPr>
+        <p:txBody>
+          <a:bodyPr wrap="square" rtlCol="0">
+            <a:spAutoFit/>
+          </a:bodyPr>
+          <a:lstStyle/>
+          <a:p>
+            <a:endParaRPr lang="en-SG" sz="1200" dirty="0"/>
+          </a:p>
+          <a:p>
+            <a:pPr algn="ctr"/>
+            <a:r>
+              <a:rPr lang="en-SG" sz="1200" dirty="0"/>
+              <a:t>Weather</a:t>
+            </a:r>
+          </a:p>
+          <a:p>
+            <a:endParaRPr lang="en-SG" sz="1200" dirty="0"/>
+          </a:p>
+        </p:txBody>
+      </p:sp>
+      <p:sp>
+        <p:nvSpPr>
+          <p:cNvPr id="32" name="TextBox 31"/>
+          <p:cNvSpPr txBox="1"/>
+          <p:nvPr/>
+        </p:nvSpPr>
+        <p:spPr>
+          <a:xfrm>
+            <a:off x="5352534" y="3102843"/>
+            <a:ext cx="1052706" cy="646331"/>
+          </a:xfrm>
+          <a:prstGeom prst="rect">
+            <a:avLst/>
+          </a:prstGeom>
+          <a:noFill/>
+          <a:ln w="6350">
+            <a:solidFill>
+              <a:schemeClr val="tx1"/>
+            </a:solidFill>
+          </a:ln>
+        </p:spPr>
+        <p:txBody>
+          <a:bodyPr wrap="square" rtlCol="0">
+            <a:spAutoFit/>
+          </a:bodyPr>
+          <a:lstStyle/>
+          <a:p>
+            <a:endParaRPr lang="en-SG" sz="1200" dirty="0"/>
+          </a:p>
+          <a:p>
+            <a:pPr algn="ctr"/>
+            <a:r>
+              <a:rPr lang="en-SG" sz="1200" dirty="0"/>
+              <a:t>UV Index</a:t>
+            </a:r>
+          </a:p>
+          <a:p>
+            <a:endParaRPr lang="en-SG" sz="1200" dirty="0"/>
+          </a:p>
+        </p:txBody>
+      </p:sp>
+      <p:cxnSp>
+        <p:nvCxnSpPr>
+          <p:cNvPr id="37" name="Elbow Connector 36"/>
+          <p:cNvCxnSpPr>
+            <a:stCxn id="32" idx="1"/>
+          </p:cNvCxnSpPr>
+          <p:nvPr/>
+        </p:nvCxnSpPr>
+        <p:spPr>
+          <a:xfrm rot="10800000">
+            <a:off x="4066554" y="2658261"/>
+            <a:ext cx="1285980" cy="767749"/>
+          </a:xfrm>
+          <a:prstGeom prst="bentConnector3">
+            <a:avLst>
+              <a:gd name="adj1" fmla="val 50000"/>
+            </a:avLst>
+          </a:prstGeom>
+          <a:ln>
+            <a:solidFill>
+              <a:schemeClr val="tx1"/>
+            </a:solidFill>
+          </a:ln>
+        </p:spPr>
+        <p:style>
+          <a:lnRef idx="1">
+            <a:schemeClr val="accent1"/>
+          </a:lnRef>
+          <a:fillRef idx="0">
+            <a:schemeClr val="accent1"/>
+          </a:fillRef>
+          <a:effectRef idx="0">
+            <a:schemeClr val="accent1"/>
+          </a:effectRef>
+          <a:fontRef idx="minor">
+            <a:schemeClr val="tx1"/>
+          </a:fontRef>
+        </p:style>
+      </p:cxnSp>
+      <p:grpSp>
+        <p:nvGrpSpPr>
+          <p:cNvPr id="42" name="Group 41"/>
+          <p:cNvGrpSpPr/>
+          <p:nvPr/>
+        </p:nvGrpSpPr>
+        <p:grpSpPr>
+          <a:xfrm>
+            <a:off x="5226122" y="3315952"/>
+            <a:ext cx="126411" cy="229510"/>
+            <a:chOff x="3360772" y="2469497"/>
+            <a:chExt cx="126411" cy="229510"/>
+          </a:xfrm>
+        </p:grpSpPr>
+        <p:cxnSp>
+          <p:nvCxnSpPr>
+            <p:cNvPr id="43" name="Straight Connector 42"/>
+            <p:cNvCxnSpPr/>
+            <p:nvPr/>
+          </p:nvCxnSpPr>
+          <p:spPr>
+            <a:xfrm flipV="1">
+              <a:off x="3360772" y="2469497"/>
+              <a:ext cx="126411" cy="102677"/>
+            </a:xfrm>
+            <a:prstGeom prst="line">
+              <a:avLst/>
+            </a:prstGeom>
+            <a:ln>
+              <a:solidFill>
+                <a:schemeClr val="tx1"/>
+              </a:solidFill>
+            </a:ln>
+          </p:spPr>
+          <p:style>
+            <a:lnRef idx="1">
+              <a:schemeClr val="accent1"/>
+            </a:lnRef>
+            <a:fillRef idx="0">
+              <a:schemeClr val="accent1"/>
+            </a:fillRef>
+            <a:effectRef idx="0">
+              <a:schemeClr val="accent1"/>
+            </a:effectRef>
+            <a:fontRef idx="minor">
+              <a:schemeClr val="tx1"/>
+            </a:fontRef>
+          </p:style>
+        </p:cxnSp>
+        <p:cxnSp>
+          <p:nvCxnSpPr>
+            <p:cNvPr id="44" name="Straight Connector 43"/>
+            <p:cNvCxnSpPr/>
+            <p:nvPr/>
+          </p:nvCxnSpPr>
+          <p:spPr>
+            <a:xfrm>
+              <a:off x="3360772" y="2572174"/>
+              <a:ext cx="126411" cy="126833"/>
+            </a:xfrm>
+            <a:prstGeom prst="line">
+              <a:avLst/>
+            </a:prstGeom>
+            <a:ln>
+              <a:solidFill>
+                <a:schemeClr val="tx1"/>
+              </a:solidFill>
+            </a:ln>
+          </p:spPr>
+          <p:style>
+            <a:lnRef idx="1">
+              <a:schemeClr val="accent1"/>
+            </a:lnRef>
+            <a:fillRef idx="0">
+              <a:schemeClr val="accent1"/>
+            </a:fillRef>
+            <a:effectRef idx="0">
+              <a:schemeClr val="accent1"/>
+            </a:effectRef>
+            <a:fontRef idx="minor">
+              <a:schemeClr val="tx1"/>
+            </a:fontRef>
+          </p:style>
+        </p:cxnSp>
+      </p:grpSp>
+      <p:cxnSp>
+        <p:nvCxnSpPr>
+          <p:cNvPr id="52" name="Straight Connector 51"/>
+          <p:cNvCxnSpPr/>
+          <p:nvPr/>
+        </p:nvCxnSpPr>
+        <p:spPr>
+          <a:xfrm>
+            <a:off x="4235185" y="2374650"/>
+            <a:ext cx="0" cy="182957"/>
+          </a:xfrm>
+          <a:prstGeom prst="line">
+            <a:avLst/>
+          </a:prstGeom>
+          <a:ln>
+            <a:solidFill>
+              <a:schemeClr val="tx1"/>
+            </a:solidFill>
+          </a:ln>
+        </p:spPr>
+        <p:style>
+          <a:lnRef idx="1">
+            <a:schemeClr val="accent1"/>
+          </a:lnRef>
+          <a:fillRef idx="0">
+            <a:schemeClr val="accent1"/>
+          </a:fillRef>
+          <a:effectRef idx="0">
+            <a:schemeClr val="accent1"/>
+          </a:effectRef>
+          <a:fontRef idx="minor">
+            <a:schemeClr val="tx1"/>
+          </a:fontRef>
+        </p:style>
+      </p:cxnSp>
+      <p:cxnSp>
+        <p:nvCxnSpPr>
+          <p:cNvPr id="53" name="Straight Connector 52"/>
+          <p:cNvCxnSpPr/>
+          <p:nvPr/>
+        </p:nvCxnSpPr>
+        <p:spPr>
+          <a:xfrm>
+            <a:off x="4284881" y="2374650"/>
             <a:ext cx="0" cy="182957"/>
           </a:xfrm>
           <a:prstGeom prst="line">
@@ -3571,28 +4159,28 @@
       </p:cxnSp>
       <p:grpSp>
         <p:nvGrpSpPr>
-          <p:cNvPr id="39" name="Group 38"/>
+          <p:cNvPr id="15" name="Group 14"/>
           <p:cNvGrpSpPr/>
           <p:nvPr/>
         </p:nvGrpSpPr>
         <p:grpSpPr>
           <a:xfrm>
-            <a:off x="6985743" y="4964645"/>
-            <a:ext cx="126411" cy="229510"/>
-            <a:chOff x="3360772" y="2469497"/>
-            <a:chExt cx="126411" cy="229510"/>
+            <a:off x="4130266" y="2568259"/>
+            <a:ext cx="49696" cy="182957"/>
+            <a:chOff x="4130266" y="2568259"/>
+            <a:chExt cx="49696" cy="182957"/>
           </a:xfrm>
         </p:grpSpPr>
         <p:cxnSp>
           <p:nvCxnSpPr>
-            <p:cNvPr id="40" name="Straight Connector 39"/>
+            <p:cNvPr id="51" name="Straight Connector 50"/>
             <p:cNvCxnSpPr/>
             <p:nvPr/>
           </p:nvCxnSpPr>
           <p:spPr>
-            <a:xfrm flipV="1">
-              <a:off x="3360772" y="2469497"/>
-              <a:ext cx="126411" cy="102677"/>
+            <a:xfrm>
+              <a:off x="4130266" y="2568259"/>
+              <a:ext cx="0" cy="182957"/>
             </a:xfrm>
             <a:prstGeom prst="line">
               <a:avLst/>
@@ -3620,212 +4208,14 @@
         </p:cxnSp>
         <p:cxnSp>
           <p:nvCxnSpPr>
-            <p:cNvPr id="41" name="Straight Connector 40"/>
+            <p:cNvPr id="54" name="Straight Connector 53"/>
             <p:cNvCxnSpPr/>
             <p:nvPr/>
           </p:nvCxnSpPr>
           <p:spPr>
             <a:xfrm>
-              <a:off x="3360772" y="2572174"/>
-              <a:ext cx="126411" cy="126833"/>
-            </a:xfrm>
-            <a:prstGeom prst="line">
-              <a:avLst/>
-            </a:prstGeom>
-            <a:ln>
-              <a:solidFill>
-                <a:schemeClr val="tx1"/>
-              </a:solidFill>
-            </a:ln>
-          </p:spPr>
-          <p:style>
-            <a:lnRef idx="1">
-              <a:schemeClr val="accent1"/>
-            </a:lnRef>
-            <a:fillRef idx="0">
-              <a:schemeClr val="accent1"/>
-            </a:fillRef>
-            <a:effectRef idx="0">
-              <a:schemeClr val="accent1"/>
-            </a:effectRef>
-            <a:fontRef idx="minor">
-              <a:schemeClr val="tx1"/>
-            </a:fontRef>
-          </p:style>
-        </p:cxnSp>
-      </p:grpSp>
-      <p:grpSp>
-        <p:nvGrpSpPr>
-          <p:cNvPr id="44" name="Group 43"/>
-          <p:cNvGrpSpPr/>
-          <p:nvPr/>
-        </p:nvGrpSpPr>
-        <p:grpSpPr>
-          <a:xfrm>
-            <a:off x="2788122" y="514373"/>
-            <a:ext cx="1200970" cy="1200329"/>
-            <a:chOff x="4296229" y="741033"/>
-            <a:chExt cx="1200970" cy="1200329"/>
-          </a:xfrm>
-        </p:grpSpPr>
-        <p:sp>
-          <p:nvSpPr>
-            <p:cNvPr id="45" name="TextBox 44"/>
-            <p:cNvSpPr txBox="1"/>
-            <p:nvPr/>
-          </p:nvSpPr>
-          <p:spPr>
-            <a:xfrm>
-              <a:off x="4296229" y="741033"/>
-              <a:ext cx="1200970" cy="1200329"/>
-            </a:xfrm>
-            <a:prstGeom prst="rect">
-              <a:avLst/>
-            </a:prstGeom>
-            <a:noFill/>
-            <a:ln w="6350">
-              <a:solidFill>
-                <a:schemeClr val="tx1"/>
-              </a:solidFill>
-            </a:ln>
-          </p:spPr>
-          <p:txBody>
-            <a:bodyPr wrap="square" rtlCol="0">
-              <a:spAutoFit/>
-            </a:bodyPr>
-            <a:lstStyle/>
-            <a:p>
-              <a:r>
-                <a:rPr lang="en-SG" sz="1200" dirty="0" err="1" smtClean="0"/>
-                <a:t>dimTime</a:t>
-              </a:r>
-              <a:endParaRPr lang="en-SG" sz="1200" dirty="0" smtClean="0"/>
-            </a:p>
-            <a:p>
-              <a:endParaRPr lang="en-SG" sz="1200" dirty="0" smtClean="0"/>
-            </a:p>
-            <a:p>
-              <a:r>
-                <a:rPr lang="en-SG" sz="1200" dirty="0" smtClean="0"/>
-                <a:t>Date (PK)</a:t>
-              </a:r>
-            </a:p>
-            <a:p>
-              <a:r>
-                <a:rPr lang="en-SG" sz="1200" dirty="0" err="1" smtClean="0"/>
-                <a:t>WeekNumber</a:t>
-              </a:r>
-              <a:endParaRPr lang="en-SG" sz="1200" dirty="0" smtClean="0"/>
-            </a:p>
-            <a:p>
-              <a:r>
-                <a:rPr lang="en-SG" sz="1200" dirty="0" smtClean="0"/>
-                <a:t>Month</a:t>
-              </a:r>
-            </a:p>
-            <a:p>
-              <a:r>
-                <a:rPr lang="en-SG" sz="1200" dirty="0" smtClean="0"/>
-                <a:t>Year</a:t>
-              </a:r>
-            </a:p>
-          </p:txBody>
-        </p:sp>
-        <p:cxnSp>
-          <p:nvCxnSpPr>
-            <p:cNvPr id="46" name="Straight Connector 45"/>
-            <p:cNvCxnSpPr/>
-            <p:nvPr/>
-          </p:nvCxnSpPr>
-          <p:spPr>
-            <a:xfrm flipH="1">
-              <a:off x="4296229" y="1052281"/>
-              <a:ext cx="1200970" cy="1"/>
-            </a:xfrm>
-            <a:prstGeom prst="line">
-              <a:avLst/>
-            </a:prstGeom>
-            <a:ln>
-              <a:solidFill>
-                <a:schemeClr val="tx1"/>
-              </a:solidFill>
-            </a:ln>
-          </p:spPr>
-          <p:style>
-            <a:lnRef idx="1">
-              <a:schemeClr val="accent1"/>
-            </a:lnRef>
-            <a:fillRef idx="0">
-              <a:schemeClr val="accent1"/>
-            </a:fillRef>
-            <a:effectRef idx="0">
-              <a:schemeClr val="accent1"/>
-            </a:effectRef>
-            <a:fontRef idx="minor">
-              <a:schemeClr val="tx1"/>
-            </a:fontRef>
-          </p:style>
-        </p:cxnSp>
-      </p:grpSp>
-      <p:grpSp>
-        <p:nvGrpSpPr>
-          <p:cNvPr id="47" name="Group 46"/>
-          <p:cNvGrpSpPr/>
-          <p:nvPr/>
-        </p:nvGrpSpPr>
-        <p:grpSpPr>
-          <a:xfrm>
-            <a:off x="6648559" y="879832"/>
-            <a:ext cx="126411" cy="229510"/>
-            <a:chOff x="3360772" y="2469497"/>
-            <a:chExt cx="126411" cy="229510"/>
-          </a:xfrm>
-        </p:grpSpPr>
-        <p:cxnSp>
-          <p:nvCxnSpPr>
-            <p:cNvPr id="48" name="Straight Connector 47"/>
-            <p:cNvCxnSpPr/>
-            <p:nvPr/>
-          </p:nvCxnSpPr>
-          <p:spPr>
-            <a:xfrm flipV="1">
-              <a:off x="3360772" y="2469497"/>
-              <a:ext cx="126411" cy="102677"/>
-            </a:xfrm>
-            <a:prstGeom prst="line">
-              <a:avLst/>
-            </a:prstGeom>
-            <a:ln>
-              <a:solidFill>
-                <a:schemeClr val="tx1"/>
-              </a:solidFill>
-            </a:ln>
-          </p:spPr>
-          <p:style>
-            <a:lnRef idx="1">
-              <a:schemeClr val="accent1"/>
-            </a:lnRef>
-            <a:fillRef idx="0">
-              <a:schemeClr val="accent1"/>
-            </a:fillRef>
-            <a:effectRef idx="0">
-              <a:schemeClr val="accent1"/>
-            </a:effectRef>
-            <a:fontRef idx="minor">
-              <a:schemeClr val="tx1"/>
-            </a:fontRef>
-          </p:style>
-        </p:cxnSp>
-        <p:cxnSp>
-          <p:nvCxnSpPr>
-            <p:cNvPr id="49" name="Straight Connector 48"/>
-            <p:cNvCxnSpPr/>
-            <p:nvPr/>
-          </p:nvCxnSpPr>
-          <p:spPr>
-            <a:xfrm>
-              <a:off x="3360772" y="2572174"/>
-              <a:ext cx="126411" cy="126833"/>
+              <a:off x="4179962" y="2568259"/>
+              <a:ext cx="0" cy="182957"/>
             </a:xfrm>
             <a:prstGeom prst="line">
               <a:avLst/>
@@ -3854,13 +4244,13 @@
       </p:grpSp>
       <p:cxnSp>
         <p:nvCxnSpPr>
-          <p:cNvPr id="54" name="Straight Connector 53"/>
+          <p:cNvPr id="55" name="Straight Connector 54"/>
           <p:cNvCxnSpPr/>
           <p:nvPr/>
         </p:nvCxnSpPr>
         <p:spPr>
           <a:xfrm>
-            <a:off x="4052965" y="1114537"/>
+            <a:off x="4125854" y="2244920"/>
             <a:ext cx="0" cy="182957"/>
           </a:xfrm>
           <a:prstGeom prst="line">
@@ -3889,18 +4279,16 @@
       </p:cxnSp>
       <p:cxnSp>
         <p:nvCxnSpPr>
-          <p:cNvPr id="58" name="Elbow Connector 57"/>
-          <p:cNvCxnSpPr>
-            <a:endCxn id="4" idx="1"/>
-          </p:cNvCxnSpPr>
+          <p:cNvPr id="56" name="Straight Connector 55"/>
+          <p:cNvCxnSpPr/>
           <p:nvPr/>
         </p:nvCxnSpPr>
         <p:spPr>
-          <a:xfrm rot="16200000" flipH="1">
-            <a:off x="1789255" y="1738792"/>
-            <a:ext cx="1483815" cy="505131"/>
-          </a:xfrm>
-          <a:prstGeom prst="bentConnector2">
+          <a:xfrm>
+            <a:off x="4179962" y="2244920"/>
+            <a:ext cx="0" cy="182957"/>
+          </a:xfrm>
+          <a:prstGeom prst="line">
             <a:avLst/>
           </a:prstGeom>
           <a:ln>
@@ -3926,17 +4314,3412 @@
       </p:cxnSp>
       <p:cxnSp>
         <p:nvCxnSpPr>
-          <p:cNvPr id="69" name="Straight Connector 68"/>
+          <p:cNvPr id="57" name="Straight Connector 56"/>
           <p:cNvCxnSpPr/>
           <p:nvPr/>
         </p:nvCxnSpPr>
         <p:spPr>
           <a:xfrm>
-            <a:off x="4052965" y="881279"/>
+            <a:off x="5229680" y="3324608"/>
             <a:ext cx="0" cy="182957"/>
           </a:xfrm>
           <a:prstGeom prst="line">
             <a:avLst/>
+          </a:prstGeom>
+          <a:ln>
+            <a:solidFill>
+              <a:schemeClr val="tx1"/>
+            </a:solidFill>
+          </a:ln>
+        </p:spPr>
+        <p:style>
+          <a:lnRef idx="1">
+            <a:schemeClr val="accent1"/>
+          </a:lnRef>
+          <a:fillRef idx="0">
+            <a:schemeClr val="accent1"/>
+          </a:fillRef>
+          <a:effectRef idx="0">
+            <a:schemeClr val="accent1"/>
+          </a:effectRef>
+          <a:fontRef idx="minor">
+            <a:schemeClr val="tx1"/>
+          </a:fontRef>
+        </p:style>
+      </p:cxnSp>
+      <p:cxnSp>
+        <p:nvCxnSpPr>
+          <p:cNvPr id="59" name="Straight Connector 58"/>
+          <p:cNvCxnSpPr/>
+          <p:nvPr/>
+        </p:nvCxnSpPr>
+        <p:spPr>
+          <a:xfrm>
+            <a:off x="3593240" y="3842921"/>
+            <a:ext cx="0" cy="182957"/>
+          </a:xfrm>
+          <a:prstGeom prst="line">
+            <a:avLst/>
+          </a:prstGeom>
+          <a:ln>
+            <a:solidFill>
+              <a:schemeClr val="tx1"/>
+            </a:solidFill>
+          </a:ln>
+        </p:spPr>
+        <p:style>
+          <a:lnRef idx="1">
+            <a:schemeClr val="accent1"/>
+          </a:lnRef>
+          <a:fillRef idx="0">
+            <a:schemeClr val="accent1"/>
+          </a:fillRef>
+          <a:effectRef idx="0">
+            <a:schemeClr val="accent1"/>
+          </a:effectRef>
+          <a:fontRef idx="minor">
+            <a:schemeClr val="tx1"/>
+          </a:fontRef>
+        </p:style>
+      </p:cxnSp>
+      <p:grpSp>
+        <p:nvGrpSpPr>
+          <p:cNvPr id="19" name="Group 18"/>
+          <p:cNvGrpSpPr/>
+          <p:nvPr/>
+        </p:nvGrpSpPr>
+        <p:grpSpPr>
+          <a:xfrm>
+            <a:off x="5229260" y="1155741"/>
+            <a:ext cx="126411" cy="229510"/>
+            <a:chOff x="5229260" y="1155741"/>
+            <a:chExt cx="126411" cy="229510"/>
+          </a:xfrm>
+        </p:grpSpPr>
+        <p:grpSp>
+          <p:nvGrpSpPr>
+            <p:cNvPr id="45" name="Group 44"/>
+            <p:cNvGrpSpPr/>
+            <p:nvPr/>
+          </p:nvGrpSpPr>
+          <p:grpSpPr>
+            <a:xfrm>
+              <a:off x="5229260" y="1155741"/>
+              <a:ext cx="126411" cy="229510"/>
+              <a:chOff x="3360772" y="2469497"/>
+              <a:chExt cx="126411" cy="229510"/>
+            </a:xfrm>
+          </p:grpSpPr>
+          <p:cxnSp>
+            <p:nvCxnSpPr>
+              <p:cNvPr id="46" name="Straight Connector 45"/>
+              <p:cNvCxnSpPr/>
+              <p:nvPr/>
+            </p:nvCxnSpPr>
+            <p:spPr>
+              <a:xfrm flipV="1">
+                <a:off x="3360772" y="2469497"/>
+                <a:ext cx="126411" cy="102677"/>
+              </a:xfrm>
+              <a:prstGeom prst="line">
+                <a:avLst/>
+              </a:prstGeom>
+              <a:ln>
+                <a:solidFill>
+                  <a:schemeClr val="tx1"/>
+                </a:solidFill>
+              </a:ln>
+            </p:spPr>
+            <p:style>
+              <a:lnRef idx="1">
+                <a:schemeClr val="accent1"/>
+              </a:lnRef>
+              <a:fillRef idx="0">
+                <a:schemeClr val="accent1"/>
+              </a:fillRef>
+              <a:effectRef idx="0">
+                <a:schemeClr val="accent1"/>
+              </a:effectRef>
+              <a:fontRef idx="minor">
+                <a:schemeClr val="tx1"/>
+              </a:fontRef>
+            </p:style>
+          </p:cxnSp>
+          <p:cxnSp>
+            <p:nvCxnSpPr>
+              <p:cNvPr id="47" name="Straight Connector 46"/>
+              <p:cNvCxnSpPr/>
+              <p:nvPr/>
+            </p:nvCxnSpPr>
+            <p:spPr>
+              <a:xfrm>
+                <a:off x="3360772" y="2572174"/>
+                <a:ext cx="126411" cy="126833"/>
+              </a:xfrm>
+              <a:prstGeom prst="line">
+                <a:avLst/>
+              </a:prstGeom>
+              <a:ln>
+                <a:solidFill>
+                  <a:schemeClr val="tx1"/>
+                </a:solidFill>
+              </a:ln>
+            </p:spPr>
+            <p:style>
+              <a:lnRef idx="1">
+                <a:schemeClr val="accent1"/>
+              </a:lnRef>
+              <a:fillRef idx="0">
+                <a:schemeClr val="accent1"/>
+              </a:fillRef>
+              <a:effectRef idx="0">
+                <a:schemeClr val="accent1"/>
+              </a:effectRef>
+              <a:fontRef idx="minor">
+                <a:schemeClr val="tx1"/>
+              </a:fontRef>
+            </p:style>
+          </p:cxnSp>
+        </p:grpSp>
+        <p:cxnSp>
+          <p:nvCxnSpPr>
+            <p:cNvPr id="60" name="Straight Connector 59"/>
+            <p:cNvCxnSpPr/>
+            <p:nvPr/>
+          </p:nvCxnSpPr>
+          <p:spPr>
+            <a:xfrm>
+              <a:off x="5229260" y="1175746"/>
+              <a:ext cx="0" cy="182957"/>
+            </a:xfrm>
+            <a:prstGeom prst="line">
+              <a:avLst/>
+            </a:prstGeom>
+            <a:ln>
+              <a:solidFill>
+                <a:schemeClr val="tx1"/>
+              </a:solidFill>
+            </a:ln>
+          </p:spPr>
+          <p:style>
+            <a:lnRef idx="1">
+              <a:schemeClr val="accent1"/>
+            </a:lnRef>
+            <a:fillRef idx="0">
+              <a:schemeClr val="accent1"/>
+            </a:fillRef>
+            <a:effectRef idx="0">
+              <a:schemeClr val="accent1"/>
+            </a:effectRef>
+            <a:fontRef idx="minor">
+              <a:schemeClr val="tx1"/>
+            </a:fontRef>
+          </p:style>
+        </p:cxnSp>
+      </p:grpSp>
+      <p:grpSp>
+        <p:nvGrpSpPr>
+          <p:cNvPr id="26" name="Group 25"/>
+          <p:cNvGrpSpPr/>
+          <p:nvPr/>
+        </p:nvGrpSpPr>
+        <p:grpSpPr>
+          <a:xfrm>
+            <a:off x="3300608" y="2859554"/>
+            <a:ext cx="163525" cy="52844"/>
+            <a:chOff x="6133001" y="4772526"/>
+            <a:chExt cx="163525" cy="52844"/>
+          </a:xfrm>
+        </p:grpSpPr>
+        <p:cxnSp>
+          <p:nvCxnSpPr>
+            <p:cNvPr id="61" name="Straight Connector 60"/>
+            <p:cNvCxnSpPr/>
+            <p:nvPr/>
+          </p:nvCxnSpPr>
+          <p:spPr>
+            <a:xfrm flipH="1">
+              <a:off x="6133001" y="4772526"/>
+              <a:ext cx="163525" cy="707"/>
+            </a:xfrm>
+            <a:prstGeom prst="line">
+              <a:avLst/>
+            </a:prstGeom>
+            <a:ln>
+              <a:solidFill>
+                <a:schemeClr val="tx1"/>
+              </a:solidFill>
+            </a:ln>
+          </p:spPr>
+          <p:style>
+            <a:lnRef idx="1">
+              <a:schemeClr val="accent1"/>
+            </a:lnRef>
+            <a:fillRef idx="0">
+              <a:schemeClr val="accent1"/>
+            </a:fillRef>
+            <a:effectRef idx="0">
+              <a:schemeClr val="accent1"/>
+            </a:effectRef>
+            <a:fontRef idx="minor">
+              <a:schemeClr val="tx1"/>
+            </a:fontRef>
+          </p:style>
+        </p:cxnSp>
+        <p:cxnSp>
+          <p:nvCxnSpPr>
+            <p:cNvPr id="67" name="Straight Connector 66"/>
+            <p:cNvCxnSpPr/>
+            <p:nvPr/>
+          </p:nvCxnSpPr>
+          <p:spPr>
+            <a:xfrm flipH="1">
+              <a:off x="6133001" y="4824663"/>
+              <a:ext cx="163525" cy="707"/>
+            </a:xfrm>
+            <a:prstGeom prst="line">
+              <a:avLst/>
+            </a:prstGeom>
+            <a:ln>
+              <a:solidFill>
+                <a:schemeClr val="tx1"/>
+              </a:solidFill>
+            </a:ln>
+          </p:spPr>
+          <p:style>
+            <a:lnRef idx="1">
+              <a:schemeClr val="accent1"/>
+            </a:lnRef>
+            <a:fillRef idx="0">
+              <a:schemeClr val="accent1"/>
+            </a:fillRef>
+            <a:effectRef idx="0">
+              <a:schemeClr val="accent1"/>
+            </a:effectRef>
+            <a:fontRef idx="minor">
+              <a:schemeClr val="tx1"/>
+            </a:fontRef>
+          </p:style>
+        </p:cxnSp>
+      </p:grpSp>
+      <p:grpSp>
+        <p:nvGrpSpPr>
+          <p:cNvPr id="75" name="Group 74"/>
+          <p:cNvGrpSpPr/>
+          <p:nvPr/>
+        </p:nvGrpSpPr>
+        <p:grpSpPr>
+          <a:xfrm>
+            <a:off x="3300608" y="2034704"/>
+            <a:ext cx="163526" cy="56855"/>
+            <a:chOff x="6590200" y="5173578"/>
+            <a:chExt cx="163526" cy="56855"/>
+          </a:xfrm>
+        </p:grpSpPr>
+        <p:cxnSp>
+          <p:nvCxnSpPr>
+            <p:cNvPr id="76" name="Straight Connector 75"/>
+            <p:cNvCxnSpPr/>
+            <p:nvPr/>
+          </p:nvCxnSpPr>
+          <p:spPr>
+            <a:xfrm flipH="1">
+              <a:off x="6590200" y="5173578"/>
+              <a:ext cx="163525" cy="707"/>
+            </a:xfrm>
+            <a:prstGeom prst="line">
+              <a:avLst/>
+            </a:prstGeom>
+            <a:ln>
+              <a:solidFill>
+                <a:schemeClr val="tx1"/>
+              </a:solidFill>
+            </a:ln>
+          </p:spPr>
+          <p:style>
+            <a:lnRef idx="1">
+              <a:schemeClr val="accent1"/>
+            </a:lnRef>
+            <a:fillRef idx="0">
+              <a:schemeClr val="accent1"/>
+            </a:fillRef>
+            <a:effectRef idx="0">
+              <a:schemeClr val="accent1"/>
+            </a:effectRef>
+            <a:fontRef idx="minor">
+              <a:schemeClr val="tx1"/>
+            </a:fontRef>
+          </p:style>
+        </p:cxnSp>
+        <p:cxnSp>
+          <p:nvCxnSpPr>
+            <p:cNvPr id="78" name="Straight Connector 77"/>
+            <p:cNvCxnSpPr/>
+            <p:nvPr/>
+          </p:nvCxnSpPr>
+          <p:spPr>
+            <a:xfrm flipH="1">
+              <a:off x="6590201" y="5229726"/>
+              <a:ext cx="163525" cy="707"/>
+            </a:xfrm>
+            <a:prstGeom prst="line">
+              <a:avLst/>
+            </a:prstGeom>
+            <a:ln>
+              <a:solidFill>
+                <a:schemeClr val="tx1"/>
+              </a:solidFill>
+            </a:ln>
+          </p:spPr>
+          <p:style>
+            <a:lnRef idx="1">
+              <a:schemeClr val="accent1"/>
+            </a:lnRef>
+            <a:fillRef idx="0">
+              <a:schemeClr val="accent1"/>
+            </a:fillRef>
+            <a:effectRef idx="0">
+              <a:schemeClr val="accent1"/>
+            </a:effectRef>
+            <a:fontRef idx="minor">
+              <a:schemeClr val="tx1"/>
+            </a:fontRef>
+          </p:style>
+        </p:cxnSp>
+      </p:grpSp>
+      <p:grpSp>
+        <p:nvGrpSpPr>
+          <p:cNvPr id="62" name="Group 61"/>
+          <p:cNvGrpSpPr/>
+          <p:nvPr/>
+        </p:nvGrpSpPr>
+        <p:grpSpPr>
+          <a:xfrm>
+            <a:off x="5225431" y="2355795"/>
+            <a:ext cx="126411" cy="229510"/>
+            <a:chOff x="3360772" y="2469497"/>
+            <a:chExt cx="126411" cy="229510"/>
+          </a:xfrm>
+        </p:grpSpPr>
+        <p:cxnSp>
+          <p:nvCxnSpPr>
+            <p:cNvPr id="63" name="Straight Connector 62"/>
+            <p:cNvCxnSpPr/>
+            <p:nvPr/>
+          </p:nvCxnSpPr>
+          <p:spPr>
+            <a:xfrm flipV="1">
+              <a:off x="3360772" y="2469497"/>
+              <a:ext cx="126411" cy="102677"/>
+            </a:xfrm>
+            <a:prstGeom prst="line">
+              <a:avLst/>
+            </a:prstGeom>
+            <a:ln>
+              <a:solidFill>
+                <a:schemeClr val="tx1"/>
+              </a:solidFill>
+            </a:ln>
+          </p:spPr>
+          <p:style>
+            <a:lnRef idx="1">
+              <a:schemeClr val="accent1"/>
+            </a:lnRef>
+            <a:fillRef idx="0">
+              <a:schemeClr val="accent1"/>
+            </a:fillRef>
+            <a:effectRef idx="0">
+              <a:schemeClr val="accent1"/>
+            </a:effectRef>
+            <a:fontRef idx="minor">
+              <a:schemeClr val="tx1"/>
+            </a:fontRef>
+          </p:style>
+        </p:cxnSp>
+        <p:cxnSp>
+          <p:nvCxnSpPr>
+            <p:cNvPr id="64" name="Straight Connector 63"/>
+            <p:cNvCxnSpPr/>
+            <p:nvPr/>
+          </p:nvCxnSpPr>
+          <p:spPr>
+            <a:xfrm>
+              <a:off x="3360772" y="2572174"/>
+              <a:ext cx="126411" cy="126833"/>
+            </a:xfrm>
+            <a:prstGeom prst="line">
+              <a:avLst/>
+            </a:prstGeom>
+            <a:ln>
+              <a:solidFill>
+                <a:schemeClr val="tx1"/>
+              </a:solidFill>
+            </a:ln>
+          </p:spPr>
+          <p:style>
+            <a:lnRef idx="1">
+              <a:schemeClr val="accent1"/>
+            </a:lnRef>
+            <a:fillRef idx="0">
+              <a:schemeClr val="accent1"/>
+            </a:fillRef>
+            <a:effectRef idx="0">
+              <a:schemeClr val="accent1"/>
+            </a:effectRef>
+            <a:fontRef idx="minor">
+              <a:schemeClr val="tx1"/>
+            </a:fontRef>
+          </p:style>
+        </p:cxnSp>
+      </p:grpSp>
+      <p:cxnSp>
+        <p:nvCxnSpPr>
+          <p:cNvPr id="65" name="Straight Connector 64"/>
+          <p:cNvCxnSpPr/>
+          <p:nvPr/>
+        </p:nvCxnSpPr>
+        <p:spPr>
+          <a:xfrm>
+            <a:off x="5225431" y="2375800"/>
+            <a:ext cx="0" cy="182957"/>
+          </a:xfrm>
+          <a:prstGeom prst="line">
+            <a:avLst/>
+          </a:prstGeom>
+          <a:ln>
+            <a:solidFill>
+              <a:schemeClr val="tx1"/>
+            </a:solidFill>
+          </a:ln>
+        </p:spPr>
+        <p:style>
+          <a:lnRef idx="1">
+            <a:schemeClr val="accent1"/>
+          </a:lnRef>
+          <a:fillRef idx="0">
+            <a:schemeClr val="accent1"/>
+          </a:fillRef>
+          <a:effectRef idx="0">
+            <a:schemeClr val="accent1"/>
+          </a:effectRef>
+          <a:fontRef idx="minor">
+            <a:schemeClr val="tx1"/>
+          </a:fontRef>
+        </p:style>
+      </p:cxnSp>
+      <p:cxnSp>
+        <p:nvCxnSpPr>
+          <p:cNvPr id="66" name="Straight Connector 65"/>
+          <p:cNvCxnSpPr/>
+          <p:nvPr/>
+        </p:nvCxnSpPr>
+        <p:spPr>
+          <a:xfrm flipH="1">
+            <a:off x="3294808" y="1675471"/>
+            <a:ext cx="186899" cy="2555"/>
+          </a:xfrm>
+          <a:prstGeom prst="line">
+            <a:avLst/>
+          </a:prstGeom>
+          <a:ln>
+            <a:solidFill>
+              <a:schemeClr val="tx1"/>
+            </a:solidFill>
+          </a:ln>
+        </p:spPr>
+        <p:style>
+          <a:lnRef idx="1">
+            <a:schemeClr val="accent1"/>
+          </a:lnRef>
+          <a:fillRef idx="0">
+            <a:schemeClr val="accent1"/>
+          </a:fillRef>
+          <a:effectRef idx="0">
+            <a:schemeClr val="accent1"/>
+          </a:effectRef>
+          <a:fontRef idx="minor">
+            <a:schemeClr val="tx1"/>
+          </a:fontRef>
+        </p:style>
+      </p:cxnSp>
+    </p:spTree>
+    <p:extLst>
+      <p:ext uri="{BB962C8B-B14F-4D97-AF65-F5344CB8AC3E}">
+        <p14:creationId xmlns:p14="http://schemas.microsoft.com/office/powerpoint/2010/main" val="2871427970"/>
+      </p:ext>
+    </p:extLst>
+  </p:cSld>
+  <p:clrMapOvr>
+    <a:masterClrMapping/>
+  </p:clrMapOvr>
+</p:sld>
+</file>
+
+<file path=ppt/slides/slide2.xml><?xml version="1.0" encoding="utf-8"?>
+<p:sld xmlns:a="http://schemas.openxmlformats.org/drawingml/2006/main" xmlns:r="http://schemas.openxmlformats.org/officeDocument/2006/relationships" xmlns:p="http://schemas.openxmlformats.org/presentationml/2006/main">
+  <p:cSld>
+    <p:spTree>
+      <p:nvGrpSpPr>
+        <p:cNvPr id="1" name=""/>
+        <p:cNvGrpSpPr/>
+        <p:nvPr/>
+      </p:nvGrpSpPr>
+      <p:grpSpPr>
+        <a:xfrm>
+          <a:off x="0" y="0"/>
+          <a:ext cx="0" cy="0"/>
+          <a:chOff x="0" y="0"/>
+          <a:chExt cx="0" cy="0"/>
+        </a:xfrm>
+      </p:grpSpPr>
+      <p:grpSp>
+        <p:nvGrpSpPr>
+          <p:cNvPr id="8" name="Group 7"/>
+          <p:cNvGrpSpPr/>
+          <p:nvPr/>
+        </p:nvGrpSpPr>
+        <p:grpSpPr>
+          <a:xfrm>
+            <a:off x="2378586" y="1068831"/>
+            <a:ext cx="1209276" cy="1754326"/>
+            <a:chOff x="4486196" y="694474"/>
+            <a:chExt cx="1209276" cy="1754326"/>
+          </a:xfrm>
+        </p:grpSpPr>
+        <p:sp>
+          <p:nvSpPr>
+            <p:cNvPr id="4" name="TextBox 3"/>
+            <p:cNvSpPr txBox="1"/>
+            <p:nvPr/>
+          </p:nvSpPr>
+          <p:spPr>
+            <a:xfrm>
+              <a:off x="4494502" y="694474"/>
+              <a:ext cx="1200970" cy="1754326"/>
+            </a:xfrm>
+            <a:prstGeom prst="rect">
+              <a:avLst/>
+            </a:prstGeom>
+            <a:noFill/>
+            <a:ln w="6350">
+              <a:solidFill>
+                <a:schemeClr val="tx1"/>
+              </a:solidFill>
+            </a:ln>
+          </p:spPr>
+          <p:txBody>
+            <a:bodyPr wrap="none" rtlCol="0">
+              <a:spAutoFit/>
+            </a:bodyPr>
+            <a:lstStyle/>
+            <a:p>
+              <a:r>
+                <a:rPr lang="en-SG" sz="1200" dirty="0" err="1"/>
+                <a:t>DengueCase</a:t>
+              </a:r>
+              <a:endParaRPr lang="en-SG" sz="1200" dirty="0"/>
+            </a:p>
+            <a:p>
+              <a:endParaRPr lang="en-SG" sz="1200" dirty="0"/>
+            </a:p>
+            <a:p>
+              <a:r>
+                <a:rPr lang="en-SG" sz="1200" dirty="0"/>
+                <a:t>ID (PK)</a:t>
+              </a:r>
+            </a:p>
+            <a:p>
+              <a:r>
+                <a:rPr lang="en-SG" sz="1200" dirty="0"/>
+                <a:t>Date</a:t>
+              </a:r>
+            </a:p>
+            <a:p>
+              <a:r>
+                <a:rPr lang="en-SG" sz="1200" dirty="0"/>
+                <a:t>Latitude</a:t>
+              </a:r>
+            </a:p>
+            <a:p>
+              <a:r>
+                <a:rPr lang="en-SG" sz="1200" dirty="0"/>
+                <a:t>Longitude</a:t>
+              </a:r>
+            </a:p>
+            <a:p>
+              <a:r>
+                <a:rPr lang="en-SG" sz="1200" dirty="0"/>
+                <a:t>NumberOfCases</a:t>
+              </a:r>
+            </a:p>
+            <a:p>
+              <a:r>
+                <a:rPr lang="en-SG" sz="1200" dirty="0"/>
+                <a:t>Address</a:t>
+              </a:r>
+            </a:p>
+            <a:p>
+              <a:r>
+                <a:rPr lang="en-SG" sz="1200" dirty="0" err="1"/>
+                <a:t>RegionId</a:t>
+              </a:r>
+              <a:r>
+                <a:rPr lang="en-SG" sz="1200" dirty="0"/>
+                <a:t> (FK)</a:t>
+              </a:r>
+            </a:p>
+          </p:txBody>
+        </p:sp>
+        <p:cxnSp>
+          <p:nvCxnSpPr>
+            <p:cNvPr id="6" name="Straight Connector 5"/>
+            <p:cNvCxnSpPr/>
+            <p:nvPr/>
+          </p:nvCxnSpPr>
+          <p:spPr>
+            <a:xfrm flipH="1">
+              <a:off x="4486196" y="1003881"/>
+              <a:ext cx="1200970" cy="1"/>
+            </a:xfrm>
+            <a:prstGeom prst="line">
+              <a:avLst/>
+            </a:prstGeom>
+            <a:ln>
+              <a:solidFill>
+                <a:schemeClr val="tx1"/>
+              </a:solidFill>
+            </a:ln>
+          </p:spPr>
+          <p:style>
+            <a:lnRef idx="1">
+              <a:schemeClr val="accent1"/>
+            </a:lnRef>
+            <a:fillRef idx="0">
+              <a:schemeClr val="accent1"/>
+            </a:fillRef>
+            <a:effectRef idx="0">
+              <a:schemeClr val="accent1"/>
+            </a:effectRef>
+            <a:fontRef idx="minor">
+              <a:schemeClr val="tx1"/>
+            </a:fontRef>
+          </p:style>
+        </p:cxnSp>
+      </p:grpSp>
+      <p:grpSp>
+        <p:nvGrpSpPr>
+          <p:cNvPr id="12" name="Group 11"/>
+          <p:cNvGrpSpPr/>
+          <p:nvPr/>
+        </p:nvGrpSpPr>
+        <p:grpSpPr>
+          <a:xfrm>
+            <a:off x="6920141" y="1059948"/>
+            <a:ext cx="1846633" cy="3970318"/>
+            <a:chOff x="4294901" y="798286"/>
+            <a:chExt cx="1173721" cy="3970318"/>
+          </a:xfrm>
+        </p:grpSpPr>
+        <p:sp>
+          <p:nvSpPr>
+            <p:cNvPr id="13" name="TextBox 12"/>
+            <p:cNvSpPr txBox="1"/>
+            <p:nvPr/>
+          </p:nvSpPr>
+          <p:spPr>
+            <a:xfrm>
+              <a:off x="4296229" y="798286"/>
+              <a:ext cx="1172393" cy="3970318"/>
+            </a:xfrm>
+            <a:prstGeom prst="rect">
+              <a:avLst/>
+            </a:prstGeom>
+            <a:noFill/>
+            <a:ln w="6350">
+              <a:solidFill>
+                <a:schemeClr val="tx1"/>
+              </a:solidFill>
+            </a:ln>
+          </p:spPr>
+          <p:txBody>
+            <a:bodyPr wrap="none" rtlCol="0">
+              <a:spAutoFit/>
+            </a:bodyPr>
+            <a:lstStyle/>
+            <a:p>
+              <a:r>
+                <a:rPr lang="en-SG" sz="1200" dirty="0"/>
+                <a:t>Weather</a:t>
+              </a:r>
+            </a:p>
+            <a:p>
+              <a:endParaRPr lang="en-SG" sz="1200" dirty="0"/>
+            </a:p>
+            <a:p>
+              <a:r>
+                <a:rPr lang="en-SG" sz="1200" dirty="0"/>
+                <a:t>ID (PK)</a:t>
+              </a:r>
+            </a:p>
+            <a:p>
+              <a:r>
+                <a:rPr lang="en-SG" sz="1200" dirty="0"/>
+                <a:t>Date</a:t>
+              </a:r>
+            </a:p>
+            <a:p>
+              <a:r>
+                <a:rPr lang="en-SG" sz="1200" dirty="0" err="1"/>
+                <a:t>DailyRainfallTotalmm</a:t>
+              </a:r>
+              <a:endParaRPr lang="en-SG" sz="1200" dirty="0"/>
+            </a:p>
+            <a:p>
+              <a:r>
+                <a:rPr lang="en-SG" sz="1200" dirty="0"/>
+                <a:t>Highest30MinRainfallmm</a:t>
+              </a:r>
+            </a:p>
+            <a:p>
+              <a:r>
+                <a:rPr lang="en-SG" sz="1200" dirty="0"/>
+                <a:t>Highest60MinRainfallmm</a:t>
+              </a:r>
+            </a:p>
+            <a:p>
+              <a:r>
+                <a:rPr lang="en-SG" sz="1200" dirty="0"/>
+                <a:t>Highest120MinRainfallmm</a:t>
+              </a:r>
+            </a:p>
+            <a:p>
+              <a:r>
+                <a:rPr lang="en-SG" sz="1200" dirty="0" err="1"/>
+                <a:t>MeanTemperature</a:t>
+              </a:r>
+              <a:endParaRPr lang="en-SG" sz="1200" dirty="0"/>
+            </a:p>
+            <a:p>
+              <a:r>
+                <a:rPr lang="en-SG" sz="1200" dirty="0" err="1"/>
+                <a:t>MaxTemperature</a:t>
+              </a:r>
+              <a:endParaRPr lang="en-SG" sz="1200" dirty="0"/>
+            </a:p>
+            <a:p>
+              <a:r>
+                <a:rPr lang="en-SG" sz="1200" dirty="0" err="1"/>
+                <a:t>MinTemperature</a:t>
+              </a:r>
+              <a:endParaRPr lang="en-SG" sz="1200" dirty="0"/>
+            </a:p>
+            <a:p>
+              <a:r>
+                <a:rPr lang="en-SG" sz="1200" dirty="0" err="1"/>
+                <a:t>MeanWindSpeedkmh</a:t>
+              </a:r>
+              <a:endParaRPr lang="en-SG" sz="1200" dirty="0"/>
+            </a:p>
+            <a:p>
+              <a:r>
+                <a:rPr lang="en-SG" sz="1200" dirty="0" err="1"/>
+                <a:t>MaxWindSpeedkmh</a:t>
+              </a:r>
+              <a:endParaRPr lang="en-SG" sz="1200" dirty="0"/>
+            </a:p>
+            <a:p>
+              <a:r>
+                <a:rPr lang="en-SG" sz="1200" dirty="0" err="1"/>
+                <a:t>MeanHumidity</a:t>
+              </a:r>
+              <a:endParaRPr lang="en-SG" sz="1200" dirty="0"/>
+            </a:p>
+            <a:p>
+              <a:r>
+                <a:rPr lang="en-SG" sz="1200" dirty="0" err="1"/>
+                <a:t>MaxHumidity</a:t>
+              </a:r>
+              <a:endParaRPr lang="en-SG" sz="1200" dirty="0"/>
+            </a:p>
+            <a:p>
+              <a:r>
+                <a:rPr lang="en-SG" sz="1200" dirty="0" err="1"/>
+                <a:t>MinHumidity</a:t>
+              </a:r>
+              <a:endParaRPr lang="en-SG" sz="1200" dirty="0"/>
+            </a:p>
+            <a:p>
+              <a:r>
+                <a:rPr lang="en-SG" sz="1200" dirty="0" err="1"/>
+                <a:t>WeatherStationLocationId</a:t>
+              </a:r>
+              <a:endParaRPr lang="en-SG" sz="1200" dirty="0"/>
+            </a:p>
+            <a:p>
+              <a:r>
+                <a:rPr lang="en-SG" sz="1200" dirty="0" err="1"/>
+                <a:t>WeatherStationAddress</a:t>
+              </a:r>
+              <a:endParaRPr lang="en-SG" sz="1200" dirty="0"/>
+            </a:p>
+            <a:p>
+              <a:r>
+                <a:rPr lang="en-SG" sz="1200" dirty="0" err="1"/>
+                <a:t>WeatherStationLatitude</a:t>
+              </a:r>
+              <a:endParaRPr lang="en-SG" sz="1200" dirty="0"/>
+            </a:p>
+            <a:p>
+              <a:r>
+                <a:rPr lang="en-SG" sz="1200" dirty="0" err="1"/>
+                <a:t>WeatherStationLongitude</a:t>
+              </a:r>
+              <a:endParaRPr lang="en-SG" sz="1200" dirty="0"/>
+            </a:p>
+            <a:p>
+              <a:r>
+                <a:rPr lang="en-SG" sz="1200" dirty="0" err="1"/>
+                <a:t>RegionId</a:t>
+              </a:r>
+              <a:r>
+                <a:rPr lang="en-SG" sz="1200" dirty="0"/>
+                <a:t> (FK)</a:t>
+              </a:r>
+            </a:p>
+          </p:txBody>
+        </p:sp>
+        <p:cxnSp>
+          <p:nvCxnSpPr>
+            <p:cNvPr id="14" name="Straight Connector 13"/>
+            <p:cNvCxnSpPr/>
+            <p:nvPr/>
+          </p:nvCxnSpPr>
+          <p:spPr>
+            <a:xfrm flipH="1" flipV="1">
+              <a:off x="4294901" y="1127340"/>
+              <a:ext cx="1172392" cy="6343"/>
+            </a:xfrm>
+            <a:prstGeom prst="line">
+              <a:avLst/>
+            </a:prstGeom>
+            <a:ln>
+              <a:solidFill>
+                <a:schemeClr val="tx1"/>
+              </a:solidFill>
+            </a:ln>
+          </p:spPr>
+          <p:style>
+            <a:lnRef idx="1">
+              <a:schemeClr val="accent1"/>
+            </a:lnRef>
+            <a:fillRef idx="0">
+              <a:schemeClr val="accent1"/>
+            </a:fillRef>
+            <a:effectRef idx="0">
+              <a:schemeClr val="accent1"/>
+            </a:effectRef>
+            <a:fontRef idx="minor">
+              <a:schemeClr val="tx1"/>
+            </a:fontRef>
+          </p:style>
+        </p:cxnSp>
+      </p:grpSp>
+      <p:grpSp>
+        <p:nvGrpSpPr>
+          <p:cNvPr id="17" name="Group 16"/>
+          <p:cNvGrpSpPr/>
+          <p:nvPr/>
+        </p:nvGrpSpPr>
+        <p:grpSpPr>
+          <a:xfrm>
+            <a:off x="4505975" y="4406477"/>
+            <a:ext cx="1195292" cy="1015663"/>
+            <a:chOff x="4346799" y="4077063"/>
+            <a:chExt cx="1514132" cy="1015663"/>
+          </a:xfrm>
+        </p:grpSpPr>
+        <p:sp>
+          <p:nvSpPr>
+            <p:cNvPr id="18" name="TextBox 17"/>
+            <p:cNvSpPr txBox="1"/>
+            <p:nvPr/>
+          </p:nvSpPr>
+          <p:spPr>
+            <a:xfrm>
+              <a:off x="4346799" y="4077063"/>
+              <a:ext cx="1514132" cy="1015663"/>
+            </a:xfrm>
+            <a:prstGeom prst="rect">
+              <a:avLst/>
+            </a:prstGeom>
+            <a:noFill/>
+            <a:ln w="6350">
+              <a:solidFill>
+                <a:schemeClr val="tx1"/>
+              </a:solidFill>
+            </a:ln>
+          </p:spPr>
+          <p:txBody>
+            <a:bodyPr wrap="square" rtlCol="0">
+              <a:spAutoFit/>
+            </a:bodyPr>
+            <a:lstStyle/>
+            <a:p>
+              <a:r>
+                <a:rPr lang="en-SG" sz="1200" dirty="0"/>
+                <a:t>Region</a:t>
+              </a:r>
+            </a:p>
+            <a:p>
+              <a:endParaRPr lang="en-SG" sz="1200" dirty="0"/>
+            </a:p>
+            <a:p>
+              <a:r>
+                <a:rPr lang="en-SG" sz="1200" dirty="0" err="1"/>
+                <a:t>RegionId</a:t>
+              </a:r>
+              <a:r>
+                <a:rPr lang="en-SG" sz="1200" dirty="0"/>
+                <a:t> (PK)</a:t>
+              </a:r>
+            </a:p>
+            <a:p>
+              <a:r>
+                <a:rPr lang="en-SG" sz="1200" dirty="0" err="1"/>
+                <a:t>RegionName</a:t>
+              </a:r>
+              <a:endParaRPr lang="en-SG" sz="1200" dirty="0"/>
+            </a:p>
+            <a:p>
+              <a:r>
+                <a:rPr lang="en-SG" sz="1200" dirty="0"/>
+                <a:t>Description</a:t>
+              </a:r>
+            </a:p>
+          </p:txBody>
+        </p:sp>
+        <p:cxnSp>
+          <p:nvCxnSpPr>
+            <p:cNvPr id="19" name="Straight Connector 18"/>
+            <p:cNvCxnSpPr/>
+            <p:nvPr/>
+          </p:nvCxnSpPr>
+          <p:spPr>
+            <a:xfrm flipH="1" flipV="1">
+              <a:off x="4346799" y="4376057"/>
+              <a:ext cx="1514132" cy="3629"/>
+            </a:xfrm>
+            <a:prstGeom prst="line">
+              <a:avLst/>
+            </a:prstGeom>
+            <a:ln>
+              <a:solidFill>
+                <a:schemeClr val="tx1"/>
+              </a:solidFill>
+            </a:ln>
+          </p:spPr>
+          <p:style>
+            <a:lnRef idx="1">
+              <a:schemeClr val="accent1"/>
+            </a:lnRef>
+            <a:fillRef idx="0">
+              <a:schemeClr val="accent1"/>
+            </a:fillRef>
+            <a:effectRef idx="0">
+              <a:schemeClr val="accent1"/>
+            </a:effectRef>
+            <a:fontRef idx="minor">
+              <a:schemeClr val="tx1"/>
+            </a:fontRef>
+          </p:style>
+        </p:cxnSp>
+      </p:grpSp>
+      <p:cxnSp>
+        <p:nvCxnSpPr>
+          <p:cNvPr id="70" name="Elbow Connector 69"/>
+          <p:cNvCxnSpPr>
+            <a:stCxn id="13" idx="1"/>
+            <a:endCxn id="18" idx="3"/>
+          </p:cNvCxnSpPr>
+          <p:nvPr/>
+        </p:nvCxnSpPr>
+        <p:spPr>
+          <a:xfrm rot="10800000" flipV="1">
+            <a:off x="5701268" y="3045107"/>
+            <a:ext cx="1220963" cy="1869202"/>
+          </a:xfrm>
+          <a:prstGeom prst="bentConnector3">
+            <a:avLst>
+              <a:gd name="adj1" fmla="val 28157"/>
+            </a:avLst>
+          </a:prstGeom>
+          <a:ln>
+            <a:solidFill>
+              <a:schemeClr val="tx1"/>
+            </a:solidFill>
+          </a:ln>
+        </p:spPr>
+        <p:style>
+          <a:lnRef idx="1">
+            <a:schemeClr val="accent1"/>
+          </a:lnRef>
+          <a:fillRef idx="0">
+            <a:schemeClr val="accent1"/>
+          </a:fillRef>
+          <a:effectRef idx="0">
+            <a:schemeClr val="accent1"/>
+          </a:effectRef>
+          <a:fontRef idx="minor">
+            <a:schemeClr val="tx1"/>
+          </a:fontRef>
+        </p:style>
+      </p:cxnSp>
+      <p:grpSp>
+        <p:nvGrpSpPr>
+          <p:cNvPr id="51" name="Group 50"/>
+          <p:cNvGrpSpPr/>
+          <p:nvPr/>
+        </p:nvGrpSpPr>
+        <p:grpSpPr>
+          <a:xfrm>
+            <a:off x="4526970" y="1059948"/>
+            <a:ext cx="1200970" cy="1569660"/>
+            <a:chOff x="4296228" y="798286"/>
+            <a:chExt cx="1200970" cy="1569660"/>
+          </a:xfrm>
+        </p:grpSpPr>
+        <p:sp>
+          <p:nvSpPr>
+            <p:cNvPr id="53" name="TextBox 52"/>
+            <p:cNvSpPr txBox="1"/>
+            <p:nvPr/>
+          </p:nvSpPr>
+          <p:spPr>
+            <a:xfrm>
+              <a:off x="4296229" y="798286"/>
+              <a:ext cx="1200968" cy="1569660"/>
+            </a:xfrm>
+            <a:prstGeom prst="rect">
+              <a:avLst/>
+            </a:prstGeom>
+            <a:noFill/>
+            <a:ln w="6350">
+              <a:solidFill>
+                <a:schemeClr val="tx1"/>
+              </a:solidFill>
+            </a:ln>
+          </p:spPr>
+          <p:txBody>
+            <a:bodyPr wrap="square" rtlCol="0">
+              <a:spAutoFit/>
+            </a:bodyPr>
+            <a:lstStyle/>
+            <a:p>
+              <a:r>
+                <a:rPr lang="en-SG" sz="1200" dirty="0" err="1"/>
+                <a:t>UVIndex</a:t>
+              </a:r>
+              <a:endParaRPr lang="en-SG" sz="1200" dirty="0"/>
+            </a:p>
+            <a:p>
+              <a:endParaRPr lang="en-SG" sz="1200" dirty="0"/>
+            </a:p>
+            <a:p>
+              <a:r>
+                <a:rPr lang="en-SG" sz="1200" dirty="0"/>
+                <a:t>ID (PK)</a:t>
+              </a:r>
+            </a:p>
+            <a:p>
+              <a:r>
+                <a:rPr lang="en-SG" sz="1200" dirty="0"/>
+                <a:t>Date</a:t>
+              </a:r>
+            </a:p>
+            <a:p>
+              <a:r>
+                <a:rPr lang="en-SG" sz="1200" dirty="0"/>
+                <a:t>MeanUVIndex</a:t>
+              </a:r>
+            </a:p>
+            <a:p>
+              <a:r>
+                <a:rPr lang="en-SG" sz="1200" dirty="0" err="1"/>
+                <a:t>MaxUVIndex</a:t>
+              </a:r>
+              <a:endParaRPr lang="en-SG" sz="1200" dirty="0"/>
+            </a:p>
+            <a:p>
+              <a:r>
+                <a:rPr lang="en-SG" sz="1200" dirty="0" err="1"/>
+                <a:t>MinUVIndex</a:t>
+              </a:r>
+              <a:endParaRPr lang="en-SG" sz="1200" dirty="0"/>
+            </a:p>
+            <a:p>
+              <a:r>
+                <a:rPr lang="en-SG" sz="1200" dirty="0" err="1"/>
+                <a:t>RegionId</a:t>
+              </a:r>
+              <a:r>
+                <a:rPr lang="en-SG" sz="1200" dirty="0"/>
+                <a:t> (FK)</a:t>
+              </a:r>
+            </a:p>
+          </p:txBody>
+        </p:sp>
+        <p:cxnSp>
+          <p:nvCxnSpPr>
+            <p:cNvPr id="59" name="Straight Connector 58"/>
+            <p:cNvCxnSpPr/>
+            <p:nvPr/>
+          </p:nvCxnSpPr>
+          <p:spPr>
+            <a:xfrm flipH="1">
+              <a:off x="4296228" y="1129034"/>
+              <a:ext cx="1200970" cy="1"/>
+            </a:xfrm>
+            <a:prstGeom prst="line">
+              <a:avLst/>
+            </a:prstGeom>
+            <a:ln>
+              <a:solidFill>
+                <a:schemeClr val="tx1"/>
+              </a:solidFill>
+            </a:ln>
+          </p:spPr>
+          <p:style>
+            <a:lnRef idx="1">
+              <a:schemeClr val="accent1"/>
+            </a:lnRef>
+            <a:fillRef idx="0">
+              <a:schemeClr val="accent1"/>
+            </a:fillRef>
+            <a:effectRef idx="0">
+              <a:schemeClr val="accent1"/>
+            </a:effectRef>
+            <a:fontRef idx="minor">
+              <a:schemeClr val="tx1"/>
+            </a:fontRef>
+          </p:style>
+        </p:cxnSp>
+      </p:grpSp>
+      <p:grpSp>
+        <p:nvGrpSpPr>
+          <p:cNvPr id="66" name="Group 65"/>
+          <p:cNvGrpSpPr/>
+          <p:nvPr/>
+        </p:nvGrpSpPr>
+        <p:grpSpPr>
+          <a:xfrm>
+            <a:off x="4513708" y="2841808"/>
+            <a:ext cx="1200970" cy="1200329"/>
+            <a:chOff x="4296229" y="798286"/>
+            <a:chExt cx="1200970" cy="1200329"/>
+          </a:xfrm>
+        </p:grpSpPr>
+        <p:sp>
+          <p:nvSpPr>
+            <p:cNvPr id="67" name="TextBox 66"/>
+            <p:cNvSpPr txBox="1"/>
+            <p:nvPr/>
+          </p:nvSpPr>
+          <p:spPr>
+            <a:xfrm>
+              <a:off x="4296229" y="798286"/>
+              <a:ext cx="1200968" cy="1200329"/>
+            </a:xfrm>
+            <a:prstGeom prst="rect">
+              <a:avLst/>
+            </a:prstGeom>
+            <a:noFill/>
+            <a:ln w="6350">
+              <a:solidFill>
+                <a:schemeClr val="tx1"/>
+              </a:solidFill>
+            </a:ln>
+          </p:spPr>
+          <p:txBody>
+            <a:bodyPr wrap="square" rtlCol="0">
+              <a:spAutoFit/>
+            </a:bodyPr>
+            <a:lstStyle/>
+            <a:p>
+              <a:r>
+                <a:rPr lang="en-SG" sz="1200" dirty="0"/>
+                <a:t>PSI</a:t>
+              </a:r>
+            </a:p>
+            <a:p>
+              <a:endParaRPr lang="en-SG" sz="1200" dirty="0"/>
+            </a:p>
+            <a:p>
+              <a:r>
+                <a:rPr lang="en-SG" sz="1200" dirty="0"/>
+                <a:t>ID (PK)</a:t>
+              </a:r>
+            </a:p>
+            <a:p>
+              <a:r>
+                <a:rPr lang="en-SG" sz="1200" dirty="0"/>
+                <a:t>Date</a:t>
+              </a:r>
+            </a:p>
+            <a:p>
+              <a:r>
+                <a:rPr lang="en-SG" sz="1200" dirty="0" err="1"/>
+                <a:t>MeanPSI</a:t>
+              </a:r>
+              <a:endParaRPr lang="en-SG" sz="1200" dirty="0"/>
+            </a:p>
+            <a:p>
+              <a:r>
+                <a:rPr lang="en-SG" sz="1200" dirty="0" err="1"/>
+                <a:t>RegionId</a:t>
+              </a:r>
+              <a:r>
+                <a:rPr lang="en-SG" sz="1200" dirty="0"/>
+                <a:t> (FK)</a:t>
+              </a:r>
+            </a:p>
+          </p:txBody>
+        </p:sp>
+        <p:cxnSp>
+          <p:nvCxnSpPr>
+            <p:cNvPr id="68" name="Straight Connector 67"/>
+            <p:cNvCxnSpPr/>
+            <p:nvPr/>
+          </p:nvCxnSpPr>
+          <p:spPr>
+            <a:xfrm flipH="1">
+              <a:off x="4296229" y="1126467"/>
+              <a:ext cx="1200970" cy="1"/>
+            </a:xfrm>
+            <a:prstGeom prst="line">
+              <a:avLst/>
+            </a:prstGeom>
+            <a:ln>
+              <a:solidFill>
+                <a:schemeClr val="tx1"/>
+              </a:solidFill>
+            </a:ln>
+          </p:spPr>
+          <p:style>
+            <a:lnRef idx="1">
+              <a:schemeClr val="accent1"/>
+            </a:lnRef>
+            <a:fillRef idx="0">
+              <a:schemeClr val="accent1"/>
+            </a:fillRef>
+            <a:effectRef idx="0">
+              <a:schemeClr val="accent1"/>
+            </a:effectRef>
+            <a:fontRef idx="minor">
+              <a:schemeClr val="tx1"/>
+            </a:fontRef>
+          </p:style>
+        </p:cxnSp>
+      </p:grpSp>
+      <p:cxnSp>
+        <p:nvCxnSpPr>
+          <p:cNvPr id="107" name="Elbow Connector 106"/>
+          <p:cNvCxnSpPr>
+            <a:stCxn id="53" idx="3"/>
+          </p:cNvCxnSpPr>
+          <p:nvPr/>
+        </p:nvCxnSpPr>
+        <p:spPr>
+          <a:xfrm flipH="1">
+            <a:off x="5698177" y="1844778"/>
+            <a:ext cx="29762" cy="2860693"/>
+          </a:xfrm>
+          <a:prstGeom prst="bentConnector4">
+            <a:avLst>
+              <a:gd name="adj1" fmla="val -1892621"/>
+              <a:gd name="adj2" fmla="val 100904"/>
+            </a:avLst>
+          </a:prstGeom>
+          <a:ln>
+            <a:solidFill>
+              <a:schemeClr val="tx1"/>
+            </a:solidFill>
+          </a:ln>
+        </p:spPr>
+        <p:style>
+          <a:lnRef idx="1">
+            <a:schemeClr val="accent1"/>
+          </a:lnRef>
+          <a:fillRef idx="0">
+            <a:schemeClr val="accent1"/>
+          </a:fillRef>
+          <a:effectRef idx="0">
+            <a:schemeClr val="accent1"/>
+          </a:effectRef>
+          <a:fontRef idx="minor">
+            <a:schemeClr val="tx1"/>
+          </a:fontRef>
+        </p:style>
+      </p:cxnSp>
+      <p:cxnSp>
+        <p:nvCxnSpPr>
+          <p:cNvPr id="96" name="Elbow Connector 95"/>
+          <p:cNvCxnSpPr>
+            <a:stCxn id="67" idx="3"/>
+          </p:cNvCxnSpPr>
+          <p:nvPr/>
+        </p:nvCxnSpPr>
+        <p:spPr>
+          <a:xfrm flipH="1">
+            <a:off x="5712568" y="3441973"/>
+            <a:ext cx="2108" cy="1096421"/>
+          </a:xfrm>
+          <a:prstGeom prst="bentConnector4">
+            <a:avLst>
+              <a:gd name="adj1" fmla="val -10844402"/>
+              <a:gd name="adj2" fmla="val 99609"/>
+            </a:avLst>
+          </a:prstGeom>
+          <a:ln>
+            <a:solidFill>
+              <a:schemeClr val="tx1"/>
+            </a:solidFill>
+          </a:ln>
+        </p:spPr>
+        <p:style>
+          <a:lnRef idx="1">
+            <a:schemeClr val="accent1"/>
+          </a:lnRef>
+          <a:fillRef idx="0">
+            <a:schemeClr val="accent1"/>
+          </a:fillRef>
+          <a:effectRef idx="0">
+            <a:schemeClr val="accent1"/>
+          </a:effectRef>
+          <a:fontRef idx="minor">
+            <a:schemeClr val="tx1"/>
+          </a:fontRef>
+        </p:style>
+      </p:cxnSp>
+      <p:grpSp>
+        <p:nvGrpSpPr>
+          <p:cNvPr id="82" name="Group 81"/>
+          <p:cNvGrpSpPr/>
+          <p:nvPr/>
+        </p:nvGrpSpPr>
+        <p:grpSpPr>
+          <a:xfrm>
+            <a:off x="2418616" y="4045674"/>
+            <a:ext cx="1317655" cy="1384995"/>
+            <a:chOff x="4296229" y="798286"/>
+            <a:chExt cx="1200970" cy="1384995"/>
+          </a:xfrm>
+        </p:grpSpPr>
+        <p:sp>
+          <p:nvSpPr>
+            <p:cNvPr id="83" name="TextBox 82"/>
+            <p:cNvSpPr txBox="1"/>
+            <p:nvPr/>
+          </p:nvSpPr>
+          <p:spPr>
+            <a:xfrm>
+              <a:off x="4296229" y="798286"/>
+              <a:ext cx="1200968" cy="1384995"/>
+            </a:xfrm>
+            <a:prstGeom prst="rect">
+              <a:avLst/>
+            </a:prstGeom>
+            <a:noFill/>
+            <a:ln w="6350">
+              <a:solidFill>
+                <a:schemeClr val="tx1"/>
+              </a:solidFill>
+            </a:ln>
+          </p:spPr>
+          <p:txBody>
+            <a:bodyPr wrap="square" rtlCol="0">
+              <a:spAutoFit/>
+            </a:bodyPr>
+            <a:lstStyle/>
+            <a:p>
+              <a:r>
+                <a:rPr lang="en-SG" sz="1200" dirty="0" err="1"/>
+                <a:t>HDBLocation</a:t>
+              </a:r>
+              <a:endParaRPr lang="en-SG" sz="1200" dirty="0"/>
+            </a:p>
+            <a:p>
+              <a:endParaRPr lang="en-SG" sz="1200" dirty="0"/>
+            </a:p>
+            <a:p>
+              <a:r>
+                <a:rPr lang="en-SG" sz="1200" dirty="0"/>
+                <a:t>ID (PK)</a:t>
+              </a:r>
+            </a:p>
+            <a:p>
+              <a:r>
+                <a:rPr lang="en-SG" sz="1200" dirty="0"/>
+                <a:t>Address</a:t>
+              </a:r>
+            </a:p>
+            <a:p>
+              <a:r>
+                <a:rPr lang="en-SG" sz="1200" dirty="0"/>
+                <a:t>Latitude</a:t>
+              </a:r>
+            </a:p>
+            <a:p>
+              <a:r>
+                <a:rPr lang="en-SG" sz="1200" dirty="0"/>
+                <a:t>Longitude</a:t>
+              </a:r>
+            </a:p>
+            <a:p>
+              <a:r>
+                <a:rPr lang="en-SG" sz="1200" dirty="0" err="1"/>
+                <a:t>RegionId</a:t>
+              </a:r>
+              <a:r>
+                <a:rPr lang="en-SG" sz="1200" dirty="0"/>
+                <a:t> (FK)</a:t>
+              </a:r>
+            </a:p>
+          </p:txBody>
+        </p:sp>
+        <p:cxnSp>
+          <p:nvCxnSpPr>
+            <p:cNvPr id="84" name="Straight Connector 83"/>
+            <p:cNvCxnSpPr/>
+            <p:nvPr/>
+          </p:nvCxnSpPr>
+          <p:spPr>
+            <a:xfrm flipH="1">
+              <a:off x="4296229" y="1126467"/>
+              <a:ext cx="1200970" cy="1"/>
+            </a:xfrm>
+            <a:prstGeom prst="line">
+              <a:avLst/>
+            </a:prstGeom>
+            <a:ln>
+              <a:solidFill>
+                <a:schemeClr val="tx1"/>
+              </a:solidFill>
+            </a:ln>
+          </p:spPr>
+          <p:style>
+            <a:lnRef idx="1">
+              <a:schemeClr val="accent1"/>
+            </a:lnRef>
+            <a:fillRef idx="0">
+              <a:schemeClr val="accent1"/>
+            </a:fillRef>
+            <a:effectRef idx="0">
+              <a:schemeClr val="accent1"/>
+            </a:effectRef>
+            <a:fontRef idx="minor">
+              <a:schemeClr val="tx1"/>
+            </a:fontRef>
+          </p:style>
+        </p:cxnSp>
+      </p:grpSp>
+      <p:cxnSp>
+        <p:nvCxnSpPr>
+          <p:cNvPr id="106" name="Elbow Connector 105"/>
+          <p:cNvCxnSpPr>
+            <a:stCxn id="4" idx="3"/>
+            <a:endCxn id="18" idx="1"/>
+          </p:cNvCxnSpPr>
+          <p:nvPr/>
+        </p:nvCxnSpPr>
+        <p:spPr>
+          <a:xfrm>
+            <a:off x="3587862" y="1945994"/>
+            <a:ext cx="918113" cy="2968315"/>
+          </a:xfrm>
+          <a:prstGeom prst="bentConnector3">
+            <a:avLst>
+              <a:gd name="adj1" fmla="val 50000"/>
+            </a:avLst>
+          </a:prstGeom>
+          <a:ln>
+            <a:solidFill>
+              <a:schemeClr val="tx1"/>
+            </a:solidFill>
+          </a:ln>
+        </p:spPr>
+        <p:style>
+          <a:lnRef idx="1">
+            <a:schemeClr val="accent1"/>
+          </a:lnRef>
+          <a:fillRef idx="0">
+            <a:schemeClr val="accent1"/>
+          </a:fillRef>
+          <a:effectRef idx="0">
+            <a:schemeClr val="accent1"/>
+          </a:effectRef>
+          <a:fontRef idx="minor">
+            <a:schemeClr val="tx1"/>
+          </a:fontRef>
+        </p:style>
+      </p:cxnSp>
+      <p:cxnSp>
+        <p:nvCxnSpPr>
+          <p:cNvPr id="55" name="Straight Connector 54"/>
+          <p:cNvCxnSpPr/>
+          <p:nvPr/>
+        </p:nvCxnSpPr>
+        <p:spPr>
+          <a:xfrm flipV="1">
+            <a:off x="3736269" y="5155568"/>
+            <a:ext cx="769706" cy="5028"/>
+          </a:xfrm>
+          <a:prstGeom prst="line">
+            <a:avLst/>
+          </a:prstGeom>
+          <a:ln>
+            <a:solidFill>
+              <a:schemeClr val="tx1"/>
+            </a:solidFill>
+          </a:ln>
+        </p:spPr>
+        <p:style>
+          <a:lnRef idx="1">
+            <a:schemeClr val="accent1"/>
+          </a:lnRef>
+          <a:fillRef idx="0">
+            <a:schemeClr val="accent1"/>
+          </a:fillRef>
+          <a:effectRef idx="0">
+            <a:schemeClr val="accent1"/>
+          </a:effectRef>
+          <a:fontRef idx="minor">
+            <a:schemeClr val="tx1"/>
+          </a:fontRef>
+        </p:style>
+      </p:cxnSp>
+      <p:grpSp>
+        <p:nvGrpSpPr>
+          <p:cNvPr id="72" name="Group 71"/>
+          <p:cNvGrpSpPr/>
+          <p:nvPr/>
+        </p:nvGrpSpPr>
+        <p:grpSpPr>
+          <a:xfrm>
+            <a:off x="4390173" y="5064089"/>
+            <a:ext cx="49696" cy="182957"/>
+            <a:chOff x="4130266" y="2568259"/>
+            <a:chExt cx="49696" cy="182957"/>
+          </a:xfrm>
+        </p:grpSpPr>
+        <p:cxnSp>
+          <p:nvCxnSpPr>
+            <p:cNvPr id="77" name="Straight Connector 76"/>
+            <p:cNvCxnSpPr/>
+            <p:nvPr/>
+          </p:nvCxnSpPr>
+          <p:spPr>
+            <a:xfrm>
+              <a:off x="4130266" y="2568259"/>
+              <a:ext cx="0" cy="182957"/>
+            </a:xfrm>
+            <a:prstGeom prst="line">
+              <a:avLst/>
+            </a:prstGeom>
+            <a:ln>
+              <a:solidFill>
+                <a:schemeClr val="tx1"/>
+              </a:solidFill>
+            </a:ln>
+          </p:spPr>
+          <p:style>
+            <a:lnRef idx="1">
+              <a:schemeClr val="accent1"/>
+            </a:lnRef>
+            <a:fillRef idx="0">
+              <a:schemeClr val="accent1"/>
+            </a:fillRef>
+            <a:effectRef idx="0">
+              <a:schemeClr val="accent1"/>
+            </a:effectRef>
+            <a:fontRef idx="minor">
+              <a:schemeClr val="tx1"/>
+            </a:fontRef>
+          </p:style>
+        </p:cxnSp>
+        <p:cxnSp>
+          <p:nvCxnSpPr>
+            <p:cNvPr id="81" name="Straight Connector 80"/>
+            <p:cNvCxnSpPr/>
+            <p:nvPr/>
+          </p:nvCxnSpPr>
+          <p:spPr>
+            <a:xfrm>
+              <a:off x="4179962" y="2568259"/>
+              <a:ext cx="0" cy="182957"/>
+            </a:xfrm>
+            <a:prstGeom prst="line">
+              <a:avLst/>
+            </a:prstGeom>
+            <a:ln>
+              <a:solidFill>
+                <a:schemeClr val="tx1"/>
+              </a:solidFill>
+            </a:ln>
+          </p:spPr>
+          <p:style>
+            <a:lnRef idx="1">
+              <a:schemeClr val="accent1"/>
+            </a:lnRef>
+            <a:fillRef idx="0">
+              <a:schemeClr val="accent1"/>
+            </a:fillRef>
+            <a:effectRef idx="0">
+              <a:schemeClr val="accent1"/>
+            </a:effectRef>
+            <a:fontRef idx="minor">
+              <a:schemeClr val="tx1"/>
+            </a:fontRef>
+          </p:style>
+        </p:cxnSp>
+      </p:grpSp>
+      <p:grpSp>
+        <p:nvGrpSpPr>
+          <p:cNvPr id="87" name="Group 86"/>
+          <p:cNvGrpSpPr/>
+          <p:nvPr/>
+        </p:nvGrpSpPr>
+        <p:grpSpPr>
+          <a:xfrm>
+            <a:off x="4362842" y="4810131"/>
+            <a:ext cx="49696" cy="182957"/>
+            <a:chOff x="4130266" y="2568259"/>
+            <a:chExt cx="49696" cy="182957"/>
+          </a:xfrm>
+        </p:grpSpPr>
+        <p:cxnSp>
+          <p:nvCxnSpPr>
+            <p:cNvPr id="88" name="Straight Connector 87"/>
+            <p:cNvCxnSpPr/>
+            <p:nvPr/>
+          </p:nvCxnSpPr>
+          <p:spPr>
+            <a:xfrm>
+              <a:off x="4130266" y="2568259"/>
+              <a:ext cx="0" cy="182957"/>
+            </a:xfrm>
+            <a:prstGeom prst="line">
+              <a:avLst/>
+            </a:prstGeom>
+            <a:ln>
+              <a:solidFill>
+                <a:schemeClr val="tx1"/>
+              </a:solidFill>
+            </a:ln>
+          </p:spPr>
+          <p:style>
+            <a:lnRef idx="1">
+              <a:schemeClr val="accent1"/>
+            </a:lnRef>
+            <a:fillRef idx="0">
+              <a:schemeClr val="accent1"/>
+            </a:fillRef>
+            <a:effectRef idx="0">
+              <a:schemeClr val="accent1"/>
+            </a:effectRef>
+            <a:fontRef idx="minor">
+              <a:schemeClr val="tx1"/>
+            </a:fontRef>
+          </p:style>
+        </p:cxnSp>
+        <p:cxnSp>
+          <p:nvCxnSpPr>
+            <p:cNvPr id="89" name="Straight Connector 88"/>
+            <p:cNvCxnSpPr/>
+            <p:nvPr/>
+          </p:nvCxnSpPr>
+          <p:spPr>
+            <a:xfrm>
+              <a:off x="4179962" y="2568259"/>
+              <a:ext cx="0" cy="182957"/>
+            </a:xfrm>
+            <a:prstGeom prst="line">
+              <a:avLst/>
+            </a:prstGeom>
+            <a:ln>
+              <a:solidFill>
+                <a:schemeClr val="tx1"/>
+              </a:solidFill>
+            </a:ln>
+          </p:spPr>
+          <p:style>
+            <a:lnRef idx="1">
+              <a:schemeClr val="accent1"/>
+            </a:lnRef>
+            <a:fillRef idx="0">
+              <a:schemeClr val="accent1"/>
+            </a:fillRef>
+            <a:effectRef idx="0">
+              <a:schemeClr val="accent1"/>
+            </a:effectRef>
+            <a:fontRef idx="minor">
+              <a:schemeClr val="tx1"/>
+            </a:fontRef>
+          </p:style>
+        </p:cxnSp>
+      </p:grpSp>
+      <p:grpSp>
+        <p:nvGrpSpPr>
+          <p:cNvPr id="91" name="Group 90"/>
+          <p:cNvGrpSpPr/>
+          <p:nvPr/>
+        </p:nvGrpSpPr>
+        <p:grpSpPr>
+          <a:xfrm>
+            <a:off x="5748948" y="4822829"/>
+            <a:ext cx="49696" cy="182957"/>
+            <a:chOff x="4130266" y="2568259"/>
+            <a:chExt cx="49696" cy="182957"/>
+          </a:xfrm>
+        </p:grpSpPr>
+        <p:cxnSp>
+          <p:nvCxnSpPr>
+            <p:cNvPr id="92" name="Straight Connector 91"/>
+            <p:cNvCxnSpPr/>
+            <p:nvPr/>
+          </p:nvCxnSpPr>
+          <p:spPr>
+            <a:xfrm>
+              <a:off x="4130266" y="2568259"/>
+              <a:ext cx="0" cy="182957"/>
+            </a:xfrm>
+            <a:prstGeom prst="line">
+              <a:avLst/>
+            </a:prstGeom>
+            <a:ln>
+              <a:solidFill>
+                <a:schemeClr val="tx1"/>
+              </a:solidFill>
+            </a:ln>
+          </p:spPr>
+          <p:style>
+            <a:lnRef idx="1">
+              <a:schemeClr val="accent1"/>
+            </a:lnRef>
+            <a:fillRef idx="0">
+              <a:schemeClr val="accent1"/>
+            </a:fillRef>
+            <a:effectRef idx="0">
+              <a:schemeClr val="accent1"/>
+            </a:effectRef>
+            <a:fontRef idx="minor">
+              <a:schemeClr val="tx1"/>
+            </a:fontRef>
+          </p:style>
+        </p:cxnSp>
+        <p:cxnSp>
+          <p:nvCxnSpPr>
+            <p:cNvPr id="93" name="Straight Connector 92"/>
+            <p:cNvCxnSpPr/>
+            <p:nvPr/>
+          </p:nvCxnSpPr>
+          <p:spPr>
+            <a:xfrm>
+              <a:off x="4179962" y="2568259"/>
+              <a:ext cx="0" cy="182957"/>
+            </a:xfrm>
+            <a:prstGeom prst="line">
+              <a:avLst/>
+            </a:prstGeom>
+            <a:ln>
+              <a:solidFill>
+                <a:schemeClr val="tx1"/>
+              </a:solidFill>
+            </a:ln>
+          </p:spPr>
+          <p:style>
+            <a:lnRef idx="1">
+              <a:schemeClr val="accent1"/>
+            </a:lnRef>
+            <a:fillRef idx="0">
+              <a:schemeClr val="accent1"/>
+            </a:fillRef>
+            <a:effectRef idx="0">
+              <a:schemeClr val="accent1"/>
+            </a:effectRef>
+            <a:fontRef idx="minor">
+              <a:schemeClr val="tx1"/>
+            </a:fontRef>
+          </p:style>
+        </p:cxnSp>
+      </p:grpSp>
+      <p:grpSp>
+        <p:nvGrpSpPr>
+          <p:cNvPr id="94" name="Group 93"/>
+          <p:cNvGrpSpPr/>
+          <p:nvPr/>
+        </p:nvGrpSpPr>
+        <p:grpSpPr>
+          <a:xfrm>
+            <a:off x="5782977" y="4636738"/>
+            <a:ext cx="49696" cy="182957"/>
+            <a:chOff x="4130266" y="2568259"/>
+            <a:chExt cx="49696" cy="182957"/>
+          </a:xfrm>
+        </p:grpSpPr>
+        <p:cxnSp>
+          <p:nvCxnSpPr>
+            <p:cNvPr id="95" name="Straight Connector 94"/>
+            <p:cNvCxnSpPr/>
+            <p:nvPr/>
+          </p:nvCxnSpPr>
+          <p:spPr>
+            <a:xfrm>
+              <a:off x="4130266" y="2568259"/>
+              <a:ext cx="0" cy="182957"/>
+            </a:xfrm>
+            <a:prstGeom prst="line">
+              <a:avLst/>
+            </a:prstGeom>
+            <a:ln>
+              <a:solidFill>
+                <a:schemeClr val="tx1"/>
+              </a:solidFill>
+            </a:ln>
+          </p:spPr>
+          <p:style>
+            <a:lnRef idx="1">
+              <a:schemeClr val="accent1"/>
+            </a:lnRef>
+            <a:fillRef idx="0">
+              <a:schemeClr val="accent1"/>
+            </a:fillRef>
+            <a:effectRef idx="0">
+              <a:schemeClr val="accent1"/>
+            </a:effectRef>
+            <a:fontRef idx="minor">
+              <a:schemeClr val="tx1"/>
+            </a:fontRef>
+          </p:style>
+        </p:cxnSp>
+        <p:cxnSp>
+          <p:nvCxnSpPr>
+            <p:cNvPr id="97" name="Straight Connector 96"/>
+            <p:cNvCxnSpPr/>
+            <p:nvPr/>
+          </p:nvCxnSpPr>
+          <p:spPr>
+            <a:xfrm>
+              <a:off x="4179962" y="2568259"/>
+              <a:ext cx="0" cy="182957"/>
+            </a:xfrm>
+            <a:prstGeom prst="line">
+              <a:avLst/>
+            </a:prstGeom>
+            <a:ln>
+              <a:solidFill>
+                <a:schemeClr val="tx1"/>
+              </a:solidFill>
+            </a:ln>
+          </p:spPr>
+          <p:style>
+            <a:lnRef idx="1">
+              <a:schemeClr val="accent1"/>
+            </a:lnRef>
+            <a:fillRef idx="0">
+              <a:schemeClr val="accent1"/>
+            </a:fillRef>
+            <a:effectRef idx="0">
+              <a:schemeClr val="accent1"/>
+            </a:effectRef>
+            <a:fontRef idx="minor">
+              <a:schemeClr val="tx1"/>
+            </a:fontRef>
+          </p:style>
+        </p:cxnSp>
+      </p:grpSp>
+      <p:grpSp>
+        <p:nvGrpSpPr>
+          <p:cNvPr id="98" name="Group 97"/>
+          <p:cNvGrpSpPr/>
+          <p:nvPr/>
+        </p:nvGrpSpPr>
+        <p:grpSpPr>
+          <a:xfrm>
+            <a:off x="5741572" y="4426844"/>
+            <a:ext cx="49696" cy="182957"/>
+            <a:chOff x="4130266" y="2568259"/>
+            <a:chExt cx="49696" cy="182957"/>
+          </a:xfrm>
+        </p:grpSpPr>
+        <p:cxnSp>
+          <p:nvCxnSpPr>
+            <p:cNvPr id="99" name="Straight Connector 98"/>
+            <p:cNvCxnSpPr/>
+            <p:nvPr/>
+          </p:nvCxnSpPr>
+          <p:spPr>
+            <a:xfrm>
+              <a:off x="4130266" y="2568259"/>
+              <a:ext cx="0" cy="182957"/>
+            </a:xfrm>
+            <a:prstGeom prst="line">
+              <a:avLst/>
+            </a:prstGeom>
+            <a:ln>
+              <a:solidFill>
+                <a:schemeClr val="tx1"/>
+              </a:solidFill>
+            </a:ln>
+          </p:spPr>
+          <p:style>
+            <a:lnRef idx="1">
+              <a:schemeClr val="accent1"/>
+            </a:lnRef>
+            <a:fillRef idx="0">
+              <a:schemeClr val="accent1"/>
+            </a:fillRef>
+            <a:effectRef idx="0">
+              <a:schemeClr val="accent1"/>
+            </a:effectRef>
+            <a:fontRef idx="minor">
+              <a:schemeClr val="tx1"/>
+            </a:fontRef>
+          </p:style>
+        </p:cxnSp>
+        <p:cxnSp>
+          <p:nvCxnSpPr>
+            <p:cNvPr id="100" name="Straight Connector 99"/>
+            <p:cNvCxnSpPr/>
+            <p:nvPr/>
+          </p:nvCxnSpPr>
+          <p:spPr>
+            <a:xfrm>
+              <a:off x="4179962" y="2568259"/>
+              <a:ext cx="0" cy="182957"/>
+            </a:xfrm>
+            <a:prstGeom prst="line">
+              <a:avLst/>
+            </a:prstGeom>
+            <a:ln>
+              <a:solidFill>
+                <a:schemeClr val="tx1"/>
+              </a:solidFill>
+            </a:ln>
+          </p:spPr>
+          <p:style>
+            <a:lnRef idx="1">
+              <a:schemeClr val="accent1"/>
+            </a:lnRef>
+            <a:fillRef idx="0">
+              <a:schemeClr val="accent1"/>
+            </a:fillRef>
+            <a:effectRef idx="0">
+              <a:schemeClr val="accent1"/>
+            </a:effectRef>
+            <a:fontRef idx="minor">
+              <a:schemeClr val="tx1"/>
+            </a:fontRef>
+          </p:style>
+        </p:cxnSp>
+      </p:grpSp>
+      <p:grpSp>
+        <p:nvGrpSpPr>
+          <p:cNvPr id="105" name="Group 104"/>
+          <p:cNvGrpSpPr/>
+          <p:nvPr/>
+        </p:nvGrpSpPr>
+        <p:grpSpPr>
+          <a:xfrm>
+            <a:off x="6794228" y="2941361"/>
+            <a:ext cx="126411" cy="229510"/>
+            <a:chOff x="5229260" y="1155741"/>
+            <a:chExt cx="126411" cy="229510"/>
+          </a:xfrm>
+        </p:grpSpPr>
+        <p:grpSp>
+          <p:nvGrpSpPr>
+            <p:cNvPr id="108" name="Group 107"/>
+            <p:cNvGrpSpPr/>
+            <p:nvPr/>
+          </p:nvGrpSpPr>
+          <p:grpSpPr>
+            <a:xfrm>
+              <a:off x="5229260" y="1155741"/>
+              <a:ext cx="126411" cy="229510"/>
+              <a:chOff x="3360772" y="2469497"/>
+              <a:chExt cx="126411" cy="229510"/>
+            </a:xfrm>
+          </p:grpSpPr>
+          <p:cxnSp>
+            <p:nvCxnSpPr>
+              <p:cNvPr id="110" name="Straight Connector 109"/>
+              <p:cNvCxnSpPr/>
+              <p:nvPr/>
+            </p:nvCxnSpPr>
+            <p:spPr>
+              <a:xfrm flipV="1">
+                <a:off x="3360772" y="2469497"/>
+                <a:ext cx="126411" cy="102677"/>
+              </a:xfrm>
+              <a:prstGeom prst="line">
+                <a:avLst/>
+              </a:prstGeom>
+              <a:ln>
+                <a:solidFill>
+                  <a:schemeClr val="tx1"/>
+                </a:solidFill>
+              </a:ln>
+            </p:spPr>
+            <p:style>
+              <a:lnRef idx="1">
+                <a:schemeClr val="accent1"/>
+              </a:lnRef>
+              <a:fillRef idx="0">
+                <a:schemeClr val="accent1"/>
+              </a:fillRef>
+              <a:effectRef idx="0">
+                <a:schemeClr val="accent1"/>
+              </a:effectRef>
+              <a:fontRef idx="minor">
+                <a:schemeClr val="tx1"/>
+              </a:fontRef>
+            </p:style>
+          </p:cxnSp>
+          <p:cxnSp>
+            <p:nvCxnSpPr>
+              <p:cNvPr id="111" name="Straight Connector 110"/>
+              <p:cNvCxnSpPr/>
+              <p:nvPr/>
+            </p:nvCxnSpPr>
+            <p:spPr>
+              <a:xfrm>
+                <a:off x="3360772" y="2572174"/>
+                <a:ext cx="126411" cy="126833"/>
+              </a:xfrm>
+              <a:prstGeom prst="line">
+                <a:avLst/>
+              </a:prstGeom>
+              <a:ln>
+                <a:solidFill>
+                  <a:schemeClr val="tx1"/>
+                </a:solidFill>
+              </a:ln>
+            </p:spPr>
+            <p:style>
+              <a:lnRef idx="1">
+                <a:schemeClr val="accent1"/>
+              </a:lnRef>
+              <a:fillRef idx="0">
+                <a:schemeClr val="accent1"/>
+              </a:fillRef>
+              <a:effectRef idx="0">
+                <a:schemeClr val="accent1"/>
+              </a:effectRef>
+              <a:fontRef idx="minor">
+                <a:schemeClr val="tx1"/>
+              </a:fontRef>
+            </p:style>
+          </p:cxnSp>
+        </p:grpSp>
+        <p:cxnSp>
+          <p:nvCxnSpPr>
+            <p:cNvPr id="109" name="Straight Connector 108"/>
+            <p:cNvCxnSpPr/>
+            <p:nvPr/>
+          </p:nvCxnSpPr>
+          <p:spPr>
+            <a:xfrm>
+              <a:off x="5229260" y="1175746"/>
+              <a:ext cx="0" cy="182957"/>
+            </a:xfrm>
+            <a:prstGeom prst="line">
+              <a:avLst/>
+            </a:prstGeom>
+            <a:ln>
+              <a:solidFill>
+                <a:schemeClr val="tx1"/>
+              </a:solidFill>
+            </a:ln>
+          </p:spPr>
+          <p:style>
+            <a:lnRef idx="1">
+              <a:schemeClr val="accent1"/>
+            </a:lnRef>
+            <a:fillRef idx="0">
+              <a:schemeClr val="accent1"/>
+            </a:fillRef>
+            <a:effectRef idx="0">
+              <a:schemeClr val="accent1"/>
+            </a:effectRef>
+            <a:fontRef idx="minor">
+              <a:schemeClr val="tx1"/>
+            </a:fontRef>
+          </p:style>
+        </p:cxnSp>
+      </p:grpSp>
+      <p:grpSp>
+        <p:nvGrpSpPr>
+          <p:cNvPr id="42" name="Group 41"/>
+          <p:cNvGrpSpPr/>
+          <p:nvPr/>
+        </p:nvGrpSpPr>
+        <p:grpSpPr>
+          <a:xfrm>
+            <a:off x="3587361" y="1844778"/>
+            <a:ext cx="124322" cy="235296"/>
+            <a:chOff x="3930261" y="1378053"/>
+            <a:chExt cx="124322" cy="235296"/>
+          </a:xfrm>
+        </p:grpSpPr>
+        <p:grpSp>
+          <p:nvGrpSpPr>
+            <p:cNvPr id="115" name="Group 114"/>
+            <p:cNvGrpSpPr/>
+            <p:nvPr/>
+          </p:nvGrpSpPr>
+          <p:grpSpPr>
+            <a:xfrm flipH="1">
+              <a:off x="3930261" y="1378053"/>
+              <a:ext cx="124322" cy="235296"/>
+              <a:chOff x="3360772" y="2469497"/>
+              <a:chExt cx="126411" cy="229510"/>
+            </a:xfrm>
+          </p:grpSpPr>
+          <p:cxnSp>
+            <p:nvCxnSpPr>
+              <p:cNvPr id="116" name="Straight Connector 115"/>
+              <p:cNvCxnSpPr/>
+              <p:nvPr/>
+            </p:nvCxnSpPr>
+            <p:spPr>
+              <a:xfrm flipV="1">
+                <a:off x="3360772" y="2469497"/>
+                <a:ext cx="126411" cy="102677"/>
+              </a:xfrm>
+              <a:prstGeom prst="line">
+                <a:avLst/>
+              </a:prstGeom>
+              <a:ln>
+                <a:solidFill>
+                  <a:schemeClr val="tx1"/>
+                </a:solidFill>
+              </a:ln>
+            </p:spPr>
+            <p:style>
+              <a:lnRef idx="1">
+                <a:schemeClr val="accent1"/>
+              </a:lnRef>
+              <a:fillRef idx="0">
+                <a:schemeClr val="accent1"/>
+              </a:fillRef>
+              <a:effectRef idx="0">
+                <a:schemeClr val="accent1"/>
+              </a:effectRef>
+              <a:fontRef idx="minor">
+                <a:schemeClr val="tx1"/>
+              </a:fontRef>
+            </p:style>
+          </p:cxnSp>
+          <p:cxnSp>
+            <p:nvCxnSpPr>
+              <p:cNvPr id="117" name="Straight Connector 116"/>
+              <p:cNvCxnSpPr/>
+              <p:nvPr/>
+            </p:nvCxnSpPr>
+            <p:spPr>
+              <a:xfrm>
+                <a:off x="3360772" y="2572174"/>
+                <a:ext cx="126411" cy="126833"/>
+              </a:xfrm>
+              <a:prstGeom prst="line">
+                <a:avLst/>
+              </a:prstGeom>
+              <a:ln>
+                <a:solidFill>
+                  <a:schemeClr val="tx1"/>
+                </a:solidFill>
+              </a:ln>
+            </p:spPr>
+            <p:style>
+              <a:lnRef idx="1">
+                <a:schemeClr val="accent1"/>
+              </a:lnRef>
+              <a:fillRef idx="0">
+                <a:schemeClr val="accent1"/>
+              </a:fillRef>
+              <a:effectRef idx="0">
+                <a:schemeClr val="accent1"/>
+              </a:effectRef>
+              <a:fontRef idx="minor">
+                <a:schemeClr val="tx1"/>
+              </a:fontRef>
+            </p:style>
+          </p:cxnSp>
+        </p:grpSp>
+        <p:cxnSp>
+          <p:nvCxnSpPr>
+            <p:cNvPr id="118" name="Straight Connector 117"/>
+            <p:cNvCxnSpPr/>
+            <p:nvPr/>
+          </p:nvCxnSpPr>
+          <p:spPr>
+            <a:xfrm>
+              <a:off x="4052732" y="1378053"/>
+              <a:ext cx="0" cy="225559"/>
+            </a:xfrm>
+            <a:prstGeom prst="line">
+              <a:avLst/>
+            </a:prstGeom>
+            <a:ln>
+              <a:solidFill>
+                <a:schemeClr val="tx1"/>
+              </a:solidFill>
+            </a:ln>
+          </p:spPr>
+          <p:style>
+            <a:lnRef idx="1">
+              <a:schemeClr val="accent1"/>
+            </a:lnRef>
+            <a:fillRef idx="0">
+              <a:schemeClr val="accent1"/>
+            </a:fillRef>
+            <a:effectRef idx="0">
+              <a:schemeClr val="accent1"/>
+            </a:effectRef>
+            <a:fontRef idx="minor">
+              <a:schemeClr val="tx1"/>
+            </a:fontRef>
+          </p:style>
+        </p:cxnSp>
+      </p:grpSp>
+      <p:grpSp>
+        <p:nvGrpSpPr>
+          <p:cNvPr id="120" name="Group 119"/>
+          <p:cNvGrpSpPr/>
+          <p:nvPr/>
+        </p:nvGrpSpPr>
+        <p:grpSpPr>
+          <a:xfrm>
+            <a:off x="5731619" y="1741721"/>
+            <a:ext cx="124322" cy="235296"/>
+            <a:chOff x="3930261" y="1378053"/>
+            <a:chExt cx="124322" cy="235296"/>
+          </a:xfrm>
+        </p:grpSpPr>
+        <p:grpSp>
+          <p:nvGrpSpPr>
+            <p:cNvPr id="121" name="Group 120"/>
+            <p:cNvGrpSpPr/>
+            <p:nvPr/>
+          </p:nvGrpSpPr>
+          <p:grpSpPr>
+            <a:xfrm flipH="1">
+              <a:off x="3930261" y="1378053"/>
+              <a:ext cx="124322" cy="235296"/>
+              <a:chOff x="3360772" y="2469497"/>
+              <a:chExt cx="126411" cy="229510"/>
+            </a:xfrm>
+          </p:grpSpPr>
+          <p:cxnSp>
+            <p:nvCxnSpPr>
+              <p:cNvPr id="124" name="Straight Connector 123"/>
+              <p:cNvCxnSpPr/>
+              <p:nvPr/>
+            </p:nvCxnSpPr>
+            <p:spPr>
+              <a:xfrm flipV="1">
+                <a:off x="3360772" y="2469497"/>
+                <a:ext cx="126411" cy="102677"/>
+              </a:xfrm>
+              <a:prstGeom prst="line">
+                <a:avLst/>
+              </a:prstGeom>
+              <a:ln>
+                <a:solidFill>
+                  <a:schemeClr val="tx1"/>
+                </a:solidFill>
+              </a:ln>
+            </p:spPr>
+            <p:style>
+              <a:lnRef idx="1">
+                <a:schemeClr val="accent1"/>
+              </a:lnRef>
+              <a:fillRef idx="0">
+                <a:schemeClr val="accent1"/>
+              </a:fillRef>
+              <a:effectRef idx="0">
+                <a:schemeClr val="accent1"/>
+              </a:effectRef>
+              <a:fontRef idx="minor">
+                <a:schemeClr val="tx1"/>
+              </a:fontRef>
+            </p:style>
+          </p:cxnSp>
+          <p:cxnSp>
+            <p:nvCxnSpPr>
+              <p:cNvPr id="125" name="Straight Connector 124"/>
+              <p:cNvCxnSpPr/>
+              <p:nvPr/>
+            </p:nvCxnSpPr>
+            <p:spPr>
+              <a:xfrm>
+                <a:off x="3360772" y="2572174"/>
+                <a:ext cx="126411" cy="126833"/>
+              </a:xfrm>
+              <a:prstGeom prst="line">
+                <a:avLst/>
+              </a:prstGeom>
+              <a:ln>
+                <a:solidFill>
+                  <a:schemeClr val="tx1"/>
+                </a:solidFill>
+              </a:ln>
+            </p:spPr>
+            <p:style>
+              <a:lnRef idx="1">
+                <a:schemeClr val="accent1"/>
+              </a:lnRef>
+              <a:fillRef idx="0">
+                <a:schemeClr val="accent1"/>
+              </a:fillRef>
+              <a:effectRef idx="0">
+                <a:schemeClr val="accent1"/>
+              </a:effectRef>
+              <a:fontRef idx="minor">
+                <a:schemeClr val="tx1"/>
+              </a:fontRef>
+            </p:style>
+          </p:cxnSp>
+        </p:grpSp>
+        <p:cxnSp>
+          <p:nvCxnSpPr>
+            <p:cNvPr id="122" name="Straight Connector 121"/>
+            <p:cNvCxnSpPr/>
+            <p:nvPr/>
+          </p:nvCxnSpPr>
+          <p:spPr>
+            <a:xfrm>
+              <a:off x="4052732" y="1378053"/>
+              <a:ext cx="0" cy="225559"/>
+            </a:xfrm>
+            <a:prstGeom prst="line">
+              <a:avLst/>
+            </a:prstGeom>
+            <a:ln>
+              <a:solidFill>
+                <a:schemeClr val="tx1"/>
+              </a:solidFill>
+            </a:ln>
+          </p:spPr>
+          <p:style>
+            <a:lnRef idx="1">
+              <a:schemeClr val="accent1"/>
+            </a:lnRef>
+            <a:fillRef idx="0">
+              <a:schemeClr val="accent1"/>
+            </a:fillRef>
+            <a:effectRef idx="0">
+              <a:schemeClr val="accent1"/>
+            </a:effectRef>
+            <a:fontRef idx="minor">
+              <a:schemeClr val="tx1"/>
+            </a:fontRef>
+          </p:style>
+        </p:cxnSp>
+      </p:grpSp>
+      <p:grpSp>
+        <p:nvGrpSpPr>
+          <p:cNvPr id="126" name="Group 125"/>
+          <p:cNvGrpSpPr/>
+          <p:nvPr/>
+        </p:nvGrpSpPr>
+        <p:grpSpPr>
+          <a:xfrm>
+            <a:off x="5716765" y="3339583"/>
+            <a:ext cx="124322" cy="235296"/>
+            <a:chOff x="3930261" y="1378053"/>
+            <a:chExt cx="124322" cy="235296"/>
+          </a:xfrm>
+        </p:grpSpPr>
+        <p:grpSp>
+          <p:nvGrpSpPr>
+            <p:cNvPr id="127" name="Group 126"/>
+            <p:cNvGrpSpPr/>
+            <p:nvPr/>
+          </p:nvGrpSpPr>
+          <p:grpSpPr>
+            <a:xfrm flipH="1">
+              <a:off x="3930261" y="1378053"/>
+              <a:ext cx="124322" cy="235296"/>
+              <a:chOff x="3360772" y="2469497"/>
+              <a:chExt cx="126411" cy="229510"/>
+            </a:xfrm>
+          </p:grpSpPr>
+          <p:cxnSp>
+            <p:nvCxnSpPr>
+              <p:cNvPr id="129" name="Straight Connector 128"/>
+              <p:cNvCxnSpPr/>
+              <p:nvPr/>
+            </p:nvCxnSpPr>
+            <p:spPr>
+              <a:xfrm flipV="1">
+                <a:off x="3360772" y="2469497"/>
+                <a:ext cx="126411" cy="102677"/>
+              </a:xfrm>
+              <a:prstGeom prst="line">
+                <a:avLst/>
+              </a:prstGeom>
+              <a:ln>
+                <a:solidFill>
+                  <a:schemeClr val="tx1"/>
+                </a:solidFill>
+              </a:ln>
+            </p:spPr>
+            <p:style>
+              <a:lnRef idx="1">
+                <a:schemeClr val="accent1"/>
+              </a:lnRef>
+              <a:fillRef idx="0">
+                <a:schemeClr val="accent1"/>
+              </a:fillRef>
+              <a:effectRef idx="0">
+                <a:schemeClr val="accent1"/>
+              </a:effectRef>
+              <a:fontRef idx="minor">
+                <a:schemeClr val="tx1"/>
+              </a:fontRef>
+            </p:style>
+          </p:cxnSp>
+          <p:cxnSp>
+            <p:nvCxnSpPr>
+              <p:cNvPr id="130" name="Straight Connector 129"/>
+              <p:cNvCxnSpPr/>
+              <p:nvPr/>
+            </p:nvCxnSpPr>
+            <p:spPr>
+              <a:xfrm>
+                <a:off x="3360772" y="2572174"/>
+                <a:ext cx="126411" cy="126833"/>
+              </a:xfrm>
+              <a:prstGeom prst="line">
+                <a:avLst/>
+              </a:prstGeom>
+              <a:ln>
+                <a:solidFill>
+                  <a:schemeClr val="tx1"/>
+                </a:solidFill>
+              </a:ln>
+            </p:spPr>
+            <p:style>
+              <a:lnRef idx="1">
+                <a:schemeClr val="accent1"/>
+              </a:lnRef>
+              <a:fillRef idx="0">
+                <a:schemeClr val="accent1"/>
+              </a:fillRef>
+              <a:effectRef idx="0">
+                <a:schemeClr val="accent1"/>
+              </a:effectRef>
+              <a:fontRef idx="minor">
+                <a:schemeClr val="tx1"/>
+              </a:fontRef>
+            </p:style>
+          </p:cxnSp>
+        </p:grpSp>
+        <p:cxnSp>
+          <p:nvCxnSpPr>
+            <p:cNvPr id="128" name="Straight Connector 127"/>
+            <p:cNvCxnSpPr/>
+            <p:nvPr/>
+          </p:nvCxnSpPr>
+          <p:spPr>
+            <a:xfrm>
+              <a:off x="4052732" y="1378053"/>
+              <a:ext cx="0" cy="225559"/>
+            </a:xfrm>
+            <a:prstGeom prst="line">
+              <a:avLst/>
+            </a:prstGeom>
+            <a:ln>
+              <a:solidFill>
+                <a:schemeClr val="tx1"/>
+              </a:solidFill>
+            </a:ln>
+          </p:spPr>
+          <p:style>
+            <a:lnRef idx="1">
+              <a:schemeClr val="accent1"/>
+            </a:lnRef>
+            <a:fillRef idx="0">
+              <a:schemeClr val="accent1"/>
+            </a:fillRef>
+            <a:effectRef idx="0">
+              <a:schemeClr val="accent1"/>
+            </a:effectRef>
+            <a:fontRef idx="minor">
+              <a:schemeClr val="tx1"/>
+            </a:fontRef>
+          </p:style>
+        </p:cxnSp>
+      </p:grpSp>
+      <p:grpSp>
+        <p:nvGrpSpPr>
+          <p:cNvPr id="131" name="Group 130"/>
+          <p:cNvGrpSpPr/>
+          <p:nvPr/>
+        </p:nvGrpSpPr>
+        <p:grpSpPr>
+          <a:xfrm>
+            <a:off x="3740213" y="5041211"/>
+            <a:ext cx="124322" cy="235296"/>
+            <a:chOff x="3930261" y="1378053"/>
+            <a:chExt cx="124322" cy="235296"/>
+          </a:xfrm>
+        </p:grpSpPr>
+        <p:grpSp>
+          <p:nvGrpSpPr>
+            <p:cNvPr id="132" name="Group 131"/>
+            <p:cNvGrpSpPr/>
+            <p:nvPr/>
+          </p:nvGrpSpPr>
+          <p:grpSpPr>
+            <a:xfrm flipH="1">
+              <a:off x="3930261" y="1378053"/>
+              <a:ext cx="124322" cy="235296"/>
+              <a:chOff x="3360772" y="2469497"/>
+              <a:chExt cx="126411" cy="229510"/>
+            </a:xfrm>
+          </p:grpSpPr>
+          <p:cxnSp>
+            <p:nvCxnSpPr>
+              <p:cNvPr id="134" name="Straight Connector 133"/>
+              <p:cNvCxnSpPr/>
+              <p:nvPr/>
+            </p:nvCxnSpPr>
+            <p:spPr>
+              <a:xfrm flipV="1">
+                <a:off x="3360772" y="2469497"/>
+                <a:ext cx="126411" cy="102677"/>
+              </a:xfrm>
+              <a:prstGeom prst="line">
+                <a:avLst/>
+              </a:prstGeom>
+              <a:ln>
+                <a:solidFill>
+                  <a:schemeClr val="tx1"/>
+                </a:solidFill>
+              </a:ln>
+            </p:spPr>
+            <p:style>
+              <a:lnRef idx="1">
+                <a:schemeClr val="accent1"/>
+              </a:lnRef>
+              <a:fillRef idx="0">
+                <a:schemeClr val="accent1"/>
+              </a:fillRef>
+              <a:effectRef idx="0">
+                <a:schemeClr val="accent1"/>
+              </a:effectRef>
+              <a:fontRef idx="minor">
+                <a:schemeClr val="tx1"/>
+              </a:fontRef>
+            </p:style>
+          </p:cxnSp>
+          <p:cxnSp>
+            <p:nvCxnSpPr>
+              <p:cNvPr id="135" name="Straight Connector 134"/>
+              <p:cNvCxnSpPr/>
+              <p:nvPr/>
+            </p:nvCxnSpPr>
+            <p:spPr>
+              <a:xfrm>
+                <a:off x="3360772" y="2572174"/>
+                <a:ext cx="126411" cy="126833"/>
+              </a:xfrm>
+              <a:prstGeom prst="line">
+                <a:avLst/>
+              </a:prstGeom>
+              <a:ln>
+                <a:solidFill>
+                  <a:schemeClr val="tx1"/>
+                </a:solidFill>
+              </a:ln>
+            </p:spPr>
+            <p:style>
+              <a:lnRef idx="1">
+                <a:schemeClr val="accent1"/>
+              </a:lnRef>
+              <a:fillRef idx="0">
+                <a:schemeClr val="accent1"/>
+              </a:fillRef>
+              <a:effectRef idx="0">
+                <a:schemeClr val="accent1"/>
+              </a:effectRef>
+              <a:fontRef idx="minor">
+                <a:schemeClr val="tx1"/>
+              </a:fontRef>
+            </p:style>
+          </p:cxnSp>
+        </p:grpSp>
+        <p:cxnSp>
+          <p:nvCxnSpPr>
+            <p:cNvPr id="133" name="Straight Connector 132"/>
+            <p:cNvCxnSpPr/>
+            <p:nvPr/>
+          </p:nvCxnSpPr>
+          <p:spPr>
+            <a:xfrm>
+              <a:off x="4052732" y="1378053"/>
+              <a:ext cx="0" cy="225559"/>
+            </a:xfrm>
+            <a:prstGeom prst="line">
+              <a:avLst/>
+            </a:prstGeom>
+            <a:ln>
+              <a:solidFill>
+                <a:schemeClr val="tx1"/>
+              </a:solidFill>
+            </a:ln>
+          </p:spPr>
+          <p:style>
+            <a:lnRef idx="1">
+              <a:schemeClr val="accent1"/>
+            </a:lnRef>
+            <a:fillRef idx="0">
+              <a:schemeClr val="accent1"/>
+            </a:fillRef>
+            <a:effectRef idx="0">
+              <a:schemeClr val="accent1"/>
+            </a:effectRef>
+            <a:fontRef idx="minor">
+              <a:schemeClr val="tx1"/>
+            </a:fontRef>
+          </p:style>
+        </p:cxnSp>
+      </p:grpSp>
+    </p:spTree>
+    <p:extLst>
+      <p:ext uri="{BB962C8B-B14F-4D97-AF65-F5344CB8AC3E}">
+        <p14:creationId xmlns:p14="http://schemas.microsoft.com/office/powerpoint/2010/main" val="3985443784"/>
+      </p:ext>
+    </p:extLst>
+  </p:cSld>
+  <p:clrMapOvr>
+    <a:masterClrMapping/>
+  </p:clrMapOvr>
+</p:sld>
+</file>
+
+<file path=ppt/slides/slide3.xml><?xml version="1.0" encoding="utf-8"?>
+<p:sld xmlns:a="http://schemas.openxmlformats.org/drawingml/2006/main" xmlns:r="http://schemas.openxmlformats.org/officeDocument/2006/relationships" xmlns:p="http://schemas.openxmlformats.org/presentationml/2006/main">
+  <p:cSld>
+    <p:spTree>
+      <p:nvGrpSpPr>
+        <p:cNvPr id="1" name=""/>
+        <p:cNvGrpSpPr/>
+        <p:nvPr/>
+      </p:nvGrpSpPr>
+      <p:grpSpPr>
+        <a:xfrm>
+          <a:off x="0" y="0"/>
+          <a:ext cx="0" cy="0"/>
+          <a:chOff x="0" y="0"/>
+          <a:chExt cx="0" cy="0"/>
+        </a:xfrm>
+      </p:grpSpPr>
+      <p:grpSp>
+        <p:nvGrpSpPr>
+          <p:cNvPr id="8" name="Group 7"/>
+          <p:cNvGrpSpPr/>
+          <p:nvPr/>
+        </p:nvGrpSpPr>
+        <p:grpSpPr>
+          <a:xfrm>
+            <a:off x="2357742" y="1861045"/>
+            <a:ext cx="1209276" cy="1754326"/>
+            <a:chOff x="4486196" y="694474"/>
+            <a:chExt cx="1209276" cy="1754326"/>
+          </a:xfrm>
+        </p:grpSpPr>
+        <p:sp>
+          <p:nvSpPr>
+            <p:cNvPr id="4" name="TextBox 3"/>
+            <p:cNvSpPr txBox="1"/>
+            <p:nvPr/>
+          </p:nvSpPr>
+          <p:spPr>
+            <a:xfrm>
+              <a:off x="4494502" y="694474"/>
+              <a:ext cx="1200970" cy="1754326"/>
+            </a:xfrm>
+            <a:prstGeom prst="rect">
+              <a:avLst/>
+            </a:prstGeom>
+            <a:noFill/>
+            <a:ln w="6350">
+              <a:solidFill>
+                <a:schemeClr val="tx1"/>
+              </a:solidFill>
+            </a:ln>
+          </p:spPr>
+          <p:txBody>
+            <a:bodyPr wrap="none" rtlCol="0">
+              <a:spAutoFit/>
+            </a:bodyPr>
+            <a:lstStyle/>
+            <a:p>
+              <a:r>
+                <a:rPr lang="en-SG" sz="1200" dirty="0" err="1"/>
+                <a:t>factDengueCase</a:t>
+              </a:r>
+              <a:endParaRPr lang="en-SG" sz="1200" dirty="0"/>
+            </a:p>
+            <a:p>
+              <a:endParaRPr lang="en-SG" sz="1200" dirty="0"/>
+            </a:p>
+            <a:p>
+              <a:r>
+                <a:rPr lang="en-SG" sz="1200" dirty="0"/>
+                <a:t>ID (PK)</a:t>
+              </a:r>
+            </a:p>
+            <a:p>
+              <a:r>
+                <a:rPr lang="en-SG" sz="1200" dirty="0"/>
+                <a:t>Date (FK)</a:t>
+              </a:r>
+            </a:p>
+            <a:p>
+              <a:r>
+                <a:rPr lang="en-SG" sz="1200" dirty="0"/>
+                <a:t>Latitude</a:t>
+              </a:r>
+            </a:p>
+            <a:p>
+              <a:r>
+                <a:rPr lang="en-SG" sz="1200" dirty="0"/>
+                <a:t>Longitude</a:t>
+              </a:r>
+            </a:p>
+            <a:p>
+              <a:r>
+                <a:rPr lang="en-SG" sz="1200" dirty="0"/>
+                <a:t>NumberOfCases</a:t>
+              </a:r>
+            </a:p>
+            <a:p>
+              <a:r>
+                <a:rPr lang="en-SG" sz="1200" dirty="0"/>
+                <a:t>Address</a:t>
+              </a:r>
+            </a:p>
+            <a:p>
+              <a:r>
+                <a:rPr lang="en-SG" sz="1200" dirty="0" err="1"/>
+                <a:t>RegionId</a:t>
+              </a:r>
+              <a:r>
+                <a:rPr lang="en-SG" sz="1200" dirty="0"/>
+                <a:t> (FK)</a:t>
+              </a:r>
+            </a:p>
+          </p:txBody>
+        </p:sp>
+        <p:cxnSp>
+          <p:nvCxnSpPr>
+            <p:cNvPr id="6" name="Straight Connector 5"/>
+            <p:cNvCxnSpPr/>
+            <p:nvPr/>
+          </p:nvCxnSpPr>
+          <p:spPr>
+            <a:xfrm flipH="1">
+              <a:off x="4486196" y="1003881"/>
+              <a:ext cx="1200970" cy="1"/>
+            </a:xfrm>
+            <a:prstGeom prst="line">
+              <a:avLst/>
+            </a:prstGeom>
+            <a:ln>
+              <a:solidFill>
+                <a:schemeClr val="tx1"/>
+              </a:solidFill>
+            </a:ln>
+          </p:spPr>
+          <p:style>
+            <a:lnRef idx="1">
+              <a:schemeClr val="accent1"/>
+            </a:lnRef>
+            <a:fillRef idx="0">
+              <a:schemeClr val="accent1"/>
+            </a:fillRef>
+            <a:effectRef idx="0">
+              <a:schemeClr val="accent1"/>
+            </a:effectRef>
+            <a:fontRef idx="minor">
+              <a:schemeClr val="tx1"/>
+            </a:fontRef>
+          </p:style>
+        </p:cxnSp>
+      </p:grpSp>
+      <p:grpSp>
+        <p:nvGrpSpPr>
+          <p:cNvPr id="12" name="Group 11"/>
+          <p:cNvGrpSpPr/>
+          <p:nvPr/>
+        </p:nvGrpSpPr>
+        <p:grpSpPr>
+          <a:xfrm>
+            <a:off x="6773951" y="514373"/>
+            <a:ext cx="1846633" cy="3231654"/>
+            <a:chOff x="4294901" y="798286"/>
+            <a:chExt cx="1173721" cy="3231654"/>
+          </a:xfrm>
+        </p:grpSpPr>
+        <p:sp>
+          <p:nvSpPr>
+            <p:cNvPr id="13" name="TextBox 12"/>
+            <p:cNvSpPr txBox="1"/>
+            <p:nvPr/>
+          </p:nvSpPr>
+          <p:spPr>
+            <a:xfrm>
+              <a:off x="4296229" y="798286"/>
+              <a:ext cx="1172393" cy="3231654"/>
+            </a:xfrm>
+            <a:prstGeom prst="rect">
+              <a:avLst/>
+            </a:prstGeom>
+            <a:noFill/>
+            <a:ln w="6350">
+              <a:solidFill>
+                <a:schemeClr val="tx1"/>
+              </a:solidFill>
+            </a:ln>
+          </p:spPr>
+          <p:txBody>
+            <a:bodyPr wrap="none" rtlCol="0">
+              <a:spAutoFit/>
+            </a:bodyPr>
+            <a:lstStyle/>
+            <a:p>
+              <a:r>
+                <a:rPr lang="en-SG" sz="1200" dirty="0" err="1"/>
+                <a:t>factWeather</a:t>
+              </a:r>
+              <a:endParaRPr lang="en-SG" sz="1200" dirty="0"/>
+            </a:p>
+            <a:p>
+              <a:endParaRPr lang="en-SG" sz="1200" dirty="0"/>
+            </a:p>
+            <a:p>
+              <a:r>
+                <a:rPr lang="en-SG" sz="1200" dirty="0"/>
+                <a:t>ID (PK)</a:t>
+              </a:r>
+            </a:p>
+            <a:p>
+              <a:r>
+                <a:rPr lang="en-SG" sz="1200" dirty="0"/>
+                <a:t>Date (FK)</a:t>
+              </a:r>
+            </a:p>
+            <a:p>
+              <a:r>
+                <a:rPr lang="en-SG" sz="1200" dirty="0" err="1"/>
+                <a:t>LocationId</a:t>
+              </a:r>
+              <a:r>
+                <a:rPr lang="en-SG" sz="1200" dirty="0"/>
+                <a:t> (FK)</a:t>
+              </a:r>
+            </a:p>
+            <a:p>
+              <a:r>
+                <a:rPr lang="en-SG" sz="1200" dirty="0" err="1"/>
+                <a:t>DailyRainfallTotalmm</a:t>
+              </a:r>
+              <a:endParaRPr lang="en-SG" sz="1200" dirty="0"/>
+            </a:p>
+            <a:p>
+              <a:r>
+                <a:rPr lang="en-SG" sz="1200" dirty="0"/>
+                <a:t>Highest30MinRainfallmm</a:t>
+              </a:r>
+            </a:p>
+            <a:p>
+              <a:r>
+                <a:rPr lang="en-SG" sz="1200" dirty="0"/>
+                <a:t>Highest60MinRainfallmm</a:t>
+              </a:r>
+            </a:p>
+            <a:p>
+              <a:r>
+                <a:rPr lang="en-SG" sz="1200" dirty="0"/>
+                <a:t>Highest120MinRainfallmm</a:t>
+              </a:r>
+            </a:p>
+            <a:p>
+              <a:r>
+                <a:rPr lang="en-SG" sz="1200" dirty="0" err="1"/>
+                <a:t>MeanTemperature</a:t>
+              </a:r>
+              <a:endParaRPr lang="en-SG" sz="1200" dirty="0"/>
+            </a:p>
+            <a:p>
+              <a:r>
+                <a:rPr lang="en-SG" sz="1200" dirty="0" err="1"/>
+                <a:t>MaxTemperature</a:t>
+              </a:r>
+              <a:endParaRPr lang="en-SG" sz="1200" dirty="0"/>
+            </a:p>
+            <a:p>
+              <a:r>
+                <a:rPr lang="en-SG" sz="1200" dirty="0" err="1"/>
+                <a:t>MinTemperature</a:t>
+              </a:r>
+              <a:endParaRPr lang="en-SG" sz="1200" dirty="0"/>
+            </a:p>
+            <a:p>
+              <a:r>
+                <a:rPr lang="en-SG" sz="1200" dirty="0" err="1"/>
+                <a:t>MeanWindSpeedkmh</a:t>
+              </a:r>
+              <a:endParaRPr lang="en-SG" sz="1200" dirty="0"/>
+            </a:p>
+            <a:p>
+              <a:r>
+                <a:rPr lang="en-SG" sz="1200" dirty="0" err="1"/>
+                <a:t>MaxWindSpeedkmh</a:t>
+              </a:r>
+              <a:endParaRPr lang="en-SG" sz="1200" dirty="0"/>
+            </a:p>
+            <a:p>
+              <a:r>
+                <a:rPr lang="en-SG" sz="1200" dirty="0" err="1"/>
+                <a:t>MeanHumidity</a:t>
+              </a:r>
+              <a:endParaRPr lang="en-SG" sz="1200" dirty="0"/>
+            </a:p>
+            <a:p>
+              <a:r>
+                <a:rPr lang="en-SG" sz="1200" dirty="0" err="1"/>
+                <a:t>MaxHumidity</a:t>
+              </a:r>
+              <a:endParaRPr lang="en-SG" sz="1200" dirty="0"/>
+            </a:p>
+            <a:p>
+              <a:r>
+                <a:rPr lang="en-SG" sz="1200" dirty="0" err="1"/>
+                <a:t>MinHumidity</a:t>
+              </a:r>
+              <a:endParaRPr lang="en-SG" sz="1200" dirty="0"/>
+            </a:p>
+          </p:txBody>
+        </p:sp>
+        <p:cxnSp>
+          <p:nvCxnSpPr>
+            <p:cNvPr id="14" name="Straight Connector 13"/>
+            <p:cNvCxnSpPr/>
+            <p:nvPr/>
+          </p:nvCxnSpPr>
+          <p:spPr>
+            <a:xfrm flipH="1" flipV="1">
+              <a:off x="4294901" y="1127340"/>
+              <a:ext cx="1172392" cy="6343"/>
+            </a:xfrm>
+            <a:prstGeom prst="line">
+              <a:avLst/>
+            </a:prstGeom>
+            <a:ln>
+              <a:solidFill>
+                <a:schemeClr val="tx1"/>
+              </a:solidFill>
+            </a:ln>
+          </p:spPr>
+          <p:style>
+            <a:lnRef idx="1">
+              <a:schemeClr val="accent1"/>
+            </a:lnRef>
+            <a:fillRef idx="0">
+              <a:schemeClr val="accent1"/>
+            </a:fillRef>
+            <a:effectRef idx="0">
+              <a:schemeClr val="accent1"/>
+            </a:effectRef>
+            <a:fontRef idx="minor">
+              <a:schemeClr val="tx1"/>
+            </a:fontRef>
+          </p:style>
+        </p:cxnSp>
+      </p:grpSp>
+      <p:grpSp>
+        <p:nvGrpSpPr>
+          <p:cNvPr id="17" name="Group 16"/>
+          <p:cNvGrpSpPr/>
+          <p:nvPr/>
+        </p:nvGrpSpPr>
+        <p:grpSpPr>
+          <a:xfrm>
+            <a:off x="4876197" y="4557947"/>
+            <a:ext cx="1195292" cy="1015663"/>
+            <a:chOff x="4346799" y="4077063"/>
+            <a:chExt cx="1514132" cy="1015663"/>
+          </a:xfrm>
+        </p:grpSpPr>
+        <p:sp>
+          <p:nvSpPr>
+            <p:cNvPr id="18" name="TextBox 17"/>
+            <p:cNvSpPr txBox="1"/>
+            <p:nvPr/>
+          </p:nvSpPr>
+          <p:spPr>
+            <a:xfrm>
+              <a:off x="4346799" y="4077063"/>
+              <a:ext cx="1514132" cy="1015663"/>
+            </a:xfrm>
+            <a:prstGeom prst="rect">
+              <a:avLst/>
+            </a:prstGeom>
+            <a:noFill/>
+            <a:ln w="6350">
+              <a:solidFill>
+                <a:schemeClr val="tx1"/>
+              </a:solidFill>
+            </a:ln>
+          </p:spPr>
+          <p:txBody>
+            <a:bodyPr wrap="square" rtlCol="0">
+              <a:spAutoFit/>
+            </a:bodyPr>
+            <a:lstStyle/>
+            <a:p>
+              <a:r>
+                <a:rPr lang="en-SG" sz="1200" dirty="0" err="1"/>
+                <a:t>dimRegion</a:t>
+              </a:r>
+              <a:endParaRPr lang="en-SG" sz="1200" dirty="0"/>
+            </a:p>
+            <a:p>
+              <a:endParaRPr lang="en-SG" sz="1200" dirty="0"/>
+            </a:p>
+            <a:p>
+              <a:r>
+                <a:rPr lang="en-SG" sz="1200" dirty="0" err="1"/>
+                <a:t>RegionId</a:t>
+              </a:r>
+              <a:r>
+                <a:rPr lang="en-SG" sz="1200" dirty="0"/>
+                <a:t> (PK)</a:t>
+              </a:r>
+            </a:p>
+            <a:p>
+              <a:r>
+                <a:rPr lang="en-SG" sz="1200" dirty="0" err="1"/>
+                <a:t>RegionName</a:t>
+              </a:r>
+              <a:endParaRPr lang="en-SG" sz="1200" dirty="0"/>
+            </a:p>
+            <a:p>
+              <a:r>
+                <a:rPr lang="en-SG" sz="1200" dirty="0"/>
+                <a:t>Description</a:t>
+              </a:r>
+            </a:p>
+          </p:txBody>
+        </p:sp>
+        <p:cxnSp>
+          <p:nvCxnSpPr>
+            <p:cNvPr id="19" name="Straight Connector 18"/>
+            <p:cNvCxnSpPr/>
+            <p:nvPr/>
+          </p:nvCxnSpPr>
+          <p:spPr>
+            <a:xfrm flipH="1" flipV="1">
+              <a:off x="4346799" y="4376057"/>
+              <a:ext cx="1514132" cy="3629"/>
+            </a:xfrm>
+            <a:prstGeom prst="line">
+              <a:avLst/>
+            </a:prstGeom>
+            <a:ln>
+              <a:solidFill>
+                <a:schemeClr val="tx1"/>
+              </a:solidFill>
+            </a:ln>
+          </p:spPr>
+          <p:style>
+            <a:lnRef idx="1">
+              <a:schemeClr val="accent1"/>
+            </a:lnRef>
+            <a:fillRef idx="0">
+              <a:schemeClr val="accent1"/>
+            </a:fillRef>
+            <a:effectRef idx="0">
+              <a:schemeClr val="accent1"/>
+            </a:effectRef>
+            <a:fontRef idx="minor">
+              <a:schemeClr val="tx1"/>
+            </a:fontRef>
+          </p:style>
+        </p:cxnSp>
+      </p:grpSp>
+      <p:grpSp>
+        <p:nvGrpSpPr>
+          <p:cNvPr id="20" name="Group 19"/>
+          <p:cNvGrpSpPr/>
+          <p:nvPr/>
+        </p:nvGrpSpPr>
+        <p:grpSpPr>
+          <a:xfrm>
+            <a:off x="7105817" y="4240127"/>
+            <a:ext cx="1514132" cy="1384995"/>
+            <a:chOff x="4296229" y="798286"/>
+            <a:chExt cx="1514132" cy="1384995"/>
+          </a:xfrm>
+        </p:grpSpPr>
+        <p:sp>
+          <p:nvSpPr>
+            <p:cNvPr id="21" name="TextBox 20"/>
+            <p:cNvSpPr txBox="1"/>
+            <p:nvPr/>
+          </p:nvSpPr>
+          <p:spPr>
+            <a:xfrm>
+              <a:off x="4296229" y="798286"/>
+              <a:ext cx="1514132" cy="1384995"/>
+            </a:xfrm>
+            <a:prstGeom prst="rect">
+              <a:avLst/>
+            </a:prstGeom>
+            <a:noFill/>
+            <a:ln w="6350">
+              <a:solidFill>
+                <a:schemeClr val="tx1"/>
+              </a:solidFill>
+            </a:ln>
+          </p:spPr>
+          <p:txBody>
+            <a:bodyPr wrap="square" rtlCol="0">
+              <a:spAutoFit/>
+            </a:bodyPr>
+            <a:lstStyle/>
+            <a:p>
+              <a:r>
+                <a:rPr lang="en-SG" sz="1200" dirty="0" err="1"/>
+                <a:t>dimWeatherStation</a:t>
+              </a:r>
+              <a:endParaRPr lang="en-SG" sz="1200" dirty="0"/>
+            </a:p>
+            <a:p>
+              <a:endParaRPr lang="en-SG" sz="1200" dirty="0"/>
+            </a:p>
+            <a:p>
+              <a:r>
+                <a:rPr lang="en-SG" sz="1200" dirty="0" err="1"/>
+                <a:t>LocationId</a:t>
+              </a:r>
+              <a:r>
+                <a:rPr lang="en-SG" sz="1200" dirty="0"/>
+                <a:t> (PK)</a:t>
+              </a:r>
+            </a:p>
+            <a:p>
+              <a:r>
+                <a:rPr lang="en-SG" sz="1200" dirty="0"/>
+                <a:t>Address</a:t>
+              </a:r>
+            </a:p>
+            <a:p>
+              <a:r>
+                <a:rPr lang="en-SG" sz="1200" dirty="0"/>
+                <a:t>Latitude</a:t>
+              </a:r>
+            </a:p>
+            <a:p>
+              <a:r>
+                <a:rPr lang="en-SG" sz="1200" dirty="0"/>
+                <a:t>Longitude</a:t>
+              </a:r>
+            </a:p>
+            <a:p>
+              <a:r>
+                <a:rPr lang="en-SG" sz="1200" dirty="0" err="1"/>
+                <a:t>RegionId</a:t>
+              </a:r>
+              <a:r>
+                <a:rPr lang="en-SG" sz="1200" dirty="0"/>
+                <a:t> (FK)</a:t>
+              </a:r>
+            </a:p>
+          </p:txBody>
+        </p:sp>
+        <p:cxnSp>
+          <p:nvCxnSpPr>
+            <p:cNvPr id="22" name="Straight Connector 21"/>
+            <p:cNvCxnSpPr/>
+            <p:nvPr/>
+          </p:nvCxnSpPr>
+          <p:spPr>
+            <a:xfrm flipH="1" flipV="1">
+              <a:off x="4296229" y="1112477"/>
+              <a:ext cx="1514132" cy="3629"/>
+            </a:xfrm>
+            <a:prstGeom prst="line">
+              <a:avLst/>
+            </a:prstGeom>
+            <a:ln>
+              <a:solidFill>
+                <a:schemeClr val="tx1"/>
+              </a:solidFill>
+            </a:ln>
+          </p:spPr>
+          <p:style>
+            <a:lnRef idx="1">
+              <a:schemeClr val="accent1"/>
+            </a:lnRef>
+            <a:fillRef idx="0">
+              <a:schemeClr val="accent1"/>
+            </a:fillRef>
+            <a:effectRef idx="0">
+              <a:schemeClr val="accent1"/>
+            </a:effectRef>
+            <a:fontRef idx="minor">
+              <a:schemeClr val="tx1"/>
+            </a:fontRef>
+          </p:style>
+        </p:cxnSp>
+      </p:grpSp>
+      <p:grpSp>
+        <p:nvGrpSpPr>
+          <p:cNvPr id="44" name="Group 43"/>
+          <p:cNvGrpSpPr/>
+          <p:nvPr/>
+        </p:nvGrpSpPr>
+        <p:grpSpPr>
+          <a:xfrm>
+            <a:off x="2352936" y="524888"/>
+            <a:ext cx="1200970" cy="1200329"/>
+            <a:chOff x="4296229" y="741033"/>
+            <a:chExt cx="1200970" cy="1200329"/>
+          </a:xfrm>
+        </p:grpSpPr>
+        <p:sp>
+          <p:nvSpPr>
+            <p:cNvPr id="45" name="TextBox 44"/>
+            <p:cNvSpPr txBox="1"/>
+            <p:nvPr/>
+          </p:nvSpPr>
+          <p:spPr>
+            <a:xfrm>
+              <a:off x="4296229" y="741033"/>
+              <a:ext cx="1200970" cy="1200329"/>
+            </a:xfrm>
+            <a:prstGeom prst="rect">
+              <a:avLst/>
+            </a:prstGeom>
+            <a:noFill/>
+            <a:ln w="6350">
+              <a:solidFill>
+                <a:schemeClr val="tx1"/>
+              </a:solidFill>
+            </a:ln>
+          </p:spPr>
+          <p:txBody>
+            <a:bodyPr wrap="square" rtlCol="0">
+              <a:spAutoFit/>
+            </a:bodyPr>
+            <a:lstStyle/>
+            <a:p>
+              <a:r>
+                <a:rPr lang="en-SG" sz="1200" dirty="0" err="1"/>
+                <a:t>dimTime</a:t>
+              </a:r>
+              <a:endParaRPr lang="en-SG" sz="1200" dirty="0"/>
+            </a:p>
+            <a:p>
+              <a:endParaRPr lang="en-SG" sz="1200" dirty="0"/>
+            </a:p>
+            <a:p>
+              <a:r>
+                <a:rPr lang="en-SG" sz="1200" dirty="0"/>
+                <a:t>Date (PK)</a:t>
+              </a:r>
+            </a:p>
+            <a:p>
+              <a:r>
+                <a:rPr lang="en-SG" sz="1200" dirty="0" err="1"/>
+                <a:t>WeekNumber</a:t>
+              </a:r>
+              <a:endParaRPr lang="en-SG" sz="1200" dirty="0"/>
+            </a:p>
+            <a:p>
+              <a:r>
+                <a:rPr lang="en-SG" sz="1200" dirty="0"/>
+                <a:t>Month</a:t>
+              </a:r>
+            </a:p>
+            <a:p>
+              <a:r>
+                <a:rPr lang="en-SG" sz="1200" dirty="0"/>
+                <a:t>Year</a:t>
+              </a:r>
+            </a:p>
+          </p:txBody>
+        </p:sp>
+        <p:cxnSp>
+          <p:nvCxnSpPr>
+            <p:cNvPr id="46" name="Straight Connector 45"/>
+            <p:cNvCxnSpPr/>
+            <p:nvPr/>
+          </p:nvCxnSpPr>
+          <p:spPr>
+            <a:xfrm flipH="1">
+              <a:off x="4296229" y="1052281"/>
+              <a:ext cx="1200970" cy="1"/>
+            </a:xfrm>
+            <a:prstGeom prst="line">
+              <a:avLst/>
+            </a:prstGeom>
+            <a:ln>
+              <a:solidFill>
+                <a:schemeClr val="tx1"/>
+              </a:solidFill>
+            </a:ln>
+          </p:spPr>
+          <p:style>
+            <a:lnRef idx="1">
+              <a:schemeClr val="accent1"/>
+            </a:lnRef>
+            <a:fillRef idx="0">
+              <a:schemeClr val="accent1"/>
+            </a:fillRef>
+            <a:effectRef idx="0">
+              <a:schemeClr val="accent1"/>
+            </a:effectRef>
+            <a:fontRef idx="minor">
+              <a:schemeClr val="tx1"/>
+            </a:fontRef>
+          </p:style>
+        </p:cxnSp>
+      </p:grpSp>
+      <p:cxnSp>
+        <p:nvCxnSpPr>
+          <p:cNvPr id="58" name="Elbow Connector 57"/>
+          <p:cNvCxnSpPr>
+            <a:stCxn id="4" idx="3"/>
+          </p:cNvCxnSpPr>
+          <p:nvPr/>
+        </p:nvCxnSpPr>
+        <p:spPr>
+          <a:xfrm flipH="1" flipV="1">
+            <a:off x="3557975" y="1568631"/>
+            <a:ext cx="9043" cy="1169577"/>
+          </a:xfrm>
+          <a:prstGeom prst="bentConnector4">
+            <a:avLst>
+              <a:gd name="adj1" fmla="val -3980128"/>
+              <a:gd name="adj2" fmla="val 99559"/>
+            </a:avLst>
           </a:prstGeom>
           <a:ln>
             <a:solidFill>
@@ -3975,128 +7758,8 @@
           </a:xfrm>
           <a:prstGeom prst="bentConnector3">
             <a:avLst>
-              <a:gd name="adj1" fmla="val -36000000"/>
+              <a:gd name="adj1" fmla="val -57446772"/>
             </a:avLst>
-          </a:prstGeom>
-          <a:ln>
-            <a:solidFill>
-              <a:schemeClr val="tx1"/>
-            </a:solidFill>
-          </a:ln>
-        </p:spPr>
-        <p:style>
-          <a:lnRef idx="1">
-            <a:schemeClr val="accent1"/>
-          </a:lnRef>
-          <a:fillRef idx="0">
-            <a:schemeClr val="accent1"/>
-          </a:fillRef>
-          <a:effectRef idx="0">
-            <a:schemeClr val="accent1"/>
-          </a:effectRef>
-          <a:fontRef idx="minor">
-            <a:schemeClr val="tx1"/>
-          </a:fontRef>
-        </p:style>
-      </p:cxnSp>
-      <p:grpSp>
-        <p:nvGrpSpPr>
-          <p:cNvPr id="73" name="Group 72"/>
-          <p:cNvGrpSpPr/>
-          <p:nvPr/>
-        </p:nvGrpSpPr>
-        <p:grpSpPr>
-          <a:xfrm flipH="1">
-            <a:off x="8626368" y="2025646"/>
-            <a:ext cx="124322" cy="235296"/>
-            <a:chOff x="3360772" y="2469497"/>
-            <a:chExt cx="126411" cy="229510"/>
-          </a:xfrm>
-        </p:grpSpPr>
-        <p:cxnSp>
-          <p:nvCxnSpPr>
-            <p:cNvPr id="74" name="Straight Connector 73"/>
-            <p:cNvCxnSpPr/>
-            <p:nvPr/>
-          </p:nvCxnSpPr>
-          <p:spPr>
-            <a:xfrm flipV="1">
-              <a:off x="3360772" y="2469497"/>
-              <a:ext cx="126411" cy="102677"/>
-            </a:xfrm>
-            <a:prstGeom prst="line">
-              <a:avLst/>
-            </a:prstGeom>
-            <a:ln>
-              <a:solidFill>
-                <a:schemeClr val="tx1"/>
-              </a:solidFill>
-            </a:ln>
-          </p:spPr>
-          <p:style>
-            <a:lnRef idx="1">
-              <a:schemeClr val="accent1"/>
-            </a:lnRef>
-            <a:fillRef idx="0">
-              <a:schemeClr val="accent1"/>
-            </a:fillRef>
-            <a:effectRef idx="0">
-              <a:schemeClr val="accent1"/>
-            </a:effectRef>
-            <a:fontRef idx="minor">
-              <a:schemeClr val="tx1"/>
-            </a:fontRef>
-          </p:style>
-        </p:cxnSp>
-        <p:cxnSp>
-          <p:nvCxnSpPr>
-            <p:cNvPr id="75" name="Straight Connector 74"/>
-            <p:cNvCxnSpPr/>
-            <p:nvPr/>
-          </p:nvCxnSpPr>
-          <p:spPr>
-            <a:xfrm>
-              <a:off x="3360772" y="2572174"/>
-              <a:ext cx="126411" cy="126833"/>
-            </a:xfrm>
-            <a:prstGeom prst="line">
-              <a:avLst/>
-            </a:prstGeom>
-            <a:ln>
-              <a:solidFill>
-                <a:schemeClr val="tx1"/>
-              </a:solidFill>
-            </a:ln>
-          </p:spPr>
-          <p:style>
-            <a:lnRef idx="1">
-              <a:schemeClr val="accent1"/>
-            </a:lnRef>
-            <a:fillRef idx="0">
-              <a:schemeClr val="accent1"/>
-            </a:fillRef>
-            <a:effectRef idx="0">
-              <a:schemeClr val="accent1"/>
-            </a:effectRef>
-            <a:fontRef idx="minor">
-              <a:schemeClr val="tx1"/>
-            </a:fontRef>
-          </p:style>
-        </p:cxnSp>
-      </p:grpSp>
-      <p:cxnSp>
-        <p:nvCxnSpPr>
-          <p:cNvPr id="76" name="Straight Connector 75"/>
-          <p:cNvCxnSpPr/>
-          <p:nvPr/>
-        </p:nvCxnSpPr>
-        <p:spPr>
-          <a:xfrm>
-            <a:off x="8688529" y="4841145"/>
-            <a:ext cx="0" cy="182957"/>
-          </a:xfrm>
-          <a:prstGeom prst="line">
-            <a:avLst/>
           </a:prstGeom>
           <a:ln>
             <a:solidFill>
@@ -4161,53 +7824,53 @@
             <a:lstStyle/>
             <a:p>
               <a:r>
-                <a:rPr lang="en-SG" sz="1200" dirty="0" err="1" smtClean="0"/>
+                <a:rPr lang="en-SG" sz="1200" dirty="0" err="1"/>
                 <a:t>factUVIndex</a:t>
               </a:r>
-              <a:endParaRPr lang="en-SG" sz="1200" dirty="0" smtClean="0"/>
-            </a:p>
-            <a:p>
-              <a:endParaRPr lang="en-SG" sz="1200" dirty="0" smtClean="0"/>
-            </a:p>
-            <a:p>
-              <a:r>
-                <a:rPr lang="en-SG" sz="1200" dirty="0" smtClean="0"/>
+              <a:endParaRPr lang="en-SG" sz="1200" dirty="0"/>
+            </a:p>
+            <a:p>
+              <a:endParaRPr lang="en-SG" sz="1200" dirty="0"/>
+            </a:p>
+            <a:p>
+              <a:r>
+                <a:rPr lang="en-SG" sz="1200" dirty="0"/>
                 <a:t>ID (PK)</a:t>
               </a:r>
             </a:p>
             <a:p>
               <a:r>
-                <a:rPr lang="en-SG" sz="1200" dirty="0" smtClean="0"/>
+                <a:rPr lang="en-SG" sz="1200" dirty="0"/>
                 <a:t>Date (FK)</a:t>
               </a:r>
             </a:p>
             <a:p>
               <a:r>
-                <a:rPr lang="en-SG" sz="1200" dirty="0" smtClean="0"/>
+                <a:rPr lang="en-SG" sz="1200" dirty="0"/>
                 <a:t>MeanUVIndex</a:t>
               </a:r>
             </a:p>
             <a:p>
               <a:r>
-                <a:rPr lang="en-SG" sz="1200" dirty="0" err="1" smtClean="0"/>
+                <a:rPr lang="en-SG" sz="1200" dirty="0" err="1"/>
                 <a:t>MaxUVIndex</a:t>
               </a:r>
               <a:endParaRPr lang="en-SG" sz="1200" dirty="0"/>
             </a:p>
             <a:p>
               <a:r>
-                <a:rPr lang="en-SG" sz="1200" dirty="0" err="1" smtClean="0"/>
+                <a:rPr lang="en-SG" sz="1200" dirty="0" err="1"/>
                 <a:t>MinUVIndex</a:t>
               </a:r>
               <a:endParaRPr lang="en-SG" sz="1200" dirty="0"/>
             </a:p>
             <a:p>
               <a:r>
-                <a:rPr lang="en-SG" sz="1200" dirty="0" err="1" smtClean="0"/>
+                <a:rPr lang="en-SG" sz="1200" dirty="0" err="1"/>
                 <a:t>RegionId</a:t>
               </a:r>
               <a:r>
-                <a:rPr lang="en-SG" sz="1200" dirty="0" smtClean="0"/>
+                <a:rPr lang="en-SG" sz="1200" dirty="0"/>
                 <a:t> (FK)</a:t>
               </a:r>
             </a:p>
@@ -4223,176 +7886,6 @@
             <a:xfrm flipH="1">
               <a:off x="4296228" y="1129034"/>
               <a:ext cx="1200970" cy="1"/>
-            </a:xfrm>
-            <a:prstGeom prst="line">
-              <a:avLst/>
-            </a:prstGeom>
-            <a:ln>
-              <a:solidFill>
-                <a:schemeClr val="tx1"/>
-              </a:solidFill>
-            </a:ln>
-          </p:spPr>
-          <p:style>
-            <a:lnRef idx="1">
-              <a:schemeClr val="accent1"/>
-            </a:lnRef>
-            <a:fillRef idx="0">
-              <a:schemeClr val="accent1"/>
-            </a:fillRef>
-            <a:effectRef idx="0">
-              <a:schemeClr val="accent1"/>
-            </a:effectRef>
-            <a:fontRef idx="minor">
-              <a:schemeClr val="tx1"/>
-            </a:fontRef>
-          </p:style>
-        </p:cxnSp>
-      </p:grpSp>
-      <p:grpSp>
-        <p:nvGrpSpPr>
-          <p:cNvPr id="60" name="Group 59"/>
-          <p:cNvGrpSpPr/>
-          <p:nvPr/>
-        </p:nvGrpSpPr>
-        <p:grpSpPr>
-          <a:xfrm>
-            <a:off x="4746200" y="1993273"/>
-            <a:ext cx="126411" cy="229510"/>
-            <a:chOff x="3360772" y="2469497"/>
-            <a:chExt cx="126411" cy="229510"/>
-          </a:xfrm>
-        </p:grpSpPr>
-        <p:cxnSp>
-          <p:nvCxnSpPr>
-            <p:cNvPr id="61" name="Straight Connector 60"/>
-            <p:cNvCxnSpPr/>
-            <p:nvPr/>
-          </p:nvCxnSpPr>
-          <p:spPr>
-            <a:xfrm flipV="1">
-              <a:off x="3360772" y="2469497"/>
-              <a:ext cx="126411" cy="102677"/>
-            </a:xfrm>
-            <a:prstGeom prst="line">
-              <a:avLst/>
-            </a:prstGeom>
-            <a:ln>
-              <a:solidFill>
-                <a:schemeClr val="tx1"/>
-              </a:solidFill>
-            </a:ln>
-          </p:spPr>
-          <p:style>
-            <a:lnRef idx="1">
-              <a:schemeClr val="accent1"/>
-            </a:lnRef>
-            <a:fillRef idx="0">
-              <a:schemeClr val="accent1"/>
-            </a:fillRef>
-            <a:effectRef idx="0">
-              <a:schemeClr val="accent1"/>
-            </a:effectRef>
-            <a:fontRef idx="minor">
-              <a:schemeClr val="tx1"/>
-            </a:fontRef>
-          </p:style>
-        </p:cxnSp>
-        <p:cxnSp>
-          <p:nvCxnSpPr>
-            <p:cNvPr id="62" name="Straight Connector 61"/>
-            <p:cNvCxnSpPr/>
-            <p:nvPr/>
-          </p:nvCxnSpPr>
-          <p:spPr>
-            <a:xfrm>
-              <a:off x="3360772" y="2572174"/>
-              <a:ext cx="126411" cy="126833"/>
-            </a:xfrm>
-            <a:prstGeom prst="line">
-              <a:avLst/>
-            </a:prstGeom>
-            <a:ln>
-              <a:solidFill>
-                <a:schemeClr val="tx1"/>
-              </a:solidFill>
-            </a:ln>
-          </p:spPr>
-          <p:style>
-            <a:lnRef idx="1">
-              <a:schemeClr val="accent1"/>
-            </a:lnRef>
-            <a:fillRef idx="0">
-              <a:schemeClr val="accent1"/>
-            </a:fillRef>
-            <a:effectRef idx="0">
-              <a:schemeClr val="accent1"/>
-            </a:effectRef>
-            <a:fontRef idx="minor">
-              <a:schemeClr val="tx1"/>
-            </a:fontRef>
-          </p:style>
-        </p:cxnSp>
-      </p:grpSp>
-      <p:grpSp>
-        <p:nvGrpSpPr>
-          <p:cNvPr id="63" name="Group 62"/>
-          <p:cNvGrpSpPr/>
-          <p:nvPr/>
-        </p:nvGrpSpPr>
-        <p:grpSpPr>
-          <a:xfrm flipH="1">
-            <a:off x="6070840" y="1970916"/>
-            <a:ext cx="124322" cy="235296"/>
-            <a:chOff x="3360772" y="2469497"/>
-            <a:chExt cx="126411" cy="229510"/>
-          </a:xfrm>
-        </p:grpSpPr>
-        <p:cxnSp>
-          <p:nvCxnSpPr>
-            <p:cNvPr id="64" name="Straight Connector 63"/>
-            <p:cNvCxnSpPr/>
-            <p:nvPr/>
-          </p:nvCxnSpPr>
-          <p:spPr>
-            <a:xfrm flipV="1">
-              <a:off x="3360772" y="2469497"/>
-              <a:ext cx="126411" cy="102677"/>
-            </a:xfrm>
-            <a:prstGeom prst="line">
-              <a:avLst/>
-            </a:prstGeom>
-            <a:ln>
-              <a:solidFill>
-                <a:schemeClr val="tx1"/>
-              </a:solidFill>
-            </a:ln>
-          </p:spPr>
-          <p:style>
-            <a:lnRef idx="1">
-              <a:schemeClr val="accent1"/>
-            </a:lnRef>
-            <a:fillRef idx="0">
-              <a:schemeClr val="accent1"/>
-            </a:fillRef>
-            <a:effectRef idx="0">
-              <a:schemeClr val="accent1"/>
-            </a:effectRef>
-            <a:fontRef idx="minor">
-              <a:schemeClr val="tx1"/>
-            </a:fontRef>
-          </p:style>
-        </p:cxnSp>
-        <p:cxnSp>
-          <p:nvCxnSpPr>
-            <p:cNvPr id="65" name="Straight Connector 64"/>
-            <p:cNvCxnSpPr/>
-            <p:nvPr/>
-          </p:nvCxnSpPr>
-          <p:spPr>
-            <a:xfrm>
-              <a:off x="3360772" y="2572174"/>
-              <a:ext cx="126411" cy="126833"/>
             </a:xfrm>
             <a:prstGeom prst="line">
               <a:avLst/>
@@ -4461,40 +7954,40 @@
             <a:lstStyle/>
             <a:p>
               <a:r>
-                <a:rPr lang="en-SG" sz="1200" dirty="0" err="1" smtClean="0"/>
+                <a:rPr lang="en-SG" sz="1200" dirty="0" err="1"/>
                 <a:t>factPSI</a:t>
               </a:r>
-              <a:endParaRPr lang="en-SG" sz="1200" dirty="0" smtClean="0"/>
-            </a:p>
-            <a:p>
-              <a:endParaRPr lang="en-SG" sz="1200" dirty="0" smtClean="0"/>
-            </a:p>
-            <a:p>
-              <a:r>
-                <a:rPr lang="en-SG" sz="1200" dirty="0" smtClean="0"/>
+              <a:endParaRPr lang="en-SG" sz="1200" dirty="0"/>
+            </a:p>
+            <a:p>
+              <a:endParaRPr lang="en-SG" sz="1200" dirty="0"/>
+            </a:p>
+            <a:p>
+              <a:r>
+                <a:rPr lang="en-SG" sz="1200" dirty="0"/>
                 <a:t>ID (PK)</a:t>
               </a:r>
             </a:p>
             <a:p>
               <a:r>
-                <a:rPr lang="en-SG" sz="1200" dirty="0" smtClean="0"/>
+                <a:rPr lang="en-SG" sz="1200" dirty="0"/>
                 <a:t>Date (FK)</a:t>
               </a:r>
             </a:p>
             <a:p>
               <a:r>
-                <a:rPr lang="en-SG" sz="1200" dirty="0" err="1" smtClean="0"/>
+                <a:rPr lang="en-SG" sz="1200" dirty="0" err="1"/>
                 <a:t>MeanPSI</a:t>
               </a:r>
-              <a:endParaRPr lang="en-SG" sz="1200" dirty="0" smtClean="0"/>
-            </a:p>
-            <a:p>
-              <a:r>
-                <a:rPr lang="en-SG" sz="1200" dirty="0" err="1" smtClean="0"/>
+              <a:endParaRPr lang="en-SG" sz="1200" dirty="0"/>
+            </a:p>
+            <a:p>
+              <a:r>
+                <a:rPr lang="en-SG" sz="1200" dirty="0" err="1"/>
                 <a:t>RegionId</a:t>
               </a:r>
               <a:r>
-                <a:rPr lang="en-SG" sz="1200" dirty="0" smtClean="0"/>
+                <a:rPr lang="en-SG" sz="1200" dirty="0"/>
                 <a:t> (FK)</a:t>
               </a:r>
             </a:p>
@@ -4536,176 +8029,6 @@
           </p:style>
         </p:cxnSp>
       </p:grpSp>
-      <p:grpSp>
-        <p:nvGrpSpPr>
-          <p:cNvPr id="71" name="Group 70"/>
-          <p:cNvGrpSpPr/>
-          <p:nvPr/>
-        </p:nvGrpSpPr>
-        <p:grpSpPr>
-          <a:xfrm>
-            <a:off x="4740689" y="3408636"/>
-            <a:ext cx="126411" cy="229510"/>
-            <a:chOff x="3360772" y="2469497"/>
-            <a:chExt cx="126411" cy="229510"/>
-          </a:xfrm>
-        </p:grpSpPr>
-        <p:cxnSp>
-          <p:nvCxnSpPr>
-            <p:cNvPr id="72" name="Straight Connector 71"/>
-            <p:cNvCxnSpPr/>
-            <p:nvPr/>
-          </p:nvCxnSpPr>
-          <p:spPr>
-            <a:xfrm flipV="1">
-              <a:off x="3360772" y="2469497"/>
-              <a:ext cx="126411" cy="102677"/>
-            </a:xfrm>
-            <a:prstGeom prst="line">
-              <a:avLst/>
-            </a:prstGeom>
-            <a:ln>
-              <a:solidFill>
-                <a:schemeClr val="tx1"/>
-              </a:solidFill>
-            </a:ln>
-          </p:spPr>
-          <p:style>
-            <a:lnRef idx="1">
-              <a:schemeClr val="accent1"/>
-            </a:lnRef>
-            <a:fillRef idx="0">
-              <a:schemeClr val="accent1"/>
-            </a:fillRef>
-            <a:effectRef idx="0">
-              <a:schemeClr val="accent1"/>
-            </a:effectRef>
-            <a:fontRef idx="minor">
-              <a:schemeClr val="tx1"/>
-            </a:fontRef>
-          </p:style>
-        </p:cxnSp>
-        <p:cxnSp>
-          <p:nvCxnSpPr>
-            <p:cNvPr id="77" name="Straight Connector 76"/>
-            <p:cNvCxnSpPr/>
-            <p:nvPr/>
-          </p:nvCxnSpPr>
-          <p:spPr>
-            <a:xfrm>
-              <a:off x="3360772" y="2572174"/>
-              <a:ext cx="126411" cy="126833"/>
-            </a:xfrm>
-            <a:prstGeom prst="line">
-              <a:avLst/>
-            </a:prstGeom>
-            <a:ln>
-              <a:solidFill>
-                <a:schemeClr val="tx1"/>
-              </a:solidFill>
-            </a:ln>
-          </p:spPr>
-          <p:style>
-            <a:lnRef idx="1">
-              <a:schemeClr val="accent1"/>
-            </a:lnRef>
-            <a:fillRef idx="0">
-              <a:schemeClr val="accent1"/>
-            </a:fillRef>
-            <a:effectRef idx="0">
-              <a:schemeClr val="accent1"/>
-            </a:effectRef>
-            <a:fontRef idx="minor">
-              <a:schemeClr val="tx1"/>
-            </a:fontRef>
-          </p:style>
-        </p:cxnSp>
-      </p:grpSp>
-      <p:grpSp>
-        <p:nvGrpSpPr>
-          <p:cNvPr id="78" name="Group 77"/>
-          <p:cNvGrpSpPr/>
-          <p:nvPr/>
-        </p:nvGrpSpPr>
-        <p:grpSpPr>
-          <a:xfrm flipH="1">
-            <a:off x="6070840" y="3472723"/>
-            <a:ext cx="124322" cy="235296"/>
-            <a:chOff x="3360772" y="2469497"/>
-            <a:chExt cx="126411" cy="229510"/>
-          </a:xfrm>
-        </p:grpSpPr>
-        <p:cxnSp>
-          <p:nvCxnSpPr>
-            <p:cNvPr id="79" name="Straight Connector 78"/>
-            <p:cNvCxnSpPr/>
-            <p:nvPr/>
-          </p:nvCxnSpPr>
-          <p:spPr>
-            <a:xfrm flipV="1">
-              <a:off x="3360772" y="2469497"/>
-              <a:ext cx="126411" cy="102677"/>
-            </a:xfrm>
-            <a:prstGeom prst="line">
-              <a:avLst/>
-            </a:prstGeom>
-            <a:ln>
-              <a:solidFill>
-                <a:schemeClr val="tx1"/>
-              </a:solidFill>
-            </a:ln>
-          </p:spPr>
-          <p:style>
-            <a:lnRef idx="1">
-              <a:schemeClr val="accent1"/>
-            </a:lnRef>
-            <a:fillRef idx="0">
-              <a:schemeClr val="accent1"/>
-            </a:fillRef>
-            <a:effectRef idx="0">
-              <a:schemeClr val="accent1"/>
-            </a:effectRef>
-            <a:fontRef idx="minor">
-              <a:schemeClr val="tx1"/>
-            </a:fontRef>
-          </p:style>
-        </p:cxnSp>
-        <p:cxnSp>
-          <p:nvCxnSpPr>
-            <p:cNvPr id="80" name="Straight Connector 79"/>
-            <p:cNvCxnSpPr/>
-            <p:nvPr/>
-          </p:nvCxnSpPr>
-          <p:spPr>
-            <a:xfrm>
-              <a:off x="3360772" y="2572174"/>
-              <a:ext cx="126411" cy="126833"/>
-            </a:xfrm>
-            <a:prstGeom prst="line">
-              <a:avLst/>
-            </a:prstGeom>
-            <a:ln>
-              <a:solidFill>
-                <a:schemeClr val="tx1"/>
-              </a:solidFill>
-            </a:ln>
-          </p:spPr>
-          <p:style>
-            <a:lnRef idx="1">
-              <a:schemeClr val="accent1"/>
-            </a:lnRef>
-            <a:fillRef idx="0">
-              <a:schemeClr val="accent1"/>
-            </a:fillRef>
-            <a:effectRef idx="0">
-              <a:schemeClr val="accent1"/>
-            </a:effectRef>
-            <a:fontRef idx="minor">
-              <a:schemeClr val="tx1"/>
-            </a:fontRef>
-          </p:style>
-        </p:cxnSp>
-      </p:grpSp>
       <p:cxnSp>
         <p:nvCxnSpPr>
           <p:cNvPr id="27" name="Straight Connector 26"/>
@@ -4714,8 +8037,8 @@
         </p:nvCxnSpPr>
         <p:spPr>
           <a:xfrm flipH="1">
-            <a:off x="3994770" y="982094"/>
-            <a:ext cx="2779181" cy="119"/>
+            <a:off x="3553906" y="982094"/>
+            <a:ext cx="3220046" cy="1862"/>
           </a:xfrm>
           <a:prstGeom prst="line">
             <a:avLst/>
@@ -4748,9 +8071,9 @@
           <p:nvPr/>
         </p:nvCxnSpPr>
         <p:spPr>
-          <a:xfrm flipH="1">
-            <a:off x="3988915" y="1500762"/>
-            <a:ext cx="313341" cy="2"/>
+          <a:xfrm flipH="1" flipV="1">
+            <a:off x="3555995" y="1384716"/>
+            <a:ext cx="739668" cy="4774"/>
           </a:xfrm>
           <a:prstGeom prst="line">
             <a:avLst/>
@@ -4778,138 +8101,18 @@
       </p:cxnSp>
       <p:cxnSp>
         <p:nvCxnSpPr>
-          <p:cNvPr id="81" name="Straight Connector 80"/>
-          <p:cNvCxnSpPr/>
-          <p:nvPr/>
-        </p:nvCxnSpPr>
-        <p:spPr>
-          <a:xfrm>
-            <a:off x="4052965" y="1409283"/>
-            <a:ext cx="0" cy="182957"/>
-          </a:xfrm>
-          <a:prstGeom prst="line">
-            <a:avLst/>
-          </a:prstGeom>
-          <a:ln>
-            <a:solidFill>
-              <a:schemeClr val="tx1"/>
-            </a:solidFill>
-          </a:ln>
-        </p:spPr>
-        <p:style>
-          <a:lnRef idx="1">
-            <a:schemeClr val="accent1"/>
-          </a:lnRef>
-          <a:fillRef idx="0">
-            <a:schemeClr val="accent1"/>
-          </a:fillRef>
-          <a:effectRef idx="0">
-            <a:schemeClr val="accent1"/>
-          </a:effectRef>
-          <a:fontRef idx="minor">
-            <a:schemeClr val="tx1"/>
-          </a:fontRef>
-        </p:style>
-      </p:cxnSp>
-      <p:grpSp>
-        <p:nvGrpSpPr>
-          <p:cNvPr id="87" name="Group 86"/>
-          <p:cNvGrpSpPr/>
-          <p:nvPr/>
-        </p:nvGrpSpPr>
-        <p:grpSpPr>
-          <a:xfrm>
-            <a:off x="2654325" y="2618511"/>
-            <a:ext cx="126411" cy="229510"/>
-            <a:chOff x="3360772" y="2469497"/>
-            <a:chExt cx="126411" cy="229510"/>
-          </a:xfrm>
-        </p:grpSpPr>
-        <p:cxnSp>
-          <p:nvCxnSpPr>
-            <p:cNvPr id="88" name="Straight Connector 87"/>
-            <p:cNvCxnSpPr/>
-            <p:nvPr/>
-          </p:nvCxnSpPr>
-          <p:spPr>
-            <a:xfrm flipV="1">
-              <a:off x="3360772" y="2469497"/>
-              <a:ext cx="126411" cy="102677"/>
-            </a:xfrm>
-            <a:prstGeom prst="line">
-              <a:avLst/>
-            </a:prstGeom>
-            <a:ln>
-              <a:solidFill>
-                <a:schemeClr val="tx1"/>
-              </a:solidFill>
-            </a:ln>
-          </p:spPr>
-          <p:style>
-            <a:lnRef idx="1">
-              <a:schemeClr val="accent1"/>
-            </a:lnRef>
-            <a:fillRef idx="0">
-              <a:schemeClr val="accent1"/>
-            </a:fillRef>
-            <a:effectRef idx="0">
-              <a:schemeClr val="accent1"/>
-            </a:effectRef>
-            <a:fontRef idx="minor">
-              <a:schemeClr val="tx1"/>
-            </a:fontRef>
-          </p:style>
-        </p:cxnSp>
-        <p:cxnSp>
-          <p:nvCxnSpPr>
-            <p:cNvPr id="89" name="Straight Connector 88"/>
-            <p:cNvCxnSpPr/>
-            <p:nvPr/>
-          </p:nvCxnSpPr>
-          <p:spPr>
-            <a:xfrm>
-              <a:off x="3360772" y="2572174"/>
-              <a:ext cx="126411" cy="126833"/>
-            </a:xfrm>
-            <a:prstGeom prst="line">
-              <a:avLst/>
-            </a:prstGeom>
-            <a:ln>
-              <a:solidFill>
-                <a:schemeClr val="tx1"/>
-              </a:solidFill>
-            </a:ln>
-          </p:spPr>
-          <p:style>
-            <a:lnRef idx="1">
-              <a:schemeClr val="accent1"/>
-            </a:lnRef>
-            <a:fillRef idx="0">
-              <a:schemeClr val="accent1"/>
-            </a:fillRef>
-            <a:effectRef idx="0">
-              <a:schemeClr val="accent1"/>
-            </a:effectRef>
-            <a:fontRef idx="minor">
-              <a:schemeClr val="tx1"/>
-            </a:fontRef>
-          </p:style>
-        </p:cxnSp>
-      </p:grpSp>
-      <p:cxnSp>
-        <p:nvCxnSpPr>
           <p:cNvPr id="95" name="Elbow Connector 94"/>
           <p:cNvCxnSpPr/>
           <p:nvPr/>
         </p:nvCxnSpPr>
         <p:spPr>
           <a:xfrm rot="16200000" flipH="1">
-            <a:off x="3561768" y="2246929"/>
-            <a:ext cx="2060597" cy="568264"/>
+            <a:off x="3503327" y="2188488"/>
+            <a:ext cx="2168206" cy="577535"/>
           </a:xfrm>
           <a:prstGeom prst="bentConnector3">
             <a:avLst>
-              <a:gd name="adj1" fmla="val 97704"/>
+              <a:gd name="adj1" fmla="val 98230"/>
             </a:avLst>
           </a:prstGeom>
           <a:ln>
@@ -4975,123 +8178,20 @@
       </p:cxnSp>
       <p:cxnSp>
         <p:nvCxnSpPr>
-          <p:cNvPr id="112" name="Straight Connector 111"/>
-          <p:cNvCxnSpPr/>
+          <p:cNvPr id="121" name="Elbow Connector 120"/>
+          <p:cNvCxnSpPr>
+            <a:stCxn id="45" idx="3"/>
+          </p:cNvCxnSpPr>
           <p:nvPr/>
         </p:nvCxnSpPr>
         <p:spPr>
           <a:xfrm>
-            <a:off x="6135838" y="4974298"/>
-            <a:ext cx="0" cy="182957"/>
-          </a:xfrm>
-          <a:prstGeom prst="line">
-            <a:avLst/>
-          </a:prstGeom>
-          <a:ln>
-            <a:solidFill>
-              <a:schemeClr val="tx1"/>
-            </a:solidFill>
-          </a:ln>
-        </p:spPr>
-        <p:style>
-          <a:lnRef idx="1">
-            <a:schemeClr val="accent1"/>
-          </a:lnRef>
-          <a:fillRef idx="0">
-            <a:schemeClr val="accent1"/>
-          </a:fillRef>
-          <a:effectRef idx="0">
-            <a:schemeClr val="accent1"/>
-          </a:effectRef>
-          <a:fontRef idx="minor">
-            <a:schemeClr val="tx1"/>
-          </a:fontRef>
-        </p:style>
-      </p:cxnSp>
-      <p:cxnSp>
-        <p:nvCxnSpPr>
-          <p:cNvPr id="113" name="Straight Connector 112"/>
-          <p:cNvCxnSpPr/>
-          <p:nvPr/>
-        </p:nvCxnSpPr>
-        <p:spPr>
-          <a:xfrm>
-            <a:off x="6164526" y="4769437"/>
-            <a:ext cx="0" cy="182957"/>
-          </a:xfrm>
-          <a:prstGeom prst="line">
-            <a:avLst/>
-          </a:prstGeom>
-          <a:ln>
-            <a:solidFill>
-              <a:schemeClr val="tx1"/>
-            </a:solidFill>
-          </a:ln>
-        </p:spPr>
-        <p:style>
-          <a:lnRef idx="1">
-            <a:schemeClr val="accent1"/>
-          </a:lnRef>
-          <a:fillRef idx="0">
-            <a:schemeClr val="accent1"/>
-          </a:fillRef>
-          <a:effectRef idx="0">
-            <a:schemeClr val="accent1"/>
-          </a:effectRef>
-          <a:fontRef idx="minor">
-            <a:schemeClr val="tx1"/>
-          </a:fontRef>
-        </p:style>
-      </p:cxnSp>
-      <p:cxnSp>
-        <p:nvCxnSpPr>
-          <p:cNvPr id="114" name="Straight Connector 113"/>
-          <p:cNvCxnSpPr/>
-          <p:nvPr/>
-        </p:nvCxnSpPr>
-        <p:spPr>
-          <a:xfrm>
-            <a:off x="6133001" y="4590275"/>
-            <a:ext cx="0" cy="182957"/>
-          </a:xfrm>
-          <a:prstGeom prst="line">
-            <a:avLst/>
-          </a:prstGeom>
-          <a:ln>
-            <a:solidFill>
-              <a:schemeClr val="tx1"/>
-            </a:solidFill>
-          </a:ln>
-        </p:spPr>
-        <p:style>
-          <a:lnRef idx="1">
-            <a:schemeClr val="accent1"/>
-          </a:lnRef>
-          <a:fillRef idx="0">
-            <a:schemeClr val="accent1"/>
-          </a:fillRef>
-          <a:effectRef idx="0">
-            <a:schemeClr val="accent1"/>
-          </a:effectRef>
-          <a:fontRef idx="minor">
-            <a:schemeClr val="tx1"/>
-          </a:fontRef>
-        </p:style>
-      </p:cxnSp>
-      <p:cxnSp>
-        <p:nvCxnSpPr>
-          <p:cNvPr id="121" name="Elbow Connector 120"/>
-          <p:cNvCxnSpPr/>
-          <p:nvPr/>
-        </p:nvCxnSpPr>
-        <p:spPr>
-          <a:xfrm>
-            <a:off x="3994770" y="1214906"/>
-            <a:ext cx="881429" cy="889081"/>
+            <a:off x="3553906" y="1125053"/>
+            <a:ext cx="1322293" cy="978934"/>
           </a:xfrm>
           <a:prstGeom prst="bentConnector3">
             <a:avLst>
-              <a:gd name="adj1" fmla="val 55187"/>
+              <a:gd name="adj1" fmla="val 68759"/>
             </a:avLst>
           </a:prstGeom>
           <a:ln>
@@ -5163,7 +8263,7 @@
         </p:nvGrpSpPr>
         <p:grpSpPr>
           <a:xfrm>
-            <a:off x="2735309" y="3783470"/>
+            <a:off x="2366048" y="4148647"/>
             <a:ext cx="1317655" cy="1384995"/>
             <a:chOff x="4296229" y="798286"/>
             <a:chExt cx="1200970" cy="1384995"/>
@@ -5198,48 +8298,44 @@
             <a:p>
               <a:r>
                 <a:rPr lang="en-SG" sz="1200" dirty="0" err="1"/>
-                <a:t>d</a:t>
-              </a:r>
-              <a:r>
-                <a:rPr lang="en-SG" sz="1200" dirty="0" err="1" smtClean="0"/>
-                <a:t>imHDBLocation</a:t>
-              </a:r>
-              <a:endParaRPr lang="en-SG" sz="1200" dirty="0" smtClean="0"/>
-            </a:p>
-            <a:p>
-              <a:endParaRPr lang="en-SG" sz="1200" dirty="0" smtClean="0"/>
-            </a:p>
-            <a:p>
-              <a:r>
-                <a:rPr lang="en-SG" sz="1200" dirty="0" smtClean="0"/>
+                <a:t>dimHDBLocation</a:t>
+              </a:r>
+              <a:endParaRPr lang="en-SG" sz="1200" dirty="0"/>
+            </a:p>
+            <a:p>
+              <a:endParaRPr lang="en-SG" sz="1200" dirty="0"/>
+            </a:p>
+            <a:p>
+              <a:r>
+                <a:rPr lang="en-SG" sz="1200" dirty="0"/>
                 <a:t>ID (PK)</a:t>
               </a:r>
             </a:p>
             <a:p>
               <a:r>
-                <a:rPr lang="en-SG" sz="1200" dirty="0" smtClean="0"/>
+                <a:rPr lang="en-SG" sz="1200" dirty="0"/>
                 <a:t>Address</a:t>
               </a:r>
             </a:p>
             <a:p>
               <a:r>
-                <a:rPr lang="en-SG" sz="1200" dirty="0" smtClean="0"/>
+                <a:rPr lang="en-SG" sz="1200" dirty="0"/>
                 <a:t>Latitude</a:t>
               </a:r>
             </a:p>
             <a:p>
               <a:r>
-                <a:rPr lang="en-SG" sz="1200" dirty="0" smtClean="0"/>
+                <a:rPr lang="en-SG" sz="1200" dirty="0"/>
                 <a:t>Longitude</a:t>
               </a:r>
             </a:p>
             <a:p>
               <a:r>
-                <a:rPr lang="en-SG" sz="1200" dirty="0" err="1" smtClean="0"/>
+                <a:rPr lang="en-SG" sz="1200" dirty="0" err="1"/>
                 <a:t>RegionId</a:t>
               </a:r>
               <a:r>
-                <a:rPr lang="en-SG" sz="1200" dirty="0" smtClean="0"/>
+                <a:rPr lang="en-SG" sz="1200" dirty="0"/>
                 <a:t> (FK)</a:t>
               </a:r>
             </a:p>
@@ -5281,91 +8377,6 @@
           </p:style>
         </p:cxnSp>
       </p:grpSp>
-      <p:grpSp>
-        <p:nvGrpSpPr>
-          <p:cNvPr id="85" name="Group 84"/>
-          <p:cNvGrpSpPr/>
-          <p:nvPr/>
-        </p:nvGrpSpPr>
-        <p:grpSpPr>
-          <a:xfrm>
-            <a:off x="2609372" y="4781385"/>
-            <a:ext cx="126411" cy="229510"/>
-            <a:chOff x="3360772" y="2469497"/>
-            <a:chExt cx="126411" cy="229510"/>
-          </a:xfrm>
-        </p:grpSpPr>
-        <p:cxnSp>
-          <p:nvCxnSpPr>
-            <p:cNvPr id="86" name="Straight Connector 85"/>
-            <p:cNvCxnSpPr/>
-            <p:nvPr/>
-          </p:nvCxnSpPr>
-          <p:spPr>
-            <a:xfrm flipV="1">
-              <a:off x="3360772" y="2469497"/>
-              <a:ext cx="126411" cy="102677"/>
-            </a:xfrm>
-            <a:prstGeom prst="line">
-              <a:avLst/>
-            </a:prstGeom>
-            <a:ln>
-              <a:solidFill>
-                <a:schemeClr val="tx1"/>
-              </a:solidFill>
-            </a:ln>
-          </p:spPr>
-          <p:style>
-            <a:lnRef idx="1">
-              <a:schemeClr val="accent1"/>
-            </a:lnRef>
-            <a:fillRef idx="0">
-              <a:schemeClr val="accent1"/>
-            </a:fillRef>
-            <a:effectRef idx="0">
-              <a:schemeClr val="accent1"/>
-            </a:effectRef>
-            <a:fontRef idx="minor">
-              <a:schemeClr val="tx1"/>
-            </a:fontRef>
-          </p:style>
-        </p:cxnSp>
-        <p:cxnSp>
-          <p:nvCxnSpPr>
-            <p:cNvPr id="90" name="Straight Connector 89"/>
-            <p:cNvCxnSpPr/>
-            <p:nvPr/>
-          </p:nvCxnSpPr>
-          <p:spPr>
-            <a:xfrm>
-              <a:off x="3360772" y="2572174"/>
-              <a:ext cx="126411" cy="126833"/>
-            </a:xfrm>
-            <a:prstGeom prst="line">
-              <a:avLst/>
-            </a:prstGeom>
-            <a:ln>
-              <a:solidFill>
-                <a:schemeClr val="tx1"/>
-              </a:solidFill>
-            </a:ln>
-          </p:spPr>
-          <p:style>
-            <a:lnRef idx="1">
-              <a:schemeClr val="accent1"/>
-            </a:lnRef>
-            <a:fillRef idx="0">
-              <a:schemeClr val="accent1"/>
-            </a:fillRef>
-            <a:effectRef idx="0">
-              <a:schemeClr val="accent1"/>
-            </a:effectRef>
-            <a:fontRef idx="minor">
-              <a:schemeClr val="tx1"/>
-            </a:fontRef>
-          </p:style>
-        </p:cxnSp>
-      </p:grpSp>
       <p:cxnSp>
         <p:nvCxnSpPr>
           <p:cNvPr id="104" name="Straight Connector 103"/>
@@ -5373,9 +8384,9 @@
           <p:nvPr/>
         </p:nvCxnSpPr>
         <p:spPr>
-          <a:xfrm flipH="1">
-            <a:off x="3975795" y="2942709"/>
-            <a:ext cx="230389" cy="1018"/>
+          <a:xfrm flipH="1" flipV="1">
+            <a:off x="3562496" y="3017216"/>
+            <a:ext cx="604888" cy="3903"/>
           </a:xfrm>
           <a:prstGeom prst="line">
             <a:avLst/>
@@ -5439,209 +8450,17 @@
       <p:cxnSp>
         <p:nvCxnSpPr>
           <p:cNvPr id="106" name="Elbow Connector 105"/>
-          <p:cNvCxnSpPr/>
+          <p:cNvCxnSpPr>
+            <a:stCxn id="18" idx="1"/>
+          </p:cNvCxnSpPr>
           <p:nvPr/>
         </p:nvCxnSpPr>
         <p:spPr>
-          <a:xfrm rot="16200000" flipH="1">
-            <a:off x="3538490" y="3595550"/>
-            <a:ext cx="2010553" cy="663596"/>
-          </a:xfrm>
-          <a:prstGeom prst="bentConnector3">
-            <a:avLst>
-              <a:gd name="adj1" fmla="val 99811"/>
-            </a:avLst>
-          </a:prstGeom>
-          <a:ln>
-            <a:solidFill>
-              <a:schemeClr val="tx1"/>
-            </a:solidFill>
-          </a:ln>
-        </p:spPr>
-        <p:style>
-          <a:lnRef idx="1">
-            <a:schemeClr val="accent1"/>
-          </a:lnRef>
-          <a:fillRef idx="0">
-            <a:schemeClr val="accent1"/>
-          </a:fillRef>
-          <a:effectRef idx="0">
-            <a:schemeClr val="accent1"/>
-          </a:effectRef>
-          <a:fontRef idx="minor">
-            <a:schemeClr val="tx1"/>
-          </a:fontRef>
-        </p:style>
-      </p:cxnSp>
-      <p:grpSp>
-        <p:nvGrpSpPr>
-          <p:cNvPr id="115" name="Group 114"/>
-          <p:cNvGrpSpPr/>
-          <p:nvPr/>
-        </p:nvGrpSpPr>
-        <p:grpSpPr>
-          <a:xfrm flipH="1">
-            <a:off x="3984374" y="2825061"/>
-            <a:ext cx="124322" cy="235296"/>
-            <a:chOff x="3360772" y="2469497"/>
-            <a:chExt cx="126411" cy="229510"/>
-          </a:xfrm>
-        </p:grpSpPr>
-        <p:cxnSp>
-          <p:nvCxnSpPr>
-            <p:cNvPr id="116" name="Straight Connector 115"/>
-            <p:cNvCxnSpPr/>
-            <p:nvPr/>
-          </p:nvCxnSpPr>
-          <p:spPr>
-            <a:xfrm flipV="1">
-              <a:off x="3360772" y="2469497"/>
-              <a:ext cx="126411" cy="102677"/>
-            </a:xfrm>
-            <a:prstGeom prst="line">
-              <a:avLst/>
-            </a:prstGeom>
-            <a:ln>
-              <a:solidFill>
-                <a:schemeClr val="tx1"/>
-              </a:solidFill>
-            </a:ln>
-          </p:spPr>
-          <p:style>
-            <a:lnRef idx="1">
-              <a:schemeClr val="accent1"/>
-            </a:lnRef>
-            <a:fillRef idx="0">
-              <a:schemeClr val="accent1"/>
-            </a:fillRef>
-            <a:effectRef idx="0">
-              <a:schemeClr val="accent1"/>
-            </a:effectRef>
-            <a:fontRef idx="minor">
-              <a:schemeClr val="tx1"/>
-            </a:fontRef>
-          </p:style>
-        </p:cxnSp>
-        <p:cxnSp>
-          <p:nvCxnSpPr>
-            <p:cNvPr id="117" name="Straight Connector 116"/>
-            <p:cNvCxnSpPr/>
-            <p:nvPr/>
-          </p:nvCxnSpPr>
-          <p:spPr>
-            <a:xfrm>
-              <a:off x="3360772" y="2572174"/>
-              <a:ext cx="126411" cy="126833"/>
-            </a:xfrm>
-            <a:prstGeom prst="line">
-              <a:avLst/>
-            </a:prstGeom>
-            <a:ln>
-              <a:solidFill>
-                <a:schemeClr val="tx1"/>
-              </a:solidFill>
-            </a:ln>
-          </p:spPr>
-          <p:style>
-            <a:lnRef idx="1">
-              <a:schemeClr val="accent1"/>
-            </a:lnRef>
-            <a:fillRef idx="0">
-              <a:schemeClr val="accent1"/>
-            </a:fillRef>
-            <a:effectRef idx="0">
-              <a:schemeClr val="accent1"/>
-            </a:effectRef>
-            <a:fontRef idx="minor">
-              <a:schemeClr val="tx1"/>
-            </a:fontRef>
-          </p:style>
-        </p:cxnSp>
-      </p:grpSp>
-      <p:cxnSp>
-        <p:nvCxnSpPr>
-          <p:cNvPr id="118" name="Straight Connector 117"/>
-          <p:cNvCxnSpPr/>
-          <p:nvPr/>
-        </p:nvCxnSpPr>
-        <p:spPr>
-          <a:xfrm flipH="1">
-            <a:off x="2272814" y="1265580"/>
-            <a:ext cx="509524" cy="0"/>
-          </a:xfrm>
-          <a:prstGeom prst="line">
-            <a:avLst/>
-          </a:prstGeom>
-          <a:ln>
-            <a:solidFill>
-              <a:schemeClr val="tx1"/>
-            </a:solidFill>
-          </a:ln>
-        </p:spPr>
-        <p:style>
-          <a:lnRef idx="1">
-            <a:schemeClr val="accent1"/>
-          </a:lnRef>
-          <a:fillRef idx="0">
-            <a:schemeClr val="accent1"/>
-          </a:fillRef>
-          <a:effectRef idx="0">
-            <a:schemeClr val="accent1"/>
-          </a:effectRef>
-          <a:fontRef idx="minor">
-            <a:schemeClr val="tx1"/>
-          </a:fontRef>
-        </p:style>
-      </p:cxnSp>
-      <p:cxnSp>
-        <p:nvCxnSpPr>
-          <p:cNvPr id="119" name="Elbow Connector 118"/>
-          <p:cNvCxnSpPr/>
-          <p:nvPr/>
-        </p:nvCxnSpPr>
-        <p:spPr>
-          <a:xfrm>
-            <a:off x="2738877" y="4883221"/>
-            <a:ext cx="2136684" cy="503393"/>
-          </a:xfrm>
-          <a:prstGeom prst="bentConnector3">
-            <a:avLst>
-              <a:gd name="adj1" fmla="val -21682"/>
-            </a:avLst>
-          </a:prstGeom>
-          <a:ln>
-            <a:solidFill>
-              <a:schemeClr val="tx1"/>
-            </a:solidFill>
-          </a:ln>
-        </p:spPr>
-        <p:style>
-          <a:lnRef idx="1">
-            <a:schemeClr val="accent1"/>
-          </a:lnRef>
-          <a:fillRef idx="0">
-            <a:schemeClr val="accent1"/>
-          </a:fillRef>
-          <a:effectRef idx="0">
-            <a:schemeClr val="accent1"/>
-          </a:effectRef>
-          <a:fontRef idx="minor">
-            <a:schemeClr val="tx1"/>
-          </a:fontRef>
-        </p:style>
-      </p:cxnSp>
-      <p:cxnSp>
-        <p:nvCxnSpPr>
-          <p:cNvPr id="123" name="Straight Connector 122"/>
-          <p:cNvCxnSpPr/>
-          <p:nvPr/>
-        </p:nvCxnSpPr>
-        <p:spPr>
-          <a:xfrm>
-            <a:off x="4803894" y="5295136"/>
-            <a:ext cx="0" cy="182957"/>
-          </a:xfrm>
-          <a:prstGeom prst="line">
+          <a:xfrm rot="10800000">
+            <a:off x="4169473" y="3021119"/>
+            <a:ext cx="706724" cy="2044660"/>
+          </a:xfrm>
+          <a:prstGeom prst="bentConnector2">
             <a:avLst/>
           </a:prstGeom>
           <a:ln>
@@ -5702,23 +8521,2251 @@
           </a:fontRef>
         </p:style>
       </p:cxnSp>
+      <p:grpSp>
+        <p:nvGrpSpPr>
+          <p:cNvPr id="94" name="Group 93"/>
+          <p:cNvGrpSpPr/>
+          <p:nvPr/>
+        </p:nvGrpSpPr>
+        <p:grpSpPr>
+          <a:xfrm>
+            <a:off x="3567297" y="2917349"/>
+            <a:ext cx="124322" cy="235296"/>
+            <a:chOff x="3930261" y="1378053"/>
+            <a:chExt cx="124322" cy="235296"/>
+          </a:xfrm>
+        </p:grpSpPr>
+        <p:grpSp>
+          <p:nvGrpSpPr>
+            <p:cNvPr id="97" name="Group 96"/>
+            <p:cNvGrpSpPr/>
+            <p:nvPr/>
+          </p:nvGrpSpPr>
+          <p:grpSpPr>
+            <a:xfrm flipH="1">
+              <a:off x="3930261" y="1378053"/>
+              <a:ext cx="124322" cy="235296"/>
+              <a:chOff x="3360772" y="2469497"/>
+              <a:chExt cx="126411" cy="229510"/>
+            </a:xfrm>
+          </p:grpSpPr>
+          <p:cxnSp>
+            <p:nvCxnSpPr>
+              <p:cNvPr id="99" name="Straight Connector 98"/>
+              <p:cNvCxnSpPr/>
+              <p:nvPr/>
+            </p:nvCxnSpPr>
+            <p:spPr>
+              <a:xfrm flipV="1">
+                <a:off x="3360772" y="2469497"/>
+                <a:ext cx="126411" cy="102677"/>
+              </a:xfrm>
+              <a:prstGeom prst="line">
+                <a:avLst/>
+              </a:prstGeom>
+              <a:ln>
+                <a:solidFill>
+                  <a:schemeClr val="tx1"/>
+                </a:solidFill>
+              </a:ln>
+            </p:spPr>
+            <p:style>
+              <a:lnRef idx="1">
+                <a:schemeClr val="accent1"/>
+              </a:lnRef>
+              <a:fillRef idx="0">
+                <a:schemeClr val="accent1"/>
+              </a:fillRef>
+              <a:effectRef idx="0">
+                <a:schemeClr val="accent1"/>
+              </a:effectRef>
+              <a:fontRef idx="minor">
+                <a:schemeClr val="tx1"/>
+              </a:fontRef>
+            </p:style>
+          </p:cxnSp>
+          <p:cxnSp>
+            <p:nvCxnSpPr>
+              <p:cNvPr id="100" name="Straight Connector 99"/>
+              <p:cNvCxnSpPr/>
+              <p:nvPr/>
+            </p:nvCxnSpPr>
+            <p:spPr>
+              <a:xfrm>
+                <a:off x="3360772" y="2572174"/>
+                <a:ext cx="126411" cy="126833"/>
+              </a:xfrm>
+              <a:prstGeom prst="line">
+                <a:avLst/>
+              </a:prstGeom>
+              <a:ln>
+                <a:solidFill>
+                  <a:schemeClr val="tx1"/>
+                </a:solidFill>
+              </a:ln>
+            </p:spPr>
+            <p:style>
+              <a:lnRef idx="1">
+                <a:schemeClr val="accent1"/>
+              </a:lnRef>
+              <a:fillRef idx="0">
+                <a:schemeClr val="accent1"/>
+              </a:fillRef>
+              <a:effectRef idx="0">
+                <a:schemeClr val="accent1"/>
+              </a:effectRef>
+              <a:fontRef idx="minor">
+                <a:schemeClr val="tx1"/>
+              </a:fontRef>
+            </p:style>
+          </p:cxnSp>
+        </p:grpSp>
+        <p:cxnSp>
+          <p:nvCxnSpPr>
+            <p:cNvPr id="98" name="Straight Connector 97"/>
+            <p:cNvCxnSpPr/>
+            <p:nvPr/>
+          </p:nvCxnSpPr>
+          <p:spPr>
+            <a:xfrm>
+              <a:off x="4052732" y="1378053"/>
+              <a:ext cx="0" cy="225559"/>
+            </a:xfrm>
+            <a:prstGeom prst="line">
+              <a:avLst/>
+            </a:prstGeom>
+            <a:ln>
+              <a:solidFill>
+                <a:schemeClr val="tx1"/>
+              </a:solidFill>
+            </a:ln>
+          </p:spPr>
+          <p:style>
+            <a:lnRef idx="1">
+              <a:schemeClr val="accent1"/>
+            </a:lnRef>
+            <a:fillRef idx="0">
+              <a:schemeClr val="accent1"/>
+            </a:fillRef>
+            <a:effectRef idx="0">
+              <a:schemeClr val="accent1"/>
+            </a:effectRef>
+            <a:fontRef idx="minor">
+              <a:schemeClr val="tx1"/>
+            </a:fontRef>
+          </p:style>
+        </p:cxnSp>
+      </p:grpSp>
+      <p:grpSp>
+        <p:nvGrpSpPr>
+          <p:cNvPr id="101" name="Group 100"/>
+          <p:cNvGrpSpPr/>
+          <p:nvPr/>
+        </p:nvGrpSpPr>
+        <p:grpSpPr>
+          <a:xfrm>
+            <a:off x="6076111" y="1986339"/>
+            <a:ext cx="124322" cy="235296"/>
+            <a:chOff x="3930261" y="1378053"/>
+            <a:chExt cx="124322" cy="235296"/>
+          </a:xfrm>
+        </p:grpSpPr>
+        <p:grpSp>
+          <p:nvGrpSpPr>
+            <p:cNvPr id="102" name="Group 101"/>
+            <p:cNvGrpSpPr/>
+            <p:nvPr/>
+          </p:nvGrpSpPr>
+          <p:grpSpPr>
+            <a:xfrm flipH="1">
+              <a:off x="3930261" y="1378053"/>
+              <a:ext cx="124322" cy="235296"/>
+              <a:chOff x="3360772" y="2469497"/>
+              <a:chExt cx="126411" cy="229510"/>
+            </a:xfrm>
+          </p:grpSpPr>
+          <p:cxnSp>
+            <p:nvCxnSpPr>
+              <p:cNvPr id="108" name="Straight Connector 107"/>
+              <p:cNvCxnSpPr/>
+              <p:nvPr/>
+            </p:nvCxnSpPr>
+            <p:spPr>
+              <a:xfrm flipV="1">
+                <a:off x="3360772" y="2469497"/>
+                <a:ext cx="126411" cy="102677"/>
+              </a:xfrm>
+              <a:prstGeom prst="line">
+                <a:avLst/>
+              </a:prstGeom>
+              <a:ln>
+                <a:solidFill>
+                  <a:schemeClr val="tx1"/>
+                </a:solidFill>
+              </a:ln>
+            </p:spPr>
+            <p:style>
+              <a:lnRef idx="1">
+                <a:schemeClr val="accent1"/>
+              </a:lnRef>
+              <a:fillRef idx="0">
+                <a:schemeClr val="accent1"/>
+              </a:fillRef>
+              <a:effectRef idx="0">
+                <a:schemeClr val="accent1"/>
+              </a:effectRef>
+              <a:fontRef idx="minor">
+                <a:schemeClr val="tx1"/>
+              </a:fontRef>
+            </p:style>
+          </p:cxnSp>
+          <p:cxnSp>
+            <p:nvCxnSpPr>
+              <p:cNvPr id="109" name="Straight Connector 108"/>
+              <p:cNvCxnSpPr/>
+              <p:nvPr/>
+            </p:nvCxnSpPr>
+            <p:spPr>
+              <a:xfrm>
+                <a:off x="3360772" y="2572174"/>
+                <a:ext cx="126411" cy="126833"/>
+              </a:xfrm>
+              <a:prstGeom prst="line">
+                <a:avLst/>
+              </a:prstGeom>
+              <a:ln>
+                <a:solidFill>
+                  <a:schemeClr val="tx1"/>
+                </a:solidFill>
+              </a:ln>
+            </p:spPr>
+            <p:style>
+              <a:lnRef idx="1">
+                <a:schemeClr val="accent1"/>
+              </a:lnRef>
+              <a:fillRef idx="0">
+                <a:schemeClr val="accent1"/>
+              </a:fillRef>
+              <a:effectRef idx="0">
+                <a:schemeClr val="accent1"/>
+              </a:effectRef>
+              <a:fontRef idx="minor">
+                <a:schemeClr val="tx1"/>
+              </a:fontRef>
+            </p:style>
+          </p:cxnSp>
+        </p:grpSp>
+        <p:cxnSp>
+          <p:nvCxnSpPr>
+            <p:cNvPr id="103" name="Straight Connector 102"/>
+            <p:cNvCxnSpPr/>
+            <p:nvPr/>
+          </p:nvCxnSpPr>
+          <p:spPr>
+            <a:xfrm>
+              <a:off x="4052732" y="1378053"/>
+              <a:ext cx="0" cy="225559"/>
+            </a:xfrm>
+            <a:prstGeom prst="line">
+              <a:avLst/>
+            </a:prstGeom>
+            <a:ln>
+              <a:solidFill>
+                <a:schemeClr val="tx1"/>
+              </a:solidFill>
+            </a:ln>
+          </p:spPr>
+          <p:style>
+            <a:lnRef idx="1">
+              <a:schemeClr val="accent1"/>
+            </a:lnRef>
+            <a:fillRef idx="0">
+              <a:schemeClr val="accent1"/>
+            </a:fillRef>
+            <a:effectRef idx="0">
+              <a:schemeClr val="accent1"/>
+            </a:effectRef>
+            <a:fontRef idx="minor">
+              <a:schemeClr val="tx1"/>
+            </a:fontRef>
+          </p:style>
+        </p:cxnSp>
+      </p:grpSp>
+      <p:grpSp>
+        <p:nvGrpSpPr>
+          <p:cNvPr id="110" name="Group 109"/>
+          <p:cNvGrpSpPr/>
+          <p:nvPr/>
+        </p:nvGrpSpPr>
+        <p:grpSpPr>
+          <a:xfrm>
+            <a:off x="8618993" y="2024942"/>
+            <a:ext cx="124322" cy="235296"/>
+            <a:chOff x="3930261" y="1378053"/>
+            <a:chExt cx="124322" cy="235296"/>
+          </a:xfrm>
+        </p:grpSpPr>
+        <p:grpSp>
+          <p:nvGrpSpPr>
+            <p:cNvPr id="111" name="Group 110"/>
+            <p:cNvGrpSpPr/>
+            <p:nvPr/>
+          </p:nvGrpSpPr>
+          <p:grpSpPr>
+            <a:xfrm flipH="1">
+              <a:off x="3930261" y="1378053"/>
+              <a:ext cx="124322" cy="235296"/>
+              <a:chOff x="3360772" y="2469497"/>
+              <a:chExt cx="126411" cy="229510"/>
+            </a:xfrm>
+          </p:grpSpPr>
+          <p:cxnSp>
+            <p:nvCxnSpPr>
+              <p:cNvPr id="122" name="Straight Connector 121"/>
+              <p:cNvCxnSpPr/>
+              <p:nvPr/>
+            </p:nvCxnSpPr>
+            <p:spPr>
+              <a:xfrm flipV="1">
+                <a:off x="3360772" y="2469497"/>
+                <a:ext cx="126411" cy="102677"/>
+              </a:xfrm>
+              <a:prstGeom prst="line">
+                <a:avLst/>
+              </a:prstGeom>
+              <a:ln>
+                <a:solidFill>
+                  <a:schemeClr val="tx1"/>
+                </a:solidFill>
+              </a:ln>
+            </p:spPr>
+            <p:style>
+              <a:lnRef idx="1">
+                <a:schemeClr val="accent1"/>
+              </a:lnRef>
+              <a:fillRef idx="0">
+                <a:schemeClr val="accent1"/>
+              </a:fillRef>
+              <a:effectRef idx="0">
+                <a:schemeClr val="accent1"/>
+              </a:effectRef>
+              <a:fontRef idx="minor">
+                <a:schemeClr val="tx1"/>
+              </a:fontRef>
+            </p:style>
+          </p:cxnSp>
+          <p:cxnSp>
+            <p:nvCxnSpPr>
+              <p:cNvPr id="124" name="Straight Connector 123"/>
+              <p:cNvCxnSpPr/>
+              <p:nvPr/>
+            </p:nvCxnSpPr>
+            <p:spPr>
+              <a:xfrm>
+                <a:off x="3360772" y="2572174"/>
+                <a:ext cx="126411" cy="126833"/>
+              </a:xfrm>
+              <a:prstGeom prst="line">
+                <a:avLst/>
+              </a:prstGeom>
+              <a:ln>
+                <a:solidFill>
+                  <a:schemeClr val="tx1"/>
+                </a:solidFill>
+              </a:ln>
+            </p:spPr>
+            <p:style>
+              <a:lnRef idx="1">
+                <a:schemeClr val="accent1"/>
+              </a:lnRef>
+              <a:fillRef idx="0">
+                <a:schemeClr val="accent1"/>
+              </a:fillRef>
+              <a:effectRef idx="0">
+                <a:schemeClr val="accent1"/>
+              </a:effectRef>
+              <a:fontRef idx="minor">
+                <a:schemeClr val="tx1"/>
+              </a:fontRef>
+            </p:style>
+          </p:cxnSp>
+        </p:grpSp>
+        <p:cxnSp>
+          <p:nvCxnSpPr>
+            <p:cNvPr id="120" name="Straight Connector 119"/>
+            <p:cNvCxnSpPr/>
+            <p:nvPr/>
+          </p:nvCxnSpPr>
+          <p:spPr>
+            <a:xfrm>
+              <a:off x="4052732" y="1378053"/>
+              <a:ext cx="0" cy="225559"/>
+            </a:xfrm>
+            <a:prstGeom prst="line">
+              <a:avLst/>
+            </a:prstGeom>
+            <a:ln>
+              <a:solidFill>
+                <a:schemeClr val="tx1"/>
+              </a:solidFill>
+            </a:ln>
+          </p:spPr>
+          <p:style>
+            <a:lnRef idx="1">
+              <a:schemeClr val="accent1"/>
+            </a:lnRef>
+            <a:fillRef idx="0">
+              <a:schemeClr val="accent1"/>
+            </a:fillRef>
+            <a:effectRef idx="0">
+              <a:schemeClr val="accent1"/>
+            </a:effectRef>
+            <a:fontRef idx="minor">
+              <a:schemeClr val="tx1"/>
+            </a:fontRef>
+          </p:style>
+        </p:cxnSp>
+      </p:grpSp>
+      <p:grpSp>
+        <p:nvGrpSpPr>
+          <p:cNvPr id="125" name="Group 124"/>
+          <p:cNvGrpSpPr/>
+          <p:nvPr/>
+        </p:nvGrpSpPr>
+        <p:grpSpPr>
+          <a:xfrm>
+            <a:off x="6074260" y="3473904"/>
+            <a:ext cx="124322" cy="235296"/>
+            <a:chOff x="3930261" y="1378053"/>
+            <a:chExt cx="124322" cy="235296"/>
+          </a:xfrm>
+        </p:grpSpPr>
+        <p:grpSp>
+          <p:nvGrpSpPr>
+            <p:cNvPr id="126" name="Group 125"/>
+            <p:cNvGrpSpPr/>
+            <p:nvPr/>
+          </p:nvGrpSpPr>
+          <p:grpSpPr>
+            <a:xfrm flipH="1">
+              <a:off x="3930261" y="1378053"/>
+              <a:ext cx="124322" cy="235296"/>
+              <a:chOff x="3360772" y="2469497"/>
+              <a:chExt cx="126411" cy="229510"/>
+            </a:xfrm>
+          </p:grpSpPr>
+          <p:cxnSp>
+            <p:nvCxnSpPr>
+              <p:cNvPr id="128" name="Straight Connector 127"/>
+              <p:cNvCxnSpPr/>
+              <p:nvPr/>
+            </p:nvCxnSpPr>
+            <p:spPr>
+              <a:xfrm flipV="1">
+                <a:off x="3360772" y="2469497"/>
+                <a:ext cx="126411" cy="102677"/>
+              </a:xfrm>
+              <a:prstGeom prst="line">
+                <a:avLst/>
+              </a:prstGeom>
+              <a:ln>
+                <a:solidFill>
+                  <a:schemeClr val="tx1"/>
+                </a:solidFill>
+              </a:ln>
+            </p:spPr>
+            <p:style>
+              <a:lnRef idx="1">
+                <a:schemeClr val="accent1"/>
+              </a:lnRef>
+              <a:fillRef idx="0">
+                <a:schemeClr val="accent1"/>
+              </a:fillRef>
+              <a:effectRef idx="0">
+                <a:schemeClr val="accent1"/>
+              </a:effectRef>
+              <a:fontRef idx="minor">
+                <a:schemeClr val="tx1"/>
+              </a:fontRef>
+            </p:style>
+          </p:cxnSp>
+          <p:cxnSp>
+            <p:nvCxnSpPr>
+              <p:cNvPr id="129" name="Straight Connector 128"/>
+              <p:cNvCxnSpPr/>
+              <p:nvPr/>
+            </p:nvCxnSpPr>
+            <p:spPr>
+              <a:xfrm>
+                <a:off x="3360772" y="2572174"/>
+                <a:ext cx="126411" cy="126833"/>
+              </a:xfrm>
+              <a:prstGeom prst="line">
+                <a:avLst/>
+              </a:prstGeom>
+              <a:ln>
+                <a:solidFill>
+                  <a:schemeClr val="tx1"/>
+                </a:solidFill>
+              </a:ln>
+            </p:spPr>
+            <p:style>
+              <a:lnRef idx="1">
+                <a:schemeClr val="accent1"/>
+              </a:lnRef>
+              <a:fillRef idx="0">
+                <a:schemeClr val="accent1"/>
+              </a:fillRef>
+              <a:effectRef idx="0">
+                <a:schemeClr val="accent1"/>
+              </a:effectRef>
+              <a:fontRef idx="minor">
+                <a:schemeClr val="tx1"/>
+              </a:fontRef>
+            </p:style>
+          </p:cxnSp>
+        </p:grpSp>
+        <p:cxnSp>
+          <p:nvCxnSpPr>
+            <p:cNvPr id="127" name="Straight Connector 126"/>
+            <p:cNvCxnSpPr/>
+            <p:nvPr/>
+          </p:nvCxnSpPr>
+          <p:spPr>
+            <a:xfrm>
+              <a:off x="4052732" y="1378053"/>
+              <a:ext cx="0" cy="225559"/>
+            </a:xfrm>
+            <a:prstGeom prst="line">
+              <a:avLst/>
+            </a:prstGeom>
+            <a:ln>
+              <a:solidFill>
+                <a:schemeClr val="tx1"/>
+              </a:solidFill>
+            </a:ln>
+          </p:spPr>
+          <p:style>
+            <a:lnRef idx="1">
+              <a:schemeClr val="accent1"/>
+            </a:lnRef>
+            <a:fillRef idx="0">
+              <a:schemeClr val="accent1"/>
+            </a:fillRef>
+            <a:effectRef idx="0">
+              <a:schemeClr val="accent1"/>
+            </a:effectRef>
+            <a:fontRef idx="minor">
+              <a:schemeClr val="tx1"/>
+            </a:fontRef>
+          </p:style>
+        </p:cxnSp>
+      </p:grpSp>
+      <p:cxnSp>
+        <p:nvCxnSpPr>
+          <p:cNvPr id="149" name="Straight Connector 148"/>
+          <p:cNvCxnSpPr/>
+          <p:nvPr/>
+        </p:nvCxnSpPr>
+        <p:spPr>
+          <a:xfrm flipV="1">
+            <a:off x="3689999" y="5251778"/>
+            <a:ext cx="1188248" cy="1"/>
+          </a:xfrm>
+          <a:prstGeom prst="line">
+            <a:avLst/>
+          </a:prstGeom>
+          <a:ln>
+            <a:solidFill>
+              <a:schemeClr val="tx1"/>
+            </a:solidFill>
+          </a:ln>
+        </p:spPr>
+        <p:style>
+          <a:lnRef idx="1">
+            <a:schemeClr val="accent1"/>
+          </a:lnRef>
+          <a:fillRef idx="0">
+            <a:schemeClr val="accent1"/>
+          </a:fillRef>
+          <a:effectRef idx="0">
+            <a:schemeClr val="accent1"/>
+          </a:effectRef>
+          <a:fontRef idx="minor">
+            <a:schemeClr val="tx1"/>
+          </a:fontRef>
+        </p:style>
+      </p:cxnSp>
+      <p:grpSp>
+        <p:nvGrpSpPr>
+          <p:cNvPr id="151" name="Group 150"/>
+          <p:cNvGrpSpPr/>
+          <p:nvPr/>
+        </p:nvGrpSpPr>
+        <p:grpSpPr>
+          <a:xfrm>
+            <a:off x="3569148" y="2609894"/>
+            <a:ext cx="124322" cy="235296"/>
+            <a:chOff x="3930261" y="1378053"/>
+            <a:chExt cx="124322" cy="235296"/>
+          </a:xfrm>
+        </p:grpSpPr>
+        <p:grpSp>
+          <p:nvGrpSpPr>
+            <p:cNvPr id="152" name="Group 151"/>
+            <p:cNvGrpSpPr/>
+            <p:nvPr/>
+          </p:nvGrpSpPr>
+          <p:grpSpPr>
+            <a:xfrm flipH="1">
+              <a:off x="3930261" y="1378053"/>
+              <a:ext cx="124322" cy="235296"/>
+              <a:chOff x="3360772" y="2469497"/>
+              <a:chExt cx="126411" cy="229510"/>
+            </a:xfrm>
+          </p:grpSpPr>
+          <p:cxnSp>
+            <p:nvCxnSpPr>
+              <p:cNvPr id="154" name="Straight Connector 153"/>
+              <p:cNvCxnSpPr/>
+              <p:nvPr/>
+            </p:nvCxnSpPr>
+            <p:spPr>
+              <a:xfrm flipV="1">
+                <a:off x="3360772" y="2469497"/>
+                <a:ext cx="126411" cy="102677"/>
+              </a:xfrm>
+              <a:prstGeom prst="line">
+                <a:avLst/>
+              </a:prstGeom>
+              <a:ln>
+                <a:solidFill>
+                  <a:schemeClr val="tx1"/>
+                </a:solidFill>
+              </a:ln>
+            </p:spPr>
+            <p:style>
+              <a:lnRef idx="1">
+                <a:schemeClr val="accent1"/>
+              </a:lnRef>
+              <a:fillRef idx="0">
+                <a:schemeClr val="accent1"/>
+              </a:fillRef>
+              <a:effectRef idx="0">
+                <a:schemeClr val="accent1"/>
+              </a:effectRef>
+              <a:fontRef idx="minor">
+                <a:schemeClr val="tx1"/>
+              </a:fontRef>
+            </p:style>
+          </p:cxnSp>
+          <p:cxnSp>
+            <p:nvCxnSpPr>
+              <p:cNvPr id="155" name="Straight Connector 154"/>
+              <p:cNvCxnSpPr/>
+              <p:nvPr/>
+            </p:nvCxnSpPr>
+            <p:spPr>
+              <a:xfrm>
+                <a:off x="3360772" y="2572174"/>
+                <a:ext cx="126411" cy="126833"/>
+              </a:xfrm>
+              <a:prstGeom prst="line">
+                <a:avLst/>
+              </a:prstGeom>
+              <a:ln>
+                <a:solidFill>
+                  <a:schemeClr val="tx1"/>
+                </a:solidFill>
+              </a:ln>
+            </p:spPr>
+            <p:style>
+              <a:lnRef idx="1">
+                <a:schemeClr val="accent1"/>
+              </a:lnRef>
+              <a:fillRef idx="0">
+                <a:schemeClr val="accent1"/>
+              </a:fillRef>
+              <a:effectRef idx="0">
+                <a:schemeClr val="accent1"/>
+              </a:effectRef>
+              <a:fontRef idx="minor">
+                <a:schemeClr val="tx1"/>
+              </a:fontRef>
+            </p:style>
+          </p:cxnSp>
+        </p:grpSp>
+        <p:cxnSp>
+          <p:nvCxnSpPr>
+            <p:cNvPr id="153" name="Straight Connector 152"/>
+            <p:cNvCxnSpPr/>
+            <p:nvPr/>
+          </p:nvCxnSpPr>
+          <p:spPr>
+            <a:xfrm>
+              <a:off x="4052732" y="1378053"/>
+              <a:ext cx="0" cy="225559"/>
+            </a:xfrm>
+            <a:prstGeom prst="line">
+              <a:avLst/>
+            </a:prstGeom>
+            <a:ln>
+              <a:solidFill>
+                <a:schemeClr val="tx1"/>
+              </a:solidFill>
+            </a:ln>
+          </p:spPr>
+          <p:style>
+            <a:lnRef idx="1">
+              <a:schemeClr val="accent1"/>
+            </a:lnRef>
+            <a:fillRef idx="0">
+              <a:schemeClr val="accent1"/>
+            </a:fillRef>
+            <a:effectRef idx="0">
+              <a:schemeClr val="accent1"/>
+            </a:effectRef>
+            <a:fontRef idx="minor">
+              <a:schemeClr val="tx1"/>
+            </a:fontRef>
+          </p:style>
+        </p:cxnSp>
+      </p:grpSp>
+      <p:grpSp>
+        <p:nvGrpSpPr>
+          <p:cNvPr id="159" name="Group 158"/>
+          <p:cNvGrpSpPr/>
+          <p:nvPr/>
+        </p:nvGrpSpPr>
+        <p:grpSpPr>
+          <a:xfrm>
+            <a:off x="3680595" y="5134130"/>
+            <a:ext cx="124322" cy="235296"/>
+            <a:chOff x="3930261" y="1378053"/>
+            <a:chExt cx="124322" cy="235296"/>
+          </a:xfrm>
+        </p:grpSpPr>
+        <p:grpSp>
+          <p:nvGrpSpPr>
+            <p:cNvPr id="160" name="Group 159"/>
+            <p:cNvGrpSpPr/>
+            <p:nvPr/>
+          </p:nvGrpSpPr>
+          <p:grpSpPr>
+            <a:xfrm flipH="1">
+              <a:off x="3930261" y="1378053"/>
+              <a:ext cx="124322" cy="235296"/>
+              <a:chOff x="3360772" y="2469497"/>
+              <a:chExt cx="126411" cy="229510"/>
+            </a:xfrm>
+          </p:grpSpPr>
+          <p:cxnSp>
+            <p:nvCxnSpPr>
+              <p:cNvPr id="162" name="Straight Connector 161"/>
+              <p:cNvCxnSpPr/>
+              <p:nvPr/>
+            </p:nvCxnSpPr>
+            <p:spPr>
+              <a:xfrm flipV="1">
+                <a:off x="3360772" y="2469497"/>
+                <a:ext cx="126411" cy="102677"/>
+              </a:xfrm>
+              <a:prstGeom prst="line">
+                <a:avLst/>
+              </a:prstGeom>
+              <a:ln>
+                <a:solidFill>
+                  <a:schemeClr val="tx1"/>
+                </a:solidFill>
+              </a:ln>
+            </p:spPr>
+            <p:style>
+              <a:lnRef idx="1">
+                <a:schemeClr val="accent1"/>
+              </a:lnRef>
+              <a:fillRef idx="0">
+                <a:schemeClr val="accent1"/>
+              </a:fillRef>
+              <a:effectRef idx="0">
+                <a:schemeClr val="accent1"/>
+              </a:effectRef>
+              <a:fontRef idx="minor">
+                <a:schemeClr val="tx1"/>
+              </a:fontRef>
+            </p:style>
+          </p:cxnSp>
+          <p:cxnSp>
+            <p:nvCxnSpPr>
+              <p:cNvPr id="163" name="Straight Connector 162"/>
+              <p:cNvCxnSpPr/>
+              <p:nvPr/>
+            </p:nvCxnSpPr>
+            <p:spPr>
+              <a:xfrm>
+                <a:off x="3360772" y="2572174"/>
+                <a:ext cx="126411" cy="126833"/>
+              </a:xfrm>
+              <a:prstGeom prst="line">
+                <a:avLst/>
+              </a:prstGeom>
+              <a:ln>
+                <a:solidFill>
+                  <a:schemeClr val="tx1"/>
+                </a:solidFill>
+              </a:ln>
+            </p:spPr>
+            <p:style>
+              <a:lnRef idx="1">
+                <a:schemeClr val="accent1"/>
+              </a:lnRef>
+              <a:fillRef idx="0">
+                <a:schemeClr val="accent1"/>
+              </a:fillRef>
+              <a:effectRef idx="0">
+                <a:schemeClr val="accent1"/>
+              </a:effectRef>
+              <a:fontRef idx="minor">
+                <a:schemeClr val="tx1"/>
+              </a:fontRef>
+            </p:style>
+          </p:cxnSp>
+        </p:grpSp>
+        <p:cxnSp>
+          <p:nvCxnSpPr>
+            <p:cNvPr id="161" name="Straight Connector 160"/>
+            <p:cNvCxnSpPr/>
+            <p:nvPr/>
+          </p:nvCxnSpPr>
+          <p:spPr>
+            <a:xfrm>
+              <a:off x="4052732" y="1378053"/>
+              <a:ext cx="0" cy="225559"/>
+            </a:xfrm>
+            <a:prstGeom prst="line">
+              <a:avLst/>
+            </a:prstGeom>
+            <a:ln>
+              <a:solidFill>
+                <a:schemeClr val="tx1"/>
+              </a:solidFill>
+            </a:ln>
+          </p:spPr>
+          <p:style>
+            <a:lnRef idx="1">
+              <a:schemeClr val="accent1"/>
+            </a:lnRef>
+            <a:fillRef idx="0">
+              <a:schemeClr val="accent1"/>
+            </a:fillRef>
+            <a:effectRef idx="0">
+              <a:schemeClr val="accent1"/>
+            </a:effectRef>
+            <a:fontRef idx="minor">
+              <a:schemeClr val="tx1"/>
+            </a:fontRef>
+          </p:style>
+        </p:cxnSp>
+      </p:grpSp>
+      <p:grpSp>
+        <p:nvGrpSpPr>
+          <p:cNvPr id="164" name="Group 163"/>
+          <p:cNvGrpSpPr/>
+          <p:nvPr/>
+        </p:nvGrpSpPr>
+        <p:grpSpPr>
+          <a:xfrm>
+            <a:off x="6644775" y="881279"/>
+            <a:ext cx="126411" cy="229510"/>
+            <a:chOff x="5229260" y="1155741"/>
+            <a:chExt cx="126411" cy="229510"/>
+          </a:xfrm>
+        </p:grpSpPr>
+        <p:grpSp>
+          <p:nvGrpSpPr>
+            <p:cNvPr id="165" name="Group 164"/>
+            <p:cNvGrpSpPr/>
+            <p:nvPr/>
+          </p:nvGrpSpPr>
+          <p:grpSpPr>
+            <a:xfrm>
+              <a:off x="5229260" y="1155741"/>
+              <a:ext cx="126411" cy="229510"/>
+              <a:chOff x="3360772" y="2469497"/>
+              <a:chExt cx="126411" cy="229510"/>
+            </a:xfrm>
+          </p:grpSpPr>
+          <p:cxnSp>
+            <p:nvCxnSpPr>
+              <p:cNvPr id="167" name="Straight Connector 166"/>
+              <p:cNvCxnSpPr/>
+              <p:nvPr/>
+            </p:nvCxnSpPr>
+            <p:spPr>
+              <a:xfrm flipV="1">
+                <a:off x="3360772" y="2469497"/>
+                <a:ext cx="126411" cy="102677"/>
+              </a:xfrm>
+              <a:prstGeom prst="line">
+                <a:avLst/>
+              </a:prstGeom>
+              <a:ln>
+                <a:solidFill>
+                  <a:schemeClr val="tx1"/>
+                </a:solidFill>
+              </a:ln>
+            </p:spPr>
+            <p:style>
+              <a:lnRef idx="1">
+                <a:schemeClr val="accent1"/>
+              </a:lnRef>
+              <a:fillRef idx="0">
+                <a:schemeClr val="accent1"/>
+              </a:fillRef>
+              <a:effectRef idx="0">
+                <a:schemeClr val="accent1"/>
+              </a:effectRef>
+              <a:fontRef idx="minor">
+                <a:schemeClr val="tx1"/>
+              </a:fontRef>
+            </p:style>
+          </p:cxnSp>
+          <p:cxnSp>
+            <p:nvCxnSpPr>
+              <p:cNvPr id="168" name="Straight Connector 167"/>
+              <p:cNvCxnSpPr/>
+              <p:nvPr/>
+            </p:nvCxnSpPr>
+            <p:spPr>
+              <a:xfrm>
+                <a:off x="3360772" y="2572174"/>
+                <a:ext cx="126411" cy="126833"/>
+              </a:xfrm>
+              <a:prstGeom prst="line">
+                <a:avLst/>
+              </a:prstGeom>
+              <a:ln>
+                <a:solidFill>
+                  <a:schemeClr val="tx1"/>
+                </a:solidFill>
+              </a:ln>
+            </p:spPr>
+            <p:style>
+              <a:lnRef idx="1">
+                <a:schemeClr val="accent1"/>
+              </a:lnRef>
+              <a:fillRef idx="0">
+                <a:schemeClr val="accent1"/>
+              </a:fillRef>
+              <a:effectRef idx="0">
+                <a:schemeClr val="accent1"/>
+              </a:effectRef>
+              <a:fontRef idx="minor">
+                <a:schemeClr val="tx1"/>
+              </a:fontRef>
+            </p:style>
+          </p:cxnSp>
+        </p:grpSp>
+        <p:cxnSp>
+          <p:nvCxnSpPr>
+            <p:cNvPr id="166" name="Straight Connector 165"/>
+            <p:cNvCxnSpPr/>
+            <p:nvPr/>
+          </p:nvCxnSpPr>
+          <p:spPr>
+            <a:xfrm>
+              <a:off x="5229260" y="1175746"/>
+              <a:ext cx="0" cy="182957"/>
+            </a:xfrm>
+            <a:prstGeom prst="line">
+              <a:avLst/>
+            </a:prstGeom>
+            <a:ln>
+              <a:solidFill>
+                <a:schemeClr val="tx1"/>
+              </a:solidFill>
+            </a:ln>
+          </p:spPr>
+          <p:style>
+            <a:lnRef idx="1">
+              <a:schemeClr val="accent1"/>
+            </a:lnRef>
+            <a:fillRef idx="0">
+              <a:schemeClr val="accent1"/>
+            </a:fillRef>
+            <a:effectRef idx="0">
+              <a:schemeClr val="accent1"/>
+            </a:effectRef>
+            <a:fontRef idx="minor">
+              <a:schemeClr val="tx1"/>
+            </a:fontRef>
+          </p:style>
+        </p:cxnSp>
+      </p:grpSp>
+      <p:grpSp>
+        <p:nvGrpSpPr>
+          <p:cNvPr id="169" name="Group 168"/>
+          <p:cNvGrpSpPr/>
+          <p:nvPr/>
+        </p:nvGrpSpPr>
+        <p:grpSpPr>
+          <a:xfrm>
+            <a:off x="4745803" y="1994043"/>
+            <a:ext cx="126411" cy="229510"/>
+            <a:chOff x="5229260" y="1155741"/>
+            <a:chExt cx="126411" cy="229510"/>
+          </a:xfrm>
+        </p:grpSpPr>
+        <p:grpSp>
+          <p:nvGrpSpPr>
+            <p:cNvPr id="170" name="Group 169"/>
+            <p:cNvGrpSpPr/>
+            <p:nvPr/>
+          </p:nvGrpSpPr>
+          <p:grpSpPr>
+            <a:xfrm>
+              <a:off x="5229260" y="1155741"/>
+              <a:ext cx="126411" cy="229510"/>
+              <a:chOff x="3360772" y="2469497"/>
+              <a:chExt cx="126411" cy="229510"/>
+            </a:xfrm>
+          </p:grpSpPr>
+          <p:cxnSp>
+            <p:nvCxnSpPr>
+              <p:cNvPr id="172" name="Straight Connector 171"/>
+              <p:cNvCxnSpPr/>
+              <p:nvPr/>
+            </p:nvCxnSpPr>
+            <p:spPr>
+              <a:xfrm flipV="1">
+                <a:off x="3360772" y="2469497"/>
+                <a:ext cx="126411" cy="102677"/>
+              </a:xfrm>
+              <a:prstGeom prst="line">
+                <a:avLst/>
+              </a:prstGeom>
+              <a:ln>
+                <a:solidFill>
+                  <a:schemeClr val="tx1"/>
+                </a:solidFill>
+              </a:ln>
+            </p:spPr>
+            <p:style>
+              <a:lnRef idx="1">
+                <a:schemeClr val="accent1"/>
+              </a:lnRef>
+              <a:fillRef idx="0">
+                <a:schemeClr val="accent1"/>
+              </a:fillRef>
+              <a:effectRef idx="0">
+                <a:schemeClr val="accent1"/>
+              </a:effectRef>
+              <a:fontRef idx="minor">
+                <a:schemeClr val="tx1"/>
+              </a:fontRef>
+            </p:style>
+          </p:cxnSp>
+          <p:cxnSp>
+            <p:nvCxnSpPr>
+              <p:cNvPr id="173" name="Straight Connector 172"/>
+              <p:cNvCxnSpPr/>
+              <p:nvPr/>
+            </p:nvCxnSpPr>
+            <p:spPr>
+              <a:xfrm>
+                <a:off x="3360772" y="2572174"/>
+                <a:ext cx="126411" cy="126833"/>
+              </a:xfrm>
+              <a:prstGeom prst="line">
+                <a:avLst/>
+              </a:prstGeom>
+              <a:ln>
+                <a:solidFill>
+                  <a:schemeClr val="tx1"/>
+                </a:solidFill>
+              </a:ln>
+            </p:spPr>
+            <p:style>
+              <a:lnRef idx="1">
+                <a:schemeClr val="accent1"/>
+              </a:lnRef>
+              <a:fillRef idx="0">
+                <a:schemeClr val="accent1"/>
+              </a:fillRef>
+              <a:effectRef idx="0">
+                <a:schemeClr val="accent1"/>
+              </a:effectRef>
+              <a:fontRef idx="minor">
+                <a:schemeClr val="tx1"/>
+              </a:fontRef>
+            </p:style>
+          </p:cxnSp>
+        </p:grpSp>
+        <p:cxnSp>
+          <p:nvCxnSpPr>
+            <p:cNvPr id="171" name="Straight Connector 170"/>
+            <p:cNvCxnSpPr/>
+            <p:nvPr/>
+          </p:nvCxnSpPr>
+          <p:spPr>
+            <a:xfrm>
+              <a:off x="5229260" y="1175746"/>
+              <a:ext cx="0" cy="182957"/>
+            </a:xfrm>
+            <a:prstGeom prst="line">
+              <a:avLst/>
+            </a:prstGeom>
+            <a:ln>
+              <a:solidFill>
+                <a:schemeClr val="tx1"/>
+              </a:solidFill>
+            </a:ln>
+          </p:spPr>
+          <p:style>
+            <a:lnRef idx="1">
+              <a:schemeClr val="accent1"/>
+            </a:lnRef>
+            <a:fillRef idx="0">
+              <a:schemeClr val="accent1"/>
+            </a:fillRef>
+            <a:effectRef idx="0">
+              <a:schemeClr val="accent1"/>
+            </a:effectRef>
+            <a:fontRef idx="minor">
+              <a:schemeClr val="tx1"/>
+            </a:fontRef>
+          </p:style>
+        </p:cxnSp>
+      </p:grpSp>
+      <p:grpSp>
+        <p:nvGrpSpPr>
+          <p:cNvPr id="174" name="Group 173"/>
+          <p:cNvGrpSpPr/>
+          <p:nvPr/>
+        </p:nvGrpSpPr>
+        <p:grpSpPr>
+          <a:xfrm>
+            <a:off x="4750583" y="3412436"/>
+            <a:ext cx="126411" cy="229510"/>
+            <a:chOff x="5229260" y="1155741"/>
+            <a:chExt cx="126411" cy="229510"/>
+          </a:xfrm>
+        </p:grpSpPr>
+        <p:grpSp>
+          <p:nvGrpSpPr>
+            <p:cNvPr id="175" name="Group 174"/>
+            <p:cNvGrpSpPr/>
+            <p:nvPr/>
+          </p:nvGrpSpPr>
+          <p:grpSpPr>
+            <a:xfrm>
+              <a:off x="5229260" y="1155741"/>
+              <a:ext cx="126411" cy="229510"/>
+              <a:chOff x="3360772" y="2469497"/>
+              <a:chExt cx="126411" cy="229510"/>
+            </a:xfrm>
+          </p:grpSpPr>
+          <p:cxnSp>
+            <p:nvCxnSpPr>
+              <p:cNvPr id="177" name="Straight Connector 176"/>
+              <p:cNvCxnSpPr/>
+              <p:nvPr/>
+            </p:nvCxnSpPr>
+            <p:spPr>
+              <a:xfrm flipV="1">
+                <a:off x="3360772" y="2469497"/>
+                <a:ext cx="126411" cy="102677"/>
+              </a:xfrm>
+              <a:prstGeom prst="line">
+                <a:avLst/>
+              </a:prstGeom>
+              <a:ln>
+                <a:solidFill>
+                  <a:schemeClr val="tx1"/>
+                </a:solidFill>
+              </a:ln>
+            </p:spPr>
+            <p:style>
+              <a:lnRef idx="1">
+                <a:schemeClr val="accent1"/>
+              </a:lnRef>
+              <a:fillRef idx="0">
+                <a:schemeClr val="accent1"/>
+              </a:fillRef>
+              <a:effectRef idx="0">
+                <a:schemeClr val="accent1"/>
+              </a:effectRef>
+              <a:fontRef idx="minor">
+                <a:schemeClr val="tx1"/>
+              </a:fontRef>
+            </p:style>
+          </p:cxnSp>
+          <p:cxnSp>
+            <p:nvCxnSpPr>
+              <p:cNvPr id="178" name="Straight Connector 177"/>
+              <p:cNvCxnSpPr/>
+              <p:nvPr/>
+            </p:nvCxnSpPr>
+            <p:spPr>
+              <a:xfrm>
+                <a:off x="3360772" y="2572174"/>
+                <a:ext cx="126411" cy="126833"/>
+              </a:xfrm>
+              <a:prstGeom prst="line">
+                <a:avLst/>
+              </a:prstGeom>
+              <a:ln>
+                <a:solidFill>
+                  <a:schemeClr val="tx1"/>
+                </a:solidFill>
+              </a:ln>
+            </p:spPr>
+            <p:style>
+              <a:lnRef idx="1">
+                <a:schemeClr val="accent1"/>
+              </a:lnRef>
+              <a:fillRef idx="0">
+                <a:schemeClr val="accent1"/>
+              </a:fillRef>
+              <a:effectRef idx="0">
+                <a:schemeClr val="accent1"/>
+              </a:effectRef>
+              <a:fontRef idx="minor">
+                <a:schemeClr val="tx1"/>
+              </a:fontRef>
+            </p:style>
+          </p:cxnSp>
+        </p:grpSp>
+        <p:cxnSp>
+          <p:nvCxnSpPr>
+            <p:cNvPr id="176" name="Straight Connector 175"/>
+            <p:cNvCxnSpPr/>
+            <p:nvPr/>
+          </p:nvCxnSpPr>
+          <p:spPr>
+            <a:xfrm>
+              <a:off x="5229260" y="1175746"/>
+              <a:ext cx="0" cy="182957"/>
+            </a:xfrm>
+            <a:prstGeom prst="line">
+              <a:avLst/>
+            </a:prstGeom>
+            <a:ln>
+              <a:solidFill>
+                <a:schemeClr val="tx1"/>
+              </a:solidFill>
+            </a:ln>
+          </p:spPr>
+          <p:style>
+            <a:lnRef idx="1">
+              <a:schemeClr val="accent1"/>
+            </a:lnRef>
+            <a:fillRef idx="0">
+              <a:schemeClr val="accent1"/>
+            </a:fillRef>
+            <a:effectRef idx="0">
+              <a:schemeClr val="accent1"/>
+            </a:effectRef>
+            <a:fontRef idx="minor">
+              <a:schemeClr val="tx1"/>
+            </a:fontRef>
+          </p:style>
+        </p:cxnSp>
+      </p:grpSp>
+      <p:grpSp>
+        <p:nvGrpSpPr>
+          <p:cNvPr id="179" name="Group 178"/>
+          <p:cNvGrpSpPr/>
+          <p:nvPr/>
+        </p:nvGrpSpPr>
+        <p:grpSpPr>
+          <a:xfrm>
+            <a:off x="6982243" y="4957253"/>
+            <a:ext cx="126411" cy="229510"/>
+            <a:chOff x="5229260" y="1155741"/>
+            <a:chExt cx="126411" cy="229510"/>
+          </a:xfrm>
+        </p:grpSpPr>
+        <p:grpSp>
+          <p:nvGrpSpPr>
+            <p:cNvPr id="180" name="Group 179"/>
+            <p:cNvGrpSpPr/>
+            <p:nvPr/>
+          </p:nvGrpSpPr>
+          <p:grpSpPr>
+            <a:xfrm>
+              <a:off x="5229260" y="1155741"/>
+              <a:ext cx="126411" cy="229510"/>
+              <a:chOff x="3360772" y="2469497"/>
+              <a:chExt cx="126411" cy="229510"/>
+            </a:xfrm>
+          </p:grpSpPr>
+          <p:cxnSp>
+            <p:nvCxnSpPr>
+              <p:cNvPr id="182" name="Straight Connector 181"/>
+              <p:cNvCxnSpPr/>
+              <p:nvPr/>
+            </p:nvCxnSpPr>
+            <p:spPr>
+              <a:xfrm flipV="1">
+                <a:off x="3360772" y="2469497"/>
+                <a:ext cx="126411" cy="102677"/>
+              </a:xfrm>
+              <a:prstGeom prst="line">
+                <a:avLst/>
+              </a:prstGeom>
+              <a:ln>
+                <a:solidFill>
+                  <a:schemeClr val="tx1"/>
+                </a:solidFill>
+              </a:ln>
+            </p:spPr>
+            <p:style>
+              <a:lnRef idx="1">
+                <a:schemeClr val="accent1"/>
+              </a:lnRef>
+              <a:fillRef idx="0">
+                <a:schemeClr val="accent1"/>
+              </a:fillRef>
+              <a:effectRef idx="0">
+                <a:schemeClr val="accent1"/>
+              </a:effectRef>
+              <a:fontRef idx="minor">
+                <a:schemeClr val="tx1"/>
+              </a:fontRef>
+            </p:style>
+          </p:cxnSp>
+          <p:cxnSp>
+            <p:nvCxnSpPr>
+              <p:cNvPr id="183" name="Straight Connector 182"/>
+              <p:cNvCxnSpPr/>
+              <p:nvPr/>
+            </p:nvCxnSpPr>
+            <p:spPr>
+              <a:xfrm>
+                <a:off x="3360772" y="2572174"/>
+                <a:ext cx="126411" cy="126833"/>
+              </a:xfrm>
+              <a:prstGeom prst="line">
+                <a:avLst/>
+              </a:prstGeom>
+              <a:ln>
+                <a:solidFill>
+                  <a:schemeClr val="tx1"/>
+                </a:solidFill>
+              </a:ln>
+            </p:spPr>
+            <p:style>
+              <a:lnRef idx="1">
+                <a:schemeClr val="accent1"/>
+              </a:lnRef>
+              <a:fillRef idx="0">
+                <a:schemeClr val="accent1"/>
+              </a:fillRef>
+              <a:effectRef idx="0">
+                <a:schemeClr val="accent1"/>
+              </a:effectRef>
+              <a:fontRef idx="minor">
+                <a:schemeClr val="tx1"/>
+              </a:fontRef>
+            </p:style>
+          </p:cxnSp>
+        </p:grpSp>
+        <p:cxnSp>
+          <p:nvCxnSpPr>
+            <p:cNvPr id="181" name="Straight Connector 180"/>
+            <p:cNvCxnSpPr/>
+            <p:nvPr/>
+          </p:nvCxnSpPr>
+          <p:spPr>
+            <a:xfrm>
+              <a:off x="5229260" y="1175746"/>
+              <a:ext cx="0" cy="182957"/>
+            </a:xfrm>
+            <a:prstGeom prst="line">
+              <a:avLst/>
+            </a:prstGeom>
+            <a:ln>
+              <a:solidFill>
+                <a:schemeClr val="tx1"/>
+              </a:solidFill>
+            </a:ln>
+          </p:spPr>
+          <p:style>
+            <a:lnRef idx="1">
+              <a:schemeClr val="accent1"/>
+            </a:lnRef>
+            <a:fillRef idx="0">
+              <a:schemeClr val="accent1"/>
+            </a:fillRef>
+            <a:effectRef idx="0">
+              <a:schemeClr val="accent1"/>
+            </a:effectRef>
+            <a:fontRef idx="minor">
+              <a:schemeClr val="tx1"/>
+            </a:fontRef>
+          </p:style>
+        </p:cxnSp>
+      </p:grpSp>
+      <p:grpSp>
+        <p:nvGrpSpPr>
+          <p:cNvPr id="191" name="Group 190"/>
+          <p:cNvGrpSpPr/>
+          <p:nvPr/>
+        </p:nvGrpSpPr>
+        <p:grpSpPr>
+          <a:xfrm>
+            <a:off x="4750126" y="4963542"/>
+            <a:ext cx="49696" cy="182957"/>
+            <a:chOff x="4130266" y="2568259"/>
+            <a:chExt cx="49696" cy="182957"/>
+          </a:xfrm>
+        </p:grpSpPr>
+        <p:cxnSp>
+          <p:nvCxnSpPr>
+            <p:cNvPr id="192" name="Straight Connector 191"/>
+            <p:cNvCxnSpPr/>
+            <p:nvPr/>
+          </p:nvCxnSpPr>
+          <p:spPr>
+            <a:xfrm>
+              <a:off x="4130266" y="2568259"/>
+              <a:ext cx="0" cy="182957"/>
+            </a:xfrm>
+            <a:prstGeom prst="line">
+              <a:avLst/>
+            </a:prstGeom>
+            <a:ln>
+              <a:solidFill>
+                <a:schemeClr val="tx1"/>
+              </a:solidFill>
+            </a:ln>
+          </p:spPr>
+          <p:style>
+            <a:lnRef idx="1">
+              <a:schemeClr val="accent1"/>
+            </a:lnRef>
+            <a:fillRef idx="0">
+              <a:schemeClr val="accent1"/>
+            </a:fillRef>
+            <a:effectRef idx="0">
+              <a:schemeClr val="accent1"/>
+            </a:effectRef>
+            <a:fontRef idx="minor">
+              <a:schemeClr val="tx1"/>
+            </a:fontRef>
+          </p:style>
+        </p:cxnSp>
+        <p:cxnSp>
+          <p:nvCxnSpPr>
+            <p:cNvPr id="193" name="Straight Connector 192"/>
+            <p:cNvCxnSpPr/>
+            <p:nvPr/>
+          </p:nvCxnSpPr>
+          <p:spPr>
+            <a:xfrm>
+              <a:off x="4179962" y="2568259"/>
+              <a:ext cx="0" cy="182957"/>
+            </a:xfrm>
+            <a:prstGeom prst="line">
+              <a:avLst/>
+            </a:prstGeom>
+            <a:ln>
+              <a:solidFill>
+                <a:schemeClr val="tx1"/>
+              </a:solidFill>
+            </a:ln>
+          </p:spPr>
+          <p:style>
+            <a:lnRef idx="1">
+              <a:schemeClr val="accent1"/>
+            </a:lnRef>
+            <a:fillRef idx="0">
+              <a:schemeClr val="accent1"/>
+            </a:fillRef>
+            <a:effectRef idx="0">
+              <a:schemeClr val="accent1"/>
+            </a:effectRef>
+            <a:fontRef idx="minor">
+              <a:schemeClr val="tx1"/>
+            </a:fontRef>
+          </p:style>
+        </p:cxnSp>
+      </p:grpSp>
+      <p:grpSp>
+        <p:nvGrpSpPr>
+          <p:cNvPr id="194" name="Group 193"/>
+          <p:cNvGrpSpPr/>
+          <p:nvPr/>
+        </p:nvGrpSpPr>
+        <p:grpSpPr>
+          <a:xfrm>
+            <a:off x="4773141" y="5168456"/>
+            <a:ext cx="49696" cy="182957"/>
+            <a:chOff x="4130266" y="2568259"/>
+            <a:chExt cx="49696" cy="182957"/>
+          </a:xfrm>
+        </p:grpSpPr>
+        <p:cxnSp>
+          <p:nvCxnSpPr>
+            <p:cNvPr id="195" name="Straight Connector 194"/>
+            <p:cNvCxnSpPr/>
+            <p:nvPr/>
+          </p:nvCxnSpPr>
+          <p:spPr>
+            <a:xfrm>
+              <a:off x="4130266" y="2568259"/>
+              <a:ext cx="0" cy="182957"/>
+            </a:xfrm>
+            <a:prstGeom prst="line">
+              <a:avLst/>
+            </a:prstGeom>
+            <a:ln>
+              <a:solidFill>
+                <a:schemeClr val="tx1"/>
+              </a:solidFill>
+            </a:ln>
+          </p:spPr>
+          <p:style>
+            <a:lnRef idx="1">
+              <a:schemeClr val="accent1"/>
+            </a:lnRef>
+            <a:fillRef idx="0">
+              <a:schemeClr val="accent1"/>
+            </a:fillRef>
+            <a:effectRef idx="0">
+              <a:schemeClr val="accent1"/>
+            </a:effectRef>
+            <a:fontRef idx="minor">
+              <a:schemeClr val="tx1"/>
+            </a:fontRef>
+          </p:style>
+        </p:cxnSp>
+        <p:cxnSp>
+          <p:nvCxnSpPr>
+            <p:cNvPr id="196" name="Straight Connector 195"/>
+            <p:cNvCxnSpPr/>
+            <p:nvPr/>
+          </p:nvCxnSpPr>
+          <p:spPr>
+            <a:xfrm>
+              <a:off x="4179962" y="2568259"/>
+              <a:ext cx="0" cy="182957"/>
+            </a:xfrm>
+            <a:prstGeom prst="line">
+              <a:avLst/>
+            </a:prstGeom>
+            <a:ln>
+              <a:solidFill>
+                <a:schemeClr val="tx1"/>
+              </a:solidFill>
+            </a:ln>
+          </p:spPr>
+          <p:style>
+            <a:lnRef idx="1">
+              <a:schemeClr val="accent1"/>
+            </a:lnRef>
+            <a:fillRef idx="0">
+              <a:schemeClr val="accent1"/>
+            </a:fillRef>
+            <a:effectRef idx="0">
+              <a:schemeClr val="accent1"/>
+            </a:effectRef>
+            <a:fontRef idx="minor">
+              <a:schemeClr val="tx1"/>
+            </a:fontRef>
+          </p:style>
+        </p:cxnSp>
+      </p:grpSp>
+      <p:grpSp>
+        <p:nvGrpSpPr>
+          <p:cNvPr id="197" name="Group 196"/>
+          <p:cNvGrpSpPr/>
+          <p:nvPr/>
+        </p:nvGrpSpPr>
+        <p:grpSpPr>
+          <a:xfrm>
+            <a:off x="6111573" y="4581553"/>
+            <a:ext cx="49696" cy="182957"/>
+            <a:chOff x="4130266" y="2568259"/>
+            <a:chExt cx="49696" cy="182957"/>
+          </a:xfrm>
+        </p:grpSpPr>
+        <p:cxnSp>
+          <p:nvCxnSpPr>
+            <p:cNvPr id="198" name="Straight Connector 197"/>
+            <p:cNvCxnSpPr/>
+            <p:nvPr/>
+          </p:nvCxnSpPr>
+          <p:spPr>
+            <a:xfrm>
+              <a:off x="4130266" y="2568259"/>
+              <a:ext cx="0" cy="182957"/>
+            </a:xfrm>
+            <a:prstGeom prst="line">
+              <a:avLst/>
+            </a:prstGeom>
+            <a:ln>
+              <a:solidFill>
+                <a:schemeClr val="tx1"/>
+              </a:solidFill>
+            </a:ln>
+          </p:spPr>
+          <p:style>
+            <a:lnRef idx="1">
+              <a:schemeClr val="accent1"/>
+            </a:lnRef>
+            <a:fillRef idx="0">
+              <a:schemeClr val="accent1"/>
+            </a:fillRef>
+            <a:effectRef idx="0">
+              <a:schemeClr val="accent1"/>
+            </a:effectRef>
+            <a:fontRef idx="minor">
+              <a:schemeClr val="tx1"/>
+            </a:fontRef>
+          </p:style>
+        </p:cxnSp>
+        <p:cxnSp>
+          <p:nvCxnSpPr>
+            <p:cNvPr id="199" name="Straight Connector 198"/>
+            <p:cNvCxnSpPr/>
+            <p:nvPr/>
+          </p:nvCxnSpPr>
+          <p:spPr>
+            <a:xfrm>
+              <a:off x="4179962" y="2568259"/>
+              <a:ext cx="0" cy="182957"/>
+            </a:xfrm>
+            <a:prstGeom prst="line">
+              <a:avLst/>
+            </a:prstGeom>
+            <a:ln>
+              <a:solidFill>
+                <a:schemeClr val="tx1"/>
+              </a:solidFill>
+            </a:ln>
+          </p:spPr>
+          <p:style>
+            <a:lnRef idx="1">
+              <a:schemeClr val="accent1"/>
+            </a:lnRef>
+            <a:fillRef idx="0">
+              <a:schemeClr val="accent1"/>
+            </a:fillRef>
+            <a:effectRef idx="0">
+              <a:schemeClr val="accent1"/>
+            </a:effectRef>
+            <a:fontRef idx="minor">
+              <a:schemeClr val="tx1"/>
+            </a:fontRef>
+          </p:style>
+        </p:cxnSp>
+      </p:grpSp>
+      <p:grpSp>
+        <p:nvGrpSpPr>
+          <p:cNvPr id="200" name="Group 199"/>
+          <p:cNvGrpSpPr/>
+          <p:nvPr/>
+        </p:nvGrpSpPr>
+        <p:grpSpPr>
+          <a:xfrm>
+            <a:off x="6136421" y="4774272"/>
+            <a:ext cx="49696" cy="182957"/>
+            <a:chOff x="4130266" y="2568259"/>
+            <a:chExt cx="49696" cy="182957"/>
+          </a:xfrm>
+        </p:grpSpPr>
+        <p:cxnSp>
+          <p:nvCxnSpPr>
+            <p:cNvPr id="201" name="Straight Connector 200"/>
+            <p:cNvCxnSpPr/>
+            <p:nvPr/>
+          </p:nvCxnSpPr>
+          <p:spPr>
+            <a:xfrm>
+              <a:off x="4130266" y="2568259"/>
+              <a:ext cx="0" cy="182957"/>
+            </a:xfrm>
+            <a:prstGeom prst="line">
+              <a:avLst/>
+            </a:prstGeom>
+            <a:ln>
+              <a:solidFill>
+                <a:schemeClr val="tx1"/>
+              </a:solidFill>
+            </a:ln>
+          </p:spPr>
+          <p:style>
+            <a:lnRef idx="1">
+              <a:schemeClr val="accent1"/>
+            </a:lnRef>
+            <a:fillRef idx="0">
+              <a:schemeClr val="accent1"/>
+            </a:fillRef>
+            <a:effectRef idx="0">
+              <a:schemeClr val="accent1"/>
+            </a:effectRef>
+            <a:fontRef idx="minor">
+              <a:schemeClr val="tx1"/>
+            </a:fontRef>
+          </p:style>
+        </p:cxnSp>
+        <p:cxnSp>
+          <p:nvCxnSpPr>
+            <p:cNvPr id="202" name="Straight Connector 201"/>
+            <p:cNvCxnSpPr/>
+            <p:nvPr/>
+          </p:nvCxnSpPr>
+          <p:spPr>
+            <a:xfrm>
+              <a:off x="4179962" y="2568259"/>
+              <a:ext cx="0" cy="182957"/>
+            </a:xfrm>
+            <a:prstGeom prst="line">
+              <a:avLst/>
+            </a:prstGeom>
+            <a:ln>
+              <a:solidFill>
+                <a:schemeClr val="tx1"/>
+              </a:solidFill>
+            </a:ln>
+          </p:spPr>
+          <p:style>
+            <a:lnRef idx="1">
+              <a:schemeClr val="accent1"/>
+            </a:lnRef>
+            <a:fillRef idx="0">
+              <a:schemeClr val="accent1"/>
+            </a:fillRef>
+            <a:effectRef idx="0">
+              <a:schemeClr val="accent1"/>
+            </a:effectRef>
+            <a:fontRef idx="minor">
+              <a:schemeClr val="tx1"/>
+            </a:fontRef>
+          </p:style>
+        </p:cxnSp>
+      </p:grpSp>
+      <p:grpSp>
+        <p:nvGrpSpPr>
+          <p:cNvPr id="203" name="Group 202"/>
+          <p:cNvGrpSpPr/>
+          <p:nvPr/>
+        </p:nvGrpSpPr>
+        <p:grpSpPr>
+          <a:xfrm>
+            <a:off x="6123015" y="4974297"/>
+            <a:ext cx="49696" cy="182957"/>
+            <a:chOff x="4130266" y="2568259"/>
+            <a:chExt cx="49696" cy="182957"/>
+          </a:xfrm>
+        </p:grpSpPr>
+        <p:cxnSp>
+          <p:nvCxnSpPr>
+            <p:cNvPr id="204" name="Straight Connector 203"/>
+            <p:cNvCxnSpPr/>
+            <p:nvPr/>
+          </p:nvCxnSpPr>
+          <p:spPr>
+            <a:xfrm>
+              <a:off x="4130266" y="2568259"/>
+              <a:ext cx="0" cy="182957"/>
+            </a:xfrm>
+            <a:prstGeom prst="line">
+              <a:avLst/>
+            </a:prstGeom>
+            <a:ln>
+              <a:solidFill>
+                <a:schemeClr val="tx1"/>
+              </a:solidFill>
+            </a:ln>
+          </p:spPr>
+          <p:style>
+            <a:lnRef idx="1">
+              <a:schemeClr val="accent1"/>
+            </a:lnRef>
+            <a:fillRef idx="0">
+              <a:schemeClr val="accent1"/>
+            </a:fillRef>
+            <a:effectRef idx="0">
+              <a:schemeClr val="accent1"/>
+            </a:effectRef>
+            <a:fontRef idx="minor">
+              <a:schemeClr val="tx1"/>
+            </a:fontRef>
+          </p:style>
+        </p:cxnSp>
+        <p:cxnSp>
+          <p:nvCxnSpPr>
+            <p:cNvPr id="205" name="Straight Connector 204"/>
+            <p:cNvCxnSpPr/>
+            <p:nvPr/>
+          </p:nvCxnSpPr>
+          <p:spPr>
+            <a:xfrm>
+              <a:off x="4179962" y="2568259"/>
+              <a:ext cx="0" cy="182957"/>
+            </a:xfrm>
+            <a:prstGeom prst="line">
+              <a:avLst/>
+            </a:prstGeom>
+            <a:ln>
+              <a:solidFill>
+                <a:schemeClr val="tx1"/>
+              </a:solidFill>
+            </a:ln>
+          </p:spPr>
+          <p:style>
+            <a:lnRef idx="1">
+              <a:schemeClr val="accent1"/>
+            </a:lnRef>
+            <a:fillRef idx="0">
+              <a:schemeClr val="accent1"/>
+            </a:fillRef>
+            <a:effectRef idx="0">
+              <a:schemeClr val="accent1"/>
+            </a:effectRef>
+            <a:fontRef idx="minor">
+              <a:schemeClr val="tx1"/>
+            </a:fontRef>
+          </p:style>
+        </p:cxnSp>
+      </p:grpSp>
+      <p:grpSp>
+        <p:nvGrpSpPr>
+          <p:cNvPr id="206" name="Group 205"/>
+          <p:cNvGrpSpPr/>
+          <p:nvPr/>
+        </p:nvGrpSpPr>
+        <p:grpSpPr>
+          <a:xfrm>
+            <a:off x="3612928" y="890615"/>
+            <a:ext cx="49696" cy="182957"/>
+            <a:chOff x="4130266" y="2568259"/>
+            <a:chExt cx="49696" cy="182957"/>
+          </a:xfrm>
+        </p:grpSpPr>
+        <p:cxnSp>
+          <p:nvCxnSpPr>
+            <p:cNvPr id="207" name="Straight Connector 206"/>
+            <p:cNvCxnSpPr/>
+            <p:nvPr/>
+          </p:nvCxnSpPr>
+          <p:spPr>
+            <a:xfrm>
+              <a:off x="4130266" y="2568259"/>
+              <a:ext cx="0" cy="182957"/>
+            </a:xfrm>
+            <a:prstGeom prst="line">
+              <a:avLst/>
+            </a:prstGeom>
+            <a:ln>
+              <a:solidFill>
+                <a:schemeClr val="tx1"/>
+              </a:solidFill>
+            </a:ln>
+          </p:spPr>
+          <p:style>
+            <a:lnRef idx="1">
+              <a:schemeClr val="accent1"/>
+            </a:lnRef>
+            <a:fillRef idx="0">
+              <a:schemeClr val="accent1"/>
+            </a:fillRef>
+            <a:effectRef idx="0">
+              <a:schemeClr val="accent1"/>
+            </a:effectRef>
+            <a:fontRef idx="minor">
+              <a:schemeClr val="tx1"/>
+            </a:fontRef>
+          </p:style>
+        </p:cxnSp>
+        <p:cxnSp>
+          <p:nvCxnSpPr>
+            <p:cNvPr id="208" name="Straight Connector 207"/>
+            <p:cNvCxnSpPr/>
+            <p:nvPr/>
+          </p:nvCxnSpPr>
+          <p:spPr>
+            <a:xfrm>
+              <a:off x="4179962" y="2568259"/>
+              <a:ext cx="0" cy="182957"/>
+            </a:xfrm>
+            <a:prstGeom prst="line">
+              <a:avLst/>
+            </a:prstGeom>
+            <a:ln>
+              <a:solidFill>
+                <a:schemeClr val="tx1"/>
+              </a:solidFill>
+            </a:ln>
+          </p:spPr>
+          <p:style>
+            <a:lnRef idx="1">
+              <a:schemeClr val="accent1"/>
+            </a:lnRef>
+            <a:fillRef idx="0">
+              <a:schemeClr val="accent1"/>
+            </a:fillRef>
+            <a:effectRef idx="0">
+              <a:schemeClr val="accent1"/>
+            </a:effectRef>
+            <a:fontRef idx="minor">
+              <a:schemeClr val="tx1"/>
+            </a:fontRef>
+          </p:style>
+        </p:cxnSp>
+      </p:grpSp>
+      <p:grpSp>
+        <p:nvGrpSpPr>
+          <p:cNvPr id="209" name="Group 208"/>
+          <p:cNvGrpSpPr/>
+          <p:nvPr/>
+        </p:nvGrpSpPr>
+        <p:grpSpPr>
+          <a:xfrm>
+            <a:off x="3678186" y="1040284"/>
+            <a:ext cx="49696" cy="182957"/>
+            <a:chOff x="4130266" y="2568259"/>
+            <a:chExt cx="49696" cy="182957"/>
+          </a:xfrm>
+        </p:grpSpPr>
+        <p:cxnSp>
+          <p:nvCxnSpPr>
+            <p:cNvPr id="210" name="Straight Connector 209"/>
+            <p:cNvCxnSpPr/>
+            <p:nvPr/>
+          </p:nvCxnSpPr>
+          <p:spPr>
+            <a:xfrm>
+              <a:off x="4130266" y="2568259"/>
+              <a:ext cx="0" cy="182957"/>
+            </a:xfrm>
+            <a:prstGeom prst="line">
+              <a:avLst/>
+            </a:prstGeom>
+            <a:ln>
+              <a:solidFill>
+                <a:schemeClr val="tx1"/>
+              </a:solidFill>
+            </a:ln>
+          </p:spPr>
+          <p:style>
+            <a:lnRef idx="1">
+              <a:schemeClr val="accent1"/>
+            </a:lnRef>
+            <a:fillRef idx="0">
+              <a:schemeClr val="accent1"/>
+            </a:fillRef>
+            <a:effectRef idx="0">
+              <a:schemeClr val="accent1"/>
+            </a:effectRef>
+            <a:fontRef idx="minor">
+              <a:schemeClr val="tx1"/>
+            </a:fontRef>
+          </p:style>
+        </p:cxnSp>
+        <p:cxnSp>
+          <p:nvCxnSpPr>
+            <p:cNvPr id="211" name="Straight Connector 210"/>
+            <p:cNvCxnSpPr/>
+            <p:nvPr/>
+          </p:nvCxnSpPr>
+          <p:spPr>
+            <a:xfrm>
+              <a:off x="4179962" y="2568259"/>
+              <a:ext cx="0" cy="182957"/>
+            </a:xfrm>
+            <a:prstGeom prst="line">
+              <a:avLst/>
+            </a:prstGeom>
+            <a:ln>
+              <a:solidFill>
+                <a:schemeClr val="tx1"/>
+              </a:solidFill>
+            </a:ln>
+          </p:spPr>
+          <p:style>
+            <a:lnRef idx="1">
+              <a:schemeClr val="accent1"/>
+            </a:lnRef>
+            <a:fillRef idx="0">
+              <a:schemeClr val="accent1"/>
+            </a:fillRef>
+            <a:effectRef idx="0">
+              <a:schemeClr val="accent1"/>
+            </a:effectRef>
+            <a:fontRef idx="minor">
+              <a:schemeClr val="tx1"/>
+            </a:fontRef>
+          </p:style>
+        </p:cxnSp>
+      </p:grpSp>
+      <p:grpSp>
+        <p:nvGrpSpPr>
+          <p:cNvPr id="212" name="Group 211"/>
+          <p:cNvGrpSpPr/>
+          <p:nvPr/>
+        </p:nvGrpSpPr>
+        <p:grpSpPr>
+          <a:xfrm>
+            <a:off x="3604610" y="1280874"/>
+            <a:ext cx="49696" cy="182957"/>
+            <a:chOff x="4130266" y="2568259"/>
+            <a:chExt cx="49696" cy="182957"/>
+          </a:xfrm>
+        </p:grpSpPr>
+        <p:cxnSp>
+          <p:nvCxnSpPr>
+            <p:cNvPr id="213" name="Straight Connector 212"/>
+            <p:cNvCxnSpPr/>
+            <p:nvPr/>
+          </p:nvCxnSpPr>
+          <p:spPr>
+            <a:xfrm>
+              <a:off x="4130266" y="2568259"/>
+              <a:ext cx="0" cy="182957"/>
+            </a:xfrm>
+            <a:prstGeom prst="line">
+              <a:avLst/>
+            </a:prstGeom>
+            <a:ln>
+              <a:solidFill>
+                <a:schemeClr val="tx1"/>
+              </a:solidFill>
+            </a:ln>
+          </p:spPr>
+          <p:style>
+            <a:lnRef idx="1">
+              <a:schemeClr val="accent1"/>
+            </a:lnRef>
+            <a:fillRef idx="0">
+              <a:schemeClr val="accent1"/>
+            </a:fillRef>
+            <a:effectRef idx="0">
+              <a:schemeClr val="accent1"/>
+            </a:effectRef>
+            <a:fontRef idx="minor">
+              <a:schemeClr val="tx1"/>
+            </a:fontRef>
+          </p:style>
+        </p:cxnSp>
+        <p:cxnSp>
+          <p:nvCxnSpPr>
+            <p:cNvPr id="214" name="Straight Connector 213"/>
+            <p:cNvCxnSpPr/>
+            <p:nvPr/>
+          </p:nvCxnSpPr>
+          <p:spPr>
+            <a:xfrm>
+              <a:off x="4179962" y="2568259"/>
+              <a:ext cx="0" cy="182957"/>
+            </a:xfrm>
+            <a:prstGeom prst="line">
+              <a:avLst/>
+            </a:prstGeom>
+            <a:ln>
+              <a:solidFill>
+                <a:schemeClr val="tx1"/>
+              </a:solidFill>
+            </a:ln>
+          </p:spPr>
+          <p:style>
+            <a:lnRef idx="1">
+              <a:schemeClr val="accent1"/>
+            </a:lnRef>
+            <a:fillRef idx="0">
+              <a:schemeClr val="accent1"/>
+            </a:fillRef>
+            <a:effectRef idx="0">
+              <a:schemeClr val="accent1"/>
+            </a:effectRef>
+            <a:fontRef idx="minor">
+              <a:schemeClr val="tx1"/>
+            </a:fontRef>
+          </p:style>
+        </p:cxnSp>
+      </p:grpSp>
+      <p:grpSp>
+        <p:nvGrpSpPr>
+          <p:cNvPr id="215" name="Group 214"/>
+          <p:cNvGrpSpPr/>
+          <p:nvPr/>
+        </p:nvGrpSpPr>
+        <p:grpSpPr>
+          <a:xfrm>
+            <a:off x="3637776" y="1497077"/>
+            <a:ext cx="49696" cy="182957"/>
+            <a:chOff x="4130266" y="2568259"/>
+            <a:chExt cx="49696" cy="182957"/>
+          </a:xfrm>
+        </p:grpSpPr>
+        <p:cxnSp>
+          <p:nvCxnSpPr>
+            <p:cNvPr id="216" name="Straight Connector 215"/>
+            <p:cNvCxnSpPr/>
+            <p:nvPr/>
+          </p:nvCxnSpPr>
+          <p:spPr>
+            <a:xfrm>
+              <a:off x="4130266" y="2568259"/>
+              <a:ext cx="0" cy="182957"/>
+            </a:xfrm>
+            <a:prstGeom prst="line">
+              <a:avLst/>
+            </a:prstGeom>
+            <a:ln>
+              <a:solidFill>
+                <a:schemeClr val="tx1"/>
+              </a:solidFill>
+            </a:ln>
+          </p:spPr>
+          <p:style>
+            <a:lnRef idx="1">
+              <a:schemeClr val="accent1"/>
+            </a:lnRef>
+            <a:fillRef idx="0">
+              <a:schemeClr val="accent1"/>
+            </a:fillRef>
+            <a:effectRef idx="0">
+              <a:schemeClr val="accent1"/>
+            </a:effectRef>
+            <a:fontRef idx="minor">
+              <a:schemeClr val="tx1"/>
+            </a:fontRef>
+          </p:style>
+        </p:cxnSp>
+        <p:cxnSp>
+          <p:nvCxnSpPr>
+            <p:cNvPr id="217" name="Straight Connector 216"/>
+            <p:cNvCxnSpPr/>
+            <p:nvPr/>
+          </p:nvCxnSpPr>
+          <p:spPr>
+            <a:xfrm>
+              <a:off x="4179962" y="2568259"/>
+              <a:ext cx="0" cy="182957"/>
+            </a:xfrm>
+            <a:prstGeom prst="line">
+              <a:avLst/>
+            </a:prstGeom>
+            <a:ln>
+              <a:solidFill>
+                <a:schemeClr val="tx1"/>
+              </a:solidFill>
+            </a:ln>
+          </p:spPr>
+          <p:style>
+            <a:lnRef idx="1">
+              <a:schemeClr val="accent1"/>
+            </a:lnRef>
+            <a:fillRef idx="0">
+              <a:schemeClr val="accent1"/>
+            </a:fillRef>
+            <a:effectRef idx="0">
+              <a:schemeClr val="accent1"/>
+            </a:effectRef>
+            <a:fontRef idx="minor">
+              <a:schemeClr val="tx1"/>
+            </a:fontRef>
+          </p:style>
+        </p:cxnSp>
+      </p:grpSp>
+      <p:grpSp>
+        <p:nvGrpSpPr>
+          <p:cNvPr id="218" name="Group 217"/>
+          <p:cNvGrpSpPr/>
+          <p:nvPr/>
+        </p:nvGrpSpPr>
+        <p:grpSpPr>
+          <a:xfrm>
+            <a:off x="8665800" y="4838290"/>
+            <a:ext cx="49696" cy="182957"/>
+            <a:chOff x="4130266" y="2568259"/>
+            <a:chExt cx="49696" cy="182957"/>
+          </a:xfrm>
+        </p:grpSpPr>
+        <p:cxnSp>
+          <p:nvCxnSpPr>
+            <p:cNvPr id="219" name="Straight Connector 218"/>
+            <p:cNvCxnSpPr/>
+            <p:nvPr/>
+          </p:nvCxnSpPr>
+          <p:spPr>
+            <a:xfrm>
+              <a:off x="4130266" y="2568259"/>
+              <a:ext cx="0" cy="182957"/>
+            </a:xfrm>
+            <a:prstGeom prst="line">
+              <a:avLst/>
+            </a:prstGeom>
+            <a:ln>
+              <a:solidFill>
+                <a:schemeClr val="tx1"/>
+              </a:solidFill>
+            </a:ln>
+          </p:spPr>
+          <p:style>
+            <a:lnRef idx="1">
+              <a:schemeClr val="accent1"/>
+            </a:lnRef>
+            <a:fillRef idx="0">
+              <a:schemeClr val="accent1"/>
+            </a:fillRef>
+            <a:effectRef idx="0">
+              <a:schemeClr val="accent1"/>
+            </a:effectRef>
+            <a:fontRef idx="minor">
+              <a:schemeClr val="tx1"/>
+            </a:fontRef>
+          </p:style>
+        </p:cxnSp>
+        <p:cxnSp>
+          <p:nvCxnSpPr>
+            <p:cNvPr id="220" name="Straight Connector 219"/>
+            <p:cNvCxnSpPr/>
+            <p:nvPr/>
+          </p:nvCxnSpPr>
+          <p:spPr>
+            <a:xfrm>
+              <a:off x="4179962" y="2568259"/>
+              <a:ext cx="0" cy="182957"/>
+            </a:xfrm>
+            <a:prstGeom prst="line">
+              <a:avLst/>
+            </a:prstGeom>
+            <a:ln>
+              <a:solidFill>
+                <a:schemeClr val="tx1"/>
+              </a:solidFill>
+            </a:ln>
+          </p:spPr>
+          <p:style>
+            <a:lnRef idx="1">
+              <a:schemeClr val="accent1"/>
+            </a:lnRef>
+            <a:fillRef idx="0">
+              <a:schemeClr val="accent1"/>
+            </a:fillRef>
+            <a:effectRef idx="0">
+              <a:schemeClr val="accent1"/>
+            </a:effectRef>
+            <a:fontRef idx="minor">
+              <a:schemeClr val="tx1"/>
+            </a:fontRef>
+          </p:style>
+        </p:cxnSp>
+      </p:grpSp>
     </p:spTree>
     <p:extLst>
       <p:ext uri="{BB962C8B-B14F-4D97-AF65-F5344CB8AC3E}">
-        <p14:creationId xmlns:p14="http://schemas.microsoft.com/office/powerpoint/2010/main" val="4032723265"/>
+        <p14:creationId xmlns:p14="http://schemas.microsoft.com/office/powerpoint/2010/main" val="648040914"/>
       </p:ext>
     </p:extLst>
   </p:cSld>
   <p:clrMapOvr>
     <a:masterClrMapping/>
   </p:clrMapOvr>
-  <p:timing>
-    <p:tnLst>
-      <p:par>
-        <p:cTn id="1" dur="indefinite" restart="never" nodeType="tmRoot"/>
-      </p:par>
-    </p:tnLst>
-  </p:timing>
 </p:sld>
 </file>
 
@@ -5981,4 +11028,299 @@
     </a:ext>
   </a:extLst>
 </a:theme>
+</file>
+
+<file path=ppt/theme/theme2.xml><?xml version="1.0" encoding="utf-8"?>
+<a:theme xmlns:a="http://schemas.openxmlformats.org/drawingml/2006/main" name="Office Theme">
+  <a:themeElements>
+    <a:clrScheme name="Office">
+      <a:dk1>
+        <a:sysClr val="windowText" lastClr="000000"/>
+      </a:dk1>
+      <a:lt1>
+        <a:sysClr val="window" lastClr="FFFFFF"/>
+      </a:lt1>
+      <a:dk2>
+        <a:srgbClr val="44546A"/>
+      </a:dk2>
+      <a:lt2>
+        <a:srgbClr val="E7E6E6"/>
+      </a:lt2>
+      <a:accent1>
+        <a:srgbClr val="5B9BD5"/>
+      </a:accent1>
+      <a:accent2>
+        <a:srgbClr val="ED7D31"/>
+      </a:accent2>
+      <a:accent3>
+        <a:srgbClr val="A5A5A5"/>
+      </a:accent3>
+      <a:accent4>
+        <a:srgbClr val="FFC000"/>
+      </a:accent4>
+      <a:accent5>
+        <a:srgbClr val="4472C4"/>
+      </a:accent5>
+      <a:accent6>
+        <a:srgbClr val="70AD47"/>
+      </a:accent6>
+      <a:hlink>
+        <a:srgbClr val="0563C1"/>
+      </a:hlink>
+      <a:folHlink>
+        <a:srgbClr val="954F72"/>
+      </a:folHlink>
+    </a:clrScheme>
+    <a:fontScheme name="Office">
+      <a:majorFont>
+        <a:latin typeface="Calibri Light" panose="020F0302020204030204"/>
+        <a:ea typeface=""/>
+        <a:cs typeface=""/>
+        <a:font script="Jpan" typeface="游ゴシック Light"/>
+        <a:font script="Hang" typeface="맑은 고딕"/>
+        <a:font script="Hans" typeface="等线 Light"/>
+        <a:font script="Hant" typeface="新細明體"/>
+        <a:font script="Arab" typeface="Times New Roman"/>
+        <a:font script="Hebr" typeface="Times New Roman"/>
+        <a:font script="Thai" typeface="Angsana New"/>
+        <a:font script="Ethi" typeface="Nyala"/>
+        <a:font script="Beng" typeface="Vrinda"/>
+        <a:font script="Gujr" typeface="Shruti"/>
+        <a:font script="Khmr" typeface="MoolBoran"/>
+        <a:font script="Knda" typeface="Tunga"/>
+        <a:font script="Guru" typeface="Raavi"/>
+        <a:font script="Cans" typeface="Euphemia"/>
+        <a:font script="Cher" typeface="Plantagenet Cherokee"/>
+        <a:font script="Yiii" typeface="Microsoft Yi Baiti"/>
+        <a:font script="Tibt" typeface="Microsoft Himalaya"/>
+        <a:font script="Thaa" typeface="MV Boli"/>
+        <a:font script="Deva" typeface="Mangal"/>
+        <a:font script="Telu" typeface="Gautami"/>
+        <a:font script="Taml" typeface="Latha"/>
+        <a:font script="Syrc" typeface="Estrangelo Edessa"/>
+        <a:font script="Orya" typeface="Kalinga"/>
+        <a:font script="Mlym" typeface="Kartika"/>
+        <a:font script="Laoo" typeface="DokChampa"/>
+        <a:font script="Sinh" typeface="Iskoola Pota"/>
+        <a:font script="Mong" typeface="Mongolian Baiti"/>
+        <a:font script="Viet" typeface="Times New Roman"/>
+        <a:font script="Uigh" typeface="Microsoft Uighur"/>
+        <a:font script="Geor" typeface="Sylfaen"/>
+        <a:font script="Armn" typeface="Arial"/>
+        <a:font script="Bugi" typeface="Leelawadee UI"/>
+        <a:font script="Bopo" typeface="Microsoft JhengHei"/>
+        <a:font script="Java" typeface="Javanese Text"/>
+        <a:font script="Lisu" typeface="Segoe UI"/>
+        <a:font script="Mymr" typeface="Myanmar Text"/>
+        <a:font script="Nkoo" typeface="Ebrima"/>
+        <a:font script="Olck" typeface="Nirmala UI"/>
+        <a:font script="Osma" typeface="Ebrima"/>
+        <a:font script="Phag" typeface="Phagspa"/>
+        <a:font script="Syrn" typeface="Estrangelo Edessa"/>
+        <a:font script="Syrj" typeface="Estrangelo Edessa"/>
+        <a:font script="Syre" typeface="Estrangelo Edessa"/>
+        <a:font script="Sora" typeface="Nirmala UI"/>
+        <a:font script="Tale" typeface="Microsoft Tai Le"/>
+        <a:font script="Talu" typeface="Microsoft New Tai Lue"/>
+        <a:font script="Tfng" typeface="Ebrima"/>
+      </a:majorFont>
+      <a:minorFont>
+        <a:latin typeface="Calibri" panose="020F0502020204030204"/>
+        <a:ea typeface=""/>
+        <a:cs typeface=""/>
+        <a:font script="Jpan" typeface="游ゴシック"/>
+        <a:font script="Hang" typeface="맑은 고딕"/>
+        <a:font script="Hans" typeface="等线"/>
+        <a:font script="Hant" typeface="新細明體"/>
+        <a:font script="Arab" typeface="Arial"/>
+        <a:font script="Hebr" typeface="Arial"/>
+        <a:font script="Thai" typeface="Cordia New"/>
+        <a:font script="Ethi" typeface="Nyala"/>
+        <a:font script="Beng" typeface="Vrinda"/>
+        <a:font script="Gujr" typeface="Shruti"/>
+        <a:font script="Khmr" typeface="DaunPenh"/>
+        <a:font script="Knda" typeface="Tunga"/>
+        <a:font script="Guru" typeface="Raavi"/>
+        <a:font script="Cans" typeface="Euphemia"/>
+        <a:font script="Cher" typeface="Plantagenet Cherokee"/>
+        <a:font script="Yiii" typeface="Microsoft Yi Baiti"/>
+        <a:font script="Tibt" typeface="Microsoft Himalaya"/>
+        <a:font script="Thaa" typeface="MV Boli"/>
+        <a:font script="Deva" typeface="Mangal"/>
+        <a:font script="Telu" typeface="Gautami"/>
+        <a:font script="Taml" typeface="Latha"/>
+        <a:font script="Syrc" typeface="Estrangelo Edessa"/>
+        <a:font script="Orya" typeface="Kalinga"/>
+        <a:font script="Mlym" typeface="Kartika"/>
+        <a:font script="Laoo" typeface="DokChampa"/>
+        <a:font script="Sinh" typeface="Iskoola Pota"/>
+        <a:font script="Mong" typeface="Mongolian Baiti"/>
+        <a:font script="Viet" typeface="Arial"/>
+        <a:font script="Uigh" typeface="Microsoft Uighur"/>
+        <a:font script="Geor" typeface="Sylfaen"/>
+        <a:font script="Armn" typeface="Arial"/>
+        <a:font script="Bugi" typeface="Leelawadee UI"/>
+        <a:font script="Bopo" typeface="Microsoft JhengHei"/>
+        <a:font script="Java" typeface="Javanese Text"/>
+        <a:font script="Lisu" typeface="Segoe UI"/>
+        <a:font script="Mymr" typeface="Myanmar Text"/>
+        <a:font script="Nkoo" typeface="Ebrima"/>
+        <a:font script="Olck" typeface="Nirmala UI"/>
+        <a:font script="Osma" typeface="Ebrima"/>
+        <a:font script="Phag" typeface="Phagspa"/>
+        <a:font script="Syrn" typeface="Estrangelo Edessa"/>
+        <a:font script="Syrj" typeface="Estrangelo Edessa"/>
+        <a:font script="Syre" typeface="Estrangelo Edessa"/>
+        <a:font script="Sora" typeface="Nirmala UI"/>
+        <a:font script="Tale" typeface="Microsoft Tai Le"/>
+        <a:font script="Talu" typeface="Microsoft New Tai Lue"/>
+        <a:font script="Tfng" typeface="Ebrima"/>
+      </a:minorFont>
+    </a:fontScheme>
+    <a:fmtScheme name="Office">
+      <a:fillStyleLst>
+        <a:solidFill>
+          <a:schemeClr val="phClr"/>
+        </a:solidFill>
+        <a:gradFill rotWithShape="1">
+          <a:gsLst>
+            <a:gs pos="0">
+              <a:schemeClr val="phClr">
+                <a:lumMod val="110000"/>
+                <a:satMod val="105000"/>
+                <a:tint val="67000"/>
+              </a:schemeClr>
+            </a:gs>
+            <a:gs pos="50000">
+              <a:schemeClr val="phClr">
+                <a:lumMod val="105000"/>
+                <a:satMod val="103000"/>
+                <a:tint val="73000"/>
+              </a:schemeClr>
+            </a:gs>
+            <a:gs pos="100000">
+              <a:schemeClr val="phClr">
+                <a:lumMod val="105000"/>
+                <a:satMod val="109000"/>
+                <a:tint val="81000"/>
+              </a:schemeClr>
+            </a:gs>
+          </a:gsLst>
+          <a:lin ang="5400000" scaled="0"/>
+        </a:gradFill>
+        <a:gradFill rotWithShape="1">
+          <a:gsLst>
+            <a:gs pos="0">
+              <a:schemeClr val="phClr">
+                <a:satMod val="103000"/>
+                <a:lumMod val="102000"/>
+                <a:tint val="94000"/>
+              </a:schemeClr>
+            </a:gs>
+            <a:gs pos="50000">
+              <a:schemeClr val="phClr">
+                <a:satMod val="110000"/>
+                <a:lumMod val="100000"/>
+                <a:shade val="100000"/>
+              </a:schemeClr>
+            </a:gs>
+            <a:gs pos="100000">
+              <a:schemeClr val="phClr">
+                <a:lumMod val="99000"/>
+                <a:satMod val="120000"/>
+                <a:shade val="78000"/>
+              </a:schemeClr>
+            </a:gs>
+          </a:gsLst>
+          <a:lin ang="5400000" scaled="0"/>
+        </a:gradFill>
+      </a:fillStyleLst>
+      <a:lnStyleLst>
+        <a:ln w="6350" cap="flat" cmpd="sng" algn="ctr">
+          <a:solidFill>
+            <a:schemeClr val="phClr"/>
+          </a:solidFill>
+          <a:prstDash val="solid"/>
+          <a:miter lim="800000"/>
+        </a:ln>
+        <a:ln w="12700" cap="flat" cmpd="sng" algn="ctr">
+          <a:solidFill>
+            <a:schemeClr val="phClr"/>
+          </a:solidFill>
+          <a:prstDash val="solid"/>
+          <a:miter lim="800000"/>
+        </a:ln>
+        <a:ln w="19050" cap="flat" cmpd="sng" algn="ctr">
+          <a:solidFill>
+            <a:schemeClr val="phClr"/>
+          </a:solidFill>
+          <a:prstDash val="solid"/>
+          <a:miter lim="800000"/>
+        </a:ln>
+      </a:lnStyleLst>
+      <a:effectStyleLst>
+        <a:effectStyle>
+          <a:effectLst/>
+        </a:effectStyle>
+        <a:effectStyle>
+          <a:effectLst/>
+        </a:effectStyle>
+        <a:effectStyle>
+          <a:effectLst>
+            <a:outerShdw blurRad="57150" dist="19050" dir="5400000" algn="ctr" rotWithShape="0">
+              <a:srgbClr val="000000">
+                <a:alpha val="63000"/>
+              </a:srgbClr>
+            </a:outerShdw>
+          </a:effectLst>
+        </a:effectStyle>
+      </a:effectStyleLst>
+      <a:bgFillStyleLst>
+        <a:solidFill>
+          <a:schemeClr val="phClr"/>
+        </a:solidFill>
+        <a:solidFill>
+          <a:schemeClr val="phClr">
+            <a:tint val="95000"/>
+            <a:satMod val="170000"/>
+          </a:schemeClr>
+        </a:solidFill>
+        <a:gradFill rotWithShape="1">
+          <a:gsLst>
+            <a:gs pos="0">
+              <a:schemeClr val="phClr">
+                <a:tint val="93000"/>
+                <a:satMod val="150000"/>
+                <a:shade val="98000"/>
+                <a:lumMod val="102000"/>
+              </a:schemeClr>
+            </a:gs>
+            <a:gs pos="50000">
+              <a:schemeClr val="phClr">
+                <a:tint val="98000"/>
+                <a:satMod val="130000"/>
+                <a:shade val="90000"/>
+                <a:lumMod val="103000"/>
+              </a:schemeClr>
+            </a:gs>
+            <a:gs pos="100000">
+              <a:schemeClr val="phClr">
+                <a:shade val="63000"/>
+                <a:satMod val="120000"/>
+              </a:schemeClr>
+            </a:gs>
+          </a:gsLst>
+          <a:lin ang="5400000" scaled="0"/>
+        </a:gradFill>
+      </a:bgFillStyleLst>
+    </a:fmtScheme>
+  </a:themeElements>
+  <a:objectDefaults/>
+  <a:extraClrSchemeLst/>
+  <a:extLst>
+    <a:ext uri="{05A4C25C-085E-4340-85A3-A5531E510DB2}">
+      <thm15:themeFamily xmlns:thm15="http://schemas.microsoft.com/office/thememl/2012/main" name="Office Theme" id="{62F939B6-93AF-4DB8-9C6B-D6C7DFDC589F}" vid="{4A3C46E8-61CC-4603-A589-7422A47A8E4A}"/>
+    </a:ext>
+  </a:extLst>
+</a:theme>
 </file>